--- a/Documentazione/Presentazione.pptx
+++ b/Documentazione/Presentazione.pptx
@@ -4,6 +4,10 @@
   <p:sldMasterIdLst>
     <p:sldMasterId id="2147483648" r:id="rId1"/>
   </p:sldMasterIdLst>
+  <p:sldIdLst>
+    <p:sldId id="256" r:id="rId2"/>
+    <p:sldId id="257" r:id="rId3"/>
+  </p:sldIdLst>
   <p:sldSz cx="12192000" cy="6858000"/>
   <p:notesSz cx="6858000" cy="9144000"/>
   <p:defaultTextStyle>
@@ -101,7 +105,64 @@
       </a:defRPr>
     </a:lvl9pPr>
   </p:defaultTextStyle>
+  <p:extLst>
+    <p:ext uri="{EFAFB233-063F-42B5-8137-9DF3F51BA10A}">
+      <p15:sldGuideLst xmlns:p15="http://schemas.microsoft.com/office/powerpoint/2012/main"/>
+    </p:ext>
+  </p:extLst>
 </p:presentation>
+</file>
+
+<file path=ppt/revisionInfo.xml><?xml version="1.0" encoding="utf-8"?>
+<p1510:revInfo xmlns:a="http://schemas.openxmlformats.org/drawingml/2006/main" xmlns:r="http://schemas.openxmlformats.org/officeDocument/2006/relationships" xmlns:p1510="http://schemas.microsoft.com/office/powerpoint/2015/10/main">
+  <p1510:revLst>
+    <p1510:client id="{CB69E376-5205-449C-9DEB-6476FDFD4E21}" v="2" dt="2018-11-08T18:51:55.956"/>
+  </p1510:revLst>
+</p1510:revInfo>
+</file>
+
+<file path=ppt/changesInfos/changesInfo1.xml><?xml version="1.0" encoding="utf-8"?>
+<pc:chgInfo xmlns:a="http://schemas.openxmlformats.org/drawingml/2006/main" xmlns:r="http://schemas.openxmlformats.org/officeDocument/2006/relationships" xmlns:ac="http://schemas.microsoft.com/office/drawing/2013/main/command" xmlns:pc="http://schemas.microsoft.com/office/powerpoint/2013/main/command">
+  <pc:docChgLst>
+    <pc:chgData name="Fadil Smajilbasic" userId="db79339bd8362c1d" providerId="LiveId" clId="{CB69E376-5205-449C-9DEB-6476FDFD4E21}"/>
+    <pc:docChg chg="addSld modSld">
+      <pc:chgData name="Fadil Smajilbasic" userId="db79339bd8362c1d" providerId="LiveId" clId="{CB69E376-5205-449C-9DEB-6476FDFD4E21}" dt="2018-11-08T18:51:55.952" v="32"/>
+      <pc:docMkLst>
+        <pc:docMk/>
+      </pc:docMkLst>
+      <pc:sldChg chg="modSp add">
+        <pc:chgData name="Fadil Smajilbasic" userId="db79339bd8362c1d" providerId="LiveId" clId="{CB69E376-5205-449C-9DEB-6476FDFD4E21}" dt="2018-11-08T18:51:46.435" v="31" actId="20577"/>
+        <pc:sldMkLst>
+          <pc:docMk/>
+          <pc:sldMk cId="2489345936" sldId="256"/>
+        </pc:sldMkLst>
+        <pc:spChg chg="mod">
+          <ac:chgData name="Fadil Smajilbasic" userId="db79339bd8362c1d" providerId="LiveId" clId="{CB69E376-5205-449C-9DEB-6476FDFD4E21}" dt="2018-11-08T18:51:39.338" v="10" actId="20577"/>
+          <ac:spMkLst>
+            <pc:docMk/>
+            <pc:sldMk cId="2489345936" sldId="256"/>
+            <ac:spMk id="2" creationId="{4F754B18-9501-4908-BADD-2DC09503EE00}"/>
+          </ac:spMkLst>
+        </pc:spChg>
+        <pc:spChg chg="mod">
+          <ac:chgData name="Fadil Smajilbasic" userId="db79339bd8362c1d" providerId="LiveId" clId="{CB69E376-5205-449C-9DEB-6476FDFD4E21}" dt="2018-11-08T18:51:46.435" v="31" actId="20577"/>
+          <ac:spMkLst>
+            <pc:docMk/>
+            <pc:sldMk cId="2489345936" sldId="256"/>
+            <ac:spMk id="3" creationId="{83725FA5-E1C7-472A-9B13-068E5F1D0C7D}"/>
+          </ac:spMkLst>
+        </pc:spChg>
+      </pc:sldChg>
+      <pc:sldChg chg="add">
+        <pc:chgData name="Fadil Smajilbasic" userId="db79339bd8362c1d" providerId="LiveId" clId="{CB69E376-5205-449C-9DEB-6476FDFD4E21}" dt="2018-11-08T18:51:55.952" v="32"/>
+        <pc:sldMkLst>
+          <pc:docMk/>
+          <pc:sldMk cId="3367774235" sldId="257"/>
+        </pc:sldMkLst>
+      </pc:sldChg>
+    </pc:docChg>
+  </pc:docChgLst>
+</pc:chgInfo>
 </file>
 
 <file path=ppt/slideLayouts/slideLayout1.xml><?xml version="1.0" encoding="utf-8"?>
@@ -253,7 +314,7 @@
           <a:p>
             <a:fld id="{7E295A10-F123-426F-85AC-B2CE9CE22CEF}" type="datetimeFigureOut">
               <a:rPr lang="de-DE" smtClean="0"/>
-              <a:t>07.11.2018</a:t>
+              <a:t>08.11.2018</a:t>
             </a:fld>
             <a:endParaRPr lang="de-DE"/>
           </a:p>
@@ -453,7 +514,7 @@
           <a:p>
             <a:fld id="{7E295A10-F123-426F-85AC-B2CE9CE22CEF}" type="datetimeFigureOut">
               <a:rPr lang="de-DE" smtClean="0"/>
-              <a:t>07.11.2018</a:t>
+              <a:t>08.11.2018</a:t>
             </a:fld>
             <a:endParaRPr lang="de-DE"/>
           </a:p>
@@ -663,7 +724,7 @@
           <a:p>
             <a:fld id="{7E295A10-F123-426F-85AC-B2CE9CE22CEF}" type="datetimeFigureOut">
               <a:rPr lang="de-DE" smtClean="0"/>
-              <a:t>07.11.2018</a:t>
+              <a:t>08.11.2018</a:t>
             </a:fld>
             <a:endParaRPr lang="de-DE"/>
           </a:p>
@@ -863,7 +924,7 @@
           <a:p>
             <a:fld id="{7E295A10-F123-426F-85AC-B2CE9CE22CEF}" type="datetimeFigureOut">
               <a:rPr lang="de-DE" smtClean="0"/>
-              <a:t>07.11.2018</a:t>
+              <a:t>08.11.2018</a:t>
             </a:fld>
             <a:endParaRPr lang="de-DE"/>
           </a:p>
@@ -1139,7 +1200,7 @@
           <a:p>
             <a:fld id="{7E295A10-F123-426F-85AC-B2CE9CE22CEF}" type="datetimeFigureOut">
               <a:rPr lang="de-DE" smtClean="0"/>
-              <a:t>07.11.2018</a:t>
+              <a:t>08.11.2018</a:t>
             </a:fld>
             <a:endParaRPr lang="de-DE"/>
           </a:p>
@@ -1407,7 +1468,7 @@
           <a:p>
             <a:fld id="{7E295A10-F123-426F-85AC-B2CE9CE22CEF}" type="datetimeFigureOut">
               <a:rPr lang="de-DE" smtClean="0"/>
-              <a:t>07.11.2018</a:t>
+              <a:t>08.11.2018</a:t>
             </a:fld>
             <a:endParaRPr lang="de-DE"/>
           </a:p>
@@ -1822,7 +1883,7 @@
           <a:p>
             <a:fld id="{7E295A10-F123-426F-85AC-B2CE9CE22CEF}" type="datetimeFigureOut">
               <a:rPr lang="de-DE" smtClean="0"/>
-              <a:t>07.11.2018</a:t>
+              <a:t>08.11.2018</a:t>
             </a:fld>
             <a:endParaRPr lang="de-DE"/>
           </a:p>
@@ -1964,7 +2025,7 @@
           <a:p>
             <a:fld id="{7E295A10-F123-426F-85AC-B2CE9CE22CEF}" type="datetimeFigureOut">
               <a:rPr lang="de-DE" smtClean="0"/>
-              <a:t>07.11.2018</a:t>
+              <a:t>08.11.2018</a:t>
             </a:fld>
             <a:endParaRPr lang="de-DE"/>
           </a:p>
@@ -2077,7 +2138,7 @@
           <a:p>
             <a:fld id="{7E295A10-F123-426F-85AC-B2CE9CE22CEF}" type="datetimeFigureOut">
               <a:rPr lang="de-DE" smtClean="0"/>
-              <a:t>07.11.2018</a:t>
+              <a:t>08.11.2018</a:t>
             </a:fld>
             <a:endParaRPr lang="de-DE"/>
           </a:p>
@@ -2390,7 +2451,7 @@
           <a:p>
             <a:fld id="{7E295A10-F123-426F-85AC-B2CE9CE22CEF}" type="datetimeFigureOut">
               <a:rPr lang="de-DE" smtClean="0"/>
-              <a:t>07.11.2018</a:t>
+              <a:t>08.11.2018</a:t>
             </a:fld>
             <a:endParaRPr lang="de-DE"/>
           </a:p>
@@ -2679,7 +2740,7 @@
           <a:p>
             <a:fld id="{7E295A10-F123-426F-85AC-B2CE9CE22CEF}" type="datetimeFigureOut">
               <a:rPr lang="de-DE" smtClean="0"/>
-              <a:t>07.11.2018</a:t>
+              <a:t>08.11.2018</a:t>
             </a:fld>
             <a:endParaRPr lang="de-DE"/>
           </a:p>
@@ -2922,7 +2983,7 @@
           <a:p>
             <a:fld id="{7E295A10-F123-426F-85AC-B2CE9CE22CEF}" type="datetimeFigureOut">
               <a:rPr lang="de-DE" smtClean="0"/>
-              <a:t>07.11.2018</a:t>
+              <a:t>08.11.2018</a:t>
             </a:fld>
             <a:endParaRPr lang="de-DE"/>
           </a:p>
@@ -3322,6 +3383,178 @@
 </p:sldMaster>
 </file>
 
+<file path=ppt/slides/slide1.xml><?xml version="1.0" encoding="utf-8"?>
+<p:sld xmlns:a="http://schemas.openxmlformats.org/drawingml/2006/main" xmlns:r="http://schemas.openxmlformats.org/officeDocument/2006/relationships" xmlns:p="http://schemas.openxmlformats.org/presentationml/2006/main">
+  <p:cSld>
+    <p:spTree>
+      <p:nvGrpSpPr>
+        <p:cNvPr id="1" name=""/>
+        <p:cNvGrpSpPr/>
+        <p:nvPr/>
+      </p:nvGrpSpPr>
+      <p:grpSpPr>
+        <a:xfrm>
+          <a:off x="0" y="0"/>
+          <a:ext cx="0" cy="0"/>
+          <a:chOff x="0" y="0"/>
+          <a:chExt cx="0" cy="0"/>
+        </a:xfrm>
+      </p:grpSpPr>
+      <p:sp>
+        <p:nvSpPr>
+          <p:cNvPr id="2" name="Title 1">
+            <a:extLst>
+              <a:ext uri="{FF2B5EF4-FFF2-40B4-BE49-F238E27FC236}">
+                <a16:creationId xmlns:a16="http://schemas.microsoft.com/office/drawing/2014/main" id="{4F754B18-9501-4908-BADD-2DC09503EE00}"/>
+              </a:ext>
+            </a:extLst>
+          </p:cNvPr>
+          <p:cNvSpPr>
+            <a:spLocks noGrp="1"/>
+          </p:cNvSpPr>
+          <p:nvPr>
+            <p:ph type="ctrTitle"/>
+          </p:nvPr>
+        </p:nvSpPr>
+        <p:spPr/>
+        <p:txBody>
+          <a:bodyPr/>
+          <a:lstStyle/>
+          <a:p>
+            <a:r>
+              <a:rPr lang="en-GB" dirty="0" err="1"/>
+              <a:t>Progetto</a:t>
+            </a:r>
+            <a:r>
+              <a:rPr lang="en-GB" dirty="0"/>
+              <a:t> 1</a:t>
+            </a:r>
+            <a:endParaRPr lang="de-DE" dirty="0"/>
+          </a:p>
+        </p:txBody>
+      </p:sp>
+      <p:sp>
+        <p:nvSpPr>
+          <p:cNvPr id="3" name="Subtitle 2">
+            <a:extLst>
+              <a:ext uri="{FF2B5EF4-FFF2-40B4-BE49-F238E27FC236}">
+                <a16:creationId xmlns:a16="http://schemas.microsoft.com/office/drawing/2014/main" id="{83725FA5-E1C7-472A-9B13-068E5F1D0C7D}"/>
+              </a:ext>
+            </a:extLst>
+          </p:cNvPr>
+          <p:cNvSpPr>
+            <a:spLocks noGrp="1"/>
+          </p:cNvSpPr>
+          <p:nvPr>
+            <p:ph type="subTitle" idx="1"/>
+          </p:nvPr>
+        </p:nvSpPr>
+        <p:spPr/>
+        <p:txBody>
+          <a:bodyPr/>
+          <a:lstStyle/>
+          <a:p>
+            <a:r>
+              <a:rPr lang="en-GB" dirty="0"/>
+              <a:t>Fadil Smajilbasic</a:t>
+            </a:r>
+            <a:endParaRPr lang="de-DE" dirty="0"/>
+          </a:p>
+        </p:txBody>
+      </p:sp>
+    </p:spTree>
+    <p:extLst>
+      <p:ext uri="{BB962C8B-B14F-4D97-AF65-F5344CB8AC3E}">
+        <p14:creationId xmlns:p14="http://schemas.microsoft.com/office/powerpoint/2010/main" val="2489345936"/>
+      </p:ext>
+    </p:extLst>
+  </p:cSld>
+  <p:clrMapOvr>
+    <a:masterClrMapping/>
+  </p:clrMapOvr>
+</p:sld>
+</file>
+
+<file path=ppt/slides/slide2.xml><?xml version="1.0" encoding="utf-8"?>
+<p:sld xmlns:a="http://schemas.openxmlformats.org/drawingml/2006/main" xmlns:r="http://schemas.openxmlformats.org/officeDocument/2006/relationships" xmlns:p="http://schemas.openxmlformats.org/presentationml/2006/main">
+  <p:cSld>
+    <p:spTree>
+      <p:nvGrpSpPr>
+        <p:cNvPr id="1" name=""/>
+        <p:cNvGrpSpPr/>
+        <p:nvPr/>
+      </p:nvGrpSpPr>
+      <p:grpSpPr>
+        <a:xfrm>
+          <a:off x="0" y="0"/>
+          <a:ext cx="0" cy="0"/>
+          <a:chOff x="0" y="0"/>
+          <a:chExt cx="0" cy="0"/>
+        </a:xfrm>
+      </p:grpSpPr>
+      <p:sp>
+        <p:nvSpPr>
+          <p:cNvPr id="2" name="Title 1">
+            <a:extLst>
+              <a:ext uri="{FF2B5EF4-FFF2-40B4-BE49-F238E27FC236}">
+                <a16:creationId xmlns:a16="http://schemas.microsoft.com/office/drawing/2014/main" id="{98D8B47C-BC23-4656-AC60-819447CE4D7E}"/>
+              </a:ext>
+            </a:extLst>
+          </p:cNvPr>
+          <p:cNvSpPr>
+            <a:spLocks noGrp="1"/>
+          </p:cNvSpPr>
+          <p:nvPr>
+            <p:ph type="title"/>
+          </p:nvPr>
+        </p:nvSpPr>
+        <p:spPr/>
+        <p:txBody>
+          <a:bodyPr/>
+          <a:lstStyle/>
+          <a:p>
+            <a:endParaRPr lang="de-DE"/>
+          </a:p>
+        </p:txBody>
+      </p:sp>
+      <p:sp>
+        <p:nvSpPr>
+          <p:cNvPr id="3" name="Content Placeholder 2">
+            <a:extLst>
+              <a:ext uri="{FF2B5EF4-FFF2-40B4-BE49-F238E27FC236}">
+                <a16:creationId xmlns:a16="http://schemas.microsoft.com/office/drawing/2014/main" id="{5FBB27A0-6DE5-4E1B-AD93-2A4A3E72A49D}"/>
+              </a:ext>
+            </a:extLst>
+          </p:cNvPr>
+          <p:cNvSpPr>
+            <a:spLocks noGrp="1"/>
+          </p:cNvSpPr>
+          <p:nvPr>
+            <p:ph idx="1"/>
+          </p:nvPr>
+        </p:nvSpPr>
+        <p:spPr/>
+        <p:txBody>
+          <a:bodyPr/>
+          <a:lstStyle/>
+          <a:p>
+            <a:endParaRPr lang="de-DE"/>
+          </a:p>
+        </p:txBody>
+      </p:sp>
+    </p:spTree>
+    <p:extLst>
+      <p:ext uri="{BB962C8B-B14F-4D97-AF65-F5344CB8AC3E}">
+        <p14:creationId xmlns:p14="http://schemas.microsoft.com/office/powerpoint/2010/main" val="3367774235"/>
+      </p:ext>
+    </p:extLst>
+  </p:cSld>
+  <p:clrMapOvr>
+    <a:masterClrMapping/>
+  </p:clrMapOvr>
+</p:sld>
+</file>
+
 <file path=ppt/theme/theme1.xml><?xml version="1.0" encoding="utf-8"?>
 <a:theme xmlns:a="http://schemas.openxmlformats.org/drawingml/2006/main" name="Office Theme">
   <a:themeElements>

--- a/Documentazione/Presentazione.pptx
+++ b/Documentazione/Presentazione.pptx
@@ -2,17 +2,31 @@
 <file path=ppt/presentation.xml><?xml version="1.0" encoding="utf-8"?>
 <p:presentation xmlns:a="http://schemas.openxmlformats.org/drawingml/2006/main" xmlns:r="http://schemas.openxmlformats.org/officeDocument/2006/relationships" xmlns:p="http://schemas.openxmlformats.org/presentationml/2006/main" saveSubsetFonts="1">
   <p:sldMasterIdLst>
-    <p:sldMasterId id="2147483648" r:id="rId1"/>
+    <p:sldMasterId id="2147483648" r:id="rId4"/>
   </p:sldMasterIdLst>
+  <p:notesMasterIdLst>
+    <p:notesMasterId r:id="rId15"/>
+  </p:notesMasterIdLst>
+  <p:handoutMasterIdLst>
+    <p:handoutMasterId r:id="rId16"/>
+  </p:handoutMasterIdLst>
   <p:sldIdLst>
-    <p:sldId id="256" r:id="rId2"/>
-    <p:sldId id="257" r:id="rId3"/>
+    <p:sldId id="256" r:id="rId5"/>
+    <p:sldId id="265" r:id="rId6"/>
+    <p:sldId id="266" r:id="rId7"/>
+    <p:sldId id="267" r:id="rId8"/>
+    <p:sldId id="269" r:id="rId9"/>
+    <p:sldId id="276" r:id="rId10"/>
+    <p:sldId id="277" r:id="rId11"/>
+    <p:sldId id="271" r:id="rId12"/>
+    <p:sldId id="272" r:id="rId13"/>
+    <p:sldId id="273" r:id="rId14"/>
   </p:sldIdLst>
   <p:sldSz cx="12192000" cy="6858000"/>
   <p:notesSz cx="6858000" cy="9144000"/>
   <p:defaultTextStyle>
     <a:defPPr>
-      <a:defRPr lang="de-DE"/>
+      <a:defRPr lang="en-US"/>
     </a:defPPr>
     <a:lvl1pPr marL="0" algn="l" defTabSz="914400" rtl="0" eaLnBrk="1" latinLnBrk="0" hangingPunct="1">
       <a:defRPr sz="1800" kern="1200">
@@ -107,7 +121,21 @@
   </p:defaultTextStyle>
   <p:extLst>
     <p:ext uri="{EFAFB233-063F-42B5-8137-9DF3F51BA10A}">
-      <p15:sldGuideLst xmlns:p15="http://schemas.microsoft.com/office/powerpoint/2012/main"/>
+      <p15:sldGuideLst xmlns:p15="http://schemas.microsoft.com/office/powerpoint/2012/main">
+        <p15:guide id="1" pos="3840" userDrawn="1">
+          <p15:clr>
+            <a:srgbClr val="A4A3A4"/>
+          </p15:clr>
+        </p15:guide>
+        <p15:guide id="2" orient="horz" pos="2160" userDrawn="1">
+          <p15:clr>
+            <a:srgbClr val="A4A3A4"/>
+          </p15:clr>
+        </p15:guide>
+      </p15:sldGuideLst>
+    </p:ext>
+    <p:ext uri="{2D200454-40CA-4A62-9FC3-DE9A4176ACB9}">
+      <p15:notesGuideLst xmlns:p15="http://schemas.microsoft.com/office/powerpoint/2012/main"/>
     </p:ext>
   </p:extLst>
 </p:presentation>
@@ -116,7 +144,7 @@
 <file path=ppt/revisionInfo.xml><?xml version="1.0" encoding="utf-8"?>
 <p1510:revInfo xmlns:a="http://schemas.openxmlformats.org/drawingml/2006/main" xmlns:r="http://schemas.openxmlformats.org/officeDocument/2006/relationships" xmlns:p1510="http://schemas.microsoft.com/office/powerpoint/2015/10/main">
   <p1510:revLst>
-    <p1510:client id="{CB69E376-5205-449C-9DEB-6476FDFD4E21}" v="2" dt="2018-11-08T18:51:55.956"/>
+    <p1510:client id="{B865AAF9-979A-4715-B780-C09D3CC9F3FA}" v="23" dt="2018-11-08T21:49:36.576"/>
   </p1510:revLst>
 </p1510:revInfo>
 </file>
@@ -124,50 +152,289 @@
 <file path=ppt/changesInfos/changesInfo1.xml><?xml version="1.0" encoding="utf-8"?>
 <pc:chgInfo xmlns:a="http://schemas.openxmlformats.org/drawingml/2006/main" xmlns:r="http://schemas.openxmlformats.org/officeDocument/2006/relationships" xmlns:ac="http://schemas.microsoft.com/office/drawing/2013/main/command" xmlns:pc="http://schemas.microsoft.com/office/powerpoint/2013/main/command">
   <pc:docChgLst>
-    <pc:chgData name="Fadil Smajilbasic" userId="db79339bd8362c1d" providerId="LiveId" clId="{CB69E376-5205-449C-9DEB-6476FDFD4E21}"/>
-    <pc:docChg chg="addSld modSld">
-      <pc:chgData name="Fadil Smajilbasic" userId="db79339bd8362c1d" providerId="LiveId" clId="{CB69E376-5205-449C-9DEB-6476FDFD4E21}" dt="2018-11-08T18:51:55.952" v="32"/>
+    <pc:chgData name="Fadil Smajilbasic" userId="db79339bd8362c1d" providerId="LiveId" clId="{B865AAF9-979A-4715-B780-C09D3CC9F3FA}"/>
+    <pc:docChg chg="undo custSel addSld delSld modSld">
+      <pc:chgData name="Fadil Smajilbasic" userId="db79339bd8362c1d" providerId="LiveId" clId="{B865AAF9-979A-4715-B780-C09D3CC9F3FA}" dt="2018-11-09T14:04:01.267" v="1239" actId="20577"/>
       <pc:docMkLst>
         <pc:docMk/>
       </pc:docMkLst>
-      <pc:sldChg chg="modSp add">
-        <pc:chgData name="Fadil Smajilbasic" userId="db79339bd8362c1d" providerId="LiveId" clId="{CB69E376-5205-449C-9DEB-6476FDFD4E21}" dt="2018-11-08T18:51:46.435" v="31" actId="20577"/>
+      <pc:sldChg chg="modSp">
+        <pc:chgData name="Fadil Smajilbasic" userId="db79339bd8362c1d" providerId="LiveId" clId="{B865AAF9-979A-4715-B780-C09D3CC9F3FA}" dt="2018-11-08T19:00:03.215" v="60" actId="790"/>
         <pc:sldMkLst>
           <pc:docMk/>
-          <pc:sldMk cId="2489345936" sldId="256"/>
+          <pc:sldMk cId="242453831" sldId="256"/>
         </pc:sldMkLst>
         <pc:spChg chg="mod">
-          <ac:chgData name="Fadil Smajilbasic" userId="db79339bd8362c1d" providerId="LiveId" clId="{CB69E376-5205-449C-9DEB-6476FDFD4E21}" dt="2018-11-08T18:51:39.338" v="10" actId="20577"/>
+          <ac:chgData name="Fadil Smajilbasic" userId="db79339bd8362c1d" providerId="LiveId" clId="{B865AAF9-979A-4715-B780-C09D3CC9F3FA}" dt="2018-11-08T19:00:03.215" v="60" actId="790"/>
           <ac:spMkLst>
             <pc:docMk/>
-            <pc:sldMk cId="2489345936" sldId="256"/>
-            <ac:spMk id="2" creationId="{4F754B18-9501-4908-BADD-2DC09503EE00}"/>
+            <pc:sldMk cId="242453831" sldId="256"/>
+            <ac:spMk id="2" creationId="{00000000-0000-0000-0000-000000000000}"/>
+          </ac:spMkLst>
+        </pc:spChg>
+      </pc:sldChg>
+      <pc:sldChg chg="modSp">
+        <pc:chgData name="Fadil Smajilbasic" userId="db79339bd8362c1d" providerId="LiveId" clId="{B865AAF9-979A-4715-B780-C09D3CC9F3FA}" dt="2018-11-08T19:08:44.563" v="181" actId="20577"/>
+        <pc:sldMkLst>
+          <pc:docMk/>
+          <pc:sldMk cId="3042826300" sldId="265"/>
+        </pc:sldMkLst>
+        <pc:spChg chg="mod">
+          <ac:chgData name="Fadil Smajilbasic" userId="db79339bd8362c1d" providerId="LiveId" clId="{B865AAF9-979A-4715-B780-C09D3CC9F3FA}" dt="2018-11-08T19:00:15.200" v="62" actId="790"/>
+          <ac:spMkLst>
+            <pc:docMk/>
+            <pc:sldMk cId="3042826300" sldId="265"/>
+            <ac:spMk id="13" creationId="{00000000-0000-0000-0000-000000000000}"/>
           </ac:spMkLst>
         </pc:spChg>
         <pc:spChg chg="mod">
-          <ac:chgData name="Fadil Smajilbasic" userId="db79339bd8362c1d" providerId="LiveId" clId="{CB69E376-5205-449C-9DEB-6476FDFD4E21}" dt="2018-11-08T18:51:46.435" v="31" actId="20577"/>
+          <ac:chgData name="Fadil Smajilbasic" userId="db79339bd8362c1d" providerId="LiveId" clId="{B865AAF9-979A-4715-B780-C09D3CC9F3FA}" dt="2018-11-08T19:08:44.563" v="181" actId="20577"/>
           <ac:spMkLst>
             <pc:docMk/>
-            <pc:sldMk cId="2489345936" sldId="256"/>
-            <ac:spMk id="3" creationId="{83725FA5-E1C7-472A-9B13-068E5F1D0C7D}"/>
+            <pc:sldMk cId="3042826300" sldId="265"/>
+            <ac:spMk id="14" creationId="{00000000-0000-0000-0000-000000000000}"/>
           </ac:spMkLst>
         </pc:spChg>
       </pc:sldChg>
-      <pc:sldChg chg="add">
-        <pc:chgData name="Fadil Smajilbasic" userId="db79339bd8362c1d" providerId="LiveId" clId="{CB69E376-5205-449C-9DEB-6476FDFD4E21}" dt="2018-11-08T18:51:55.952" v="32"/>
+      <pc:sldChg chg="addSp delSp modSp modNotesTx">
+        <pc:chgData name="Fadil Smajilbasic" userId="db79339bd8362c1d" providerId="LiveId" clId="{B865AAF9-979A-4715-B780-C09D3CC9F3FA}" dt="2018-11-08T19:24:03.160" v="887" actId="313"/>
         <pc:sldMkLst>
           <pc:docMk/>
-          <pc:sldMk cId="3367774235" sldId="257"/>
+          <pc:sldMk cId="2116190161" sldId="266"/>
         </pc:sldMkLst>
+        <pc:spChg chg="mod">
+          <ac:chgData name="Fadil Smajilbasic" userId="db79339bd8362c1d" providerId="LiveId" clId="{B865AAF9-979A-4715-B780-C09D3CC9F3FA}" dt="2018-11-08T19:08:50.122" v="182"/>
+          <ac:spMkLst>
+            <pc:docMk/>
+            <pc:sldMk cId="2116190161" sldId="266"/>
+            <ac:spMk id="2" creationId="{00000000-0000-0000-0000-000000000000}"/>
+          </ac:spMkLst>
+        </pc:spChg>
+        <pc:spChg chg="add mod">
+          <ac:chgData name="Fadil Smajilbasic" userId="db79339bd8362c1d" providerId="LiveId" clId="{B865AAF9-979A-4715-B780-C09D3CC9F3FA}" dt="2018-11-08T19:23:06.501" v="747" actId="5793"/>
+          <ac:spMkLst>
+            <pc:docMk/>
+            <pc:sldMk cId="2116190161" sldId="266"/>
+            <ac:spMk id="4" creationId="{B8096728-0FAB-4E91-B95D-96AF95BAE2BB}"/>
+          </ac:spMkLst>
+        </pc:spChg>
+        <pc:graphicFrameChg chg="add del mod">
+          <ac:chgData name="Fadil Smajilbasic" userId="db79339bd8362c1d" providerId="LiveId" clId="{B865AAF9-979A-4715-B780-C09D3CC9F3FA}" dt="2018-11-08T19:14:29.271" v="184" actId="478"/>
+          <ac:graphicFrameMkLst>
+            <pc:docMk/>
+            <pc:sldMk cId="2116190161" sldId="266"/>
+            <ac:graphicFrameMk id="3" creationId="{467B15EC-8E0F-4F2B-9402-2CD312714104}"/>
+          </ac:graphicFrameMkLst>
+        </pc:graphicFrameChg>
+        <pc:graphicFrameChg chg="del">
+          <ac:chgData name="Fadil Smajilbasic" userId="db79339bd8362c1d" providerId="LiveId" clId="{B865AAF9-979A-4715-B780-C09D3CC9F3FA}" dt="2018-11-08T19:14:34.229" v="185" actId="478"/>
+          <ac:graphicFrameMkLst>
+            <pc:docMk/>
+            <pc:sldMk cId="2116190161" sldId="266"/>
+            <ac:graphicFrameMk id="13" creationId="{00000000-0000-0000-0000-000000000000}"/>
+          </ac:graphicFrameMkLst>
+        </pc:graphicFrameChg>
+      </pc:sldChg>
+      <pc:sldChg chg="addSp delSp modSp">
+        <pc:chgData name="Fadil Smajilbasic" userId="db79339bd8362c1d" providerId="LiveId" clId="{B865AAF9-979A-4715-B780-C09D3CC9F3FA}" dt="2018-11-09T14:03:43.726" v="1229" actId="478"/>
+        <pc:sldMkLst>
+          <pc:docMk/>
+          <pc:sldMk cId="4145261392" sldId="267"/>
+        </pc:sldMkLst>
+        <pc:spChg chg="mod">
+          <ac:chgData name="Fadil Smajilbasic" userId="db79339bd8362c1d" providerId="LiveId" clId="{B865AAF9-979A-4715-B780-C09D3CC9F3FA}" dt="2018-11-08T19:30:40.166" v="958" actId="20577"/>
+          <ac:spMkLst>
+            <pc:docMk/>
+            <pc:sldMk cId="4145261392" sldId="267"/>
+            <ac:spMk id="2" creationId="{00000000-0000-0000-0000-000000000000}"/>
+          </ac:spMkLst>
+        </pc:spChg>
+        <pc:spChg chg="mod">
+          <ac:chgData name="Fadil Smajilbasic" userId="db79339bd8362c1d" providerId="LiveId" clId="{B865AAF9-979A-4715-B780-C09D3CC9F3FA}" dt="2018-11-08T19:47:42.766" v="1095" actId="20577"/>
+          <ac:spMkLst>
+            <pc:docMk/>
+            <pc:sldMk cId="4145261392" sldId="267"/>
+            <ac:spMk id="3" creationId="{00000000-0000-0000-0000-000000000000}"/>
+          </ac:spMkLst>
+        </pc:spChg>
+        <pc:spChg chg="add del mod">
+          <ac:chgData name="Fadil Smajilbasic" userId="db79339bd8362c1d" providerId="LiveId" clId="{B865AAF9-979A-4715-B780-C09D3CC9F3FA}" dt="2018-11-08T19:33:15.127" v="960" actId="931"/>
+          <ac:spMkLst>
+            <pc:docMk/>
+            <pc:sldMk cId="4145261392" sldId="267"/>
+            <ac:spMk id="6" creationId="{5CFEF96A-C13A-49D7-B6F6-FBCA9ADA8D9F}"/>
+          </ac:spMkLst>
+        </pc:spChg>
+        <pc:spChg chg="add del mod">
+          <ac:chgData name="Fadil Smajilbasic" userId="db79339bd8362c1d" providerId="LiveId" clId="{B865AAF9-979A-4715-B780-C09D3CC9F3FA}" dt="2018-11-08T19:33:41.086" v="967" actId="478"/>
+          <ac:spMkLst>
+            <pc:docMk/>
+            <pc:sldMk cId="4145261392" sldId="267"/>
+            <ac:spMk id="9" creationId="{3F385BE4-8306-48FE-BB08-2AF71AD15202}"/>
+          </ac:spMkLst>
+        </pc:spChg>
+        <pc:spChg chg="add del mod">
+          <ac:chgData name="Fadil Smajilbasic" userId="db79339bd8362c1d" providerId="LiveId" clId="{B865AAF9-979A-4715-B780-C09D3CC9F3FA}" dt="2018-11-09T14:03:43.726" v="1229" actId="478"/>
+          <ac:spMkLst>
+            <pc:docMk/>
+            <pc:sldMk cId="4145261392" sldId="267"/>
+            <ac:spMk id="12" creationId="{DE607D13-AACB-422F-9E18-0C9712013C71}"/>
+          </ac:spMkLst>
+        </pc:spChg>
+        <pc:graphicFrameChg chg="del">
+          <ac:chgData name="Fadil Smajilbasic" userId="db79339bd8362c1d" providerId="LiveId" clId="{B865AAF9-979A-4715-B780-C09D3CC9F3FA}" dt="2018-11-08T19:32:24.983" v="959" actId="478"/>
+          <ac:graphicFrameMkLst>
+            <pc:docMk/>
+            <pc:sldMk cId="4145261392" sldId="267"/>
+            <ac:graphicFrameMk id="5" creationId="{00000000-0000-0000-0000-000000000000}"/>
+          </ac:graphicFrameMkLst>
+        </pc:graphicFrameChg>
+        <pc:picChg chg="add mod">
+          <ac:chgData name="Fadil Smajilbasic" userId="db79339bd8362c1d" providerId="LiveId" clId="{B865AAF9-979A-4715-B780-C09D3CC9F3FA}" dt="2018-11-08T19:33:26.708" v="962" actId="1076"/>
+          <ac:picMkLst>
+            <pc:docMk/>
+            <pc:sldMk cId="4145261392" sldId="267"/>
+            <ac:picMk id="8" creationId="{FD6A5073-1D0C-44D2-9F3D-916CEA4CC475}"/>
+          </ac:picMkLst>
+        </pc:picChg>
+        <pc:picChg chg="add mod">
+          <ac:chgData name="Fadil Smajilbasic" userId="db79339bd8362c1d" providerId="LiveId" clId="{B865AAF9-979A-4715-B780-C09D3CC9F3FA}" dt="2018-11-08T19:33:49.584" v="968" actId="1076"/>
+          <ac:picMkLst>
+            <pc:docMk/>
+            <pc:sldMk cId="4145261392" sldId="267"/>
+            <ac:picMk id="11" creationId="{31F0443A-411A-440A-97D6-783681A40F87}"/>
+          </ac:picMkLst>
+        </pc:picChg>
+      </pc:sldChg>
+      <pc:sldChg chg="addSp delSp modSp">
+        <pc:chgData name="Fadil Smajilbasic" userId="db79339bd8362c1d" providerId="LiveId" clId="{B865AAF9-979A-4715-B780-C09D3CC9F3FA}" dt="2018-11-08T21:37:46.357" v="1121" actId="478"/>
+        <pc:sldMkLst>
+          <pc:docMk/>
+          <pc:sldMk cId="1153027685" sldId="269"/>
+        </pc:sldMkLst>
+        <pc:spChg chg="mod">
+          <ac:chgData name="Fadil Smajilbasic" userId="db79339bd8362c1d" providerId="LiveId" clId="{B865AAF9-979A-4715-B780-C09D3CC9F3FA}" dt="2018-11-08T21:37:41.875" v="1120" actId="20577"/>
+          <ac:spMkLst>
+            <pc:docMk/>
+            <pc:sldMk cId="1153027685" sldId="269"/>
+            <ac:spMk id="2" creationId="{00000000-0000-0000-0000-000000000000}"/>
+          </ac:spMkLst>
+        </pc:spChg>
+        <pc:spChg chg="add mod">
+          <ac:chgData name="Fadil Smajilbasic" userId="db79339bd8362c1d" providerId="LiveId" clId="{B865AAF9-979A-4715-B780-C09D3CC9F3FA}" dt="2018-11-08T21:37:46.357" v="1121" actId="478"/>
+          <ac:spMkLst>
+            <pc:docMk/>
+            <pc:sldMk cId="1153027685" sldId="269"/>
+            <ac:spMk id="3" creationId="{52C8500C-FA5E-4214-B9E0-95AFAE4FA650}"/>
+          </ac:spMkLst>
+        </pc:spChg>
+        <pc:graphicFrameChg chg="del">
+          <ac:chgData name="Fadil Smajilbasic" userId="db79339bd8362c1d" providerId="LiveId" clId="{B865AAF9-979A-4715-B780-C09D3CC9F3FA}" dt="2018-11-08T21:37:46.357" v="1121" actId="478"/>
+          <ac:graphicFrameMkLst>
+            <pc:docMk/>
+            <pc:sldMk cId="1153027685" sldId="269"/>
+            <ac:graphicFrameMk id="9" creationId="{00000000-0000-0000-0000-000000000000}"/>
+          </ac:graphicFrameMkLst>
+        </pc:graphicFrameChg>
+      </pc:sldChg>
+      <pc:sldChg chg="del">
+        <pc:chgData name="Fadil Smajilbasic" userId="db79339bd8362c1d" providerId="LiveId" clId="{B865AAF9-979A-4715-B780-C09D3CC9F3FA}" dt="2018-11-08T21:38:10.140" v="1122" actId="2696"/>
+        <pc:sldMkLst>
+          <pc:docMk/>
+          <pc:sldMk cId="3444435236" sldId="270"/>
+        </pc:sldMkLst>
+      </pc:sldChg>
+      <pc:sldChg chg="addSp delSp modSp add">
+        <pc:chgData name="Fadil Smajilbasic" userId="db79339bd8362c1d" providerId="LiveId" clId="{B865AAF9-979A-4715-B780-C09D3CC9F3FA}" dt="2018-11-09T14:04:01.267" v="1239" actId="20577"/>
+        <pc:sldMkLst>
+          <pc:docMk/>
+          <pc:sldMk cId="667553523" sldId="276"/>
+        </pc:sldMkLst>
+        <pc:spChg chg="mod">
+          <ac:chgData name="Fadil Smajilbasic" userId="db79339bd8362c1d" providerId="LiveId" clId="{B865AAF9-979A-4715-B780-C09D3CC9F3FA}" dt="2018-11-09T14:04:01.267" v="1239" actId="20577"/>
+          <ac:spMkLst>
+            <pc:docMk/>
+            <pc:sldMk cId="667553523" sldId="276"/>
+            <ac:spMk id="2" creationId="{BBA1DD28-7DFB-419D-8589-528CC2790D49}"/>
+          </ac:spMkLst>
+        </pc:spChg>
+        <pc:spChg chg="del">
+          <ac:chgData name="Fadil Smajilbasic" userId="db79339bd8362c1d" providerId="LiveId" clId="{B865AAF9-979A-4715-B780-C09D3CC9F3FA}" dt="2018-11-08T21:40:31.677" v="1136"/>
+          <ac:spMkLst>
+            <pc:docMk/>
+            <pc:sldMk cId="667553523" sldId="276"/>
+            <ac:spMk id="3" creationId="{E4BEFDF4-ADB3-49C0-B3A6-711753AD3A3D}"/>
+          </ac:spMkLst>
+        </pc:spChg>
+        <pc:graphicFrameChg chg="add del mod">
+          <ac:chgData name="Fadil Smajilbasic" userId="db79339bd8362c1d" providerId="LiveId" clId="{B865AAF9-979A-4715-B780-C09D3CC9F3FA}" dt="2018-11-08T21:40:22.017" v="1135" actId="478"/>
+          <ac:graphicFrameMkLst>
+            <pc:docMk/>
+            <pc:sldMk cId="667553523" sldId="276"/>
+            <ac:graphicFrameMk id="4" creationId="{98447A26-F12A-4A56-B785-31394B1F3F39}"/>
+          </ac:graphicFrameMkLst>
+        </pc:graphicFrameChg>
+        <pc:picChg chg="add mod">
+          <ac:chgData name="Fadil Smajilbasic" userId="db79339bd8362c1d" providerId="LiveId" clId="{B865AAF9-979A-4715-B780-C09D3CC9F3FA}" dt="2018-11-08T21:41:23.600" v="1148" actId="1076"/>
+          <ac:picMkLst>
+            <pc:docMk/>
+            <pc:sldMk cId="667553523" sldId="276"/>
+            <ac:picMk id="6" creationId="{542F54EF-F255-4C24-977E-778CDB954DCA}"/>
+          </ac:picMkLst>
+        </pc:picChg>
+      </pc:sldChg>
+      <pc:sldChg chg="addSp delSp modSp add">
+        <pc:chgData name="Fadil Smajilbasic" userId="db79339bd8362c1d" providerId="LiveId" clId="{B865AAF9-979A-4715-B780-C09D3CC9F3FA}" dt="2018-11-08T21:49:32.448" v="1227" actId="20577"/>
+        <pc:sldMkLst>
+          <pc:docMk/>
+          <pc:sldMk cId="1637477750" sldId="277"/>
+        </pc:sldMkLst>
+        <pc:spChg chg="mod">
+          <ac:chgData name="Fadil Smajilbasic" userId="db79339bd8362c1d" providerId="LiveId" clId="{B865AAF9-979A-4715-B780-C09D3CC9F3FA}" dt="2018-11-08T21:49:32.448" v="1227" actId="20577"/>
+          <ac:spMkLst>
+            <pc:docMk/>
+            <pc:sldMk cId="1637477750" sldId="277"/>
+            <ac:spMk id="2" creationId="{BBA1DD28-7DFB-419D-8589-528CC2790D49}"/>
+          </ac:spMkLst>
+        </pc:spChg>
+        <pc:spChg chg="add del mod">
+          <ac:chgData name="Fadil Smajilbasic" userId="db79339bd8362c1d" providerId="LiveId" clId="{B865AAF9-979A-4715-B780-C09D3CC9F3FA}" dt="2018-11-08T21:42:13.967" v="1161"/>
+          <ac:spMkLst>
+            <pc:docMk/>
+            <pc:sldMk cId="1637477750" sldId="277"/>
+            <ac:spMk id="4" creationId="{77B758E6-9394-4285-946A-F2F53E554095}"/>
+          </ac:spMkLst>
+        </pc:spChg>
+        <pc:picChg chg="del">
+          <ac:chgData name="Fadil Smajilbasic" userId="db79339bd8362c1d" providerId="LiveId" clId="{B865AAF9-979A-4715-B780-C09D3CC9F3FA}" dt="2018-11-08T21:41:39.299" v="1160" actId="478"/>
+          <ac:picMkLst>
+            <pc:docMk/>
+            <pc:sldMk cId="1637477750" sldId="277"/>
+            <ac:picMk id="6" creationId="{542F54EF-F255-4C24-977E-778CDB954DCA}"/>
+          </ac:picMkLst>
+        </pc:picChg>
+        <pc:picChg chg="add mod">
+          <ac:chgData name="Fadil Smajilbasic" userId="db79339bd8362c1d" providerId="LiveId" clId="{B865AAF9-979A-4715-B780-C09D3CC9F3FA}" dt="2018-11-08T21:42:27.670" v="1167" actId="1076"/>
+          <ac:picMkLst>
+            <pc:docMk/>
+            <pc:sldMk cId="1637477750" sldId="277"/>
+            <ac:picMk id="7" creationId="{807E7447-8A44-4CF4-8A01-15A2A23980B0}"/>
+          </ac:picMkLst>
+        </pc:picChg>
       </pc:sldChg>
     </pc:docChg>
   </pc:docChgLst>
 </pc:chgInfo>
 </file>
 
-<file path=ppt/slideLayouts/slideLayout1.xml><?xml version="1.0" encoding="utf-8"?>
-<p:sldLayout xmlns:a="http://schemas.openxmlformats.org/drawingml/2006/main" xmlns:r="http://schemas.openxmlformats.org/officeDocument/2006/relationships" xmlns:p="http://schemas.openxmlformats.org/presentationml/2006/main" type="title" preserve="1">
-  <p:cSld name="Title Slide">
+<file path=ppt/handoutMasters/handoutMaster1.xml><?xml version="1.0" encoding="utf-8"?>
+<p:handoutMaster xmlns:a="http://schemas.openxmlformats.org/drawingml/2006/main" xmlns:r="http://schemas.openxmlformats.org/officeDocument/2006/relationships" xmlns:p="http://schemas.openxmlformats.org/presentationml/2006/main">
+  <p:cSld>
+    <p:bg>
+      <p:bgRef idx="1001">
+        <a:schemeClr val="bg1"/>
+      </p:bgRef>
+    </p:bg>
     <p:spTree>
       <p:nvGrpSpPr>
         <p:cNvPr id="1" name=""/>
@@ -184,31 +451,955 @@
       </p:grpSpPr>
       <p:sp>
         <p:nvSpPr>
-          <p:cNvPr id="2" name="Title 1">
-            <a:extLst>
-              <a:ext uri="{FF2B5EF4-FFF2-40B4-BE49-F238E27FC236}">
-                <a16:creationId xmlns:a16="http://schemas.microsoft.com/office/drawing/2014/main" id="{6F3B1AEB-4C55-4AD7-B4E8-64E330153A2C}"/>
-              </a:ext>
-            </a:extLst>
-          </p:cNvPr>
-          <p:cNvSpPr>
-            <a:spLocks noGrp="1"/>
-          </p:cNvSpPr>
-          <p:nvPr>
-            <p:ph type="ctrTitle"/>
+          <p:cNvPr id="2" name="Header Placeholder 1"/>
+          <p:cNvSpPr>
+            <a:spLocks noGrp="1"/>
+          </p:cNvSpPr>
+          <p:nvPr>
+            <p:ph type="hdr" sz="quarter"/>
           </p:nvPr>
         </p:nvSpPr>
         <p:spPr>
           <a:xfrm>
-            <a:off x="1524000" y="1122363"/>
-            <a:ext cx="9144000" cy="2387600"/>
+            <a:off x="0" y="0"/>
+            <a:ext cx="2971800" cy="458788"/>
+          </a:xfrm>
+          <a:prstGeom prst="rect">
+            <a:avLst/>
+          </a:prstGeom>
+        </p:spPr>
+        <p:txBody>
+          <a:bodyPr vert="horz" lIns="91440" tIns="45720" rIns="91440" bIns="45720" rtlCol="0"/>
+          <a:lstStyle>
+            <a:lvl1pPr algn="l">
+              <a:defRPr sz="1200"/>
+            </a:lvl1pPr>
+          </a:lstStyle>
+          <a:p>
+            <a:endParaRPr/>
+          </a:p>
+        </p:txBody>
+      </p:sp>
+      <p:sp>
+        <p:nvSpPr>
+          <p:cNvPr id="3" name="Date Placeholder 2"/>
+          <p:cNvSpPr>
+            <a:spLocks noGrp="1"/>
+          </p:cNvSpPr>
+          <p:nvPr>
+            <p:ph type="dt" sz="quarter" idx="1"/>
+          </p:nvPr>
+        </p:nvSpPr>
+        <p:spPr>
+          <a:xfrm>
+            <a:off x="3884613" y="0"/>
+            <a:ext cx="2971800" cy="458788"/>
+          </a:xfrm>
+          <a:prstGeom prst="rect">
+            <a:avLst/>
+          </a:prstGeom>
+        </p:spPr>
+        <p:txBody>
+          <a:bodyPr vert="horz" lIns="91440" tIns="45720" rIns="91440" bIns="45720" rtlCol="0"/>
+          <a:lstStyle>
+            <a:lvl1pPr algn="r">
+              <a:defRPr sz="1200"/>
+            </a:lvl1pPr>
+          </a:lstStyle>
+          <a:p>
+            <a:fld id="{762B48F5-BACC-47D6-A0F7-82FBF9C6BC85}" type="datetimeFigureOut">
+              <a:rPr lang="en-US"/>
+              <a:t>11/9/2018</a:t>
+            </a:fld>
+            <a:endParaRPr/>
+          </a:p>
+        </p:txBody>
+      </p:sp>
+      <p:sp>
+        <p:nvSpPr>
+          <p:cNvPr id="4" name="Footer Placeholder 3"/>
+          <p:cNvSpPr>
+            <a:spLocks noGrp="1"/>
+          </p:cNvSpPr>
+          <p:nvPr>
+            <p:ph type="ftr" sz="quarter" idx="2"/>
+          </p:nvPr>
+        </p:nvSpPr>
+        <p:spPr>
+          <a:xfrm>
+            <a:off x="0" y="8685213"/>
+            <a:ext cx="2971800" cy="458787"/>
+          </a:xfrm>
+          <a:prstGeom prst="rect">
+            <a:avLst/>
+          </a:prstGeom>
+        </p:spPr>
+        <p:txBody>
+          <a:bodyPr vert="horz" lIns="91440" tIns="45720" rIns="91440" bIns="45720" rtlCol="0" anchor="b"/>
+          <a:lstStyle>
+            <a:lvl1pPr algn="l">
+              <a:defRPr sz="1200"/>
+            </a:lvl1pPr>
+          </a:lstStyle>
+          <a:p>
+            <a:endParaRPr/>
+          </a:p>
+        </p:txBody>
+      </p:sp>
+      <p:sp>
+        <p:nvSpPr>
+          <p:cNvPr id="5" name="Slide Number Placeholder 4"/>
+          <p:cNvSpPr>
+            <a:spLocks noGrp="1"/>
+          </p:cNvSpPr>
+          <p:nvPr>
+            <p:ph type="sldNum" sz="quarter" idx="3"/>
+          </p:nvPr>
+        </p:nvSpPr>
+        <p:spPr>
+          <a:xfrm>
+            <a:off x="3884613" y="8685213"/>
+            <a:ext cx="2971800" cy="458787"/>
+          </a:xfrm>
+          <a:prstGeom prst="rect">
+            <a:avLst/>
+          </a:prstGeom>
+        </p:spPr>
+        <p:txBody>
+          <a:bodyPr vert="horz" lIns="91440" tIns="45720" rIns="91440" bIns="45720" rtlCol="0" anchor="b"/>
+          <a:lstStyle>
+            <a:lvl1pPr algn="r">
+              <a:defRPr sz="1200"/>
+            </a:lvl1pPr>
+          </a:lstStyle>
+          <a:p>
+            <a:fld id="{45ACAF8E-318A-4EFE-8633-D9E72ABCE0ED}" type="slidenum">
+              <a:rPr/>
+              <a:t>‹#›</a:t>
+            </a:fld>
+            <a:endParaRPr/>
+          </a:p>
+        </p:txBody>
+      </p:sp>
+    </p:spTree>
+    <p:extLst>
+      <p:ext uri="{BB962C8B-B14F-4D97-AF65-F5344CB8AC3E}">
+        <p14:creationId xmlns:p14="http://schemas.microsoft.com/office/powerpoint/2010/main" val="2406559797"/>
+      </p:ext>
+    </p:extLst>
+  </p:cSld>
+  <p:clrMap bg1="lt1" tx1="dk1" bg2="lt2" tx2="dk2" accent1="accent1" accent2="accent2" accent3="accent3" accent4="accent4" accent5="accent5" accent6="accent6" hlink="hlink" folHlink="folHlink"/>
+</p:handoutMaster>
+</file>
+
+<file path=ppt/notesMasters/notesMaster1.xml><?xml version="1.0" encoding="utf-8"?>
+<p:notesMaster xmlns:a="http://schemas.openxmlformats.org/drawingml/2006/main" xmlns:r="http://schemas.openxmlformats.org/officeDocument/2006/relationships" xmlns:p="http://schemas.openxmlformats.org/presentationml/2006/main">
+  <p:cSld>
+    <p:bg>
+      <p:bgRef idx="1001">
+        <a:schemeClr val="bg1"/>
+      </p:bgRef>
+    </p:bg>
+    <p:spTree>
+      <p:nvGrpSpPr>
+        <p:cNvPr id="1" name=""/>
+        <p:cNvGrpSpPr/>
+        <p:nvPr/>
+      </p:nvGrpSpPr>
+      <p:grpSpPr>
+        <a:xfrm>
+          <a:off x="0" y="0"/>
+          <a:ext cx="0" cy="0"/>
+          <a:chOff x="0" y="0"/>
+          <a:chExt cx="0" cy="0"/>
+        </a:xfrm>
+      </p:grpSpPr>
+      <p:sp>
+        <p:nvSpPr>
+          <p:cNvPr id="2" name="Header Placeholder 1"/>
+          <p:cNvSpPr>
+            <a:spLocks noGrp="1"/>
+          </p:cNvSpPr>
+          <p:nvPr>
+            <p:ph type="hdr" sz="quarter"/>
+          </p:nvPr>
+        </p:nvSpPr>
+        <p:spPr>
+          <a:xfrm>
+            <a:off x="0" y="0"/>
+            <a:ext cx="2971800" cy="458788"/>
+          </a:xfrm>
+          <a:prstGeom prst="rect">
+            <a:avLst/>
+          </a:prstGeom>
+        </p:spPr>
+        <p:txBody>
+          <a:bodyPr vert="horz" lIns="91440" tIns="45720" rIns="91440" bIns="45720" rtlCol="0"/>
+          <a:lstStyle>
+            <a:lvl1pPr algn="l">
+              <a:defRPr sz="1200"/>
+            </a:lvl1pPr>
+          </a:lstStyle>
+          <a:p>
+            <a:endParaRPr/>
+          </a:p>
+        </p:txBody>
+      </p:sp>
+      <p:sp>
+        <p:nvSpPr>
+          <p:cNvPr id="3" name="Date Placeholder 2"/>
+          <p:cNvSpPr>
+            <a:spLocks noGrp="1"/>
+          </p:cNvSpPr>
+          <p:nvPr>
+            <p:ph type="dt" idx="1"/>
+          </p:nvPr>
+        </p:nvSpPr>
+        <p:spPr>
+          <a:xfrm>
+            <a:off x="3884613" y="0"/>
+            <a:ext cx="2971800" cy="458788"/>
+          </a:xfrm>
+          <a:prstGeom prst="rect">
+            <a:avLst/>
+          </a:prstGeom>
+        </p:spPr>
+        <p:txBody>
+          <a:bodyPr vert="horz" lIns="91440" tIns="45720" rIns="91440" bIns="45720" rtlCol="0"/>
+          <a:lstStyle>
+            <a:lvl1pPr algn="r">
+              <a:defRPr sz="1200"/>
+            </a:lvl1pPr>
+          </a:lstStyle>
+          <a:p>
+            <a:fld id="{0CB1CD00-5424-4675-AB18-2C419B060449}" type="datetimeFigureOut">
+              <a:rPr lang="en-US"/>
+              <a:t>11/9/2018</a:t>
+            </a:fld>
+            <a:endParaRPr/>
+          </a:p>
+        </p:txBody>
+      </p:sp>
+      <p:sp>
+        <p:nvSpPr>
+          <p:cNvPr id="4" name="Slide Image Placeholder 3"/>
+          <p:cNvSpPr>
+            <a:spLocks noGrp="1" noRot="1" noChangeAspect="1"/>
+          </p:cNvSpPr>
+          <p:nvPr>
+            <p:ph type="sldImg" idx="2"/>
+          </p:nvPr>
+        </p:nvSpPr>
+        <p:spPr>
+          <a:xfrm>
+            <a:off x="685800" y="1143000"/>
+            <a:ext cx="5486400" cy="3086100"/>
+          </a:xfrm>
+          <a:prstGeom prst="rect">
+            <a:avLst/>
+          </a:prstGeom>
+          <a:noFill/>
+          <a:ln w="12700">
+            <a:solidFill>
+              <a:prstClr val="black"/>
+            </a:solidFill>
+          </a:ln>
+        </p:spPr>
+        <p:txBody>
+          <a:bodyPr vert="horz" lIns="91440" tIns="45720" rIns="91440" bIns="45720" rtlCol="0" anchor="ctr"/>
+          <a:lstStyle/>
+          <a:p>
+            <a:endParaRPr/>
+          </a:p>
+        </p:txBody>
+      </p:sp>
+      <p:sp>
+        <p:nvSpPr>
+          <p:cNvPr id="5" name="Notes Placeholder 4"/>
+          <p:cNvSpPr>
+            <a:spLocks noGrp="1"/>
+          </p:cNvSpPr>
+          <p:nvPr>
+            <p:ph type="body" sz="quarter" idx="3"/>
+          </p:nvPr>
+        </p:nvSpPr>
+        <p:spPr>
+          <a:xfrm>
+            <a:off x="685800" y="4400550"/>
+            <a:ext cx="5486400" cy="3600450"/>
+          </a:xfrm>
+          <a:prstGeom prst="rect">
+            <a:avLst/>
+          </a:prstGeom>
+        </p:spPr>
+        <p:txBody>
+          <a:bodyPr vert="horz" lIns="91440" tIns="45720" rIns="91440" bIns="45720" rtlCol="0"/>
+          <a:lstStyle/>
+          <a:p>
+            <a:pPr lvl="0"/>
+            <a:r>
+              <a:t>Click to edit Master text styles</a:t>
+            </a:r>
+          </a:p>
+          <a:p>
+            <a:pPr lvl="1"/>
+            <a:r>
+              <a:t>Second level</a:t>
+            </a:r>
+          </a:p>
+          <a:p>
+            <a:pPr lvl="2"/>
+            <a:r>
+              <a:t>Third level</a:t>
+            </a:r>
+          </a:p>
+          <a:p>
+            <a:pPr lvl="3"/>
+            <a:r>
+              <a:t>Fourth level</a:t>
+            </a:r>
+          </a:p>
+          <a:p>
+            <a:pPr lvl="4"/>
+            <a:r>
+              <a:t>Fifth level</a:t>
+            </a:r>
+          </a:p>
+        </p:txBody>
+      </p:sp>
+      <p:sp>
+        <p:nvSpPr>
+          <p:cNvPr id="6" name="Footer Placeholder 5"/>
+          <p:cNvSpPr>
+            <a:spLocks noGrp="1"/>
+          </p:cNvSpPr>
+          <p:nvPr>
+            <p:ph type="ftr" sz="quarter" idx="4"/>
+          </p:nvPr>
+        </p:nvSpPr>
+        <p:spPr>
+          <a:xfrm>
+            <a:off x="0" y="8685213"/>
+            <a:ext cx="2971800" cy="458787"/>
+          </a:xfrm>
+          <a:prstGeom prst="rect">
+            <a:avLst/>
+          </a:prstGeom>
+        </p:spPr>
+        <p:txBody>
+          <a:bodyPr vert="horz" lIns="91440" tIns="45720" rIns="91440" bIns="45720" rtlCol="0" anchor="b"/>
+          <a:lstStyle>
+            <a:lvl1pPr algn="l">
+              <a:defRPr sz="1200"/>
+            </a:lvl1pPr>
+          </a:lstStyle>
+          <a:p>
+            <a:endParaRPr/>
+          </a:p>
+        </p:txBody>
+      </p:sp>
+      <p:sp>
+        <p:nvSpPr>
+          <p:cNvPr id="7" name="Slide Number Placeholder 6"/>
+          <p:cNvSpPr>
+            <a:spLocks noGrp="1"/>
+          </p:cNvSpPr>
+          <p:nvPr>
+            <p:ph type="sldNum" sz="quarter" idx="5"/>
+          </p:nvPr>
+        </p:nvSpPr>
+        <p:spPr>
+          <a:xfrm>
+            <a:off x="3884613" y="8685213"/>
+            <a:ext cx="2971800" cy="458787"/>
+          </a:xfrm>
+          <a:prstGeom prst="rect">
+            <a:avLst/>
+          </a:prstGeom>
+        </p:spPr>
+        <p:txBody>
+          <a:bodyPr vert="horz" lIns="91440" tIns="45720" rIns="91440" bIns="45720" rtlCol="0" anchor="b"/>
+          <a:lstStyle>
+            <a:lvl1pPr algn="r">
+              <a:defRPr sz="1200"/>
+            </a:lvl1pPr>
+          </a:lstStyle>
+          <a:p>
+            <a:fld id="{5EE2CF44-2B13-41B4-A334-1CDF534EEBBF}" type="slidenum">
+              <a:rPr/>
+              <a:t>‹#›</a:t>
+            </a:fld>
+            <a:endParaRPr/>
+          </a:p>
+        </p:txBody>
+      </p:sp>
+    </p:spTree>
+    <p:extLst>
+      <p:ext uri="{BB962C8B-B14F-4D97-AF65-F5344CB8AC3E}">
+        <p14:creationId xmlns:p14="http://schemas.microsoft.com/office/powerpoint/2010/main" val="445385675"/>
+      </p:ext>
+    </p:extLst>
+  </p:cSld>
+  <p:clrMap bg1="lt1" tx1="dk1" bg2="lt2" tx2="dk2" accent1="accent1" accent2="accent2" accent3="accent3" accent4="accent4" accent5="accent5" accent6="accent6" hlink="hlink" folHlink="folHlink"/>
+  <p:notesStyle>
+    <a:lvl1pPr marL="0" algn="l" defTabSz="914400" rtl="0" eaLnBrk="1" latinLnBrk="0" hangingPunct="1">
+      <a:defRPr sz="1200" kern="1200">
+        <a:solidFill>
+          <a:schemeClr val="tx1"/>
+        </a:solidFill>
+        <a:latin typeface="+mn-lt"/>
+        <a:ea typeface="+mn-ea"/>
+        <a:cs typeface="+mn-cs"/>
+      </a:defRPr>
+    </a:lvl1pPr>
+    <a:lvl2pPr marL="457200" algn="l" defTabSz="914400" rtl="0" eaLnBrk="1" latinLnBrk="0" hangingPunct="1">
+      <a:defRPr sz="1200" kern="1200">
+        <a:solidFill>
+          <a:schemeClr val="tx1"/>
+        </a:solidFill>
+        <a:latin typeface="+mn-lt"/>
+        <a:ea typeface="+mn-ea"/>
+        <a:cs typeface="+mn-cs"/>
+      </a:defRPr>
+    </a:lvl2pPr>
+    <a:lvl3pPr marL="914400" algn="l" defTabSz="914400" rtl="0" eaLnBrk="1" latinLnBrk="0" hangingPunct="1">
+      <a:defRPr sz="1200" kern="1200">
+        <a:solidFill>
+          <a:schemeClr val="tx1"/>
+        </a:solidFill>
+        <a:latin typeface="+mn-lt"/>
+        <a:ea typeface="+mn-ea"/>
+        <a:cs typeface="+mn-cs"/>
+      </a:defRPr>
+    </a:lvl3pPr>
+    <a:lvl4pPr marL="1371600" algn="l" defTabSz="914400" rtl="0" eaLnBrk="1" latinLnBrk="0" hangingPunct="1">
+      <a:defRPr sz="1200" kern="1200">
+        <a:solidFill>
+          <a:schemeClr val="tx1"/>
+        </a:solidFill>
+        <a:latin typeface="+mn-lt"/>
+        <a:ea typeface="+mn-ea"/>
+        <a:cs typeface="+mn-cs"/>
+      </a:defRPr>
+    </a:lvl4pPr>
+    <a:lvl5pPr marL="1828800" algn="l" defTabSz="914400" rtl="0" eaLnBrk="1" latinLnBrk="0" hangingPunct="1">
+      <a:defRPr sz="1200" kern="1200">
+        <a:solidFill>
+          <a:schemeClr val="tx1"/>
+        </a:solidFill>
+        <a:latin typeface="+mn-lt"/>
+        <a:ea typeface="+mn-ea"/>
+        <a:cs typeface="+mn-cs"/>
+      </a:defRPr>
+    </a:lvl5pPr>
+    <a:lvl6pPr marL="2286000" algn="l" defTabSz="914400" rtl="0" eaLnBrk="1" latinLnBrk="0" hangingPunct="1">
+      <a:defRPr sz="1200" kern="1200">
+        <a:solidFill>
+          <a:schemeClr val="tx1"/>
+        </a:solidFill>
+        <a:latin typeface="+mn-lt"/>
+        <a:ea typeface="+mn-ea"/>
+        <a:cs typeface="+mn-cs"/>
+      </a:defRPr>
+    </a:lvl6pPr>
+    <a:lvl7pPr marL="2743200" algn="l" defTabSz="914400" rtl="0" eaLnBrk="1" latinLnBrk="0" hangingPunct="1">
+      <a:defRPr sz="1200" kern="1200">
+        <a:solidFill>
+          <a:schemeClr val="tx1"/>
+        </a:solidFill>
+        <a:latin typeface="+mn-lt"/>
+        <a:ea typeface="+mn-ea"/>
+        <a:cs typeface="+mn-cs"/>
+      </a:defRPr>
+    </a:lvl7pPr>
+    <a:lvl8pPr marL="3200400" algn="l" defTabSz="914400" rtl="0" eaLnBrk="1" latinLnBrk="0" hangingPunct="1">
+      <a:defRPr sz="1200" kern="1200">
+        <a:solidFill>
+          <a:schemeClr val="tx1"/>
+        </a:solidFill>
+        <a:latin typeface="+mn-lt"/>
+        <a:ea typeface="+mn-ea"/>
+        <a:cs typeface="+mn-cs"/>
+      </a:defRPr>
+    </a:lvl8pPr>
+    <a:lvl9pPr marL="3657600" algn="l" defTabSz="914400" rtl="0" eaLnBrk="1" latinLnBrk="0" hangingPunct="1">
+      <a:defRPr sz="1200" kern="1200">
+        <a:solidFill>
+          <a:schemeClr val="tx1"/>
+        </a:solidFill>
+        <a:latin typeface="+mn-lt"/>
+        <a:ea typeface="+mn-ea"/>
+        <a:cs typeface="+mn-cs"/>
+      </a:defRPr>
+    </a:lvl9pPr>
+  </p:notesStyle>
+</p:notesMaster>
+</file>
+
+<file path=ppt/notesSlides/notesSlide1.xml><?xml version="1.0" encoding="utf-8"?>
+<p:notes xmlns:a="http://schemas.openxmlformats.org/drawingml/2006/main" xmlns:r="http://schemas.openxmlformats.org/officeDocument/2006/relationships" xmlns:p="http://schemas.openxmlformats.org/presentationml/2006/main">
+  <p:cSld>
+    <p:spTree>
+      <p:nvGrpSpPr>
+        <p:cNvPr id="1" name=""/>
+        <p:cNvGrpSpPr/>
+        <p:nvPr/>
+      </p:nvGrpSpPr>
+      <p:grpSpPr>
+        <a:xfrm>
+          <a:off x="0" y="0"/>
+          <a:ext cx="0" cy="0"/>
+          <a:chOff x="0" y="0"/>
+          <a:chExt cx="0" cy="0"/>
+        </a:xfrm>
+      </p:grpSpPr>
+      <p:sp>
+        <p:nvSpPr>
+          <p:cNvPr id="2" name="Slide Image Placeholder 1"/>
+          <p:cNvSpPr>
+            <a:spLocks noGrp="1" noRot="1" noChangeAspect="1"/>
+          </p:cNvSpPr>
+          <p:nvPr>
+            <p:ph type="sldImg"/>
+          </p:nvPr>
+        </p:nvSpPr>
+        <p:spPr/>
+      </p:sp>
+      <p:sp>
+        <p:nvSpPr>
+          <p:cNvPr id="3" name="Notes Placeholder 2"/>
+          <p:cNvSpPr>
+            <a:spLocks noGrp="1"/>
+          </p:cNvSpPr>
+          <p:nvPr>
+            <p:ph type="body" idx="1"/>
+          </p:nvPr>
+        </p:nvSpPr>
+        <p:spPr/>
+        <p:txBody>
+          <a:bodyPr/>
+          <a:lstStyle/>
+          <a:p>
+            <a:r>
+              <a:rPr lang="it-CH" dirty="0"/>
+              <a:t>È il primo progetto che facciamo nel nostro percorso formativo, visto che è il primo è guidato dai docenti.</a:t>
+            </a:r>
+          </a:p>
+          <a:p>
+            <a:r>
+              <a:rPr lang="it-CH" dirty="0"/>
+              <a:t>Il focus no è sul prodotto finale ma su come viene gestito il progetto</a:t>
+            </a:r>
+          </a:p>
+          <a:p>
+            <a:r>
+              <a:rPr lang="it-CH" dirty="0"/>
+              <a:t>Con la documentazione completa si intende la parte della analisi dei requisiti la progettazione e la implementazione </a:t>
+            </a:r>
+          </a:p>
+          <a:p>
+            <a:r>
+              <a:rPr lang="it-CH" dirty="0"/>
+              <a:t>È più importante fare una documentazione e progettazione buona che il prodotto finale </a:t>
+            </a:r>
+          </a:p>
+          <a:p>
+            <a:endParaRPr lang="it-CH" dirty="0"/>
+          </a:p>
+        </p:txBody>
+      </p:sp>
+      <p:sp>
+        <p:nvSpPr>
+          <p:cNvPr id="4" name="Slide Number Placeholder 3"/>
+          <p:cNvSpPr>
+            <a:spLocks noGrp="1"/>
+          </p:cNvSpPr>
+          <p:nvPr>
+            <p:ph type="sldNum" sz="quarter" idx="5"/>
+          </p:nvPr>
+        </p:nvSpPr>
+        <p:spPr/>
+        <p:txBody>
+          <a:bodyPr/>
+          <a:lstStyle/>
+          <a:p>
+            <a:fld id="{5EE2CF44-2B13-41B4-A334-1CDF534EEBBF}" type="slidenum">
+              <a:rPr lang="de-DE" smtClean="0"/>
+              <a:t>3</a:t>
+            </a:fld>
+            <a:endParaRPr lang="de-DE"/>
+          </a:p>
+        </p:txBody>
+      </p:sp>
+    </p:spTree>
+    <p:extLst>
+      <p:ext uri="{BB962C8B-B14F-4D97-AF65-F5344CB8AC3E}">
+        <p14:creationId xmlns:p14="http://schemas.microsoft.com/office/powerpoint/2010/main" val="2150292573"/>
+      </p:ext>
+    </p:extLst>
+  </p:cSld>
+  <p:clrMapOvr>
+    <a:masterClrMapping/>
+  </p:clrMapOvr>
+</p:notes>
+</file>
+
+<file path=ppt/notesSlides/notesSlide2.xml><?xml version="1.0" encoding="utf-8"?>
+<p:notes xmlns:a="http://schemas.openxmlformats.org/drawingml/2006/main" xmlns:r="http://schemas.openxmlformats.org/officeDocument/2006/relationships" xmlns:p="http://schemas.openxmlformats.org/presentationml/2006/main">
+  <p:cSld>
+    <p:spTree>
+      <p:nvGrpSpPr>
+        <p:cNvPr id="1" name=""/>
+        <p:cNvGrpSpPr/>
+        <p:nvPr/>
+      </p:nvGrpSpPr>
+      <p:grpSpPr>
+        <a:xfrm>
+          <a:off x="0" y="0"/>
+          <a:ext cx="0" cy="0"/>
+          <a:chOff x="0" y="0"/>
+          <a:chExt cx="0" cy="0"/>
+        </a:xfrm>
+      </p:grpSpPr>
+      <p:sp>
+        <p:nvSpPr>
+          <p:cNvPr id="2" name="Slide Image Placeholder 1"/>
+          <p:cNvSpPr>
+            <a:spLocks noGrp="1" noRot="1" noChangeAspect="1"/>
+          </p:cNvSpPr>
+          <p:nvPr>
+            <p:ph type="sldImg"/>
+          </p:nvPr>
+        </p:nvSpPr>
+        <p:spPr/>
+      </p:sp>
+      <p:sp>
+        <p:nvSpPr>
+          <p:cNvPr id="3" name="Notes Placeholder 2"/>
+          <p:cNvSpPr>
+            <a:spLocks noGrp="1"/>
+          </p:cNvSpPr>
+          <p:nvPr>
+            <p:ph type="body" idx="1"/>
+          </p:nvPr>
+        </p:nvSpPr>
+        <p:spPr/>
+        <p:txBody>
+          <a:bodyPr/>
+          <a:lstStyle/>
+          <a:p>
+            <a:r>
+              <a:rPr lang="it-CH" sz="1200" kern="1200" dirty="0">
+                <a:solidFill>
+                  <a:schemeClr val="tx1"/>
+                </a:solidFill>
+                <a:effectLst/>
+                <a:latin typeface="+mn-lt"/>
+                <a:ea typeface="+mn-ea"/>
+                <a:cs typeface="+mn-cs"/>
+              </a:rPr>
+              <a:t>I campi che contengono dei dati non validi non hanno un messaggio d’errore che spiega quale è il problema</a:t>
+            </a:r>
+            <a:endParaRPr lang="de-DE" sz="1200" kern="1200" dirty="0">
+              <a:solidFill>
+                <a:schemeClr val="tx1"/>
+              </a:solidFill>
+              <a:effectLst/>
+              <a:latin typeface="+mn-lt"/>
+              <a:ea typeface="+mn-ea"/>
+              <a:cs typeface="+mn-cs"/>
+            </a:endParaRPr>
+          </a:p>
+          <a:p>
+            <a:r>
+              <a:rPr lang="it-CH" sz="1200" kern="1200" dirty="0">
+                <a:solidFill>
+                  <a:schemeClr val="tx1"/>
+                </a:solidFill>
+                <a:effectLst/>
+                <a:latin typeface="+mn-lt"/>
+                <a:ea typeface="+mn-ea"/>
+                <a:cs typeface="+mn-cs"/>
+              </a:rPr>
+              <a:t>Il bottone azzera non reimposta il valore di default dei menu a tendina</a:t>
+            </a:r>
+            <a:endParaRPr lang="de-DE" sz="1200" kern="1200" dirty="0">
+              <a:solidFill>
+                <a:schemeClr val="tx1"/>
+              </a:solidFill>
+              <a:effectLst/>
+              <a:latin typeface="+mn-lt"/>
+              <a:ea typeface="+mn-ea"/>
+              <a:cs typeface="+mn-cs"/>
+            </a:endParaRPr>
+          </a:p>
+          <a:p>
+            <a:r>
+              <a:rPr lang="it-CH" sz="1200" kern="1200" dirty="0">
+                <a:solidFill>
+                  <a:schemeClr val="tx1"/>
+                </a:solidFill>
+                <a:effectLst/>
+                <a:latin typeface="+mn-lt"/>
+                <a:ea typeface="+mn-ea"/>
+                <a:cs typeface="+mn-cs"/>
+              </a:rPr>
+              <a:t>I campi non sono responsive.</a:t>
+            </a:r>
+            <a:endParaRPr lang="de-DE" sz="1200" kern="1200" dirty="0">
+              <a:solidFill>
+                <a:schemeClr val="tx1"/>
+              </a:solidFill>
+              <a:effectLst/>
+              <a:latin typeface="+mn-lt"/>
+              <a:ea typeface="+mn-ea"/>
+              <a:cs typeface="+mn-cs"/>
+            </a:endParaRPr>
+          </a:p>
+          <a:p>
+            <a:r>
+              <a:rPr lang="it-CH" sz="1200" kern="1200" dirty="0">
+                <a:solidFill>
+                  <a:schemeClr val="tx1"/>
+                </a:solidFill>
+                <a:effectLst/>
+                <a:latin typeface="+mn-lt"/>
+                <a:ea typeface="+mn-ea"/>
+                <a:cs typeface="+mn-cs"/>
+              </a:rPr>
+              <a:t>Il sito è usabile su Internet Explorer 11 con la mancanza del date picker per la data di nascita, perciò bisogna scriverla manualmente con il formato “YYYY-mm-dd”.</a:t>
+            </a:r>
+            <a:endParaRPr lang="de-DE" sz="1200" kern="1200" dirty="0">
+              <a:solidFill>
+                <a:schemeClr val="tx1"/>
+              </a:solidFill>
+              <a:effectLst/>
+              <a:latin typeface="+mn-lt"/>
+              <a:ea typeface="+mn-ea"/>
+              <a:cs typeface="+mn-cs"/>
+            </a:endParaRPr>
+          </a:p>
+          <a:p>
+            <a:r>
+              <a:rPr lang="it-CH" sz="1200" kern="1200" dirty="0">
+                <a:solidFill>
+                  <a:schemeClr val="tx1"/>
+                </a:solidFill>
+                <a:effectLst/>
+                <a:latin typeface="+mn-lt"/>
+                <a:ea typeface="+mn-ea"/>
+                <a:cs typeface="+mn-cs"/>
+              </a:rPr>
+              <a:t>Il sito non fa i controlli se nei dati c’è presente il carattere ;</a:t>
+            </a:r>
+            <a:endParaRPr lang="de-DE" sz="1200" kern="1200" dirty="0">
+              <a:solidFill>
+                <a:schemeClr val="tx1"/>
+              </a:solidFill>
+              <a:effectLst/>
+              <a:latin typeface="+mn-lt"/>
+              <a:ea typeface="+mn-ea"/>
+              <a:cs typeface="+mn-cs"/>
+            </a:endParaRPr>
+          </a:p>
+          <a:p>
+            <a:endParaRPr lang="it-CH" dirty="0"/>
+          </a:p>
+        </p:txBody>
+      </p:sp>
+      <p:sp>
+        <p:nvSpPr>
+          <p:cNvPr id="4" name="Slide Number Placeholder 3"/>
+          <p:cNvSpPr>
+            <a:spLocks noGrp="1"/>
+          </p:cNvSpPr>
+          <p:nvPr>
+            <p:ph type="sldNum" sz="quarter" idx="5"/>
+          </p:nvPr>
+        </p:nvSpPr>
+        <p:spPr/>
+        <p:txBody>
+          <a:bodyPr/>
+          <a:lstStyle/>
+          <a:p>
+            <a:fld id="{5EE2CF44-2B13-41B4-A334-1CDF534EEBBF}" type="slidenum">
+              <a:rPr lang="de-DE" smtClean="0"/>
+              <a:t>9</a:t>
+            </a:fld>
+            <a:endParaRPr lang="de-DE"/>
+          </a:p>
+        </p:txBody>
+      </p:sp>
+    </p:spTree>
+    <p:extLst>
+      <p:ext uri="{BB962C8B-B14F-4D97-AF65-F5344CB8AC3E}">
+        <p14:creationId xmlns:p14="http://schemas.microsoft.com/office/powerpoint/2010/main" val="2450500588"/>
+      </p:ext>
+    </p:extLst>
+  </p:cSld>
+  <p:clrMapOvr>
+    <a:masterClrMapping/>
+  </p:clrMapOvr>
+</p:notes>
+</file>
+
+<file path=ppt/slideLayouts/slideLayout1.xml><?xml version="1.0" encoding="utf-8"?>
+<p:sldLayout xmlns:a="http://schemas.openxmlformats.org/drawingml/2006/main" xmlns:r="http://schemas.openxmlformats.org/officeDocument/2006/relationships" xmlns:p="http://schemas.openxmlformats.org/presentationml/2006/main" type="title" preserve="1">
+  <p:cSld name="Title Slide">
+    <p:bg>
+      <p:bgPr>
+        <a:blipFill dpi="0" rotWithShape="1">
+          <a:blip r:embed="rId2">
+            <a:lum/>
+          </a:blip>
+          <a:srcRect/>
+          <a:stretch>
+            <a:fillRect/>
+          </a:stretch>
+        </a:blipFill>
+        <a:effectLst/>
+      </p:bgPr>
+    </p:bg>
+    <p:spTree>
+      <p:nvGrpSpPr>
+        <p:cNvPr id="1" name=""/>
+        <p:cNvGrpSpPr/>
+        <p:nvPr/>
+      </p:nvGrpSpPr>
+      <p:grpSpPr>
+        <a:xfrm>
+          <a:off x="0" y="0"/>
+          <a:ext cx="0" cy="0"/>
+          <a:chOff x="0" y="0"/>
+          <a:chExt cx="0" cy="0"/>
+        </a:xfrm>
+      </p:grpSpPr>
+      <p:sp>
+        <p:nvSpPr>
+          <p:cNvPr id="8" name="Rectangle 7"/>
+          <p:cNvSpPr/>
+          <p:nvPr userDrawn="1"/>
+        </p:nvSpPr>
+        <p:spPr bwMode="gray">
+          <a:xfrm>
+            <a:off x="0" y="2825016"/>
+            <a:ext cx="12188952" cy="3180930"/>
+          </a:xfrm>
+          <a:prstGeom prst="rect">
+            <a:avLst/>
+          </a:prstGeom>
+          <a:solidFill>
+            <a:schemeClr val="bg1">
+              <a:lumMod val="85000"/>
+              <a:lumOff val="15000"/>
+              <a:alpha val="75000"/>
+            </a:schemeClr>
+          </a:solidFill>
+          <a:ln>
+            <a:noFill/>
+          </a:ln>
+        </p:spPr>
+        <p:style>
+          <a:lnRef idx="2">
+            <a:schemeClr val="accent1">
+              <a:shade val="50000"/>
+            </a:schemeClr>
+          </a:lnRef>
+          <a:fillRef idx="1">
+            <a:schemeClr val="accent1"/>
+          </a:fillRef>
+          <a:effectRef idx="0">
+            <a:schemeClr val="accent1"/>
+          </a:effectRef>
+          <a:fontRef idx="minor">
+            <a:schemeClr val="lt1"/>
+          </a:fontRef>
+        </p:style>
+        <p:txBody>
+          <a:bodyPr rtlCol="0" anchor="ctr"/>
+          <a:lstStyle/>
+          <a:p>
+            <a:pPr algn="ctr"/>
+            <a:endParaRPr lang="en-US"/>
+          </a:p>
+        </p:txBody>
+      </p:sp>
+      <p:sp>
+        <p:nvSpPr>
+          <p:cNvPr id="7" name="Rectangle 6"/>
+          <p:cNvSpPr/>
+          <p:nvPr userDrawn="1"/>
+        </p:nvSpPr>
+        <p:spPr bwMode="black">
+          <a:xfrm>
+            <a:off x="0" y="3075709"/>
+            <a:ext cx="12188952" cy="2639291"/>
+          </a:xfrm>
+          <a:prstGeom prst="rect">
+            <a:avLst/>
+          </a:prstGeom>
+          <a:solidFill>
+            <a:schemeClr val="bg1"/>
+          </a:solidFill>
+          <a:ln>
+            <a:noFill/>
+          </a:ln>
+        </p:spPr>
+        <p:style>
+          <a:lnRef idx="2">
+            <a:schemeClr val="accent1">
+              <a:shade val="50000"/>
+            </a:schemeClr>
+          </a:lnRef>
+          <a:fillRef idx="1">
+            <a:schemeClr val="accent1"/>
+          </a:fillRef>
+          <a:effectRef idx="0">
+            <a:schemeClr val="accent1"/>
+          </a:effectRef>
+          <a:fontRef idx="minor">
+            <a:schemeClr val="lt1"/>
+          </a:fontRef>
+        </p:style>
+        <p:txBody>
+          <a:bodyPr rtlCol="0" anchor="ctr"/>
+          <a:lstStyle/>
+          <a:p>
+            <a:pPr algn="ctr"/>
+            <a:endParaRPr lang="en-US"/>
+          </a:p>
+        </p:txBody>
+      </p:sp>
+      <p:sp>
+        <p:nvSpPr>
+          <p:cNvPr id="2" name="Title 1"/>
+          <p:cNvSpPr>
+            <a:spLocks noGrp="1"/>
+          </p:cNvSpPr>
+          <p:nvPr>
+            <p:ph type="ctrTitle"/>
+          </p:nvPr>
+        </p:nvSpPr>
+        <p:spPr bwMode="white">
+          <a:xfrm>
+            <a:off x="1066800" y="3165763"/>
+            <a:ext cx="10058400" cy="1711037"/>
           </a:xfrm>
         </p:spPr>
         <p:txBody>
-          <a:bodyPr anchor="b"/>
+          <a:bodyPr anchor="b">
+            <a:normAutofit/>
+          </a:bodyPr>
           <a:lstStyle>
-            <a:lvl1pPr algn="ctr">
-              <a:defRPr sz="6000"/>
+            <a:lvl1pPr algn="l">
+              <a:lnSpc>
+                <a:spcPct val="80000"/>
+              </a:lnSpc>
+              <a:defRPr sz="5400">
+                <a:solidFill>
+                  <a:schemeClr val="tx1"/>
+                </a:solidFill>
+              </a:defRPr>
             </a:lvl1pPr>
           </a:lstStyle>
           <a:p>
@@ -216,19 +1407,13 @@
               <a:rPr lang="en-US"/>
               <a:t>Click to edit Master title style</a:t>
             </a:r>
-            <a:endParaRPr lang="de-DE"/>
-          </a:p>
-        </p:txBody>
-      </p:sp>
-      <p:sp>
-        <p:nvSpPr>
-          <p:cNvPr id="3" name="Subtitle 2">
-            <a:extLst>
-              <a:ext uri="{FF2B5EF4-FFF2-40B4-BE49-F238E27FC236}">
-                <a16:creationId xmlns:a16="http://schemas.microsoft.com/office/drawing/2014/main" id="{E2BF0B75-1D6A-450B-871D-B930AE619953}"/>
-              </a:ext>
-            </a:extLst>
-          </p:cNvPr>
+            <a:endParaRPr lang="en-US" dirty="0"/>
+          </a:p>
+        </p:txBody>
+      </p:sp>
+      <p:sp>
+        <p:nvSpPr>
+          <p:cNvPr id="3" name="Subtitle 2"/>
           <p:cNvSpPr>
             <a:spLocks noGrp="1"/>
           </p:cNvSpPr>
@@ -236,18 +1421,28 @@
             <p:ph type="subTitle" idx="1"/>
           </p:nvPr>
         </p:nvSpPr>
-        <p:spPr>
+        <p:spPr bwMode="white">
           <a:xfrm>
-            <a:off x="1524000" y="3602038"/>
-            <a:ext cx="9144000" cy="1655762"/>
+            <a:off x="1066800" y="4953000"/>
+            <a:ext cx="10058400" cy="685800"/>
           </a:xfrm>
         </p:spPr>
         <p:txBody>
-          <a:bodyPr/>
+          <a:bodyPr>
+            <a:normAutofit/>
+          </a:bodyPr>
           <a:lstStyle>
-            <a:lvl1pPr marL="0" indent="0" algn="ctr">
+            <a:lvl1pPr marL="0" indent="0" algn="l">
+              <a:spcBef>
+                <a:spcPts val="0"/>
+              </a:spcBef>
               <a:buNone/>
-              <a:defRPr sz="2400"/>
+              <a:defRPr sz="2000">
+                <a:solidFill>
+                  <a:schemeClr val="accent1"/>
+                </a:solidFill>
+                <a:latin typeface="+mj-lt"/>
+              </a:defRPr>
             </a:lvl1pPr>
             <a:lvl2pPr marL="457200" indent="0" algn="ctr">
               <a:buNone/>
@@ -287,97 +1482,14 @@
               <a:rPr lang="en-US"/>
               <a:t>Click to edit Master subtitle style</a:t>
             </a:r>
-            <a:endParaRPr lang="de-DE"/>
-          </a:p>
-        </p:txBody>
-      </p:sp>
-      <p:sp>
-        <p:nvSpPr>
-          <p:cNvPr id="4" name="Date Placeholder 3">
-            <a:extLst>
-              <a:ext uri="{FF2B5EF4-FFF2-40B4-BE49-F238E27FC236}">
-                <a16:creationId xmlns:a16="http://schemas.microsoft.com/office/drawing/2014/main" id="{21DDB8D9-BFDA-4DD7-9FCC-47B02FB470DB}"/>
-              </a:ext>
-            </a:extLst>
-          </p:cNvPr>
-          <p:cNvSpPr>
-            <a:spLocks noGrp="1"/>
-          </p:cNvSpPr>
-          <p:nvPr>
-            <p:ph type="dt" sz="half" idx="10"/>
-          </p:nvPr>
-        </p:nvSpPr>
-        <p:spPr/>
-        <p:txBody>
-          <a:bodyPr/>
-          <a:lstStyle/>
-          <a:p>
-            <a:fld id="{7E295A10-F123-426F-85AC-B2CE9CE22CEF}" type="datetimeFigureOut">
-              <a:rPr lang="de-DE" smtClean="0"/>
-              <a:t>08.11.2018</a:t>
-            </a:fld>
-            <a:endParaRPr lang="de-DE"/>
-          </a:p>
-        </p:txBody>
-      </p:sp>
-      <p:sp>
-        <p:nvSpPr>
-          <p:cNvPr id="5" name="Footer Placeholder 4">
-            <a:extLst>
-              <a:ext uri="{FF2B5EF4-FFF2-40B4-BE49-F238E27FC236}">
-                <a16:creationId xmlns:a16="http://schemas.microsoft.com/office/drawing/2014/main" id="{2CA81CDA-5BF0-4FDD-A629-08847F5E6B5B}"/>
-              </a:ext>
-            </a:extLst>
-          </p:cNvPr>
-          <p:cNvSpPr>
-            <a:spLocks noGrp="1"/>
-          </p:cNvSpPr>
-          <p:nvPr>
-            <p:ph type="ftr" sz="quarter" idx="11"/>
-          </p:nvPr>
-        </p:nvSpPr>
-        <p:spPr/>
-        <p:txBody>
-          <a:bodyPr/>
-          <a:lstStyle/>
-          <a:p>
-            <a:endParaRPr lang="de-DE"/>
-          </a:p>
-        </p:txBody>
-      </p:sp>
-      <p:sp>
-        <p:nvSpPr>
-          <p:cNvPr id="6" name="Slide Number Placeholder 5">
-            <a:extLst>
-              <a:ext uri="{FF2B5EF4-FFF2-40B4-BE49-F238E27FC236}">
-                <a16:creationId xmlns:a16="http://schemas.microsoft.com/office/drawing/2014/main" id="{D7A7F3D7-F606-4C37-B035-0D852485C10E}"/>
-              </a:ext>
-            </a:extLst>
-          </p:cNvPr>
-          <p:cNvSpPr>
-            <a:spLocks noGrp="1"/>
-          </p:cNvSpPr>
-          <p:nvPr>
-            <p:ph type="sldNum" sz="quarter" idx="12"/>
-          </p:nvPr>
-        </p:nvSpPr>
-        <p:spPr/>
-        <p:txBody>
-          <a:bodyPr/>
-          <a:lstStyle/>
-          <a:p>
-            <a:fld id="{41A2531F-FD3F-44FA-BD03-2C8692DAB281}" type="slidenum">
-              <a:rPr lang="de-DE" smtClean="0"/>
-              <a:t>‹#›</a:t>
-            </a:fld>
-            <a:endParaRPr lang="de-DE"/>
+            <a:endParaRPr lang="en-US" dirty="0"/>
           </a:p>
         </p:txBody>
       </p:sp>
     </p:spTree>
     <p:extLst>
       <p:ext uri="{BB962C8B-B14F-4D97-AF65-F5344CB8AC3E}">
-        <p14:creationId xmlns:p14="http://schemas.microsoft.com/office/powerpoint/2010/main" val="2216206961"/>
+        <p14:creationId xmlns:p14="http://schemas.microsoft.com/office/powerpoint/2010/main" val="798862757"/>
       </p:ext>
     </p:extLst>
   </p:cSld>
@@ -406,13 +1518,7 @@
       </p:grpSpPr>
       <p:sp>
         <p:nvSpPr>
-          <p:cNvPr id="2" name="Title 1">
-            <a:extLst>
-              <a:ext uri="{FF2B5EF4-FFF2-40B4-BE49-F238E27FC236}">
-                <a16:creationId xmlns:a16="http://schemas.microsoft.com/office/drawing/2014/main" id="{91E0E519-88D8-408E-BEBD-5967B5D54517}"/>
-              </a:ext>
-            </a:extLst>
-          </p:cNvPr>
+          <p:cNvPr id="2" name="Title 1"/>
           <p:cNvSpPr>
             <a:spLocks noGrp="1"/>
           </p:cNvSpPr>
@@ -429,19 +1535,12 @@
               <a:rPr lang="en-US"/>
               <a:t>Click to edit Master title style</a:t>
             </a:r>
-            <a:endParaRPr lang="de-DE"/>
-          </a:p>
-        </p:txBody>
-      </p:sp>
-      <p:sp>
-        <p:nvSpPr>
-          <p:cNvPr id="3" name="Vertical Text Placeholder 2">
-            <a:extLst>
-              <a:ext uri="{FF2B5EF4-FFF2-40B4-BE49-F238E27FC236}">
-                <a16:creationId xmlns:a16="http://schemas.microsoft.com/office/drawing/2014/main" id="{CAB0B6B4-D438-47CC-BDE6-A8532B1754A5}"/>
-              </a:ext>
-            </a:extLst>
-          </p:cNvPr>
+          </a:p>
+        </p:txBody>
+      </p:sp>
+      <p:sp>
+        <p:nvSpPr>
+          <p:cNvPr id="3" name="Vertical Text Placeholder 2"/>
           <p:cNvSpPr>
             <a:spLocks noGrp="1"/>
           </p:cNvSpPr>
@@ -487,24 +1586,18 @@
               <a:rPr lang="en-US"/>
               <a:t>Fifth level</a:t>
             </a:r>
-            <a:endParaRPr lang="de-DE"/>
-          </a:p>
-        </p:txBody>
-      </p:sp>
-      <p:sp>
-        <p:nvSpPr>
-          <p:cNvPr id="4" name="Date Placeholder 3">
-            <a:extLst>
-              <a:ext uri="{FF2B5EF4-FFF2-40B4-BE49-F238E27FC236}">
-                <a16:creationId xmlns:a16="http://schemas.microsoft.com/office/drawing/2014/main" id="{A9802D73-39F3-443D-8C4A-B15ADAF0C946}"/>
-              </a:ext>
-            </a:extLst>
-          </p:cNvPr>
-          <p:cNvSpPr>
-            <a:spLocks noGrp="1"/>
-          </p:cNvSpPr>
-          <p:nvPr>
-            <p:ph type="dt" sz="half" idx="10"/>
+            <a:endParaRPr lang="en-US" dirty="0"/>
+          </a:p>
+        </p:txBody>
+      </p:sp>
+      <p:sp>
+        <p:nvSpPr>
+          <p:cNvPr id="5" name="Footer Placeholder 4"/>
+          <p:cNvSpPr>
+            <a:spLocks noGrp="1"/>
+          </p:cNvSpPr>
+          <p:nvPr>
+            <p:ph type="ftr" sz="quarter" idx="11"/>
           </p:nvPr>
         </p:nvSpPr>
         <p:spPr/>
@@ -512,28 +1605,18 @@
           <a:bodyPr/>
           <a:lstStyle/>
           <a:p>
-            <a:fld id="{7E295A10-F123-426F-85AC-B2CE9CE22CEF}" type="datetimeFigureOut">
-              <a:rPr lang="de-DE" smtClean="0"/>
-              <a:t>08.11.2018</a:t>
-            </a:fld>
-            <a:endParaRPr lang="de-DE"/>
-          </a:p>
-        </p:txBody>
-      </p:sp>
-      <p:sp>
-        <p:nvSpPr>
-          <p:cNvPr id="5" name="Footer Placeholder 4">
-            <a:extLst>
-              <a:ext uri="{FF2B5EF4-FFF2-40B4-BE49-F238E27FC236}">
-                <a16:creationId xmlns:a16="http://schemas.microsoft.com/office/drawing/2014/main" id="{E5473379-5C94-4758-807F-C9B8D425A678}"/>
-              </a:ext>
-            </a:extLst>
-          </p:cNvPr>
-          <p:cNvSpPr>
-            <a:spLocks noGrp="1"/>
-          </p:cNvSpPr>
-          <p:nvPr>
-            <p:ph type="ftr" sz="quarter" idx="11"/>
+            <a:endParaRPr lang="en-US"/>
+          </a:p>
+        </p:txBody>
+      </p:sp>
+      <p:sp>
+        <p:nvSpPr>
+          <p:cNvPr id="4" name="Date Placeholder 3"/>
+          <p:cNvSpPr>
+            <a:spLocks noGrp="1"/>
+          </p:cNvSpPr>
+          <p:nvPr>
+            <p:ph type="dt" sz="half" idx="10"/>
           </p:nvPr>
         </p:nvSpPr>
         <p:spPr/>
@@ -541,19 +1624,17 @@
           <a:bodyPr/>
           <a:lstStyle/>
           <a:p>
-            <a:endParaRPr lang="de-DE"/>
-          </a:p>
-        </p:txBody>
-      </p:sp>
-      <p:sp>
-        <p:nvSpPr>
-          <p:cNvPr id="6" name="Slide Number Placeholder 5">
-            <a:extLst>
-              <a:ext uri="{FF2B5EF4-FFF2-40B4-BE49-F238E27FC236}">
-                <a16:creationId xmlns:a16="http://schemas.microsoft.com/office/drawing/2014/main" id="{F312C291-C47A-4B19-958E-D11BC5EA1767}"/>
-              </a:ext>
-            </a:extLst>
-          </p:cNvPr>
+            <a:fld id="{37CC0096-1860-4642-9CD2-0079EA5E7CD1}" type="datetimeFigureOut">
+              <a:rPr lang="en-US" smtClean="0"/>
+              <a:t>11/9/2018</a:t>
+            </a:fld>
+            <a:endParaRPr lang="en-US"/>
+          </a:p>
+        </p:txBody>
+      </p:sp>
+      <p:sp>
+        <p:nvSpPr>
+          <p:cNvPr id="6" name="Slide Number Placeholder 5"/>
           <p:cNvSpPr>
             <a:spLocks noGrp="1"/>
           </p:cNvSpPr>
@@ -566,18 +1647,18 @@
           <a:bodyPr/>
           <a:lstStyle/>
           <a:p>
-            <a:fld id="{41A2531F-FD3F-44FA-BD03-2C8692DAB281}" type="slidenum">
-              <a:rPr lang="de-DE" smtClean="0"/>
+            <a:fld id="{E31375A4-56A4-47D6-9801-1991572033F7}" type="slidenum">
+              <a:rPr lang="en-US" smtClean="0"/>
               <a:t>‹#›</a:t>
             </a:fld>
-            <a:endParaRPr lang="de-DE"/>
+            <a:endParaRPr lang="en-US"/>
           </a:p>
         </p:txBody>
       </p:sp>
     </p:spTree>
     <p:extLst>
       <p:ext uri="{BB962C8B-B14F-4D97-AF65-F5344CB8AC3E}">
-        <p14:creationId xmlns:p14="http://schemas.microsoft.com/office/powerpoint/2010/main" val="1904798030"/>
+        <p14:creationId xmlns:p14="http://schemas.microsoft.com/office/powerpoint/2010/main" val="2477154221"/>
       </p:ext>
     </p:extLst>
   </p:cSld>
@@ -606,13 +1687,7 @@
       </p:grpSpPr>
       <p:sp>
         <p:nvSpPr>
-          <p:cNvPr id="2" name="Vertical Title 1">
-            <a:extLst>
-              <a:ext uri="{FF2B5EF4-FFF2-40B4-BE49-F238E27FC236}">
-                <a16:creationId xmlns:a16="http://schemas.microsoft.com/office/drawing/2014/main" id="{8A066D24-8561-49F0-95C3-1F03E4DE2B51}"/>
-              </a:ext>
-            </a:extLst>
-          </p:cNvPr>
+          <p:cNvPr id="2" name="Vertical Title 1"/>
           <p:cNvSpPr>
             <a:spLocks noGrp="1"/>
           </p:cNvSpPr>
@@ -622,8 +1697,8 @@
         </p:nvSpPr>
         <p:spPr>
           <a:xfrm>
-            <a:off x="8724900" y="365125"/>
-            <a:ext cx="2628900" cy="5811838"/>
+            <a:off x="8724900" y="457199"/>
+            <a:ext cx="1943100" cy="5638801"/>
           </a:xfrm>
         </p:spPr>
         <p:txBody>
@@ -634,19 +1709,12 @@
               <a:rPr lang="en-US"/>
               <a:t>Click to edit Master title style</a:t>
             </a:r>
-            <a:endParaRPr lang="de-DE"/>
-          </a:p>
-        </p:txBody>
-      </p:sp>
-      <p:sp>
-        <p:nvSpPr>
-          <p:cNvPr id="3" name="Vertical Text Placeholder 2">
-            <a:extLst>
-              <a:ext uri="{FF2B5EF4-FFF2-40B4-BE49-F238E27FC236}">
-                <a16:creationId xmlns:a16="http://schemas.microsoft.com/office/drawing/2014/main" id="{BDBFE876-7633-4E06-A23E-F973136DCD9E}"/>
-              </a:ext>
-            </a:extLst>
-          </p:cNvPr>
+          </a:p>
+        </p:txBody>
+      </p:sp>
+      <p:sp>
+        <p:nvSpPr>
+          <p:cNvPr id="3" name="Vertical Text Placeholder 2"/>
           <p:cNvSpPr>
             <a:spLocks noGrp="1"/>
           </p:cNvSpPr>
@@ -656,8 +1724,8 @@
         </p:nvSpPr>
         <p:spPr>
           <a:xfrm>
-            <a:off x="838200" y="365125"/>
-            <a:ext cx="7734300" cy="5811838"/>
+            <a:off x="1524000" y="457199"/>
+            <a:ext cx="7048500" cy="5638801"/>
           </a:xfrm>
         </p:spPr>
         <p:txBody>
@@ -697,24 +1765,18 @@
               <a:rPr lang="en-US"/>
               <a:t>Fifth level</a:t>
             </a:r>
-            <a:endParaRPr lang="de-DE"/>
-          </a:p>
-        </p:txBody>
-      </p:sp>
-      <p:sp>
-        <p:nvSpPr>
-          <p:cNvPr id="4" name="Date Placeholder 3">
-            <a:extLst>
-              <a:ext uri="{FF2B5EF4-FFF2-40B4-BE49-F238E27FC236}">
-                <a16:creationId xmlns:a16="http://schemas.microsoft.com/office/drawing/2014/main" id="{4006EF32-F646-4C7F-8356-E36F53E05C1B}"/>
-              </a:ext>
-            </a:extLst>
-          </p:cNvPr>
-          <p:cNvSpPr>
-            <a:spLocks noGrp="1"/>
-          </p:cNvSpPr>
-          <p:nvPr>
-            <p:ph type="dt" sz="half" idx="10"/>
+            <a:endParaRPr lang="en-US" dirty="0"/>
+          </a:p>
+        </p:txBody>
+      </p:sp>
+      <p:sp>
+        <p:nvSpPr>
+          <p:cNvPr id="5" name="Footer Placeholder 4"/>
+          <p:cNvSpPr>
+            <a:spLocks noGrp="1"/>
+          </p:cNvSpPr>
+          <p:nvPr>
+            <p:ph type="ftr" sz="quarter" idx="11"/>
           </p:nvPr>
         </p:nvSpPr>
         <p:spPr/>
@@ -722,28 +1784,18 @@
           <a:bodyPr/>
           <a:lstStyle/>
           <a:p>
-            <a:fld id="{7E295A10-F123-426F-85AC-B2CE9CE22CEF}" type="datetimeFigureOut">
-              <a:rPr lang="de-DE" smtClean="0"/>
-              <a:t>08.11.2018</a:t>
-            </a:fld>
-            <a:endParaRPr lang="de-DE"/>
-          </a:p>
-        </p:txBody>
-      </p:sp>
-      <p:sp>
-        <p:nvSpPr>
-          <p:cNvPr id="5" name="Footer Placeholder 4">
-            <a:extLst>
-              <a:ext uri="{FF2B5EF4-FFF2-40B4-BE49-F238E27FC236}">
-                <a16:creationId xmlns:a16="http://schemas.microsoft.com/office/drawing/2014/main" id="{EBE112C8-C1E2-4F00-A0DB-8E2538FC369C}"/>
-              </a:ext>
-            </a:extLst>
-          </p:cNvPr>
-          <p:cNvSpPr>
-            <a:spLocks noGrp="1"/>
-          </p:cNvSpPr>
-          <p:nvPr>
-            <p:ph type="ftr" sz="quarter" idx="11"/>
+            <a:endParaRPr lang="en-US"/>
+          </a:p>
+        </p:txBody>
+      </p:sp>
+      <p:sp>
+        <p:nvSpPr>
+          <p:cNvPr id="4" name="Date Placeholder 3"/>
+          <p:cNvSpPr>
+            <a:spLocks noGrp="1"/>
+          </p:cNvSpPr>
+          <p:nvPr>
+            <p:ph type="dt" sz="half" idx="10"/>
           </p:nvPr>
         </p:nvSpPr>
         <p:spPr/>
@@ -751,19 +1803,17 @@
           <a:bodyPr/>
           <a:lstStyle/>
           <a:p>
-            <a:endParaRPr lang="de-DE"/>
-          </a:p>
-        </p:txBody>
-      </p:sp>
-      <p:sp>
-        <p:nvSpPr>
-          <p:cNvPr id="6" name="Slide Number Placeholder 5">
-            <a:extLst>
-              <a:ext uri="{FF2B5EF4-FFF2-40B4-BE49-F238E27FC236}">
-                <a16:creationId xmlns:a16="http://schemas.microsoft.com/office/drawing/2014/main" id="{35391516-ACB6-4675-B017-5B5B1C77BCF2}"/>
-              </a:ext>
-            </a:extLst>
-          </p:cNvPr>
+            <a:fld id="{37CC0096-1860-4642-9CD2-0079EA5E7CD1}" type="datetimeFigureOut">
+              <a:rPr lang="en-US" smtClean="0"/>
+              <a:t>11/9/2018</a:t>
+            </a:fld>
+            <a:endParaRPr lang="en-US"/>
+          </a:p>
+        </p:txBody>
+      </p:sp>
+      <p:sp>
+        <p:nvSpPr>
+          <p:cNvPr id="6" name="Slide Number Placeholder 5"/>
           <p:cNvSpPr>
             <a:spLocks noGrp="1"/>
           </p:cNvSpPr>
@@ -776,18 +1826,18 @@
           <a:bodyPr/>
           <a:lstStyle/>
           <a:p>
-            <a:fld id="{41A2531F-FD3F-44FA-BD03-2C8692DAB281}" type="slidenum">
-              <a:rPr lang="de-DE" smtClean="0"/>
+            <a:fld id="{E31375A4-56A4-47D6-9801-1991572033F7}" type="slidenum">
+              <a:rPr lang="en-US" smtClean="0"/>
               <a:t>‹#›</a:t>
             </a:fld>
-            <a:endParaRPr lang="de-DE"/>
+            <a:endParaRPr lang="en-US"/>
           </a:p>
         </p:txBody>
       </p:sp>
     </p:spTree>
     <p:extLst>
       <p:ext uri="{BB962C8B-B14F-4D97-AF65-F5344CB8AC3E}">
-        <p14:creationId xmlns:p14="http://schemas.microsoft.com/office/powerpoint/2010/main" val="2669393423"/>
+        <p14:creationId xmlns:p14="http://schemas.microsoft.com/office/powerpoint/2010/main" val="2524635021"/>
       </p:ext>
     </p:extLst>
   </p:cSld>
@@ -816,13 +1866,7 @@
       </p:grpSpPr>
       <p:sp>
         <p:nvSpPr>
-          <p:cNvPr id="2" name="Title 1">
-            <a:extLst>
-              <a:ext uri="{FF2B5EF4-FFF2-40B4-BE49-F238E27FC236}">
-                <a16:creationId xmlns:a16="http://schemas.microsoft.com/office/drawing/2014/main" id="{37E96BEF-CD9A-4833-ADFB-D13B15126685}"/>
-              </a:ext>
-            </a:extLst>
-          </p:cNvPr>
+          <p:cNvPr id="2" name="Title 1"/>
           <p:cNvSpPr>
             <a:spLocks noGrp="1"/>
           </p:cNvSpPr>
@@ -839,24 +1883,73 @@
               <a:rPr lang="en-US"/>
               <a:t>Click to edit Master title style</a:t>
             </a:r>
-            <a:endParaRPr lang="de-DE"/>
-          </a:p>
-        </p:txBody>
-      </p:sp>
-      <p:sp>
-        <p:nvSpPr>
-          <p:cNvPr id="3" name="Content Placeholder 2">
-            <a:extLst>
-              <a:ext uri="{FF2B5EF4-FFF2-40B4-BE49-F238E27FC236}">
-                <a16:creationId xmlns:a16="http://schemas.microsoft.com/office/drawing/2014/main" id="{AF1B0C37-518D-4ECE-8CC6-A86758D0967E}"/>
-              </a:ext>
-            </a:extLst>
-          </p:cNvPr>
+          </a:p>
+        </p:txBody>
+      </p:sp>
+      <p:sp>
+        <p:nvSpPr>
+          <p:cNvPr id="3" name="Content Placeholder 2"/>
           <p:cNvSpPr>
             <a:spLocks noGrp="1"/>
           </p:cNvSpPr>
           <p:nvPr>
             <p:ph idx="1"/>
+          </p:nvPr>
+        </p:nvSpPr>
+        <p:spPr/>
+        <p:txBody>
+          <a:bodyPr/>
+          <a:lstStyle>
+            <a:lvl5pPr>
+              <a:defRPr/>
+            </a:lvl5pPr>
+          </a:lstStyle>
+          <a:p>
+            <a:pPr lvl="0"/>
+            <a:r>
+              <a:rPr lang="en-US"/>
+              <a:t>Edit Master text styles</a:t>
+            </a:r>
+          </a:p>
+          <a:p>
+            <a:pPr lvl="1"/>
+            <a:r>
+              <a:rPr lang="en-US"/>
+              <a:t>Second level</a:t>
+            </a:r>
+          </a:p>
+          <a:p>
+            <a:pPr lvl="2"/>
+            <a:r>
+              <a:rPr lang="en-US"/>
+              <a:t>Third level</a:t>
+            </a:r>
+          </a:p>
+          <a:p>
+            <a:pPr lvl="3"/>
+            <a:r>
+              <a:rPr lang="en-US"/>
+              <a:t>Fourth level</a:t>
+            </a:r>
+          </a:p>
+          <a:p>
+            <a:pPr lvl="4"/>
+            <a:r>
+              <a:rPr lang="en-US"/>
+              <a:t>Fifth level</a:t>
+            </a:r>
+            <a:endParaRPr lang="en-US" dirty="0"/>
+          </a:p>
+        </p:txBody>
+      </p:sp>
+      <p:sp>
+        <p:nvSpPr>
+          <p:cNvPr id="5" name="Footer Placeholder 4"/>
+          <p:cNvSpPr>
+            <a:spLocks noGrp="1"/>
+          </p:cNvSpPr>
+          <p:nvPr>
+            <p:ph type="ftr" sz="quarter" idx="11"/>
           </p:nvPr>
         </p:nvSpPr>
         <p:spPr/>
@@ -864,52 +1957,13 @@
           <a:bodyPr/>
           <a:lstStyle/>
           <a:p>
-            <a:pPr lvl="0"/>
-            <a:r>
-              <a:rPr lang="en-US"/>
-              <a:t>Edit Master text styles</a:t>
-            </a:r>
-          </a:p>
-          <a:p>
-            <a:pPr lvl="1"/>
-            <a:r>
-              <a:rPr lang="en-US"/>
-              <a:t>Second level</a:t>
-            </a:r>
-          </a:p>
-          <a:p>
-            <a:pPr lvl="2"/>
-            <a:r>
-              <a:rPr lang="en-US"/>
-              <a:t>Third level</a:t>
-            </a:r>
-          </a:p>
-          <a:p>
-            <a:pPr lvl="3"/>
-            <a:r>
-              <a:rPr lang="en-US"/>
-              <a:t>Fourth level</a:t>
-            </a:r>
-          </a:p>
-          <a:p>
-            <a:pPr lvl="4"/>
-            <a:r>
-              <a:rPr lang="en-US"/>
-              <a:t>Fifth level</a:t>
-            </a:r>
-            <a:endParaRPr lang="de-DE"/>
-          </a:p>
-        </p:txBody>
-      </p:sp>
-      <p:sp>
-        <p:nvSpPr>
-          <p:cNvPr id="4" name="Date Placeholder 3">
-            <a:extLst>
-              <a:ext uri="{FF2B5EF4-FFF2-40B4-BE49-F238E27FC236}">
-                <a16:creationId xmlns:a16="http://schemas.microsoft.com/office/drawing/2014/main" id="{BD25FDCB-4CF4-4FA9-BAB2-7AA770C5136D}"/>
-              </a:ext>
-            </a:extLst>
-          </p:cNvPr>
+            <a:endParaRPr lang="en-US"/>
+          </a:p>
+        </p:txBody>
+      </p:sp>
+      <p:sp>
+        <p:nvSpPr>
+          <p:cNvPr id="4" name="Date Placeholder 3"/>
           <p:cNvSpPr>
             <a:spLocks noGrp="1"/>
           </p:cNvSpPr>
@@ -922,28 +1976,22 @@
           <a:bodyPr/>
           <a:lstStyle/>
           <a:p>
-            <a:fld id="{7E295A10-F123-426F-85AC-B2CE9CE22CEF}" type="datetimeFigureOut">
-              <a:rPr lang="de-DE" smtClean="0"/>
-              <a:t>08.11.2018</a:t>
+            <a:fld id="{37CC0096-1860-4642-9CD2-0079EA5E7CD1}" type="datetimeFigureOut">
+              <a:rPr lang="en-US" smtClean="0"/>
+              <a:t>11/9/2018</a:t>
             </a:fld>
-            <a:endParaRPr lang="de-DE"/>
-          </a:p>
-        </p:txBody>
-      </p:sp>
-      <p:sp>
-        <p:nvSpPr>
-          <p:cNvPr id="5" name="Footer Placeholder 4">
-            <a:extLst>
-              <a:ext uri="{FF2B5EF4-FFF2-40B4-BE49-F238E27FC236}">
-                <a16:creationId xmlns:a16="http://schemas.microsoft.com/office/drawing/2014/main" id="{094AE0ED-3B12-4AF0-9363-0A1B59AF0486}"/>
-              </a:ext>
-            </a:extLst>
-          </p:cNvPr>
-          <p:cNvSpPr>
-            <a:spLocks noGrp="1"/>
-          </p:cNvSpPr>
-          <p:nvPr>
-            <p:ph type="ftr" sz="quarter" idx="11"/>
+            <a:endParaRPr lang="en-US"/>
+          </a:p>
+        </p:txBody>
+      </p:sp>
+      <p:sp>
+        <p:nvSpPr>
+          <p:cNvPr id="6" name="Slide Number Placeholder 5"/>
+          <p:cNvSpPr>
+            <a:spLocks noGrp="1"/>
+          </p:cNvSpPr>
+          <p:nvPr>
+            <p:ph type="sldNum" sz="quarter" idx="12"/>
           </p:nvPr>
         </p:nvSpPr>
         <p:spPr/>
@@ -951,43 +1999,18 @@
           <a:bodyPr/>
           <a:lstStyle/>
           <a:p>
-            <a:endParaRPr lang="de-DE"/>
-          </a:p>
-        </p:txBody>
-      </p:sp>
-      <p:sp>
-        <p:nvSpPr>
-          <p:cNvPr id="6" name="Slide Number Placeholder 5">
-            <a:extLst>
-              <a:ext uri="{FF2B5EF4-FFF2-40B4-BE49-F238E27FC236}">
-                <a16:creationId xmlns:a16="http://schemas.microsoft.com/office/drawing/2014/main" id="{E42BCF27-51B7-4447-AB8C-3B881B4A9687}"/>
-              </a:ext>
-            </a:extLst>
-          </p:cNvPr>
-          <p:cNvSpPr>
-            <a:spLocks noGrp="1"/>
-          </p:cNvSpPr>
-          <p:nvPr>
-            <p:ph type="sldNum" sz="quarter" idx="12"/>
-          </p:nvPr>
-        </p:nvSpPr>
-        <p:spPr/>
-        <p:txBody>
-          <a:bodyPr/>
-          <a:lstStyle/>
-          <a:p>
-            <a:fld id="{41A2531F-FD3F-44FA-BD03-2C8692DAB281}" type="slidenum">
-              <a:rPr lang="de-DE" smtClean="0"/>
+            <a:fld id="{E31375A4-56A4-47D6-9801-1991572033F7}" type="slidenum">
+              <a:rPr lang="en-US" smtClean="0"/>
               <a:t>‹#›</a:t>
             </a:fld>
-            <a:endParaRPr lang="de-DE"/>
+            <a:endParaRPr lang="en-US"/>
           </a:p>
         </p:txBody>
       </p:sp>
     </p:spTree>
     <p:extLst>
       <p:ext uri="{BB962C8B-B14F-4D97-AF65-F5344CB8AC3E}">
-        <p14:creationId xmlns:p14="http://schemas.microsoft.com/office/powerpoint/2010/main" val="3144041050"/>
+        <p14:creationId xmlns:p14="http://schemas.microsoft.com/office/powerpoint/2010/main" val="3112444112"/>
       </p:ext>
     </p:extLst>
   </p:cSld>
@@ -1016,13 +2039,7 @@
       </p:grpSpPr>
       <p:sp>
         <p:nvSpPr>
-          <p:cNvPr id="2" name="Title 1">
-            <a:extLst>
-              <a:ext uri="{FF2B5EF4-FFF2-40B4-BE49-F238E27FC236}">
-                <a16:creationId xmlns:a16="http://schemas.microsoft.com/office/drawing/2014/main" id="{D11F46AB-F052-42E3-A690-98F2803C13AE}"/>
-              </a:ext>
-            </a:extLst>
-          </p:cNvPr>
+          <p:cNvPr id="2" name="Title 1"/>
           <p:cNvSpPr>
             <a:spLocks noGrp="1"/>
           </p:cNvSpPr>
@@ -1032,15 +2049,21 @@
         </p:nvSpPr>
         <p:spPr>
           <a:xfrm>
-            <a:off x="831850" y="1709738"/>
-            <a:ext cx="10515600" cy="2852737"/>
+            <a:off x="1524000" y="1828800"/>
+            <a:ext cx="9144000" cy="2743200"/>
           </a:xfrm>
         </p:spPr>
         <p:txBody>
-          <a:bodyPr anchor="b"/>
+          <a:bodyPr anchor="b">
+            <a:normAutofit/>
+          </a:bodyPr>
           <a:lstStyle>
             <a:lvl1pPr>
-              <a:defRPr sz="6000"/>
+              <a:defRPr sz="5400">
+                <a:solidFill>
+                  <a:schemeClr val="tx1"/>
+                </a:solidFill>
+              </a:defRPr>
             </a:lvl1pPr>
           </a:lstStyle>
           <a:p>
@@ -1048,19 +2071,12 @@
               <a:rPr lang="en-US"/>
               <a:t>Click to edit Master title style</a:t>
             </a:r>
-            <a:endParaRPr lang="de-DE"/>
-          </a:p>
-        </p:txBody>
-      </p:sp>
-      <p:sp>
-        <p:nvSpPr>
-          <p:cNvPr id="3" name="Text Placeholder 2">
-            <a:extLst>
-              <a:ext uri="{FF2B5EF4-FFF2-40B4-BE49-F238E27FC236}">
-                <a16:creationId xmlns:a16="http://schemas.microsoft.com/office/drawing/2014/main" id="{70EF19F5-7B5D-4937-A07A-1A910EDF9E71}"/>
-              </a:ext>
-            </a:extLst>
-          </p:cNvPr>
+          </a:p>
+        </p:txBody>
+      </p:sp>
+      <p:sp>
+        <p:nvSpPr>
+          <p:cNvPr id="3" name="Text Placeholder 2"/>
           <p:cNvSpPr>
             <a:spLocks noGrp="1"/>
           </p:cNvSpPr>
@@ -1070,102 +2086,58 @@
         </p:nvSpPr>
         <p:spPr>
           <a:xfrm>
-            <a:off x="831850" y="4589463"/>
-            <a:ext cx="10515600" cy="1500187"/>
+            <a:off x="1524000" y="4589463"/>
+            <a:ext cx="9144000" cy="1506537"/>
           </a:xfrm>
         </p:spPr>
         <p:txBody>
-          <a:bodyPr/>
+          <a:bodyPr>
+            <a:normAutofit/>
+          </a:bodyPr>
           <a:lstStyle>
             <a:lvl1pPr marL="0" indent="0">
+              <a:spcBef>
+                <a:spcPts val="0"/>
+              </a:spcBef>
               <a:buNone/>
-              <a:defRPr sz="2400">
+              <a:defRPr sz="2000">
                 <a:solidFill>
-                  <a:schemeClr val="tx1">
-                    <a:tint val="75000"/>
-                  </a:schemeClr>
+                  <a:schemeClr val="accent1"/>
                 </a:solidFill>
+                <a:latin typeface="+mj-lt"/>
               </a:defRPr>
             </a:lvl1pPr>
             <a:lvl2pPr marL="457200" indent="0">
               <a:buNone/>
-              <a:defRPr sz="2000">
-                <a:solidFill>
-                  <a:schemeClr val="tx1">
-                    <a:tint val="75000"/>
-                  </a:schemeClr>
-                </a:solidFill>
-              </a:defRPr>
+              <a:defRPr sz="2000"/>
             </a:lvl2pPr>
             <a:lvl3pPr marL="914400" indent="0">
               <a:buNone/>
-              <a:defRPr sz="1800">
-                <a:solidFill>
-                  <a:schemeClr val="tx1">
-                    <a:tint val="75000"/>
-                  </a:schemeClr>
-                </a:solidFill>
-              </a:defRPr>
+              <a:defRPr sz="1800"/>
             </a:lvl3pPr>
             <a:lvl4pPr marL="1371600" indent="0">
               <a:buNone/>
-              <a:defRPr sz="1600">
-                <a:solidFill>
-                  <a:schemeClr val="tx1">
-                    <a:tint val="75000"/>
-                  </a:schemeClr>
-                </a:solidFill>
-              </a:defRPr>
+              <a:defRPr sz="1600"/>
             </a:lvl4pPr>
             <a:lvl5pPr marL="1828800" indent="0">
               <a:buNone/>
-              <a:defRPr sz="1600">
-                <a:solidFill>
-                  <a:schemeClr val="tx1">
-                    <a:tint val="75000"/>
-                  </a:schemeClr>
-                </a:solidFill>
-              </a:defRPr>
+              <a:defRPr sz="1600"/>
             </a:lvl5pPr>
             <a:lvl6pPr marL="2286000" indent="0">
               <a:buNone/>
-              <a:defRPr sz="1600">
-                <a:solidFill>
-                  <a:schemeClr val="tx1">
-                    <a:tint val="75000"/>
-                  </a:schemeClr>
-                </a:solidFill>
-              </a:defRPr>
+              <a:defRPr sz="1600"/>
             </a:lvl6pPr>
             <a:lvl7pPr marL="2743200" indent="0">
               <a:buNone/>
-              <a:defRPr sz="1600">
-                <a:solidFill>
-                  <a:schemeClr val="tx1">
-                    <a:tint val="75000"/>
-                  </a:schemeClr>
-                </a:solidFill>
-              </a:defRPr>
+              <a:defRPr sz="1600"/>
             </a:lvl7pPr>
             <a:lvl8pPr marL="3200400" indent="0">
               <a:buNone/>
-              <a:defRPr sz="1600">
-                <a:solidFill>
-                  <a:schemeClr val="tx1">
-                    <a:tint val="75000"/>
-                  </a:schemeClr>
-                </a:solidFill>
-              </a:defRPr>
+              <a:defRPr sz="1600"/>
             </a:lvl8pPr>
             <a:lvl9pPr marL="3657600" indent="0">
               <a:buNone/>
-              <a:defRPr sz="1600">
-                <a:solidFill>
-                  <a:schemeClr val="tx1">
-                    <a:tint val="75000"/>
-                  </a:schemeClr>
-                </a:solidFill>
-              </a:defRPr>
+              <a:defRPr sz="1600"/>
             </a:lvl9pPr>
           </a:lstStyle>
           <a:p>
@@ -1174,96 +2146,13 @@
               <a:rPr lang="en-US"/>
               <a:t>Edit Master text styles</a:t>
             </a:r>
-          </a:p>
-        </p:txBody>
-      </p:sp>
-      <p:sp>
-        <p:nvSpPr>
-          <p:cNvPr id="4" name="Date Placeholder 3">
-            <a:extLst>
-              <a:ext uri="{FF2B5EF4-FFF2-40B4-BE49-F238E27FC236}">
-                <a16:creationId xmlns:a16="http://schemas.microsoft.com/office/drawing/2014/main" id="{41815271-589E-4CCE-ACF0-8FE0E1C9D8A1}"/>
-              </a:ext>
-            </a:extLst>
-          </p:cNvPr>
-          <p:cNvSpPr>
-            <a:spLocks noGrp="1"/>
-          </p:cNvSpPr>
-          <p:nvPr>
-            <p:ph type="dt" sz="half" idx="10"/>
-          </p:nvPr>
-        </p:nvSpPr>
-        <p:spPr/>
-        <p:txBody>
-          <a:bodyPr/>
-          <a:lstStyle/>
-          <a:p>
-            <a:fld id="{7E295A10-F123-426F-85AC-B2CE9CE22CEF}" type="datetimeFigureOut">
-              <a:rPr lang="de-DE" smtClean="0"/>
-              <a:t>08.11.2018</a:t>
-            </a:fld>
-            <a:endParaRPr lang="de-DE"/>
-          </a:p>
-        </p:txBody>
-      </p:sp>
-      <p:sp>
-        <p:nvSpPr>
-          <p:cNvPr id="5" name="Footer Placeholder 4">
-            <a:extLst>
-              <a:ext uri="{FF2B5EF4-FFF2-40B4-BE49-F238E27FC236}">
-                <a16:creationId xmlns:a16="http://schemas.microsoft.com/office/drawing/2014/main" id="{BDCC5EFA-A496-4CF9-9DB6-71E32646DE26}"/>
-              </a:ext>
-            </a:extLst>
-          </p:cNvPr>
-          <p:cNvSpPr>
-            <a:spLocks noGrp="1"/>
-          </p:cNvSpPr>
-          <p:nvPr>
-            <p:ph type="ftr" sz="quarter" idx="11"/>
-          </p:nvPr>
-        </p:nvSpPr>
-        <p:spPr/>
-        <p:txBody>
-          <a:bodyPr/>
-          <a:lstStyle/>
-          <a:p>
-            <a:endParaRPr lang="de-DE"/>
-          </a:p>
-        </p:txBody>
-      </p:sp>
-      <p:sp>
-        <p:nvSpPr>
-          <p:cNvPr id="6" name="Slide Number Placeholder 5">
-            <a:extLst>
-              <a:ext uri="{FF2B5EF4-FFF2-40B4-BE49-F238E27FC236}">
-                <a16:creationId xmlns:a16="http://schemas.microsoft.com/office/drawing/2014/main" id="{5D465F72-D91E-49FA-9867-C955E144BD4E}"/>
-              </a:ext>
-            </a:extLst>
-          </p:cNvPr>
-          <p:cNvSpPr>
-            <a:spLocks noGrp="1"/>
-          </p:cNvSpPr>
-          <p:nvPr>
-            <p:ph type="sldNum" sz="quarter" idx="12"/>
-          </p:nvPr>
-        </p:nvSpPr>
-        <p:spPr/>
-        <p:txBody>
-          <a:bodyPr/>
-          <a:lstStyle/>
-          <a:p>
-            <a:fld id="{41A2531F-FD3F-44FA-BD03-2C8692DAB281}" type="slidenum">
-              <a:rPr lang="de-DE" smtClean="0"/>
-              <a:t>‹#›</a:t>
-            </a:fld>
-            <a:endParaRPr lang="de-DE"/>
           </a:p>
         </p:txBody>
       </p:sp>
     </p:spTree>
     <p:extLst>
       <p:ext uri="{BB962C8B-B14F-4D97-AF65-F5344CB8AC3E}">
-        <p14:creationId xmlns:p14="http://schemas.microsoft.com/office/powerpoint/2010/main" val="1506586207"/>
+        <p14:creationId xmlns:p14="http://schemas.microsoft.com/office/powerpoint/2010/main" val="3506778040"/>
       </p:ext>
     </p:extLst>
   </p:cSld>
@@ -1292,13 +2181,7 @@
       </p:grpSpPr>
       <p:sp>
         <p:nvSpPr>
-          <p:cNvPr id="2" name="Title 1">
-            <a:extLst>
-              <a:ext uri="{FF2B5EF4-FFF2-40B4-BE49-F238E27FC236}">
-                <a16:creationId xmlns:a16="http://schemas.microsoft.com/office/drawing/2014/main" id="{9F9F3845-AA10-4210-BA21-0D829BB0D2EE}"/>
-              </a:ext>
-            </a:extLst>
-          </p:cNvPr>
+          <p:cNvPr id="2" name="Title 1"/>
           <p:cNvSpPr>
             <a:spLocks noGrp="1"/>
           </p:cNvSpPr>
@@ -1315,19 +2198,12 @@
               <a:rPr lang="en-US"/>
               <a:t>Click to edit Master title style</a:t>
             </a:r>
-            <a:endParaRPr lang="de-DE"/>
-          </a:p>
-        </p:txBody>
-      </p:sp>
-      <p:sp>
-        <p:nvSpPr>
-          <p:cNvPr id="3" name="Content Placeholder 2">
-            <a:extLst>
-              <a:ext uri="{FF2B5EF4-FFF2-40B4-BE49-F238E27FC236}">
-                <a16:creationId xmlns:a16="http://schemas.microsoft.com/office/drawing/2014/main" id="{C4502738-B779-4632-B8EE-E7F2B410C1DD}"/>
-              </a:ext>
-            </a:extLst>
-          </p:cNvPr>
+          </a:p>
+        </p:txBody>
+      </p:sp>
+      <p:sp>
+        <p:nvSpPr>
+          <p:cNvPr id="3" name="Content Placeholder 2"/>
           <p:cNvSpPr>
             <a:spLocks noGrp="1"/>
           </p:cNvSpPr>
@@ -1337,128 +2213,218 @@
         </p:nvSpPr>
         <p:spPr>
           <a:xfrm>
-            <a:off x="838200" y="1825625"/>
-            <a:ext cx="5181600" cy="4351338"/>
+            <a:off x="1524000" y="1825625"/>
+            <a:ext cx="4343400" cy="4270375"/>
           </a:xfrm>
         </p:spPr>
         <p:txBody>
+          <a:bodyPr>
+            <a:normAutofit/>
+          </a:bodyPr>
+          <a:lstStyle>
+            <a:lvl1pPr>
+              <a:defRPr sz="2000"/>
+            </a:lvl1pPr>
+            <a:lvl2pPr>
+              <a:defRPr sz="1800"/>
+            </a:lvl2pPr>
+            <a:lvl3pPr>
+              <a:defRPr sz="1600"/>
+            </a:lvl3pPr>
+            <a:lvl4pPr>
+              <a:defRPr sz="1400"/>
+            </a:lvl4pPr>
+            <a:lvl5pPr>
+              <a:defRPr sz="1400"/>
+            </a:lvl5pPr>
+            <a:lvl6pPr>
+              <a:defRPr sz="1400"/>
+            </a:lvl6pPr>
+            <a:lvl7pPr>
+              <a:defRPr sz="1400"/>
+            </a:lvl7pPr>
+            <a:lvl8pPr>
+              <a:defRPr sz="1400"/>
+            </a:lvl8pPr>
+            <a:lvl9pPr>
+              <a:defRPr sz="1400"/>
+            </a:lvl9pPr>
+          </a:lstStyle>
+          <a:p>
+            <a:pPr lvl="0"/>
+            <a:r>
+              <a:rPr lang="en-US"/>
+              <a:t>Edit Master text styles</a:t>
+            </a:r>
+          </a:p>
+          <a:p>
+            <a:pPr lvl="1"/>
+            <a:r>
+              <a:rPr lang="en-US"/>
+              <a:t>Second level</a:t>
+            </a:r>
+          </a:p>
+          <a:p>
+            <a:pPr lvl="2"/>
+            <a:r>
+              <a:rPr lang="en-US"/>
+              <a:t>Third level</a:t>
+            </a:r>
+          </a:p>
+          <a:p>
+            <a:pPr lvl="3"/>
+            <a:r>
+              <a:rPr lang="en-US"/>
+              <a:t>Fourth level</a:t>
+            </a:r>
+          </a:p>
+          <a:p>
+            <a:pPr lvl="4"/>
+            <a:r>
+              <a:rPr lang="en-US"/>
+              <a:t>Fifth level</a:t>
+            </a:r>
+            <a:endParaRPr lang="en-US" dirty="0"/>
+          </a:p>
+        </p:txBody>
+      </p:sp>
+      <p:sp>
+        <p:nvSpPr>
+          <p:cNvPr id="4" name="Content Placeholder 3"/>
+          <p:cNvSpPr>
+            <a:spLocks noGrp="1"/>
+          </p:cNvSpPr>
+          <p:nvPr>
+            <p:ph sz="half" idx="2"/>
+          </p:nvPr>
+        </p:nvSpPr>
+        <p:spPr>
+          <a:xfrm>
+            <a:off x="6324600" y="1825625"/>
+            <a:ext cx="4343400" cy="4270375"/>
+          </a:xfrm>
+        </p:spPr>
+        <p:txBody>
+          <a:bodyPr>
+            <a:normAutofit/>
+          </a:bodyPr>
+          <a:lstStyle>
+            <a:lvl1pPr>
+              <a:defRPr sz="2000"/>
+            </a:lvl1pPr>
+            <a:lvl2pPr>
+              <a:defRPr sz="1800"/>
+            </a:lvl2pPr>
+            <a:lvl3pPr>
+              <a:defRPr sz="1600"/>
+            </a:lvl3pPr>
+            <a:lvl4pPr>
+              <a:defRPr sz="1400"/>
+            </a:lvl4pPr>
+            <a:lvl5pPr>
+              <a:defRPr sz="1400"/>
+            </a:lvl5pPr>
+            <a:lvl6pPr>
+              <a:defRPr sz="1400"/>
+            </a:lvl6pPr>
+            <a:lvl7pPr>
+              <a:defRPr sz="1400"/>
+            </a:lvl7pPr>
+            <a:lvl8pPr>
+              <a:defRPr sz="1400"/>
+            </a:lvl8pPr>
+            <a:lvl9pPr>
+              <a:defRPr sz="1400"/>
+            </a:lvl9pPr>
+          </a:lstStyle>
+          <a:p>
+            <a:pPr lvl="0"/>
+            <a:r>
+              <a:rPr lang="en-US"/>
+              <a:t>Edit Master text styles</a:t>
+            </a:r>
+          </a:p>
+          <a:p>
+            <a:pPr lvl="1"/>
+            <a:r>
+              <a:rPr lang="en-US"/>
+              <a:t>Second level</a:t>
+            </a:r>
+          </a:p>
+          <a:p>
+            <a:pPr lvl="2"/>
+            <a:r>
+              <a:rPr lang="en-US"/>
+              <a:t>Third level</a:t>
+            </a:r>
+          </a:p>
+          <a:p>
+            <a:pPr lvl="3"/>
+            <a:r>
+              <a:rPr lang="en-US"/>
+              <a:t>Fourth level</a:t>
+            </a:r>
+          </a:p>
+          <a:p>
+            <a:pPr lvl="4"/>
+            <a:r>
+              <a:rPr lang="en-US"/>
+              <a:t>Fifth level</a:t>
+            </a:r>
+            <a:endParaRPr lang="en-US" dirty="0"/>
+          </a:p>
+        </p:txBody>
+      </p:sp>
+      <p:sp>
+        <p:nvSpPr>
+          <p:cNvPr id="6" name="Footer Placeholder 5"/>
+          <p:cNvSpPr>
+            <a:spLocks noGrp="1"/>
+          </p:cNvSpPr>
+          <p:nvPr>
+            <p:ph type="ftr" sz="quarter" idx="11"/>
+          </p:nvPr>
+        </p:nvSpPr>
+        <p:spPr/>
+        <p:txBody>
           <a:bodyPr/>
           <a:lstStyle/>
           <a:p>
-            <a:pPr lvl="0"/>
-            <a:r>
-              <a:rPr lang="en-US"/>
-              <a:t>Edit Master text styles</a:t>
-            </a:r>
-          </a:p>
-          <a:p>
-            <a:pPr lvl="1"/>
-            <a:r>
-              <a:rPr lang="en-US"/>
-              <a:t>Second level</a:t>
-            </a:r>
-          </a:p>
-          <a:p>
-            <a:pPr lvl="2"/>
-            <a:r>
-              <a:rPr lang="en-US"/>
-              <a:t>Third level</a:t>
-            </a:r>
-          </a:p>
-          <a:p>
-            <a:pPr lvl="3"/>
-            <a:r>
-              <a:rPr lang="en-US"/>
-              <a:t>Fourth level</a:t>
-            </a:r>
-          </a:p>
-          <a:p>
-            <a:pPr lvl="4"/>
-            <a:r>
-              <a:rPr lang="en-US"/>
-              <a:t>Fifth level</a:t>
-            </a:r>
-            <a:endParaRPr lang="de-DE"/>
-          </a:p>
-        </p:txBody>
-      </p:sp>
-      <p:sp>
-        <p:nvSpPr>
-          <p:cNvPr id="4" name="Content Placeholder 3">
-            <a:extLst>
-              <a:ext uri="{FF2B5EF4-FFF2-40B4-BE49-F238E27FC236}">
-                <a16:creationId xmlns:a16="http://schemas.microsoft.com/office/drawing/2014/main" id="{42FF1628-A5EB-4E66-A33A-13A845B5FBF4}"/>
-              </a:ext>
-            </a:extLst>
-          </p:cNvPr>
-          <p:cNvSpPr>
-            <a:spLocks noGrp="1"/>
-          </p:cNvSpPr>
-          <p:nvPr>
-            <p:ph sz="half" idx="2"/>
-          </p:nvPr>
-        </p:nvSpPr>
-        <p:spPr>
-          <a:xfrm>
-            <a:off x="6172200" y="1825625"/>
-            <a:ext cx="5181600" cy="4351338"/>
-          </a:xfrm>
-        </p:spPr>
+            <a:endParaRPr lang="en-US"/>
+          </a:p>
+        </p:txBody>
+      </p:sp>
+      <p:sp>
+        <p:nvSpPr>
+          <p:cNvPr id="5" name="Date Placeholder 4"/>
+          <p:cNvSpPr>
+            <a:spLocks noGrp="1"/>
+          </p:cNvSpPr>
+          <p:nvPr>
+            <p:ph type="dt" sz="half" idx="10"/>
+          </p:nvPr>
+        </p:nvSpPr>
+        <p:spPr/>
         <p:txBody>
           <a:bodyPr/>
           <a:lstStyle/>
           <a:p>
-            <a:pPr lvl="0"/>
-            <a:r>
-              <a:rPr lang="en-US"/>
-              <a:t>Edit Master text styles</a:t>
-            </a:r>
-          </a:p>
-          <a:p>
-            <a:pPr lvl="1"/>
-            <a:r>
-              <a:rPr lang="en-US"/>
-              <a:t>Second level</a:t>
-            </a:r>
-          </a:p>
-          <a:p>
-            <a:pPr lvl="2"/>
-            <a:r>
-              <a:rPr lang="en-US"/>
-              <a:t>Third level</a:t>
-            </a:r>
-          </a:p>
-          <a:p>
-            <a:pPr lvl="3"/>
-            <a:r>
-              <a:rPr lang="en-US"/>
-              <a:t>Fourth level</a:t>
-            </a:r>
-          </a:p>
-          <a:p>
-            <a:pPr lvl="4"/>
-            <a:r>
-              <a:rPr lang="en-US"/>
-              <a:t>Fifth level</a:t>
-            </a:r>
-            <a:endParaRPr lang="de-DE"/>
-          </a:p>
-        </p:txBody>
-      </p:sp>
-      <p:sp>
-        <p:nvSpPr>
-          <p:cNvPr id="5" name="Date Placeholder 4">
-            <a:extLst>
-              <a:ext uri="{FF2B5EF4-FFF2-40B4-BE49-F238E27FC236}">
-                <a16:creationId xmlns:a16="http://schemas.microsoft.com/office/drawing/2014/main" id="{008F57FD-DF0B-4B55-872F-EE8F26F8DDE1}"/>
-              </a:ext>
-            </a:extLst>
-          </p:cNvPr>
-          <p:cNvSpPr>
-            <a:spLocks noGrp="1"/>
-          </p:cNvSpPr>
-          <p:nvPr>
-            <p:ph type="dt" sz="half" idx="10"/>
+            <a:fld id="{37CC0096-1860-4642-9CD2-0079EA5E7CD1}" type="datetimeFigureOut">
+              <a:rPr lang="en-US" smtClean="0"/>
+              <a:t>11/9/2018</a:t>
+            </a:fld>
+            <a:endParaRPr lang="en-US"/>
+          </a:p>
+        </p:txBody>
+      </p:sp>
+      <p:sp>
+        <p:nvSpPr>
+          <p:cNvPr id="7" name="Slide Number Placeholder 6"/>
+          <p:cNvSpPr>
+            <a:spLocks noGrp="1"/>
+          </p:cNvSpPr>
+          <p:nvPr>
+            <p:ph type="sldNum" sz="quarter" idx="12"/>
           </p:nvPr>
         </p:nvSpPr>
         <p:spPr/>
@@ -1466,72 +2432,18 @@
           <a:bodyPr/>
           <a:lstStyle/>
           <a:p>
-            <a:fld id="{7E295A10-F123-426F-85AC-B2CE9CE22CEF}" type="datetimeFigureOut">
-              <a:rPr lang="de-DE" smtClean="0"/>
-              <a:t>08.11.2018</a:t>
-            </a:fld>
-            <a:endParaRPr lang="de-DE"/>
-          </a:p>
-        </p:txBody>
-      </p:sp>
-      <p:sp>
-        <p:nvSpPr>
-          <p:cNvPr id="6" name="Footer Placeholder 5">
-            <a:extLst>
-              <a:ext uri="{FF2B5EF4-FFF2-40B4-BE49-F238E27FC236}">
-                <a16:creationId xmlns:a16="http://schemas.microsoft.com/office/drawing/2014/main" id="{7FBBBE3A-109F-4F8D-A95A-EE2A9F5F0027}"/>
-              </a:ext>
-            </a:extLst>
-          </p:cNvPr>
-          <p:cNvSpPr>
-            <a:spLocks noGrp="1"/>
-          </p:cNvSpPr>
-          <p:nvPr>
-            <p:ph type="ftr" sz="quarter" idx="11"/>
-          </p:nvPr>
-        </p:nvSpPr>
-        <p:spPr/>
-        <p:txBody>
-          <a:bodyPr/>
-          <a:lstStyle/>
-          <a:p>
-            <a:endParaRPr lang="de-DE"/>
-          </a:p>
-        </p:txBody>
-      </p:sp>
-      <p:sp>
-        <p:nvSpPr>
-          <p:cNvPr id="7" name="Slide Number Placeholder 6">
-            <a:extLst>
-              <a:ext uri="{FF2B5EF4-FFF2-40B4-BE49-F238E27FC236}">
-                <a16:creationId xmlns:a16="http://schemas.microsoft.com/office/drawing/2014/main" id="{8F1B7D93-EF7E-4D62-9215-5578113E111F}"/>
-              </a:ext>
-            </a:extLst>
-          </p:cNvPr>
-          <p:cNvSpPr>
-            <a:spLocks noGrp="1"/>
-          </p:cNvSpPr>
-          <p:nvPr>
-            <p:ph type="sldNum" sz="quarter" idx="12"/>
-          </p:nvPr>
-        </p:nvSpPr>
-        <p:spPr/>
-        <p:txBody>
-          <a:bodyPr/>
-          <a:lstStyle/>
-          <a:p>
-            <a:fld id="{41A2531F-FD3F-44FA-BD03-2C8692DAB281}" type="slidenum">
-              <a:rPr lang="de-DE" smtClean="0"/>
+            <a:fld id="{E31375A4-56A4-47D6-9801-1991572033F7}" type="slidenum">
+              <a:rPr lang="en-US" smtClean="0"/>
               <a:t>‹#›</a:t>
             </a:fld>
-            <a:endParaRPr lang="de-DE"/>
+            <a:endParaRPr lang="en-US"/>
           </a:p>
         </p:txBody>
       </p:sp>
     </p:spTree>
     <p:extLst>
       <p:ext uri="{BB962C8B-B14F-4D97-AF65-F5344CB8AC3E}">
-        <p14:creationId xmlns:p14="http://schemas.microsoft.com/office/powerpoint/2010/main" val="4089010988"/>
+        <p14:creationId xmlns:p14="http://schemas.microsoft.com/office/powerpoint/2010/main" val="4044567947"/>
       </p:ext>
     </p:extLst>
   </p:cSld>
@@ -1560,66 +2472,57 @@
       </p:grpSpPr>
       <p:sp>
         <p:nvSpPr>
-          <p:cNvPr id="2" name="Title 1">
-            <a:extLst>
-              <a:ext uri="{FF2B5EF4-FFF2-40B4-BE49-F238E27FC236}">
-                <a16:creationId xmlns:a16="http://schemas.microsoft.com/office/drawing/2014/main" id="{5CC8DED6-23A2-4FBB-9C03-C725EDF7DF86}"/>
-              </a:ext>
-            </a:extLst>
-          </p:cNvPr>
+          <p:cNvPr id="2" name="Title 1"/>
           <p:cNvSpPr>
             <a:spLocks noGrp="1"/>
           </p:cNvSpPr>
           <p:nvPr>
             <p:ph type="title"/>
+          </p:nvPr>
+        </p:nvSpPr>
+        <p:spPr/>
+        <p:txBody>
+          <a:bodyPr/>
+          <a:lstStyle/>
+          <a:p>
+            <a:r>
+              <a:rPr lang="en-US"/>
+              <a:t>Click to edit Master title style</a:t>
+            </a:r>
+          </a:p>
+        </p:txBody>
+      </p:sp>
+      <p:sp>
+        <p:nvSpPr>
+          <p:cNvPr id="3" name="Text Placeholder 2"/>
+          <p:cNvSpPr>
+            <a:spLocks noGrp="1"/>
+          </p:cNvSpPr>
+          <p:nvPr>
+            <p:ph type="body" idx="1"/>
           </p:nvPr>
         </p:nvSpPr>
         <p:spPr>
           <a:xfrm>
-            <a:off x="839788" y="365125"/>
-            <a:ext cx="10515600" cy="1325563"/>
+            <a:off x="1527048" y="1828800"/>
+            <a:ext cx="4343400" cy="685800"/>
           </a:xfrm>
         </p:spPr>
         <p:txBody>
-          <a:bodyPr/>
-          <a:lstStyle/>
-          <a:p>
-            <a:r>
-              <a:rPr lang="en-US"/>
-              <a:t>Click to edit Master title style</a:t>
-            </a:r>
-            <a:endParaRPr lang="de-DE"/>
-          </a:p>
-        </p:txBody>
-      </p:sp>
-      <p:sp>
-        <p:nvSpPr>
-          <p:cNvPr id="3" name="Text Placeholder 2">
-            <a:extLst>
-              <a:ext uri="{FF2B5EF4-FFF2-40B4-BE49-F238E27FC236}">
-                <a16:creationId xmlns:a16="http://schemas.microsoft.com/office/drawing/2014/main" id="{87739129-C9BF-478E-89C3-4D4BE750DA2A}"/>
-              </a:ext>
-            </a:extLst>
-          </p:cNvPr>
-          <p:cNvSpPr>
-            <a:spLocks noGrp="1"/>
-          </p:cNvSpPr>
-          <p:nvPr>
-            <p:ph type="body" idx="1"/>
-          </p:nvPr>
-        </p:nvSpPr>
-        <p:spPr>
-          <a:xfrm>
-            <a:off x="839788" y="1681163"/>
-            <a:ext cx="5157787" cy="823912"/>
-          </a:xfrm>
-        </p:spPr>
-        <p:txBody>
-          <a:bodyPr anchor="b"/>
+          <a:bodyPr anchor="ctr">
+            <a:normAutofit/>
+          </a:bodyPr>
           <a:lstStyle>
             <a:lvl1pPr marL="0" indent="0">
+              <a:spcBef>
+                <a:spcPts val="0"/>
+              </a:spcBef>
               <a:buNone/>
-              <a:defRPr sz="2400" b="1"/>
+              <a:defRPr sz="2200" b="0">
+                <a:solidFill>
+                  <a:schemeClr val="tx1"/>
+                </a:solidFill>
+              </a:defRPr>
             </a:lvl1pPr>
             <a:lvl2pPr marL="457200" indent="0">
               <a:buNone/>
@@ -1665,13 +2568,7 @@
       </p:sp>
       <p:sp>
         <p:nvSpPr>
-          <p:cNvPr id="4" name="Content Placeholder 3">
-            <a:extLst>
-              <a:ext uri="{FF2B5EF4-FFF2-40B4-BE49-F238E27FC236}">
-                <a16:creationId xmlns:a16="http://schemas.microsoft.com/office/drawing/2014/main" id="{8C95BD66-20AE-436F-8911-4DAE268BBED0}"/>
-              </a:ext>
-            </a:extLst>
-          </p:cNvPr>
+          <p:cNvPr id="4" name="Content Placeholder 3"/>
           <p:cNvSpPr>
             <a:spLocks noGrp="1"/>
           </p:cNvSpPr>
@@ -1681,13 +2578,43 @@
         </p:nvSpPr>
         <p:spPr>
           <a:xfrm>
-            <a:off x="839788" y="2505075"/>
-            <a:ext cx="5157787" cy="3684588"/>
+            <a:off x="1527048" y="2514600"/>
+            <a:ext cx="4343400" cy="3581401"/>
           </a:xfrm>
         </p:spPr>
         <p:txBody>
-          <a:bodyPr/>
-          <a:lstStyle/>
+          <a:bodyPr>
+            <a:normAutofit/>
+          </a:bodyPr>
+          <a:lstStyle>
+            <a:lvl1pPr>
+              <a:defRPr sz="2000"/>
+            </a:lvl1pPr>
+            <a:lvl2pPr>
+              <a:defRPr sz="1800"/>
+            </a:lvl2pPr>
+            <a:lvl3pPr>
+              <a:defRPr sz="1600"/>
+            </a:lvl3pPr>
+            <a:lvl4pPr>
+              <a:defRPr sz="1400"/>
+            </a:lvl4pPr>
+            <a:lvl5pPr>
+              <a:defRPr sz="1400"/>
+            </a:lvl5pPr>
+            <a:lvl6pPr>
+              <a:defRPr sz="1400"/>
+            </a:lvl6pPr>
+            <a:lvl7pPr>
+              <a:defRPr sz="1400"/>
+            </a:lvl7pPr>
+            <a:lvl8pPr>
+              <a:defRPr sz="1400"/>
+            </a:lvl8pPr>
+            <a:lvl9pPr>
+              <a:defRPr sz="1400"/>
+            </a:lvl9pPr>
+          </a:lstStyle>
           <a:p>
             <a:pPr lvl="0"/>
             <a:r>
@@ -1722,19 +2649,13 @@
               <a:rPr lang="en-US"/>
               <a:t>Fifth level</a:t>
             </a:r>
-            <a:endParaRPr lang="de-DE"/>
-          </a:p>
-        </p:txBody>
-      </p:sp>
-      <p:sp>
-        <p:nvSpPr>
-          <p:cNvPr id="5" name="Text Placeholder 4">
-            <a:extLst>
-              <a:ext uri="{FF2B5EF4-FFF2-40B4-BE49-F238E27FC236}">
-                <a16:creationId xmlns:a16="http://schemas.microsoft.com/office/drawing/2014/main" id="{1AE7F2B0-4947-4BF0-9068-0278E2C633E8}"/>
-              </a:ext>
-            </a:extLst>
-          </p:cNvPr>
+            <a:endParaRPr lang="en-US" dirty="0"/>
+          </a:p>
+        </p:txBody>
+      </p:sp>
+      <p:sp>
+        <p:nvSpPr>
+          <p:cNvPr id="5" name="Text Placeholder 4"/>
           <p:cNvSpPr>
             <a:spLocks noGrp="1"/>
           </p:cNvSpPr>
@@ -1744,16 +2665,25 @@
         </p:nvSpPr>
         <p:spPr>
           <a:xfrm>
-            <a:off x="6172200" y="1681163"/>
-            <a:ext cx="5183188" cy="823912"/>
+            <a:off x="6327648" y="1828800"/>
+            <a:ext cx="4343400" cy="685800"/>
           </a:xfrm>
         </p:spPr>
         <p:txBody>
-          <a:bodyPr anchor="b"/>
+          <a:bodyPr anchor="ctr">
+            <a:normAutofit/>
+          </a:bodyPr>
           <a:lstStyle>
             <a:lvl1pPr marL="0" indent="0">
+              <a:spcBef>
+                <a:spcPts val="0"/>
+              </a:spcBef>
               <a:buNone/>
-              <a:defRPr sz="2400" b="1"/>
+              <a:defRPr sz="2200" b="0">
+                <a:solidFill>
+                  <a:schemeClr val="tx1"/>
+                </a:solidFill>
+              </a:defRPr>
             </a:lvl1pPr>
             <a:lvl2pPr marL="457200" indent="0">
               <a:buNone/>
@@ -1799,13 +2729,7 @@
       </p:sp>
       <p:sp>
         <p:nvSpPr>
-          <p:cNvPr id="6" name="Content Placeholder 5">
-            <a:extLst>
-              <a:ext uri="{FF2B5EF4-FFF2-40B4-BE49-F238E27FC236}">
-                <a16:creationId xmlns:a16="http://schemas.microsoft.com/office/drawing/2014/main" id="{E0ECAD24-AAA4-45E1-8242-E1165ACFAFD5}"/>
-              </a:ext>
-            </a:extLst>
-          </p:cNvPr>
+          <p:cNvPr id="6" name="Content Placeholder 5"/>
           <p:cNvSpPr>
             <a:spLocks noGrp="1"/>
           </p:cNvSpPr>
@@ -1815,60 +2739,103 @@
         </p:nvSpPr>
         <p:spPr>
           <a:xfrm>
-            <a:off x="6172200" y="2505075"/>
-            <a:ext cx="5183188" cy="3684588"/>
+            <a:off x="6327648" y="2514600"/>
+            <a:ext cx="4343400" cy="3581401"/>
           </a:xfrm>
         </p:spPr>
         <p:txBody>
+          <a:bodyPr>
+            <a:normAutofit/>
+          </a:bodyPr>
+          <a:lstStyle>
+            <a:lvl1pPr>
+              <a:defRPr sz="2000"/>
+            </a:lvl1pPr>
+            <a:lvl2pPr>
+              <a:defRPr sz="1800"/>
+            </a:lvl2pPr>
+            <a:lvl3pPr>
+              <a:defRPr sz="1600"/>
+            </a:lvl3pPr>
+            <a:lvl4pPr>
+              <a:defRPr sz="1400"/>
+            </a:lvl4pPr>
+            <a:lvl5pPr>
+              <a:defRPr sz="1400"/>
+            </a:lvl5pPr>
+            <a:lvl6pPr>
+              <a:defRPr sz="1400"/>
+            </a:lvl6pPr>
+            <a:lvl7pPr>
+              <a:defRPr sz="1400"/>
+            </a:lvl7pPr>
+            <a:lvl8pPr>
+              <a:defRPr sz="1400"/>
+            </a:lvl8pPr>
+            <a:lvl9pPr>
+              <a:defRPr sz="1400"/>
+            </a:lvl9pPr>
+          </a:lstStyle>
+          <a:p>
+            <a:pPr lvl="0"/>
+            <a:r>
+              <a:rPr lang="en-US"/>
+              <a:t>Edit Master text styles</a:t>
+            </a:r>
+          </a:p>
+          <a:p>
+            <a:pPr lvl="1"/>
+            <a:r>
+              <a:rPr lang="en-US"/>
+              <a:t>Second level</a:t>
+            </a:r>
+          </a:p>
+          <a:p>
+            <a:pPr lvl="2"/>
+            <a:r>
+              <a:rPr lang="en-US"/>
+              <a:t>Third level</a:t>
+            </a:r>
+          </a:p>
+          <a:p>
+            <a:pPr lvl="3"/>
+            <a:r>
+              <a:rPr lang="en-US"/>
+              <a:t>Fourth level</a:t>
+            </a:r>
+          </a:p>
+          <a:p>
+            <a:pPr lvl="4"/>
+            <a:r>
+              <a:rPr lang="en-US"/>
+              <a:t>Fifth level</a:t>
+            </a:r>
+            <a:endParaRPr lang="en-US" dirty="0"/>
+          </a:p>
+        </p:txBody>
+      </p:sp>
+      <p:sp>
+        <p:nvSpPr>
+          <p:cNvPr id="8" name="Footer Placeholder 7"/>
+          <p:cNvSpPr>
+            <a:spLocks noGrp="1"/>
+          </p:cNvSpPr>
+          <p:nvPr>
+            <p:ph type="ftr" sz="quarter" idx="11"/>
+          </p:nvPr>
+        </p:nvSpPr>
+        <p:spPr/>
+        <p:txBody>
           <a:bodyPr/>
           <a:lstStyle/>
           <a:p>
-            <a:pPr lvl="0"/>
-            <a:r>
-              <a:rPr lang="en-US"/>
-              <a:t>Edit Master text styles</a:t>
-            </a:r>
-          </a:p>
-          <a:p>
-            <a:pPr lvl="1"/>
-            <a:r>
-              <a:rPr lang="en-US"/>
-              <a:t>Second level</a:t>
-            </a:r>
-          </a:p>
-          <a:p>
-            <a:pPr lvl="2"/>
-            <a:r>
-              <a:rPr lang="en-US"/>
-              <a:t>Third level</a:t>
-            </a:r>
-          </a:p>
-          <a:p>
-            <a:pPr lvl="3"/>
-            <a:r>
-              <a:rPr lang="en-US"/>
-              <a:t>Fourth level</a:t>
-            </a:r>
-          </a:p>
-          <a:p>
-            <a:pPr lvl="4"/>
-            <a:r>
-              <a:rPr lang="en-US"/>
-              <a:t>Fifth level</a:t>
-            </a:r>
-            <a:endParaRPr lang="de-DE"/>
-          </a:p>
-        </p:txBody>
-      </p:sp>
-      <p:sp>
-        <p:nvSpPr>
-          <p:cNvPr id="7" name="Date Placeholder 6">
-            <a:extLst>
-              <a:ext uri="{FF2B5EF4-FFF2-40B4-BE49-F238E27FC236}">
-                <a16:creationId xmlns:a16="http://schemas.microsoft.com/office/drawing/2014/main" id="{8A161BF0-5873-4693-ACC5-970835CBA09C}"/>
-              </a:ext>
-            </a:extLst>
-          </p:cNvPr>
+            <a:endParaRPr lang="en-US"/>
+          </a:p>
+        </p:txBody>
+      </p:sp>
+      <p:sp>
+        <p:nvSpPr>
+          <p:cNvPr id="7" name="Date Placeholder 6"/>
           <p:cNvSpPr>
             <a:spLocks noGrp="1"/>
           </p:cNvSpPr>
@@ -1881,28 +2848,22 @@
           <a:bodyPr/>
           <a:lstStyle/>
           <a:p>
-            <a:fld id="{7E295A10-F123-426F-85AC-B2CE9CE22CEF}" type="datetimeFigureOut">
-              <a:rPr lang="de-DE" smtClean="0"/>
-              <a:t>08.11.2018</a:t>
+            <a:fld id="{37CC0096-1860-4642-9CD2-0079EA5E7CD1}" type="datetimeFigureOut">
+              <a:rPr lang="en-US" smtClean="0"/>
+              <a:t>11/9/2018</a:t>
             </a:fld>
-            <a:endParaRPr lang="de-DE"/>
-          </a:p>
-        </p:txBody>
-      </p:sp>
-      <p:sp>
-        <p:nvSpPr>
-          <p:cNvPr id="8" name="Footer Placeholder 7">
-            <a:extLst>
-              <a:ext uri="{FF2B5EF4-FFF2-40B4-BE49-F238E27FC236}">
-                <a16:creationId xmlns:a16="http://schemas.microsoft.com/office/drawing/2014/main" id="{00C9496C-A61C-4B1F-82AD-6302C5518897}"/>
-              </a:ext>
-            </a:extLst>
-          </p:cNvPr>
-          <p:cNvSpPr>
-            <a:spLocks noGrp="1"/>
-          </p:cNvSpPr>
-          <p:nvPr>
-            <p:ph type="ftr" sz="quarter" idx="11"/>
+            <a:endParaRPr lang="en-US"/>
+          </a:p>
+        </p:txBody>
+      </p:sp>
+      <p:sp>
+        <p:nvSpPr>
+          <p:cNvPr id="9" name="Slide Number Placeholder 8"/>
+          <p:cNvSpPr>
+            <a:spLocks noGrp="1"/>
+          </p:cNvSpPr>
+          <p:nvPr>
+            <p:ph type="sldNum" sz="quarter" idx="12"/>
           </p:nvPr>
         </p:nvSpPr>
         <p:spPr/>
@@ -1910,43 +2871,18 @@
           <a:bodyPr/>
           <a:lstStyle/>
           <a:p>
-            <a:endParaRPr lang="de-DE"/>
-          </a:p>
-        </p:txBody>
-      </p:sp>
-      <p:sp>
-        <p:nvSpPr>
-          <p:cNvPr id="9" name="Slide Number Placeholder 8">
-            <a:extLst>
-              <a:ext uri="{FF2B5EF4-FFF2-40B4-BE49-F238E27FC236}">
-                <a16:creationId xmlns:a16="http://schemas.microsoft.com/office/drawing/2014/main" id="{96BEDB61-49EE-4243-9C7E-976C20039658}"/>
-              </a:ext>
-            </a:extLst>
-          </p:cNvPr>
-          <p:cNvSpPr>
-            <a:spLocks noGrp="1"/>
-          </p:cNvSpPr>
-          <p:nvPr>
-            <p:ph type="sldNum" sz="quarter" idx="12"/>
-          </p:nvPr>
-        </p:nvSpPr>
-        <p:spPr/>
-        <p:txBody>
-          <a:bodyPr/>
-          <a:lstStyle/>
-          <a:p>
-            <a:fld id="{41A2531F-FD3F-44FA-BD03-2C8692DAB281}" type="slidenum">
-              <a:rPr lang="de-DE" smtClean="0"/>
+            <a:fld id="{E31375A4-56A4-47D6-9801-1991572033F7}" type="slidenum">
+              <a:rPr lang="en-US" smtClean="0"/>
               <a:t>‹#›</a:t>
             </a:fld>
-            <a:endParaRPr lang="de-DE"/>
+            <a:endParaRPr lang="en-US"/>
           </a:p>
         </p:txBody>
       </p:sp>
     </p:spTree>
     <p:extLst>
       <p:ext uri="{BB962C8B-B14F-4D97-AF65-F5344CB8AC3E}">
-        <p14:creationId xmlns:p14="http://schemas.microsoft.com/office/powerpoint/2010/main" val="760730536"/>
+        <p14:creationId xmlns:p14="http://schemas.microsoft.com/office/powerpoint/2010/main" val="3397906568"/>
       </p:ext>
     </p:extLst>
   </p:cSld>
@@ -1975,13 +2911,7 @@
       </p:grpSpPr>
       <p:sp>
         <p:nvSpPr>
-          <p:cNvPr id="2" name="Title 1">
-            <a:extLst>
-              <a:ext uri="{FF2B5EF4-FFF2-40B4-BE49-F238E27FC236}">
-                <a16:creationId xmlns:a16="http://schemas.microsoft.com/office/drawing/2014/main" id="{A991B5B5-F894-4B81-BC31-AC21C2B9DC08}"/>
-              </a:ext>
-            </a:extLst>
-          </p:cNvPr>
+          <p:cNvPr id="2" name="Title 1"/>
           <p:cNvSpPr>
             <a:spLocks noGrp="1"/>
           </p:cNvSpPr>
@@ -1998,24 +2928,17 @@
               <a:rPr lang="en-US"/>
               <a:t>Click to edit Master title style</a:t>
             </a:r>
-            <a:endParaRPr lang="de-DE"/>
-          </a:p>
-        </p:txBody>
-      </p:sp>
-      <p:sp>
-        <p:nvSpPr>
-          <p:cNvPr id="3" name="Date Placeholder 2">
-            <a:extLst>
-              <a:ext uri="{FF2B5EF4-FFF2-40B4-BE49-F238E27FC236}">
-                <a16:creationId xmlns:a16="http://schemas.microsoft.com/office/drawing/2014/main" id="{C61BCBB5-E8BE-4193-BFC3-7795CD6D3112}"/>
-              </a:ext>
-            </a:extLst>
-          </p:cNvPr>
-          <p:cNvSpPr>
-            <a:spLocks noGrp="1"/>
-          </p:cNvSpPr>
-          <p:nvPr>
-            <p:ph type="dt" sz="half" idx="10"/>
+          </a:p>
+        </p:txBody>
+      </p:sp>
+      <p:sp>
+        <p:nvSpPr>
+          <p:cNvPr id="4" name="Footer Placeholder 3"/>
+          <p:cNvSpPr>
+            <a:spLocks noGrp="1"/>
+          </p:cNvSpPr>
+          <p:nvPr>
+            <p:ph type="ftr" sz="quarter" idx="11"/>
           </p:nvPr>
         </p:nvSpPr>
         <p:spPr/>
@@ -2023,28 +2946,18 @@
           <a:bodyPr/>
           <a:lstStyle/>
           <a:p>
-            <a:fld id="{7E295A10-F123-426F-85AC-B2CE9CE22CEF}" type="datetimeFigureOut">
-              <a:rPr lang="de-DE" smtClean="0"/>
-              <a:t>08.11.2018</a:t>
-            </a:fld>
-            <a:endParaRPr lang="de-DE"/>
-          </a:p>
-        </p:txBody>
-      </p:sp>
-      <p:sp>
-        <p:nvSpPr>
-          <p:cNvPr id="4" name="Footer Placeholder 3">
-            <a:extLst>
-              <a:ext uri="{FF2B5EF4-FFF2-40B4-BE49-F238E27FC236}">
-                <a16:creationId xmlns:a16="http://schemas.microsoft.com/office/drawing/2014/main" id="{0EBE72D6-4B2F-478C-B382-B1B77A6E8263}"/>
-              </a:ext>
-            </a:extLst>
-          </p:cNvPr>
-          <p:cNvSpPr>
-            <a:spLocks noGrp="1"/>
-          </p:cNvSpPr>
-          <p:nvPr>
-            <p:ph type="ftr" sz="quarter" idx="11"/>
+            <a:endParaRPr lang="en-US"/>
+          </a:p>
+        </p:txBody>
+      </p:sp>
+      <p:sp>
+        <p:nvSpPr>
+          <p:cNvPr id="3" name="Date Placeholder 2"/>
+          <p:cNvSpPr>
+            <a:spLocks noGrp="1"/>
+          </p:cNvSpPr>
+          <p:nvPr>
+            <p:ph type="dt" sz="half" idx="10"/>
           </p:nvPr>
         </p:nvSpPr>
         <p:spPr/>
@@ -2052,19 +2965,17 @@
           <a:bodyPr/>
           <a:lstStyle/>
           <a:p>
-            <a:endParaRPr lang="de-DE"/>
-          </a:p>
-        </p:txBody>
-      </p:sp>
-      <p:sp>
-        <p:nvSpPr>
-          <p:cNvPr id="5" name="Slide Number Placeholder 4">
-            <a:extLst>
-              <a:ext uri="{FF2B5EF4-FFF2-40B4-BE49-F238E27FC236}">
-                <a16:creationId xmlns:a16="http://schemas.microsoft.com/office/drawing/2014/main" id="{C5E21687-1405-4D18-817A-9B9D384B69D6}"/>
-              </a:ext>
-            </a:extLst>
-          </p:cNvPr>
+            <a:fld id="{37CC0096-1860-4642-9CD2-0079EA5E7CD1}" type="datetimeFigureOut">
+              <a:rPr lang="en-US" smtClean="0"/>
+              <a:t>11/9/2018</a:t>
+            </a:fld>
+            <a:endParaRPr lang="en-US"/>
+          </a:p>
+        </p:txBody>
+      </p:sp>
+      <p:sp>
+        <p:nvSpPr>
+          <p:cNvPr id="5" name="Slide Number Placeholder 4"/>
           <p:cNvSpPr>
             <a:spLocks noGrp="1"/>
           </p:cNvSpPr>
@@ -2077,18 +2988,18 @@
           <a:bodyPr/>
           <a:lstStyle/>
           <a:p>
-            <a:fld id="{41A2531F-FD3F-44FA-BD03-2C8692DAB281}" type="slidenum">
-              <a:rPr lang="de-DE" smtClean="0"/>
+            <a:fld id="{E31375A4-56A4-47D6-9801-1991572033F7}" type="slidenum">
+              <a:rPr lang="en-US" smtClean="0"/>
               <a:t>‹#›</a:t>
             </a:fld>
-            <a:endParaRPr lang="de-DE"/>
+            <a:endParaRPr lang="en-US"/>
           </a:p>
         </p:txBody>
       </p:sp>
     </p:spTree>
     <p:extLst>
       <p:ext uri="{BB962C8B-B14F-4D97-AF65-F5344CB8AC3E}">
-        <p14:creationId xmlns:p14="http://schemas.microsoft.com/office/powerpoint/2010/main" val="1026387597"/>
+        <p14:creationId xmlns:p14="http://schemas.microsoft.com/office/powerpoint/2010/main" val="3238976713"/>
       </p:ext>
     </p:extLst>
   </p:cSld>
@@ -2117,18 +3028,12 @@
       </p:grpSpPr>
       <p:sp>
         <p:nvSpPr>
-          <p:cNvPr id="2" name="Date Placeholder 1">
-            <a:extLst>
-              <a:ext uri="{FF2B5EF4-FFF2-40B4-BE49-F238E27FC236}">
-                <a16:creationId xmlns:a16="http://schemas.microsoft.com/office/drawing/2014/main" id="{29D2AADD-DA6C-41E2-BB32-94A862AAE72B}"/>
-              </a:ext>
-            </a:extLst>
-          </p:cNvPr>
-          <p:cNvSpPr>
-            <a:spLocks noGrp="1"/>
-          </p:cNvSpPr>
-          <p:nvPr>
-            <p:ph type="dt" sz="half" idx="10"/>
+          <p:cNvPr id="3" name="Footer Placeholder 2"/>
+          <p:cNvSpPr>
+            <a:spLocks noGrp="1"/>
+          </p:cNvSpPr>
+          <p:nvPr>
+            <p:ph type="ftr" sz="quarter" idx="11"/>
           </p:nvPr>
         </p:nvSpPr>
         <p:spPr/>
@@ -2136,28 +3041,18 @@
           <a:bodyPr/>
           <a:lstStyle/>
           <a:p>
-            <a:fld id="{7E295A10-F123-426F-85AC-B2CE9CE22CEF}" type="datetimeFigureOut">
-              <a:rPr lang="de-DE" smtClean="0"/>
-              <a:t>08.11.2018</a:t>
-            </a:fld>
-            <a:endParaRPr lang="de-DE"/>
-          </a:p>
-        </p:txBody>
-      </p:sp>
-      <p:sp>
-        <p:nvSpPr>
-          <p:cNvPr id="3" name="Footer Placeholder 2">
-            <a:extLst>
-              <a:ext uri="{FF2B5EF4-FFF2-40B4-BE49-F238E27FC236}">
-                <a16:creationId xmlns:a16="http://schemas.microsoft.com/office/drawing/2014/main" id="{D4B804D4-CC6E-4F36-95BB-BD30F98D88A3}"/>
-              </a:ext>
-            </a:extLst>
-          </p:cNvPr>
-          <p:cNvSpPr>
-            <a:spLocks noGrp="1"/>
-          </p:cNvSpPr>
-          <p:nvPr>
-            <p:ph type="ftr" sz="quarter" idx="11"/>
+            <a:endParaRPr lang="en-US"/>
+          </a:p>
+        </p:txBody>
+      </p:sp>
+      <p:sp>
+        <p:nvSpPr>
+          <p:cNvPr id="2" name="Date Placeholder 1"/>
+          <p:cNvSpPr>
+            <a:spLocks noGrp="1"/>
+          </p:cNvSpPr>
+          <p:nvPr>
+            <p:ph type="dt" sz="half" idx="10"/>
           </p:nvPr>
         </p:nvSpPr>
         <p:spPr/>
@@ -2165,19 +3060,17 @@
           <a:bodyPr/>
           <a:lstStyle/>
           <a:p>
-            <a:endParaRPr lang="de-DE"/>
-          </a:p>
-        </p:txBody>
-      </p:sp>
-      <p:sp>
-        <p:nvSpPr>
-          <p:cNvPr id="4" name="Slide Number Placeholder 3">
-            <a:extLst>
-              <a:ext uri="{FF2B5EF4-FFF2-40B4-BE49-F238E27FC236}">
-                <a16:creationId xmlns:a16="http://schemas.microsoft.com/office/drawing/2014/main" id="{E009EA34-B054-4B32-9E4E-20C7C92F3773}"/>
-              </a:ext>
-            </a:extLst>
-          </p:cNvPr>
+            <a:fld id="{37CC0096-1860-4642-9CD2-0079EA5E7CD1}" type="datetimeFigureOut">
+              <a:rPr lang="en-US" smtClean="0"/>
+              <a:t>11/9/2018</a:t>
+            </a:fld>
+            <a:endParaRPr lang="en-US"/>
+          </a:p>
+        </p:txBody>
+      </p:sp>
+      <p:sp>
+        <p:nvSpPr>
+          <p:cNvPr id="4" name="Slide Number Placeholder 3"/>
           <p:cNvSpPr>
             <a:spLocks noGrp="1"/>
           </p:cNvSpPr>
@@ -2190,18 +3083,18 @@
           <a:bodyPr/>
           <a:lstStyle/>
           <a:p>
-            <a:fld id="{41A2531F-FD3F-44FA-BD03-2C8692DAB281}" type="slidenum">
-              <a:rPr lang="de-DE" smtClean="0"/>
+            <a:fld id="{E31375A4-56A4-47D6-9801-1991572033F7}" type="slidenum">
+              <a:rPr lang="en-US" smtClean="0"/>
               <a:t>‹#›</a:t>
             </a:fld>
-            <a:endParaRPr lang="de-DE"/>
+            <a:endParaRPr lang="en-US"/>
           </a:p>
         </p:txBody>
       </p:sp>
     </p:spTree>
     <p:extLst>
       <p:ext uri="{BB962C8B-B14F-4D97-AF65-F5344CB8AC3E}">
-        <p14:creationId xmlns:p14="http://schemas.microsoft.com/office/powerpoint/2010/main" val="3430481699"/>
+        <p14:creationId xmlns:p14="http://schemas.microsoft.com/office/powerpoint/2010/main" val="2146817227"/>
       </p:ext>
     </p:extLst>
   </p:cSld>
@@ -2212,7 +3105,7 @@
 </file>
 
 <file path=ppt/slideLayouts/slideLayout8.xml><?xml version="1.0" encoding="utf-8"?>
-<p:sldLayout xmlns:a="http://schemas.openxmlformats.org/drawingml/2006/main" xmlns:r="http://schemas.openxmlformats.org/officeDocument/2006/relationships" xmlns:p="http://schemas.openxmlformats.org/presentationml/2006/main" type="objTx" preserve="1">
+<p:sldLayout xmlns:a="http://schemas.openxmlformats.org/drawingml/2006/main" xmlns:r="http://schemas.openxmlformats.org/officeDocument/2006/relationships" xmlns:p="http://schemas.openxmlformats.org/presentationml/2006/main" preserve="1" userDrawn="1">
   <p:cSld name="Content with Caption">
     <p:spTree>
       <p:nvGrpSpPr>
@@ -2230,13 +3123,7 @@
       </p:grpSpPr>
       <p:sp>
         <p:nvSpPr>
-          <p:cNvPr id="2" name="Title 1">
-            <a:extLst>
-              <a:ext uri="{FF2B5EF4-FFF2-40B4-BE49-F238E27FC236}">
-                <a16:creationId xmlns:a16="http://schemas.microsoft.com/office/drawing/2014/main" id="{79D221F7-1006-48E9-96D7-95761B2D799D}"/>
-              </a:ext>
-            </a:extLst>
-          </p:cNvPr>
+          <p:cNvPr id="2" name="Title 1"/>
           <p:cNvSpPr>
             <a:spLocks noGrp="1"/>
           </p:cNvSpPr>
@@ -2246,15 +3133,17 @@
         </p:nvSpPr>
         <p:spPr>
           <a:xfrm>
-            <a:off x="839788" y="457200"/>
-            <a:ext cx="3932237" cy="1600200"/>
+            <a:off x="8002587" y="1600200"/>
+            <a:ext cx="3122613" cy="1828800"/>
           </a:xfrm>
         </p:spPr>
         <p:txBody>
-          <a:bodyPr anchor="b"/>
+          <a:bodyPr anchor="b">
+            <a:normAutofit/>
+          </a:bodyPr>
           <a:lstStyle>
             <a:lvl1pPr>
-              <a:defRPr sz="3200"/>
+              <a:defRPr sz="3400"/>
             </a:lvl1pPr>
           </a:lstStyle>
           <a:p>
@@ -2262,19 +3151,13 @@
               <a:rPr lang="en-US"/>
               <a:t>Click to edit Master title style</a:t>
             </a:r>
-            <a:endParaRPr lang="de-DE"/>
-          </a:p>
-        </p:txBody>
-      </p:sp>
-      <p:sp>
-        <p:nvSpPr>
-          <p:cNvPr id="3" name="Content Placeholder 2">
-            <a:extLst>
-              <a:ext uri="{FF2B5EF4-FFF2-40B4-BE49-F238E27FC236}">
-                <a16:creationId xmlns:a16="http://schemas.microsoft.com/office/drawing/2014/main" id="{7E5467F3-3BFF-43B8-A42B-014205841EF3}"/>
-              </a:ext>
-            </a:extLst>
-          </p:cNvPr>
+            <a:endParaRPr lang="en-US" dirty="0"/>
+          </a:p>
+        </p:txBody>
+      </p:sp>
+      <p:sp>
+        <p:nvSpPr>
+          <p:cNvPr id="3" name="Content Placeholder 2"/>
           <p:cNvSpPr>
             <a:spLocks noGrp="1"/>
           </p:cNvSpPr>
@@ -2284,39 +3167,41 @@
         </p:nvSpPr>
         <p:spPr>
           <a:xfrm>
-            <a:off x="5183188" y="987425"/>
-            <a:ext cx="6172200" cy="4873625"/>
+            <a:off x="760412" y="762000"/>
+            <a:ext cx="6400800" cy="5334000"/>
           </a:xfrm>
         </p:spPr>
         <p:txBody>
-          <a:bodyPr/>
+          <a:bodyPr>
+            <a:normAutofit/>
+          </a:bodyPr>
           <a:lstStyle>
             <a:lvl1pPr>
-              <a:defRPr sz="3200"/>
+              <a:defRPr sz="2000"/>
             </a:lvl1pPr>
             <a:lvl2pPr>
-              <a:defRPr sz="2800"/>
+              <a:defRPr sz="1800"/>
             </a:lvl2pPr>
             <a:lvl3pPr>
-              <a:defRPr sz="2400"/>
+              <a:defRPr sz="1600"/>
             </a:lvl3pPr>
             <a:lvl4pPr>
-              <a:defRPr sz="2000"/>
+              <a:defRPr sz="1400"/>
             </a:lvl4pPr>
             <a:lvl5pPr>
-              <a:defRPr sz="2000"/>
+              <a:defRPr sz="1400"/>
             </a:lvl5pPr>
             <a:lvl6pPr>
-              <a:defRPr sz="2000"/>
+              <a:defRPr sz="1400"/>
             </a:lvl6pPr>
             <a:lvl7pPr>
-              <a:defRPr sz="2000"/>
+              <a:defRPr sz="1400"/>
             </a:lvl7pPr>
             <a:lvl8pPr>
-              <a:defRPr sz="2000"/>
+              <a:defRPr sz="1400"/>
             </a:lvl8pPr>
             <a:lvl9pPr>
-              <a:defRPr sz="2000"/>
+              <a:defRPr sz="1400"/>
             </a:lvl9pPr>
           </a:lstStyle>
           <a:p>
@@ -2353,19 +3238,13 @@
               <a:rPr lang="en-US"/>
               <a:t>Fifth level</a:t>
             </a:r>
-            <a:endParaRPr lang="de-DE"/>
-          </a:p>
-        </p:txBody>
-      </p:sp>
-      <p:sp>
-        <p:nvSpPr>
-          <p:cNvPr id="4" name="Text Placeholder 3">
-            <a:extLst>
-              <a:ext uri="{FF2B5EF4-FFF2-40B4-BE49-F238E27FC236}">
-                <a16:creationId xmlns:a16="http://schemas.microsoft.com/office/drawing/2014/main" id="{13CFB588-6234-4D5E-8D13-375F0AA79250}"/>
-              </a:ext>
-            </a:extLst>
-          </p:cNvPr>
+            <a:endParaRPr lang="en-US" dirty="0"/>
+          </a:p>
+        </p:txBody>
+      </p:sp>
+      <p:sp>
+        <p:nvSpPr>
+          <p:cNvPr id="4" name="Text Placeholder 3"/>
           <p:cNvSpPr>
             <a:spLocks noGrp="1"/>
           </p:cNvSpPr>
@@ -2375,14 +3254,17 @@
         </p:nvSpPr>
         <p:spPr>
           <a:xfrm>
-            <a:off x="839788" y="2057400"/>
-            <a:ext cx="3932237" cy="3811588"/>
+            <a:off x="8001039" y="3429000"/>
+            <a:ext cx="3124161" cy="1828800"/>
           </a:xfrm>
         </p:spPr>
         <p:txBody>
           <a:bodyPr/>
           <a:lstStyle>
             <a:lvl1pPr marL="0" indent="0">
+              <a:spcBef>
+                <a:spcPts val="0"/>
+              </a:spcBef>
               <a:buNone/>
               <a:defRPr sz="1600"/>
             </a:lvl1pPr>
@@ -2430,18 +3312,12 @@
       </p:sp>
       <p:sp>
         <p:nvSpPr>
-          <p:cNvPr id="5" name="Date Placeholder 4">
-            <a:extLst>
-              <a:ext uri="{FF2B5EF4-FFF2-40B4-BE49-F238E27FC236}">
-                <a16:creationId xmlns:a16="http://schemas.microsoft.com/office/drawing/2014/main" id="{8777080C-ECB2-4C5C-ADEE-7E28481ED575}"/>
-              </a:ext>
-            </a:extLst>
-          </p:cNvPr>
-          <p:cNvSpPr>
-            <a:spLocks noGrp="1"/>
-          </p:cNvSpPr>
-          <p:nvPr>
-            <p:ph type="dt" sz="half" idx="10"/>
+          <p:cNvPr id="6" name="Footer Placeholder 5"/>
+          <p:cNvSpPr>
+            <a:spLocks noGrp="1"/>
+          </p:cNvSpPr>
+          <p:nvPr>
+            <p:ph type="ftr" sz="quarter" idx="11"/>
           </p:nvPr>
         </p:nvSpPr>
         <p:spPr/>
@@ -2449,28 +3325,18 @@
           <a:bodyPr/>
           <a:lstStyle/>
           <a:p>
-            <a:fld id="{7E295A10-F123-426F-85AC-B2CE9CE22CEF}" type="datetimeFigureOut">
-              <a:rPr lang="de-DE" smtClean="0"/>
-              <a:t>08.11.2018</a:t>
-            </a:fld>
-            <a:endParaRPr lang="de-DE"/>
-          </a:p>
-        </p:txBody>
-      </p:sp>
-      <p:sp>
-        <p:nvSpPr>
-          <p:cNvPr id="6" name="Footer Placeholder 5">
-            <a:extLst>
-              <a:ext uri="{FF2B5EF4-FFF2-40B4-BE49-F238E27FC236}">
-                <a16:creationId xmlns:a16="http://schemas.microsoft.com/office/drawing/2014/main" id="{4900B939-4AAD-4DD9-8E5B-CE607633A5AF}"/>
-              </a:ext>
-            </a:extLst>
-          </p:cNvPr>
-          <p:cNvSpPr>
-            <a:spLocks noGrp="1"/>
-          </p:cNvSpPr>
-          <p:nvPr>
-            <p:ph type="ftr" sz="quarter" idx="11"/>
+            <a:endParaRPr lang="en-US"/>
+          </a:p>
+        </p:txBody>
+      </p:sp>
+      <p:sp>
+        <p:nvSpPr>
+          <p:cNvPr id="5" name="Date Placeholder 4"/>
+          <p:cNvSpPr>
+            <a:spLocks noGrp="1"/>
+          </p:cNvSpPr>
+          <p:nvPr>
+            <p:ph type="dt" sz="half" idx="10"/>
           </p:nvPr>
         </p:nvSpPr>
         <p:spPr/>
@@ -2478,19 +3344,17 @@
           <a:bodyPr/>
           <a:lstStyle/>
           <a:p>
-            <a:endParaRPr lang="de-DE"/>
-          </a:p>
-        </p:txBody>
-      </p:sp>
-      <p:sp>
-        <p:nvSpPr>
-          <p:cNvPr id="7" name="Slide Number Placeholder 6">
-            <a:extLst>
-              <a:ext uri="{FF2B5EF4-FFF2-40B4-BE49-F238E27FC236}">
-                <a16:creationId xmlns:a16="http://schemas.microsoft.com/office/drawing/2014/main" id="{97EA03F7-029C-4CB2-A128-99007021A06B}"/>
-              </a:ext>
-            </a:extLst>
-          </p:cNvPr>
+            <a:fld id="{37CC0096-1860-4642-9CD2-0079EA5E7CD1}" type="datetimeFigureOut">
+              <a:rPr lang="en-US" smtClean="0"/>
+              <a:t>11/9/2018</a:t>
+            </a:fld>
+            <a:endParaRPr lang="en-US"/>
+          </a:p>
+        </p:txBody>
+      </p:sp>
+      <p:sp>
+        <p:nvSpPr>
+          <p:cNvPr id="7" name="Slide Number Placeholder 6"/>
           <p:cNvSpPr>
             <a:spLocks noGrp="1"/>
           </p:cNvSpPr>
@@ -2503,18 +3367,18 @@
           <a:bodyPr/>
           <a:lstStyle/>
           <a:p>
-            <a:fld id="{41A2531F-FD3F-44FA-BD03-2C8692DAB281}" type="slidenum">
-              <a:rPr lang="de-DE" smtClean="0"/>
+            <a:fld id="{E31375A4-56A4-47D6-9801-1991572033F7}" type="slidenum">
+              <a:rPr lang="en-US" smtClean="0"/>
               <a:t>‹#›</a:t>
             </a:fld>
-            <a:endParaRPr lang="de-DE"/>
+            <a:endParaRPr lang="en-US"/>
           </a:p>
         </p:txBody>
       </p:sp>
     </p:spTree>
     <p:extLst>
       <p:ext uri="{BB962C8B-B14F-4D97-AF65-F5344CB8AC3E}">
-        <p14:creationId xmlns:p14="http://schemas.microsoft.com/office/powerpoint/2010/main" val="574534622"/>
+        <p14:creationId xmlns:p14="http://schemas.microsoft.com/office/powerpoint/2010/main" val="1667374130"/>
       </p:ext>
     </p:extLst>
   </p:cSld>
@@ -2543,13 +3407,7 @@
       </p:grpSpPr>
       <p:sp>
         <p:nvSpPr>
-          <p:cNvPr id="2" name="Title 1">
-            <a:extLst>
-              <a:ext uri="{FF2B5EF4-FFF2-40B4-BE49-F238E27FC236}">
-                <a16:creationId xmlns:a16="http://schemas.microsoft.com/office/drawing/2014/main" id="{6F3C5533-6823-4362-9C2C-6984A2018498}"/>
-              </a:ext>
-            </a:extLst>
-          </p:cNvPr>
+          <p:cNvPr id="2" name="Title 1"/>
           <p:cNvSpPr>
             <a:spLocks noGrp="1"/>
           </p:cNvSpPr>
@@ -2559,15 +3417,17 @@
         </p:nvSpPr>
         <p:spPr>
           <a:xfrm>
-            <a:off x="839788" y="457200"/>
-            <a:ext cx="3932237" cy="1600200"/>
+            <a:off x="7997952" y="1600200"/>
+            <a:ext cx="3127248" cy="1828800"/>
           </a:xfrm>
         </p:spPr>
         <p:txBody>
-          <a:bodyPr anchor="b"/>
+          <a:bodyPr anchor="b">
+            <a:normAutofit/>
+          </a:bodyPr>
           <a:lstStyle>
             <a:lvl1pPr>
-              <a:defRPr sz="3200"/>
+              <a:defRPr sz="3400"/>
             </a:lvl1pPr>
           </a:lstStyle>
           <a:p>
@@ -2575,19 +3435,12 @@
               <a:rPr lang="en-US"/>
               <a:t>Click to edit Master title style</a:t>
             </a:r>
-            <a:endParaRPr lang="de-DE"/>
-          </a:p>
-        </p:txBody>
-      </p:sp>
-      <p:sp>
-        <p:nvSpPr>
-          <p:cNvPr id="3" name="Picture Placeholder 2">
-            <a:extLst>
-              <a:ext uri="{FF2B5EF4-FFF2-40B4-BE49-F238E27FC236}">
-                <a16:creationId xmlns:a16="http://schemas.microsoft.com/office/drawing/2014/main" id="{347FC6FD-2636-4CFD-9178-81921917098C}"/>
-              </a:ext>
-            </a:extLst>
-          </p:cNvPr>
+          </a:p>
+        </p:txBody>
+      </p:sp>
+      <p:sp>
+        <p:nvSpPr>
+          <p:cNvPr id="3" name="Picture Placeholder 2"/>
           <p:cNvSpPr>
             <a:spLocks noGrp="1"/>
           </p:cNvSpPr>
@@ -2597,16 +3450,18 @@
         </p:nvSpPr>
         <p:spPr>
           <a:xfrm>
-            <a:off x="5183188" y="987425"/>
-            <a:ext cx="6172200" cy="4873625"/>
+            <a:off x="781251" y="777240"/>
+            <a:ext cx="6400800" cy="5303520"/>
           </a:xfrm>
         </p:spPr>
         <p:txBody>
-          <a:bodyPr/>
+          <a:bodyPr tIns="457200">
+            <a:normAutofit/>
+          </a:bodyPr>
           <a:lstStyle>
-            <a:lvl1pPr marL="0" indent="0">
+            <a:lvl1pPr marL="0" indent="0" algn="ctr">
               <a:buNone/>
-              <a:defRPr sz="3200"/>
+              <a:defRPr sz="2000"/>
             </a:lvl1pPr>
             <a:lvl2pPr marL="457200" indent="0">
               <a:buNone/>
@@ -2642,19 +3497,16 @@
             </a:lvl9pPr>
           </a:lstStyle>
           <a:p>
-            <a:endParaRPr lang="de-DE"/>
-          </a:p>
-        </p:txBody>
-      </p:sp>
-      <p:sp>
-        <p:nvSpPr>
-          <p:cNvPr id="4" name="Text Placeholder 3">
-            <a:extLst>
-              <a:ext uri="{FF2B5EF4-FFF2-40B4-BE49-F238E27FC236}">
-                <a16:creationId xmlns:a16="http://schemas.microsoft.com/office/drawing/2014/main" id="{0DF22FD8-6409-4413-A97B-957647A719EF}"/>
-              </a:ext>
-            </a:extLst>
-          </p:cNvPr>
+            <a:r>
+              <a:rPr lang="en-US"/>
+              <a:t>Click icon to add picture</a:t>
+            </a:r>
+          </a:p>
+        </p:txBody>
+      </p:sp>
+      <p:sp>
+        <p:nvSpPr>
+          <p:cNvPr id="4" name="Text Placeholder 3"/>
           <p:cNvSpPr>
             <a:spLocks noGrp="1"/>
           </p:cNvSpPr>
@@ -2664,14 +3516,17 @@
         </p:nvSpPr>
         <p:spPr>
           <a:xfrm>
-            <a:off x="839788" y="2057400"/>
-            <a:ext cx="3932237" cy="3811588"/>
+            <a:off x="7997952" y="3429000"/>
+            <a:ext cx="3127248" cy="1828800"/>
           </a:xfrm>
         </p:spPr>
         <p:txBody>
           <a:bodyPr/>
           <a:lstStyle>
             <a:lvl1pPr marL="0" indent="0">
+              <a:spcBef>
+                <a:spcPts val="0"/>
+              </a:spcBef>
               <a:buNone/>
               <a:defRPr sz="1600"/>
             </a:lvl1pPr>
@@ -2719,18 +3574,61 @@
       </p:sp>
       <p:sp>
         <p:nvSpPr>
-          <p:cNvPr id="5" name="Date Placeholder 4">
-            <a:extLst>
-              <a:ext uri="{FF2B5EF4-FFF2-40B4-BE49-F238E27FC236}">
-                <a16:creationId xmlns:a16="http://schemas.microsoft.com/office/drawing/2014/main" id="{222615F3-AAB2-4799-94B7-6C65B137DAD5}"/>
-              </a:ext>
-            </a:extLst>
-          </p:cNvPr>
-          <p:cNvSpPr>
-            <a:spLocks noGrp="1"/>
-          </p:cNvSpPr>
-          <p:nvPr>
-            <p:ph type="dt" sz="half" idx="10"/>
+          <p:cNvPr id="8" name="Rectangle 7" descr="An empty placeholder to add an image. Click on the placeholder and select the image that you wish to add."/>
+          <p:cNvSpPr/>
+          <p:nvPr userDrawn="1"/>
+        </p:nvSpPr>
+        <p:spPr bwMode="blackWhite">
+          <a:xfrm>
+            <a:off x="644091" y="640080"/>
+            <a:ext cx="6675120" cy="5577840"/>
+          </a:xfrm>
+          <a:prstGeom prst="rect">
+            <a:avLst/>
+          </a:prstGeom>
+          <a:solidFill>
+            <a:srgbClr val="000000"/>
+          </a:solidFill>
+          <a:ln w="101600">
+            <a:solidFill>
+              <a:schemeClr val="tx1"/>
+            </a:solidFill>
+            <a:miter lim="800000"/>
+          </a:ln>
+        </p:spPr>
+        <p:style>
+          <a:lnRef idx="2">
+            <a:schemeClr val="accent1">
+              <a:shade val="50000"/>
+            </a:schemeClr>
+          </a:lnRef>
+          <a:fillRef idx="1">
+            <a:schemeClr val="accent1"/>
+          </a:fillRef>
+          <a:effectRef idx="0">
+            <a:schemeClr val="accent1"/>
+          </a:effectRef>
+          <a:fontRef idx="minor">
+            <a:schemeClr val="lt1"/>
+          </a:fontRef>
+        </p:style>
+        <p:txBody>
+          <a:bodyPr rtlCol="0" anchor="ctr"/>
+          <a:lstStyle/>
+          <a:p>
+            <a:pPr algn="ctr"/>
+            <a:endParaRPr lang="en-US" sz="1600"/>
+          </a:p>
+        </p:txBody>
+      </p:sp>
+      <p:sp>
+        <p:nvSpPr>
+          <p:cNvPr id="6" name="Footer Placeholder 5"/>
+          <p:cNvSpPr>
+            <a:spLocks noGrp="1"/>
+          </p:cNvSpPr>
+          <p:nvPr>
+            <p:ph type="ftr" sz="quarter" idx="11"/>
           </p:nvPr>
         </p:nvSpPr>
         <p:spPr/>
@@ -2738,28 +3636,18 @@
           <a:bodyPr/>
           <a:lstStyle/>
           <a:p>
-            <a:fld id="{7E295A10-F123-426F-85AC-B2CE9CE22CEF}" type="datetimeFigureOut">
-              <a:rPr lang="de-DE" smtClean="0"/>
-              <a:t>08.11.2018</a:t>
-            </a:fld>
-            <a:endParaRPr lang="de-DE"/>
-          </a:p>
-        </p:txBody>
-      </p:sp>
-      <p:sp>
-        <p:nvSpPr>
-          <p:cNvPr id="6" name="Footer Placeholder 5">
-            <a:extLst>
-              <a:ext uri="{FF2B5EF4-FFF2-40B4-BE49-F238E27FC236}">
-                <a16:creationId xmlns:a16="http://schemas.microsoft.com/office/drawing/2014/main" id="{1DD01336-1BDF-4259-BB43-C4AB256D82CA}"/>
-              </a:ext>
-            </a:extLst>
-          </p:cNvPr>
-          <p:cNvSpPr>
-            <a:spLocks noGrp="1"/>
-          </p:cNvSpPr>
-          <p:nvPr>
-            <p:ph type="ftr" sz="quarter" idx="11"/>
+            <a:endParaRPr lang="en-US"/>
+          </a:p>
+        </p:txBody>
+      </p:sp>
+      <p:sp>
+        <p:nvSpPr>
+          <p:cNvPr id="5" name="Date Placeholder 4"/>
+          <p:cNvSpPr>
+            <a:spLocks noGrp="1"/>
+          </p:cNvSpPr>
+          <p:nvPr>
+            <p:ph type="dt" sz="half" idx="10"/>
           </p:nvPr>
         </p:nvSpPr>
         <p:spPr/>
@@ -2767,19 +3655,17 @@
           <a:bodyPr/>
           <a:lstStyle/>
           <a:p>
-            <a:endParaRPr lang="de-DE"/>
-          </a:p>
-        </p:txBody>
-      </p:sp>
-      <p:sp>
-        <p:nvSpPr>
-          <p:cNvPr id="7" name="Slide Number Placeholder 6">
-            <a:extLst>
-              <a:ext uri="{FF2B5EF4-FFF2-40B4-BE49-F238E27FC236}">
-                <a16:creationId xmlns:a16="http://schemas.microsoft.com/office/drawing/2014/main" id="{B211005B-8E3D-44B4-8290-376B95105D18}"/>
-              </a:ext>
-            </a:extLst>
-          </p:cNvPr>
+            <a:fld id="{37CC0096-1860-4642-9CD2-0079EA5E7CD1}" type="datetimeFigureOut">
+              <a:rPr lang="en-US" smtClean="0"/>
+              <a:t>11/9/2018</a:t>
+            </a:fld>
+            <a:endParaRPr lang="en-US"/>
+          </a:p>
+        </p:txBody>
+      </p:sp>
+      <p:sp>
+        <p:nvSpPr>
+          <p:cNvPr id="7" name="Slide Number Placeholder 6"/>
           <p:cNvSpPr>
             <a:spLocks noGrp="1"/>
           </p:cNvSpPr>
@@ -2792,18 +3678,18 @@
           <a:bodyPr/>
           <a:lstStyle/>
           <a:p>
-            <a:fld id="{41A2531F-FD3F-44FA-BD03-2C8692DAB281}" type="slidenum">
-              <a:rPr lang="de-DE" smtClean="0"/>
+            <a:fld id="{E31375A4-56A4-47D6-9801-1991572033F7}" type="slidenum">
+              <a:rPr lang="en-US" smtClean="0"/>
               <a:t>‹#›</a:t>
             </a:fld>
-            <a:endParaRPr lang="de-DE"/>
+            <a:endParaRPr lang="en-US"/>
           </a:p>
         </p:txBody>
       </p:sp>
     </p:spTree>
     <p:extLst>
       <p:ext uri="{BB962C8B-B14F-4D97-AF65-F5344CB8AC3E}">
-        <p14:creationId xmlns:p14="http://schemas.microsoft.com/office/powerpoint/2010/main" val="3440574379"/>
+        <p14:creationId xmlns:p14="http://schemas.microsoft.com/office/powerpoint/2010/main" val="2977249753"/>
       </p:ext>
     </p:extLst>
   </p:cSld>
@@ -2837,13 +3723,7 @@
       </p:grpSpPr>
       <p:sp>
         <p:nvSpPr>
-          <p:cNvPr id="2" name="Title Placeholder 1">
-            <a:extLst>
-              <a:ext uri="{FF2B5EF4-FFF2-40B4-BE49-F238E27FC236}">
-                <a16:creationId xmlns:a16="http://schemas.microsoft.com/office/drawing/2014/main" id="{D6D6436E-F711-4667-B267-42E77D1B7C0A}"/>
-              </a:ext>
-            </a:extLst>
-          </p:cNvPr>
+          <p:cNvPr id="2" name="Title Placeholder 1"/>
           <p:cNvSpPr>
             <a:spLocks noGrp="1"/>
           </p:cNvSpPr>
@@ -2853,15 +3733,15 @@
         </p:nvSpPr>
         <p:spPr>
           <a:xfrm>
-            <a:off x="838200" y="365125"/>
-            <a:ext cx="10515600" cy="1325563"/>
+            <a:off x="1524000" y="457200"/>
+            <a:ext cx="9144000" cy="1143000"/>
           </a:xfrm>
           <a:prstGeom prst="rect">
             <a:avLst/>
           </a:prstGeom>
         </p:spPr>
         <p:txBody>
-          <a:bodyPr vert="horz" lIns="91440" tIns="45720" rIns="91440" bIns="45720" rtlCol="0" anchor="ctr">
+          <a:bodyPr vert="horz" lIns="91440" tIns="45720" rIns="91440" bIns="45720" rtlCol="0" anchor="b">
             <a:normAutofit/>
           </a:bodyPr>
           <a:lstStyle/>
@@ -2870,19 +3750,13 @@
               <a:rPr lang="en-US"/>
               <a:t>Click to edit Master title style</a:t>
             </a:r>
-            <a:endParaRPr lang="de-DE"/>
-          </a:p>
-        </p:txBody>
-      </p:sp>
-      <p:sp>
-        <p:nvSpPr>
-          <p:cNvPr id="3" name="Text Placeholder 2">
-            <a:extLst>
-              <a:ext uri="{FF2B5EF4-FFF2-40B4-BE49-F238E27FC236}">
-                <a16:creationId xmlns:a16="http://schemas.microsoft.com/office/drawing/2014/main" id="{89767608-14AE-424F-9BF2-86E4680665A6}"/>
-              </a:ext>
-            </a:extLst>
-          </p:cNvPr>
+            <a:endParaRPr/>
+          </a:p>
+        </p:txBody>
+      </p:sp>
+      <p:sp>
+        <p:nvSpPr>
+          <p:cNvPr id="3" name="Text Placeholder 2"/>
           <p:cNvSpPr>
             <a:spLocks noGrp="1"/>
           </p:cNvSpPr>
@@ -2892,8 +3766,8 @@
         </p:nvSpPr>
         <p:spPr>
           <a:xfrm>
-            <a:off x="838200" y="1825625"/>
-            <a:ext cx="10515600" cy="4351338"/>
+            <a:off x="1524000" y="1828800"/>
+            <a:ext cx="9144000" cy="4267200"/>
           </a:xfrm>
           <a:prstGeom prst="rect">
             <a:avLst/>
@@ -2938,30 +3812,24 @@
               <a:rPr lang="en-US"/>
               <a:t>Fifth level</a:t>
             </a:r>
-            <a:endParaRPr lang="de-DE"/>
-          </a:p>
-        </p:txBody>
-      </p:sp>
-      <p:sp>
-        <p:nvSpPr>
-          <p:cNvPr id="4" name="Date Placeholder 3">
-            <a:extLst>
-              <a:ext uri="{FF2B5EF4-FFF2-40B4-BE49-F238E27FC236}">
-                <a16:creationId xmlns:a16="http://schemas.microsoft.com/office/drawing/2014/main" id="{09D5E258-BD12-41E8-9BFC-1FAC830E8ACF}"/>
-              </a:ext>
-            </a:extLst>
-          </p:cNvPr>
-          <p:cNvSpPr>
-            <a:spLocks noGrp="1"/>
-          </p:cNvSpPr>
-          <p:nvPr>
-            <p:ph type="dt" sz="half" idx="2"/>
+            <a:endParaRPr/>
+          </a:p>
+        </p:txBody>
+      </p:sp>
+      <p:sp>
+        <p:nvSpPr>
+          <p:cNvPr id="5" name="Footer Placeholder 4"/>
+          <p:cNvSpPr>
+            <a:spLocks noGrp="1"/>
+          </p:cNvSpPr>
+          <p:nvPr>
+            <p:ph type="ftr" sz="quarter" idx="3"/>
           </p:nvPr>
         </p:nvSpPr>
         <p:spPr>
           <a:xfrm>
-            <a:off x="838200" y="6356350"/>
-            <a:ext cx="2743200" cy="365125"/>
+            <a:off x="1524000" y="6362700"/>
+            <a:ext cx="6881553" cy="257176"/>
           </a:xfrm>
           <a:prstGeom prst="rect">
             <a:avLst/>
@@ -2971,44 +3839,34 @@
           <a:bodyPr vert="horz" lIns="91440" tIns="45720" rIns="91440" bIns="45720" rtlCol="0" anchor="ctr"/>
           <a:lstStyle>
             <a:lvl1pPr algn="l">
-              <a:defRPr sz="1200">
+              <a:defRPr sz="1100">
                 <a:solidFill>
                   <a:schemeClr val="tx1">
-                    <a:tint val="75000"/>
+                    <a:lumMod val="85000"/>
                   </a:schemeClr>
                 </a:solidFill>
               </a:defRPr>
             </a:lvl1pPr>
           </a:lstStyle>
           <a:p>
-            <a:fld id="{7E295A10-F123-426F-85AC-B2CE9CE22CEF}" type="datetimeFigureOut">
-              <a:rPr lang="de-DE" smtClean="0"/>
-              <a:t>08.11.2018</a:t>
-            </a:fld>
-            <a:endParaRPr lang="de-DE"/>
-          </a:p>
-        </p:txBody>
-      </p:sp>
-      <p:sp>
-        <p:nvSpPr>
-          <p:cNvPr id="5" name="Footer Placeholder 4">
-            <a:extLst>
-              <a:ext uri="{FF2B5EF4-FFF2-40B4-BE49-F238E27FC236}">
-                <a16:creationId xmlns:a16="http://schemas.microsoft.com/office/drawing/2014/main" id="{21F4DEDC-AFCC-4B9E-B069-C7D936E58B51}"/>
-              </a:ext>
-            </a:extLst>
-          </p:cNvPr>
-          <p:cNvSpPr>
-            <a:spLocks noGrp="1"/>
-          </p:cNvSpPr>
-          <p:nvPr>
-            <p:ph type="ftr" sz="quarter" idx="3"/>
+            <a:endParaRPr lang="en-US"/>
+          </a:p>
+        </p:txBody>
+      </p:sp>
+      <p:sp>
+        <p:nvSpPr>
+          <p:cNvPr id="4" name="Date Placeholder 3"/>
+          <p:cNvSpPr>
+            <a:spLocks noGrp="1"/>
+          </p:cNvSpPr>
+          <p:nvPr>
+            <p:ph type="dt" sz="half" idx="2"/>
           </p:nvPr>
         </p:nvSpPr>
         <p:spPr>
           <a:xfrm>
-            <a:off x="4038600" y="6356350"/>
-            <a:ext cx="4114800" cy="365125"/>
+            <a:off x="8610600" y="6362700"/>
+            <a:ext cx="990600" cy="257176"/>
           </a:xfrm>
           <a:prstGeom prst="rect">
             <a:avLst/>
@@ -3017,30 +3875,29 @@
         <p:txBody>
           <a:bodyPr vert="horz" lIns="91440" tIns="45720" rIns="91440" bIns="45720" rtlCol="0" anchor="ctr"/>
           <a:lstStyle>
-            <a:lvl1pPr algn="ctr">
-              <a:defRPr sz="1200">
+            <a:lvl1pPr algn="r">
+              <a:defRPr sz="1100">
                 <a:solidFill>
                   <a:schemeClr val="tx1">
-                    <a:tint val="75000"/>
+                    <a:lumMod val="85000"/>
                   </a:schemeClr>
                 </a:solidFill>
               </a:defRPr>
             </a:lvl1pPr>
           </a:lstStyle>
           <a:p>
-            <a:endParaRPr lang="de-DE"/>
-          </a:p>
-        </p:txBody>
-      </p:sp>
-      <p:sp>
-        <p:nvSpPr>
-          <p:cNvPr id="6" name="Slide Number Placeholder 5">
-            <a:extLst>
-              <a:ext uri="{FF2B5EF4-FFF2-40B4-BE49-F238E27FC236}">
-                <a16:creationId xmlns:a16="http://schemas.microsoft.com/office/drawing/2014/main" id="{C6C90BED-F3F0-493A-8CCD-B86B7A72BA26}"/>
-              </a:ext>
-            </a:extLst>
-          </p:cNvPr>
+            <a:fld id="{37CC0096-1860-4642-9CD2-0079EA5E7CD1}" type="datetimeFigureOut">
+              <a:rPr lang="en-US" smtClean="0"/>
+              <a:pPr/>
+              <a:t>11/9/2018</a:t>
+            </a:fld>
+            <a:endParaRPr lang="en-US"/>
+          </a:p>
+        </p:txBody>
+      </p:sp>
+      <p:sp>
+        <p:nvSpPr>
+          <p:cNvPr id="6" name="Slide Number Placeholder 5"/>
           <p:cNvSpPr>
             <a:spLocks noGrp="1"/>
           </p:cNvSpPr>
@@ -3050,8 +3907,8 @@
         </p:nvSpPr>
         <p:spPr>
           <a:xfrm>
-            <a:off x="8610600" y="6356350"/>
-            <a:ext cx="2743200" cy="365125"/>
+            <a:off x="9829800" y="6362700"/>
+            <a:ext cx="838200" cy="257176"/>
           </a:xfrm>
           <a:prstGeom prst="rect">
             <a:avLst/>
@@ -3061,32 +3918,33 @@
           <a:bodyPr vert="horz" lIns="91440" tIns="45720" rIns="91440" bIns="45720" rtlCol="0" anchor="ctr"/>
           <a:lstStyle>
             <a:lvl1pPr algn="r">
-              <a:defRPr sz="1200">
+              <a:defRPr sz="1100">
                 <a:solidFill>
                   <a:schemeClr val="tx1">
-                    <a:tint val="75000"/>
+                    <a:lumMod val="85000"/>
                   </a:schemeClr>
                 </a:solidFill>
               </a:defRPr>
             </a:lvl1pPr>
           </a:lstStyle>
           <a:p>
-            <a:fld id="{41A2531F-FD3F-44FA-BD03-2C8692DAB281}" type="slidenum">
-              <a:rPr lang="de-DE" smtClean="0"/>
+            <a:fld id="{E31375A4-56A4-47D6-9801-1991572033F7}" type="slidenum">
+              <a:rPr lang="en-US" smtClean="0"/>
+              <a:pPr/>
               <a:t>‹#›</a:t>
             </a:fld>
-            <a:endParaRPr lang="de-DE"/>
+            <a:endParaRPr lang="en-US"/>
           </a:p>
         </p:txBody>
       </p:sp>
     </p:spTree>
     <p:extLst>
       <p:ext uri="{BB962C8B-B14F-4D97-AF65-F5344CB8AC3E}">
-        <p14:creationId xmlns:p14="http://schemas.microsoft.com/office/powerpoint/2010/main" val="4181031187"/>
+        <p14:creationId xmlns:p14="http://schemas.microsoft.com/office/powerpoint/2010/main" val="1943259863"/>
       </p:ext>
     </p:extLst>
   </p:cSld>
-  <p:clrMap bg1="lt1" tx1="dk1" bg2="lt2" tx2="dk2" accent1="accent1" accent2="accent2" accent3="accent3" accent4="accent4" accent5="accent5" accent6="accent6" hlink="hlink" folHlink="folHlink"/>
+  <p:clrMap bg1="dk1" tx1="lt1" bg2="dk2" tx2="lt2" accent1="accent1" accent2="accent2" accent3="accent3" accent4="accent4" accent5="accent5" accent6="accent6" hlink="hlink" folHlink="folHlink"/>
   <p:sldLayoutIdLst>
     <p:sldLayoutId id="2147483649" r:id="rId1"/>
     <p:sldLayoutId id="2147483650" r:id="rId2"/>
@@ -3110,9 +3968,9 @@
           <a:spcPct val="0"/>
         </a:spcBef>
         <a:buNone/>
-        <a:defRPr sz="4400" kern="1200">
+        <a:defRPr sz="3400" kern="1200">
           <a:solidFill>
-            <a:schemeClr val="tx1"/>
+            <a:schemeClr val="accent1"/>
           </a:solidFill>
           <a:latin typeface="+mj-lt"/>
           <a:ea typeface="+mj-ea"/>
@@ -3126,101 +3984,129 @@
           <a:spcPct val="90000"/>
         </a:lnSpc>
         <a:spcBef>
-          <a:spcPts val="1000"/>
+          <a:spcPts val="1800"/>
         </a:spcBef>
-        <a:buFont typeface="Arial" panose="020B0604020202020204" pitchFamily="34" charset="0"/>
+        <a:buClr>
+          <a:schemeClr val="accent1"/>
+        </a:buClr>
+        <a:buFont typeface="Arial" pitchFamily="34" charset="0"/>
         <a:buChar char="•"/>
-        <a:defRPr sz="2800" kern="1200">
+        <a:defRPr sz="2000" kern="1200">
           <a:solidFill>
-            <a:schemeClr val="tx1"/>
+            <a:schemeClr val="tx1">
+              <a:lumMod val="85000"/>
+            </a:schemeClr>
           </a:solidFill>
           <a:latin typeface="+mn-lt"/>
           <a:ea typeface="+mn-ea"/>
           <a:cs typeface="+mn-cs"/>
         </a:defRPr>
       </a:lvl1pPr>
-      <a:lvl2pPr marL="685800" indent="-228600" algn="l" defTabSz="914400" rtl="0" eaLnBrk="1" latinLnBrk="0" hangingPunct="1">
+      <a:lvl2pPr marL="594360" indent="-228600" algn="l" defTabSz="914400" rtl="0" eaLnBrk="1" latinLnBrk="0" hangingPunct="1">
         <a:lnSpc>
           <a:spcPct val="90000"/>
         </a:lnSpc>
         <a:spcBef>
-          <a:spcPts val="500"/>
+          <a:spcPts val="1000"/>
         </a:spcBef>
-        <a:buFont typeface="Arial" panose="020B0604020202020204" pitchFamily="34" charset="0"/>
+        <a:buClr>
+          <a:schemeClr val="accent1"/>
+        </a:buClr>
+        <a:buFont typeface="Arial" pitchFamily="34" charset="0"/>
         <a:buChar char="•"/>
-        <a:defRPr sz="2400" kern="1200">
+        <a:defRPr sz="1800" kern="1200">
           <a:solidFill>
-            <a:schemeClr val="tx1"/>
+            <a:schemeClr val="tx1">
+              <a:lumMod val="85000"/>
+            </a:schemeClr>
           </a:solidFill>
           <a:latin typeface="+mn-lt"/>
           <a:ea typeface="+mn-ea"/>
           <a:cs typeface="+mn-cs"/>
         </a:defRPr>
       </a:lvl2pPr>
-      <a:lvl3pPr marL="1143000" indent="-228600" algn="l" defTabSz="914400" rtl="0" eaLnBrk="1" latinLnBrk="0" hangingPunct="1">
+      <a:lvl3pPr marL="914400" indent="-228600" algn="l" defTabSz="914400" rtl="0" eaLnBrk="1" latinLnBrk="0" hangingPunct="1">
         <a:lnSpc>
           <a:spcPct val="90000"/>
         </a:lnSpc>
         <a:spcBef>
-          <a:spcPts val="500"/>
+          <a:spcPts val="800"/>
         </a:spcBef>
-        <a:buFont typeface="Arial" panose="020B0604020202020204" pitchFamily="34" charset="0"/>
+        <a:buClr>
+          <a:schemeClr val="accent1"/>
+        </a:buClr>
+        <a:buFont typeface="Arial" pitchFamily="34" charset="0"/>
         <a:buChar char="•"/>
-        <a:defRPr sz="2000" kern="1200">
+        <a:defRPr sz="1600" kern="1200">
           <a:solidFill>
-            <a:schemeClr val="tx1"/>
+            <a:schemeClr val="tx1">
+              <a:lumMod val="85000"/>
+            </a:schemeClr>
           </a:solidFill>
           <a:latin typeface="+mn-lt"/>
           <a:ea typeface="+mn-ea"/>
           <a:cs typeface="+mn-cs"/>
         </a:defRPr>
       </a:lvl3pPr>
-      <a:lvl4pPr marL="1600200" indent="-228600" algn="l" defTabSz="914400" rtl="0" eaLnBrk="1" latinLnBrk="0" hangingPunct="1">
+      <a:lvl4pPr marL="1234440" indent="-228600" algn="l" defTabSz="914400" rtl="0" eaLnBrk="1" latinLnBrk="0" hangingPunct="1">
         <a:lnSpc>
           <a:spcPct val="90000"/>
         </a:lnSpc>
         <a:spcBef>
-          <a:spcPts val="500"/>
+          <a:spcPts val="800"/>
         </a:spcBef>
-        <a:buFont typeface="Arial" panose="020B0604020202020204" pitchFamily="34" charset="0"/>
+        <a:buClr>
+          <a:schemeClr val="accent1"/>
+        </a:buClr>
+        <a:buFont typeface="Arial" pitchFamily="34" charset="0"/>
         <a:buChar char="•"/>
-        <a:defRPr sz="1800" kern="1200">
+        <a:defRPr sz="1400" kern="1200">
           <a:solidFill>
-            <a:schemeClr val="tx1"/>
+            <a:schemeClr val="tx1">
+              <a:lumMod val="85000"/>
+            </a:schemeClr>
           </a:solidFill>
           <a:latin typeface="+mn-lt"/>
           <a:ea typeface="+mn-ea"/>
           <a:cs typeface="+mn-cs"/>
         </a:defRPr>
       </a:lvl4pPr>
-      <a:lvl5pPr marL="2057400" indent="-228600" algn="l" defTabSz="914400" rtl="0" eaLnBrk="1" latinLnBrk="0" hangingPunct="1">
+      <a:lvl5pPr marL="1508760" indent="-228600" algn="l" defTabSz="914400" rtl="0" eaLnBrk="1" latinLnBrk="0" hangingPunct="1">
         <a:lnSpc>
           <a:spcPct val="90000"/>
         </a:lnSpc>
         <a:spcBef>
-          <a:spcPts val="500"/>
+          <a:spcPts val="800"/>
         </a:spcBef>
-        <a:buFont typeface="Arial" panose="020B0604020202020204" pitchFamily="34" charset="0"/>
+        <a:buClr>
+          <a:schemeClr val="accent1"/>
+        </a:buClr>
+        <a:buFont typeface="Arial" pitchFamily="34" charset="0"/>
         <a:buChar char="•"/>
-        <a:defRPr sz="1800" kern="1200">
+        <a:defRPr sz="1400" kern="1200">
           <a:solidFill>
-            <a:schemeClr val="tx1"/>
+            <a:schemeClr val="tx1">
+              <a:lumMod val="85000"/>
+            </a:schemeClr>
           </a:solidFill>
           <a:latin typeface="+mn-lt"/>
           <a:ea typeface="+mn-ea"/>
           <a:cs typeface="+mn-cs"/>
         </a:defRPr>
       </a:lvl5pPr>
-      <a:lvl6pPr marL="2514600" indent="-228600" algn="l" defTabSz="914400" rtl="0" eaLnBrk="1" latinLnBrk="0" hangingPunct="1">
+      <a:lvl6pPr marL="1783080" indent="-228600" algn="l" defTabSz="914400" rtl="0" eaLnBrk="1" latinLnBrk="0" hangingPunct="1">
         <a:lnSpc>
           <a:spcPct val="90000"/>
         </a:lnSpc>
         <a:spcBef>
-          <a:spcPts val="500"/>
+          <a:spcPts val="800"/>
         </a:spcBef>
-        <a:buFont typeface="Arial" panose="020B0604020202020204" pitchFamily="34" charset="0"/>
+        <a:buClr>
+          <a:schemeClr val="accent1"/>
+        </a:buClr>
+        <a:buFont typeface="Arial" pitchFamily="34" charset="0"/>
         <a:buChar char="•"/>
-        <a:defRPr sz="1800" kern="1200">
+        <a:defRPr sz="1400" kern="1200">
           <a:solidFill>
             <a:schemeClr val="tx1"/>
           </a:solidFill>
@@ -3229,16 +4115,19 @@
           <a:cs typeface="+mn-cs"/>
         </a:defRPr>
       </a:lvl6pPr>
-      <a:lvl7pPr marL="2971800" indent="-228600" algn="l" defTabSz="914400" rtl="0" eaLnBrk="1" latinLnBrk="0" hangingPunct="1">
+      <a:lvl7pPr marL="2057400" indent="-228600" algn="l" defTabSz="914400" rtl="0" eaLnBrk="1" latinLnBrk="0" hangingPunct="1">
         <a:lnSpc>
           <a:spcPct val="90000"/>
         </a:lnSpc>
         <a:spcBef>
-          <a:spcPts val="500"/>
+          <a:spcPts val="800"/>
         </a:spcBef>
-        <a:buFont typeface="Arial" panose="020B0604020202020204" pitchFamily="34" charset="0"/>
+        <a:buClr>
+          <a:schemeClr val="accent1"/>
+        </a:buClr>
+        <a:buFont typeface="Arial" pitchFamily="34" charset="0"/>
         <a:buChar char="•"/>
-        <a:defRPr sz="1800" kern="1200">
+        <a:defRPr sz="1400" kern="1200">
           <a:solidFill>
             <a:schemeClr val="tx1"/>
           </a:solidFill>
@@ -3247,16 +4136,19 @@
           <a:cs typeface="+mn-cs"/>
         </a:defRPr>
       </a:lvl7pPr>
-      <a:lvl8pPr marL="3429000" indent="-228600" algn="l" defTabSz="914400" rtl="0" eaLnBrk="1" latinLnBrk="0" hangingPunct="1">
+      <a:lvl8pPr marL="2331720" indent="-228600" algn="l" defTabSz="914400" rtl="0" eaLnBrk="1" latinLnBrk="0" hangingPunct="1">
         <a:lnSpc>
           <a:spcPct val="90000"/>
         </a:lnSpc>
         <a:spcBef>
-          <a:spcPts val="500"/>
+          <a:spcPts val="800"/>
         </a:spcBef>
-        <a:buFont typeface="Arial" panose="020B0604020202020204" pitchFamily="34" charset="0"/>
+        <a:buClr>
+          <a:schemeClr val="accent1"/>
+        </a:buClr>
+        <a:buFont typeface="Arial" pitchFamily="34" charset="0"/>
         <a:buChar char="•"/>
-        <a:defRPr sz="1800" kern="1200">
+        <a:defRPr sz="1400" kern="1200">
           <a:solidFill>
             <a:schemeClr val="tx1"/>
           </a:solidFill>
@@ -3265,16 +4157,19 @@
           <a:cs typeface="+mn-cs"/>
         </a:defRPr>
       </a:lvl8pPr>
-      <a:lvl9pPr marL="3886200" indent="-228600" algn="l" defTabSz="914400" rtl="0" eaLnBrk="1" latinLnBrk="0" hangingPunct="1">
+      <a:lvl9pPr marL="2606040" indent="-228600" algn="l" defTabSz="914400" rtl="0" eaLnBrk="1" latinLnBrk="0" hangingPunct="1">
         <a:lnSpc>
           <a:spcPct val="90000"/>
         </a:lnSpc>
         <a:spcBef>
-          <a:spcPts val="500"/>
+          <a:spcPts val="800"/>
         </a:spcBef>
-        <a:buFont typeface="Arial" panose="020B0604020202020204" pitchFamily="34" charset="0"/>
+        <a:buClr>
+          <a:schemeClr val="accent1"/>
+        </a:buClr>
+        <a:buFont typeface="Arial" pitchFamily="34" charset="0"/>
         <a:buChar char="•"/>
-        <a:defRPr sz="1800" kern="1200">
+        <a:defRPr sz="1400" kern="1200">
           <a:solidFill>
             <a:schemeClr val="tx1"/>
           </a:solidFill>
@@ -3286,7 +4181,7 @@
     </p:bodyStyle>
     <p:otherStyle>
       <a:defPPr>
-        <a:defRPr lang="de-DE"/>
+        <a:defRPr/>
       </a:defPPr>
       <a:lvl1pPr marL="0" algn="l" defTabSz="914400" rtl="0" eaLnBrk="1" latinLnBrk="0" hangingPunct="1">
         <a:defRPr sz="1800" kern="1200">
@@ -3380,6 +4275,22 @@
       </a:lvl9pPr>
     </p:otherStyle>
   </p:txStyles>
+  <p:extLst mod="1">
+    <p:ext uri="{27BBF7A9-308A-43DC-89C8-2F10F3537804}">
+      <p15:sldGuideLst xmlns:p15="http://schemas.microsoft.com/office/powerpoint/2012/main">
+        <p15:guide id="1" orient="horz" pos="2160">
+          <p15:clr>
+            <a:srgbClr val="F26B43"/>
+          </p15:clr>
+        </p15:guide>
+        <p15:guide id="2" pos="3840">
+          <p15:clr>
+            <a:srgbClr val="F26B43"/>
+          </p15:clr>
+        </p15:guide>
+      </p15:sldGuideLst>
+    </p:ext>
+  </p:extLst>
 </p:sldMaster>
 </file>
 
@@ -3402,10 +4313,90 @@
       </p:grpSpPr>
       <p:sp>
         <p:nvSpPr>
-          <p:cNvPr id="2" name="Title 1">
+          <p:cNvPr id="2" name="Title 1"/>
+          <p:cNvSpPr>
+            <a:spLocks noGrp="1"/>
+          </p:cNvSpPr>
+          <p:nvPr>
+            <p:ph type="ctrTitle"/>
+          </p:nvPr>
+        </p:nvSpPr>
+        <p:spPr/>
+        <p:txBody>
+          <a:bodyPr/>
+          <a:lstStyle/>
+          <a:p>
+            <a:r>
+              <a:rPr lang="it-IT"/>
+              <a:t>Progetto</a:t>
+            </a:r>
+            <a:r>
+              <a:rPr lang="en-GB"/>
+              <a:t> 1</a:t>
+            </a:r>
+            <a:endParaRPr/>
+          </a:p>
+        </p:txBody>
+      </p:sp>
+      <p:sp>
+        <p:nvSpPr>
+          <p:cNvPr id="3" name="Subtitle 2"/>
+          <p:cNvSpPr>
+            <a:spLocks noGrp="1"/>
+          </p:cNvSpPr>
+          <p:nvPr>
+            <p:ph type="subTitle" idx="1"/>
+          </p:nvPr>
+        </p:nvSpPr>
+        <p:spPr/>
+        <p:txBody>
+          <a:bodyPr/>
+          <a:lstStyle/>
+          <a:p>
+            <a:r>
+              <a:rPr lang="en-GB"/>
+              <a:t>Smajilbasic Fadil</a:t>
+            </a:r>
+            <a:endParaRPr/>
+          </a:p>
+        </p:txBody>
+      </p:sp>
+    </p:spTree>
+    <p:extLst>
+      <p:ext uri="{BB962C8B-B14F-4D97-AF65-F5344CB8AC3E}">
+        <p14:creationId xmlns:p14="http://schemas.microsoft.com/office/powerpoint/2010/main" val="242453831"/>
+      </p:ext>
+    </p:extLst>
+  </p:cSld>
+  <p:clrMapOvr>
+    <a:masterClrMapping/>
+  </p:clrMapOvr>
+</p:sld>
+</file>
+
+<file path=ppt/slides/slide10.xml><?xml version="1.0" encoding="utf-8"?>
+<p:sld xmlns:a="http://schemas.openxmlformats.org/drawingml/2006/main" xmlns:r="http://schemas.openxmlformats.org/officeDocument/2006/relationships" xmlns:p="http://schemas.openxmlformats.org/presentationml/2006/main">
+  <p:cSld>
+    <p:spTree>
+      <p:nvGrpSpPr>
+        <p:cNvPr id="1" name=""/>
+        <p:cNvGrpSpPr/>
+        <p:nvPr/>
+      </p:nvGrpSpPr>
+      <p:grpSpPr>
+        <a:xfrm>
+          <a:off x="0" y="0"/>
+          <a:ext cx="0" cy="0"/>
+          <a:chOff x="0" y="0"/>
+          <a:chExt cx="0" cy="0"/>
+        </a:xfrm>
+      </p:grpSpPr>
+      <p:sp>
+        <p:nvSpPr>
+          <p:cNvPr id="3" name="Title 2">
             <a:extLst>
               <a:ext uri="{FF2B5EF4-FFF2-40B4-BE49-F238E27FC236}">
-                <a16:creationId xmlns:a16="http://schemas.microsoft.com/office/drawing/2014/main" id="{4F754B18-9501-4908-BADD-2DC09503EE00}"/>
+                <a16:creationId xmlns:a16="http://schemas.microsoft.com/office/drawing/2014/main" id="{1ADAFF53-AE37-4BA1-BC04-E752151342ED}"/>
               </a:ext>
             </a:extLst>
           </p:cNvPr>
@@ -3413,7 +4404,7 @@
             <a:spLocks noGrp="1"/>
           </p:cNvSpPr>
           <p:nvPr>
-            <p:ph type="ctrTitle"/>
+            <p:ph type="title"/>
           </p:nvPr>
         </p:nvSpPr>
         <p:spPr/>
@@ -3422,23 +4413,18 @@
           <a:lstStyle/>
           <a:p>
             <a:r>
-              <a:rPr lang="en-GB" dirty="0" err="1"/>
-              <a:t>Progetto</a:t>
-            </a:r>
-            <a:r>
-              <a:rPr lang="en-GB" dirty="0"/>
-              <a:t> 1</a:t>
-            </a:r>
-            <a:endParaRPr lang="de-DE" dirty="0"/>
-          </a:p>
-        </p:txBody>
-      </p:sp>
-      <p:sp>
-        <p:nvSpPr>
-          <p:cNvPr id="3" name="Subtitle 2">
+              <a:rPr lang="it-CH" dirty="0"/>
+              <a:t>Conclusione</a:t>
+            </a:r>
+          </a:p>
+        </p:txBody>
+      </p:sp>
+      <p:sp>
+        <p:nvSpPr>
+          <p:cNvPr id="4" name="Content Placeholder 3">
             <a:extLst>
               <a:ext uri="{FF2B5EF4-FFF2-40B4-BE49-F238E27FC236}">
-                <a16:creationId xmlns:a16="http://schemas.microsoft.com/office/drawing/2014/main" id="{83725FA5-E1C7-472A-9B13-068E5F1D0C7D}"/>
+                <a16:creationId xmlns:a16="http://schemas.microsoft.com/office/drawing/2014/main" id="{B5F99D32-FFEE-4F3A-95DB-DDD5240C9615}"/>
               </a:ext>
             </a:extLst>
           </p:cNvPr>
@@ -3446,7 +4432,7 @@
             <a:spLocks noGrp="1"/>
           </p:cNvSpPr>
           <p:nvPr>
-            <p:ph type="subTitle" idx="1"/>
+            <p:ph idx="1"/>
           </p:nvPr>
         </p:nvSpPr>
         <p:spPr/>
@@ -3454,18 +4440,14 @@
           <a:bodyPr/>
           <a:lstStyle/>
           <a:p>
-            <a:r>
-              <a:rPr lang="en-GB" dirty="0"/>
-              <a:t>Fadil Smajilbasic</a:t>
-            </a:r>
-            <a:endParaRPr lang="de-DE" dirty="0"/>
+            <a:endParaRPr lang="it-CH" dirty="0"/>
           </a:p>
         </p:txBody>
       </p:sp>
     </p:spTree>
     <p:extLst>
       <p:ext uri="{BB962C8B-B14F-4D97-AF65-F5344CB8AC3E}">
-        <p14:creationId xmlns:p14="http://schemas.microsoft.com/office/powerpoint/2010/main" val="2489345936"/>
+        <p14:creationId xmlns:p14="http://schemas.microsoft.com/office/powerpoint/2010/main" val="3661180859"/>
       </p:ext>
     </p:extLst>
   </p:cSld>
@@ -3494,10 +4476,553 @@
       </p:grpSpPr>
       <p:sp>
         <p:nvSpPr>
+          <p:cNvPr id="13" name="Title 12"/>
+          <p:cNvSpPr>
+            <a:spLocks noGrp="1"/>
+          </p:cNvSpPr>
+          <p:nvPr>
+            <p:ph type="title"/>
+          </p:nvPr>
+        </p:nvSpPr>
+        <p:spPr/>
+        <p:txBody>
+          <a:bodyPr/>
+          <a:lstStyle/>
+          <a:p>
+            <a:r>
+              <a:rPr lang="it-CH"/>
+              <a:t>Punti</a:t>
+            </a:r>
+            <a:r>
+              <a:rPr lang="en-GB"/>
+              <a:t> </a:t>
+            </a:r>
+            <a:r>
+              <a:rPr lang="it-CH"/>
+              <a:t>principali</a:t>
+            </a:r>
+          </a:p>
+        </p:txBody>
+      </p:sp>
+      <p:sp>
+        <p:nvSpPr>
+          <p:cNvPr id="14" name="Content Placeholder 13"/>
+          <p:cNvSpPr>
+            <a:spLocks noGrp="1"/>
+          </p:cNvSpPr>
+          <p:nvPr>
+            <p:ph idx="1"/>
+          </p:nvPr>
+        </p:nvSpPr>
+        <p:spPr/>
+        <p:txBody>
+          <a:bodyPr/>
+          <a:lstStyle/>
+          <a:p>
+            <a:r>
+              <a:rPr lang="it-CH" dirty="0"/>
+              <a:t>Informazioni sul progetto</a:t>
+            </a:r>
+            <a:endParaRPr lang="en-GB" dirty="0"/>
+          </a:p>
+          <a:p>
+            <a:r>
+              <a:rPr lang="it-CH" dirty="0"/>
+              <a:t>Situazione</a:t>
+            </a:r>
+            <a:r>
+              <a:rPr lang="en-GB" dirty="0"/>
+              <a:t> </a:t>
+            </a:r>
+            <a:r>
+              <a:rPr lang="it-IT" dirty="0"/>
+              <a:t>iniziale</a:t>
+            </a:r>
+          </a:p>
+          <a:p>
+            <a:r>
+              <a:rPr lang="it-IT" dirty="0"/>
+              <a:t>Requisiti</a:t>
+            </a:r>
+          </a:p>
+          <a:p>
+            <a:r>
+              <a:rPr lang="it-IT" dirty="0"/>
+              <a:t>Progettazione</a:t>
+            </a:r>
+          </a:p>
+          <a:p>
+            <a:r>
+              <a:rPr lang="it-IT" dirty="0"/>
+              <a:t>Implementazione</a:t>
+            </a:r>
+          </a:p>
+          <a:p>
+            <a:r>
+              <a:rPr lang="it-IT" dirty="0"/>
+              <a:t>Le mancanze</a:t>
+            </a:r>
+          </a:p>
+          <a:p>
+            <a:r>
+              <a:rPr lang="it-IT" dirty="0"/>
+              <a:t>Conclusioni</a:t>
+            </a:r>
+          </a:p>
+        </p:txBody>
+      </p:sp>
+    </p:spTree>
+    <p:extLst>
+      <p:ext uri="{BB962C8B-B14F-4D97-AF65-F5344CB8AC3E}">
+        <p14:creationId xmlns:p14="http://schemas.microsoft.com/office/powerpoint/2010/main" val="3042826300"/>
+      </p:ext>
+    </p:extLst>
+  </p:cSld>
+  <p:clrMapOvr>
+    <a:masterClrMapping/>
+  </p:clrMapOvr>
+</p:sld>
+</file>
+
+<file path=ppt/slides/slide3.xml><?xml version="1.0" encoding="utf-8"?>
+<p:sld xmlns:a="http://schemas.openxmlformats.org/drawingml/2006/main" xmlns:r="http://schemas.openxmlformats.org/officeDocument/2006/relationships" xmlns:p="http://schemas.openxmlformats.org/presentationml/2006/main">
+  <p:cSld>
+    <p:spTree>
+      <p:nvGrpSpPr>
+        <p:cNvPr id="1" name=""/>
+        <p:cNvGrpSpPr/>
+        <p:nvPr/>
+      </p:nvGrpSpPr>
+      <p:grpSpPr>
+        <a:xfrm>
+          <a:off x="0" y="0"/>
+          <a:ext cx="0" cy="0"/>
+          <a:chOff x="0" y="0"/>
+          <a:chExt cx="0" cy="0"/>
+        </a:xfrm>
+      </p:grpSpPr>
+      <p:sp>
+        <p:nvSpPr>
+          <p:cNvPr id="2" name="Title 1"/>
+          <p:cNvSpPr>
+            <a:spLocks noGrp="1"/>
+          </p:cNvSpPr>
+          <p:nvPr>
+            <p:ph type="title"/>
+          </p:nvPr>
+        </p:nvSpPr>
+        <p:spPr>
+          <a:xfrm>
+            <a:off x="1127448" y="457200"/>
+            <a:ext cx="10297144" cy="1143000"/>
+          </a:xfrm>
+        </p:spPr>
+        <p:txBody>
+          <a:bodyPr>
+            <a:noAutofit/>
+          </a:bodyPr>
+          <a:lstStyle/>
+          <a:p>
+            <a:r>
+              <a:rPr lang="it-CH" sz="4000" dirty="0"/>
+              <a:t>Informazioni sul progetto e lo scopo</a:t>
+            </a:r>
+            <a:endParaRPr lang="en-GB" sz="4000" dirty="0"/>
+          </a:p>
+        </p:txBody>
+      </p:sp>
+      <p:sp>
+        <p:nvSpPr>
+          <p:cNvPr id="4" name="Content Placeholder 3">
+            <a:extLst>
+              <a:ext uri="{FF2B5EF4-FFF2-40B4-BE49-F238E27FC236}">
+                <a16:creationId xmlns:a16="http://schemas.microsoft.com/office/drawing/2014/main" id="{B8096728-0FAB-4E91-B95D-96AF95BAE2BB}"/>
+              </a:ext>
+            </a:extLst>
+          </p:cNvPr>
+          <p:cNvSpPr>
+            <a:spLocks noGrp="1"/>
+          </p:cNvSpPr>
+          <p:nvPr>
+            <p:ph idx="1"/>
+          </p:nvPr>
+        </p:nvSpPr>
+        <p:spPr/>
+        <p:txBody>
+          <a:bodyPr/>
+          <a:lstStyle/>
+          <a:p>
+            <a:pPr marL="0" indent="0">
+              <a:buNone/>
+            </a:pPr>
+            <a:r>
+              <a:rPr lang="it-CH" dirty="0"/>
+              <a:t>È il primo progetto del modulo 306</a:t>
+            </a:r>
+          </a:p>
+          <a:p>
+            <a:pPr marL="0" indent="0">
+              <a:buNone/>
+            </a:pPr>
+            <a:r>
+              <a:rPr lang="it-CH" dirty="0"/>
+              <a:t>L’attenzione è posta sulla gestione del progetto</a:t>
+            </a:r>
+          </a:p>
+          <a:p>
+            <a:pPr marL="0" indent="0">
+              <a:buNone/>
+            </a:pPr>
+            <a:r>
+              <a:rPr lang="it-CH" dirty="0"/>
+              <a:t>Lo scopo è di imparare come scrivere una documentazione completa</a:t>
+            </a:r>
+          </a:p>
+        </p:txBody>
+      </p:sp>
+    </p:spTree>
+    <p:extLst>
+      <p:ext uri="{BB962C8B-B14F-4D97-AF65-F5344CB8AC3E}">
+        <p14:creationId xmlns:p14="http://schemas.microsoft.com/office/powerpoint/2010/main" val="2116190161"/>
+      </p:ext>
+    </p:extLst>
+  </p:cSld>
+  <p:clrMapOvr>
+    <a:masterClrMapping/>
+  </p:clrMapOvr>
+</p:sld>
+</file>
+
+<file path=ppt/slides/slide4.xml><?xml version="1.0" encoding="utf-8"?>
+<p:sld xmlns:a="http://schemas.openxmlformats.org/drawingml/2006/main" xmlns:r="http://schemas.openxmlformats.org/officeDocument/2006/relationships" xmlns:p="http://schemas.openxmlformats.org/presentationml/2006/main">
+  <p:cSld>
+    <p:spTree>
+      <p:nvGrpSpPr>
+        <p:cNvPr id="1" name=""/>
+        <p:cNvGrpSpPr/>
+        <p:nvPr/>
+      </p:nvGrpSpPr>
+      <p:grpSpPr>
+        <a:xfrm>
+          <a:off x="0" y="0"/>
+          <a:ext cx="0" cy="0"/>
+          <a:chOff x="0" y="0"/>
+          <a:chExt cx="0" cy="0"/>
+        </a:xfrm>
+      </p:grpSpPr>
+      <p:sp>
+        <p:nvSpPr>
+          <p:cNvPr id="2" name="Title 1"/>
+          <p:cNvSpPr>
+            <a:spLocks noGrp="1"/>
+          </p:cNvSpPr>
+          <p:nvPr>
+            <p:ph type="title"/>
+          </p:nvPr>
+        </p:nvSpPr>
+        <p:spPr>
+          <a:xfrm>
+            <a:off x="1524000" y="457200"/>
+            <a:ext cx="9144000" cy="1143000"/>
+          </a:xfrm>
+        </p:spPr>
+        <p:txBody>
+          <a:bodyPr>
+            <a:normAutofit/>
+          </a:bodyPr>
+          <a:lstStyle/>
+          <a:p>
+            <a:r>
+              <a:rPr lang="it-CH" sz="4000" dirty="0"/>
+              <a:t>Situazione iniziale</a:t>
+            </a:r>
+          </a:p>
+        </p:txBody>
+      </p:sp>
+      <p:sp>
+        <p:nvSpPr>
+          <p:cNvPr id="3" name="Content Placeholder 2"/>
+          <p:cNvSpPr>
+            <a:spLocks noGrp="1"/>
+          </p:cNvSpPr>
+          <p:nvPr>
+            <p:ph sz="half" idx="1"/>
+          </p:nvPr>
+        </p:nvSpPr>
+        <p:spPr/>
+        <p:txBody>
+          <a:bodyPr/>
+          <a:lstStyle/>
+          <a:p>
+            <a:r>
+              <a:rPr lang="it-CH" dirty="0"/>
+              <a:t>Registrazione degli utenti su carta</a:t>
+            </a:r>
+          </a:p>
+          <a:p>
+            <a:r>
+              <a:rPr lang="it-CH" dirty="0"/>
+              <a:t>Inserimento dei dati a mano</a:t>
+            </a:r>
+          </a:p>
+        </p:txBody>
+      </p:sp>
+      <p:pic>
+        <p:nvPicPr>
+          <p:cNvPr id="8" name="Content Placeholder 7">
+            <a:extLst>
+              <a:ext uri="{FF2B5EF4-FFF2-40B4-BE49-F238E27FC236}">
+                <a16:creationId xmlns:a16="http://schemas.microsoft.com/office/drawing/2014/main" id="{FD6A5073-1D0C-44D2-9F3D-916CEA4CC475}"/>
+              </a:ext>
+            </a:extLst>
+          </p:cNvPr>
+          <p:cNvPicPr>
+            <a:picLocks noGrp="1" noChangeAspect="1"/>
+          </p:cNvPicPr>
+          <p:nvPr>
+            <p:ph sz="half" idx="2"/>
+          </p:nvPr>
+        </p:nvPicPr>
+        <p:blipFill>
+          <a:blip r:embed="rId2" cstate="print">
+            <a:extLst>
+              <a:ext uri="{28A0092B-C50C-407E-A947-70E740481C1C}">
+                <a14:useLocalDpi xmlns:a14="http://schemas.microsoft.com/office/drawing/2010/main" val="0"/>
+              </a:ext>
+              <a:ext uri="{837473B0-CC2E-450A-ABE3-18F120FF3D39}">
+                <a1611:picAttrSrcUrl xmlns:a1611="http://schemas.microsoft.com/office/drawing/2016/11/main" r:id="rId3"/>
+              </a:ext>
+            </a:extLst>
+          </a:blip>
+          <a:stretch>
+            <a:fillRect/>
+          </a:stretch>
+        </p:blipFill>
+        <p:spPr>
+          <a:xfrm>
+            <a:off x="8529474" y="1853329"/>
+            <a:ext cx="365691" cy="507163"/>
+          </a:xfrm>
+        </p:spPr>
+      </p:pic>
+      <p:pic>
+        <p:nvPicPr>
+          <p:cNvPr id="11" name="Picture 10">
+            <a:extLst>
+              <a:ext uri="{FF2B5EF4-FFF2-40B4-BE49-F238E27FC236}">
+                <a16:creationId xmlns:a16="http://schemas.microsoft.com/office/drawing/2014/main" id="{31F0443A-411A-440A-97D6-783681A40F87}"/>
+              </a:ext>
+            </a:extLst>
+          </p:cNvPr>
+          <p:cNvPicPr>
+            <a:picLocks noChangeAspect="1"/>
+          </p:cNvPicPr>
+          <p:nvPr/>
+        </p:nvPicPr>
+        <p:blipFill>
+          <a:blip r:embed="rId4" cstate="print">
+            <a:extLst>
+              <a:ext uri="{28A0092B-C50C-407E-A947-70E740481C1C}">
+                <a14:useLocalDpi xmlns:a14="http://schemas.microsoft.com/office/drawing/2010/main" val="0"/>
+              </a:ext>
+              <a:ext uri="{837473B0-CC2E-450A-ABE3-18F120FF3D39}">
+                <a1611:picAttrSrcUrl xmlns:a1611="http://schemas.microsoft.com/office/drawing/2016/11/main" r:id="rId5"/>
+              </a:ext>
+            </a:extLst>
+          </a:blip>
+          <a:stretch>
+            <a:fillRect/>
+          </a:stretch>
+        </p:blipFill>
+        <p:spPr>
+          <a:xfrm>
+            <a:off x="7274777" y="1777790"/>
+            <a:ext cx="4149846" cy="3002936"/>
+          </a:xfrm>
+          <a:prstGeom prst="rect">
+            <a:avLst/>
+          </a:prstGeom>
+        </p:spPr>
+      </p:pic>
+    </p:spTree>
+    <p:extLst>
+      <p:ext uri="{BB962C8B-B14F-4D97-AF65-F5344CB8AC3E}">
+        <p14:creationId xmlns:p14="http://schemas.microsoft.com/office/powerpoint/2010/main" val="4145261392"/>
+      </p:ext>
+    </p:extLst>
+  </p:cSld>
+  <p:clrMapOvr>
+    <a:masterClrMapping/>
+  </p:clrMapOvr>
+</p:sld>
+</file>
+
+<file path=ppt/slides/slide5.xml><?xml version="1.0" encoding="utf-8"?>
+<p:sld xmlns:a="http://schemas.openxmlformats.org/drawingml/2006/main" xmlns:r="http://schemas.openxmlformats.org/officeDocument/2006/relationships" xmlns:p="http://schemas.openxmlformats.org/presentationml/2006/main">
+  <p:cSld>
+    <p:spTree>
+      <p:nvGrpSpPr>
+        <p:cNvPr id="1" name=""/>
+        <p:cNvGrpSpPr/>
+        <p:nvPr/>
+      </p:nvGrpSpPr>
+      <p:grpSpPr>
+        <a:xfrm>
+          <a:off x="0" y="0"/>
+          <a:ext cx="0" cy="0"/>
+          <a:chOff x="0" y="0"/>
+          <a:chExt cx="0" cy="0"/>
+        </a:xfrm>
+      </p:grpSpPr>
+      <p:sp>
+        <p:nvSpPr>
+          <p:cNvPr id="2" name="Title 1"/>
+          <p:cNvSpPr>
+            <a:spLocks noGrp="1"/>
+          </p:cNvSpPr>
+          <p:nvPr>
+            <p:ph type="title"/>
+          </p:nvPr>
+        </p:nvSpPr>
+        <p:spPr/>
+        <p:txBody>
+          <a:bodyPr>
+            <a:normAutofit/>
+          </a:bodyPr>
+          <a:lstStyle/>
+          <a:p>
+            <a:r>
+              <a:rPr lang="bs-Latn-BA" sz="4000" dirty="0"/>
+              <a:t>Requisiti</a:t>
+            </a:r>
+            <a:endParaRPr sz="4000" dirty="0"/>
+          </a:p>
+        </p:txBody>
+      </p:sp>
+      <p:sp>
+        <p:nvSpPr>
+          <p:cNvPr id="3" name="Content Placeholder 2">
+            <a:extLst>
+              <a:ext uri="{FF2B5EF4-FFF2-40B4-BE49-F238E27FC236}">
+                <a16:creationId xmlns:a16="http://schemas.microsoft.com/office/drawing/2014/main" id="{52C8500C-FA5E-4214-B9E0-95AFAE4FA650}"/>
+              </a:ext>
+            </a:extLst>
+          </p:cNvPr>
+          <p:cNvSpPr>
+            <a:spLocks noGrp="1"/>
+          </p:cNvSpPr>
+          <p:nvPr>
+            <p:ph idx="1"/>
+          </p:nvPr>
+        </p:nvSpPr>
+        <p:spPr/>
+        <p:txBody>
+          <a:bodyPr/>
+          <a:lstStyle/>
+          <a:p>
+            <a:r>
+              <a:rPr lang="it-CH" dirty="0"/>
+              <a:t>Applicativo web</a:t>
+            </a:r>
+          </a:p>
+          <a:p>
+            <a:r>
+              <a:rPr lang="it-CH" dirty="0"/>
+              <a:t>Fare un controllo completo dei dati</a:t>
+            </a:r>
+          </a:p>
+          <a:p>
+            <a:r>
+              <a:rPr lang="it-CH" dirty="0"/>
+              <a:t>Salvare i dati in 2 file di testo in formato CSV</a:t>
+            </a:r>
+          </a:p>
+          <a:p>
+            <a:r>
+              <a:rPr lang="it-CH" dirty="0"/>
+              <a:t>Una pagina riassuntiva delle registrazioni giornaliere</a:t>
+            </a:r>
+          </a:p>
+          <a:p>
+            <a:endParaRPr lang="it-CH" dirty="0"/>
+          </a:p>
+          <a:p>
+            <a:endParaRPr lang="it-CH" dirty="0"/>
+          </a:p>
+        </p:txBody>
+      </p:sp>
+      <p:pic>
+        <p:nvPicPr>
+          <p:cNvPr id="5" name="Picture 4" descr="A close up of a logo&#10;&#10;Description automatically generated">
+            <a:extLst>
+              <a:ext uri="{FF2B5EF4-FFF2-40B4-BE49-F238E27FC236}">
+                <a16:creationId xmlns:a16="http://schemas.microsoft.com/office/drawing/2014/main" id="{6137563E-B5B4-4957-B5A3-1506102C4EE5}"/>
+              </a:ext>
+            </a:extLst>
+          </p:cNvPr>
+          <p:cNvPicPr>
+            <a:picLocks noChangeAspect="1"/>
+          </p:cNvPicPr>
+          <p:nvPr/>
+        </p:nvPicPr>
+        <p:blipFill>
+          <a:blip r:embed="rId2" cstate="print">
+            <a:extLst>
+              <a:ext uri="{28A0092B-C50C-407E-A947-70E740481C1C}">
+                <a14:useLocalDpi xmlns:a14="http://schemas.microsoft.com/office/drawing/2010/main" val="0"/>
+              </a:ext>
+            </a:extLst>
+          </a:blip>
+          <a:stretch>
+            <a:fillRect/>
+          </a:stretch>
+        </p:blipFill>
+        <p:spPr>
+          <a:xfrm>
+            <a:off x="3696072" y="3962400"/>
+            <a:ext cx="4799856" cy="2224933"/>
+          </a:xfrm>
+          <a:prstGeom prst="rect">
+            <a:avLst/>
+          </a:prstGeom>
+        </p:spPr>
+      </p:pic>
+    </p:spTree>
+    <p:extLst>
+      <p:ext uri="{BB962C8B-B14F-4D97-AF65-F5344CB8AC3E}">
+        <p14:creationId xmlns:p14="http://schemas.microsoft.com/office/powerpoint/2010/main" val="1153027685"/>
+      </p:ext>
+    </p:extLst>
+  </p:cSld>
+  <p:clrMapOvr>
+    <a:masterClrMapping/>
+  </p:clrMapOvr>
+</p:sld>
+</file>
+
+<file path=ppt/slides/slide6.xml><?xml version="1.0" encoding="utf-8"?>
+<p:sld xmlns:a="http://schemas.openxmlformats.org/drawingml/2006/main" xmlns:r="http://schemas.openxmlformats.org/officeDocument/2006/relationships" xmlns:p="http://schemas.openxmlformats.org/presentationml/2006/main">
+  <p:cSld>
+    <p:spTree>
+      <p:nvGrpSpPr>
+        <p:cNvPr id="1" name=""/>
+        <p:cNvGrpSpPr/>
+        <p:nvPr/>
+      </p:nvGrpSpPr>
+      <p:grpSpPr>
+        <a:xfrm>
+          <a:off x="0" y="0"/>
+          <a:ext cx="0" cy="0"/>
+          <a:chOff x="0" y="0"/>
+          <a:chExt cx="0" cy="0"/>
+        </a:xfrm>
+      </p:grpSpPr>
+      <p:sp>
+        <p:nvSpPr>
           <p:cNvPr id="2" name="Title 1">
             <a:extLst>
               <a:ext uri="{FF2B5EF4-FFF2-40B4-BE49-F238E27FC236}">
-                <a16:creationId xmlns:a16="http://schemas.microsoft.com/office/drawing/2014/main" id="{98D8B47C-BC23-4656-AC60-819447CE4D7E}"/>
+                <a16:creationId xmlns:a16="http://schemas.microsoft.com/office/drawing/2014/main" id="{BBA1DD28-7DFB-419D-8589-528CC2790D49}"/>
               </a:ext>
             </a:extLst>
           </p:cNvPr>
@@ -3510,10 +5035,490 @@
         </p:nvSpPr>
         <p:spPr/>
         <p:txBody>
+          <a:bodyPr>
+            <a:normAutofit/>
+          </a:bodyPr>
+          <a:lstStyle/>
+          <a:p>
+            <a:r>
+              <a:rPr lang="bs-Latn-BA" sz="4000" dirty="0"/>
+              <a:t>Progettazione</a:t>
+            </a:r>
+            <a:br>
+              <a:rPr lang="bs-Latn-BA" dirty="0"/>
+            </a:br>
+            <a:r>
+              <a:rPr lang="bs-Latn-BA" sz="2400" dirty="0"/>
+              <a:t>Gantt </a:t>
+            </a:r>
+            <a:r>
+              <a:rPr lang="en-GB" sz="2400" dirty="0" err="1"/>
+              <a:t>Preventivo</a:t>
+            </a:r>
+            <a:endParaRPr lang="it-CH" sz="2400" dirty="0"/>
+          </a:p>
+        </p:txBody>
+      </p:sp>
+      <p:pic>
+        <p:nvPicPr>
+          <p:cNvPr id="6" name="Content Placeholder 5" descr="A picture containing shoji, indoor&#10;&#10;Description automatically generated">
+            <a:extLst>
+              <a:ext uri="{FF2B5EF4-FFF2-40B4-BE49-F238E27FC236}">
+                <a16:creationId xmlns:a16="http://schemas.microsoft.com/office/drawing/2014/main" id="{542F54EF-F255-4C24-977E-778CDB954DCA}"/>
+              </a:ext>
+            </a:extLst>
+          </p:cNvPr>
+          <p:cNvPicPr>
+            <a:picLocks noGrp="1" noChangeAspect="1"/>
+          </p:cNvPicPr>
+          <p:nvPr>
+            <p:ph idx="1"/>
+          </p:nvPr>
+        </p:nvPicPr>
+        <p:blipFill>
+          <a:blip r:embed="rId2">
+            <a:extLst>
+              <a:ext uri="{28A0092B-C50C-407E-A947-70E740481C1C}">
+                <a14:useLocalDpi xmlns:a14="http://schemas.microsoft.com/office/drawing/2010/main" val="0"/>
+              </a:ext>
+            </a:extLst>
+          </a:blip>
+          <a:stretch>
+            <a:fillRect/>
+          </a:stretch>
+        </p:blipFill>
+        <p:spPr>
+          <a:xfrm>
+            <a:off x="290652" y="1916832"/>
+            <a:ext cx="11610696" cy="3816424"/>
+          </a:xfrm>
+        </p:spPr>
+      </p:pic>
+    </p:spTree>
+    <p:extLst>
+      <p:ext uri="{BB962C8B-B14F-4D97-AF65-F5344CB8AC3E}">
+        <p14:creationId xmlns:p14="http://schemas.microsoft.com/office/powerpoint/2010/main" val="667553523"/>
+      </p:ext>
+    </p:extLst>
+  </p:cSld>
+  <p:clrMapOvr>
+    <a:masterClrMapping/>
+  </p:clrMapOvr>
+</p:sld>
+</file>
+
+<file path=ppt/slides/slide7.xml><?xml version="1.0" encoding="utf-8"?>
+<p:sld xmlns:a="http://schemas.openxmlformats.org/drawingml/2006/main" xmlns:r="http://schemas.openxmlformats.org/officeDocument/2006/relationships" xmlns:p="http://schemas.openxmlformats.org/presentationml/2006/main">
+  <p:cSld>
+    <p:spTree>
+      <p:nvGrpSpPr>
+        <p:cNvPr id="1" name=""/>
+        <p:cNvGrpSpPr/>
+        <p:nvPr/>
+      </p:nvGrpSpPr>
+      <p:grpSpPr>
+        <a:xfrm>
+          <a:off x="0" y="0"/>
+          <a:ext cx="0" cy="0"/>
+          <a:chOff x="0" y="0"/>
+          <a:chExt cx="0" cy="0"/>
+        </a:xfrm>
+      </p:grpSpPr>
+      <p:sp>
+        <p:nvSpPr>
+          <p:cNvPr id="2" name="Title 1">
+            <a:extLst>
+              <a:ext uri="{FF2B5EF4-FFF2-40B4-BE49-F238E27FC236}">
+                <a16:creationId xmlns:a16="http://schemas.microsoft.com/office/drawing/2014/main" id="{BBA1DD28-7DFB-419D-8589-528CC2790D49}"/>
+              </a:ext>
+            </a:extLst>
+          </p:cNvPr>
+          <p:cNvSpPr>
+            <a:spLocks noGrp="1"/>
+          </p:cNvSpPr>
+          <p:nvPr>
+            <p:ph type="title"/>
+          </p:nvPr>
+        </p:nvSpPr>
+        <p:spPr/>
+        <p:txBody>
           <a:bodyPr/>
           <a:lstStyle/>
           <a:p>
-            <a:endParaRPr lang="de-DE"/>
+            <a:r>
+              <a:rPr lang="bs-Latn-BA" sz="4000" dirty="0"/>
+              <a:t>Progettazione</a:t>
+            </a:r>
+            <a:br>
+              <a:rPr lang="bs-Latn-BA" dirty="0"/>
+            </a:br>
+            <a:r>
+              <a:rPr lang="bs-Latn-BA" sz="2400" dirty="0"/>
+              <a:t>Gantt Consuntivo</a:t>
+            </a:r>
+            <a:endParaRPr lang="it-CH" dirty="0"/>
+          </a:p>
+        </p:txBody>
+      </p:sp>
+      <p:pic>
+        <p:nvPicPr>
+          <p:cNvPr id="7" name="Content Placeholder 6" descr="A picture containing screenshot&#10;&#10;Description automatically generated">
+            <a:extLst>
+              <a:ext uri="{FF2B5EF4-FFF2-40B4-BE49-F238E27FC236}">
+                <a16:creationId xmlns:a16="http://schemas.microsoft.com/office/drawing/2014/main" id="{807E7447-8A44-4CF4-8A01-15A2A23980B0}"/>
+              </a:ext>
+            </a:extLst>
+          </p:cNvPr>
+          <p:cNvPicPr>
+            <a:picLocks noGrp="1" noChangeAspect="1"/>
+          </p:cNvPicPr>
+          <p:nvPr>
+            <p:ph idx="1"/>
+          </p:nvPr>
+        </p:nvPicPr>
+        <p:blipFill>
+          <a:blip r:embed="rId2">
+            <a:extLst>
+              <a:ext uri="{28A0092B-C50C-407E-A947-70E740481C1C}">
+                <a14:useLocalDpi xmlns:a14="http://schemas.microsoft.com/office/drawing/2010/main" val="0"/>
+              </a:ext>
+            </a:extLst>
+          </a:blip>
+          <a:stretch>
+            <a:fillRect/>
+          </a:stretch>
+        </p:blipFill>
+        <p:spPr>
+          <a:xfrm>
+            <a:off x="554037" y="1772816"/>
+            <a:ext cx="11083925" cy="4104456"/>
+          </a:xfrm>
+        </p:spPr>
+      </p:pic>
+    </p:spTree>
+    <p:extLst>
+      <p:ext uri="{BB962C8B-B14F-4D97-AF65-F5344CB8AC3E}">
+        <p14:creationId xmlns:p14="http://schemas.microsoft.com/office/powerpoint/2010/main" val="1637477750"/>
+      </p:ext>
+    </p:extLst>
+  </p:cSld>
+  <p:clrMapOvr>
+    <a:masterClrMapping/>
+  </p:clrMapOvr>
+</p:sld>
+</file>
+
+<file path=ppt/slides/slide8.xml><?xml version="1.0" encoding="utf-8"?>
+<p:sld xmlns:a="http://schemas.openxmlformats.org/drawingml/2006/main" xmlns:r="http://schemas.openxmlformats.org/officeDocument/2006/relationships" xmlns:p="http://schemas.openxmlformats.org/presentationml/2006/main">
+  <p:cSld>
+    <p:spTree>
+      <p:nvGrpSpPr>
+        <p:cNvPr id="1" name=""/>
+        <p:cNvGrpSpPr/>
+        <p:nvPr/>
+      </p:nvGrpSpPr>
+      <p:grpSpPr>
+        <a:xfrm>
+          <a:off x="0" y="0"/>
+          <a:ext cx="0" cy="0"/>
+          <a:chOff x="0" y="0"/>
+          <a:chExt cx="0" cy="0"/>
+        </a:xfrm>
+      </p:grpSpPr>
+      <p:sp>
+        <p:nvSpPr>
+          <p:cNvPr id="2" name="Title 1"/>
+          <p:cNvSpPr>
+            <a:spLocks noGrp="1"/>
+          </p:cNvSpPr>
+          <p:nvPr>
+            <p:ph type="title"/>
+          </p:nvPr>
+        </p:nvSpPr>
+        <p:spPr/>
+        <p:txBody>
+          <a:bodyPr>
+            <a:normAutofit/>
+          </a:bodyPr>
+          <a:lstStyle/>
+          <a:p>
+            <a:r>
+              <a:rPr lang="en-US" sz="4000" dirty="0" err="1"/>
+              <a:t>Implementazione</a:t>
+            </a:r>
+            <a:br>
+              <a:rPr lang="en-US" sz="4000" dirty="0"/>
+            </a:br>
+            <a:r>
+              <a:rPr lang="en-US" sz="2400" dirty="0" err="1"/>
+              <a:t>Controllo</a:t>
+            </a:r>
+            <a:r>
+              <a:rPr lang="en-US" sz="2400" dirty="0"/>
+              <a:t> </a:t>
+            </a:r>
+            <a:r>
+              <a:rPr lang="en-US" sz="2400" dirty="0" err="1"/>
+              <a:t>dati</a:t>
+            </a:r>
+            <a:endParaRPr sz="4000" dirty="0"/>
+          </a:p>
+        </p:txBody>
+      </p:sp>
+      <p:sp>
+        <p:nvSpPr>
+          <p:cNvPr id="7" name="Content Placeholder 6">
+            <a:extLst>
+              <a:ext uri="{FF2B5EF4-FFF2-40B4-BE49-F238E27FC236}">
+                <a16:creationId xmlns:a16="http://schemas.microsoft.com/office/drawing/2014/main" id="{71B7F5CA-7C61-4BDF-A54E-61DFE0B8A19F}"/>
+              </a:ext>
+            </a:extLst>
+          </p:cNvPr>
+          <p:cNvSpPr>
+            <a:spLocks noGrp="1"/>
+          </p:cNvSpPr>
+          <p:nvPr>
+            <p:ph idx="1"/>
+          </p:nvPr>
+        </p:nvSpPr>
+        <p:spPr/>
+        <p:txBody>
+          <a:bodyPr/>
+          <a:lstStyle/>
+          <a:p>
+            <a:r>
+              <a:rPr lang="it-CH" dirty="0"/>
+              <a:t>Campi di testo di lunghezza massima di 50 caratteri</a:t>
+            </a:r>
+          </a:p>
+          <a:p>
+            <a:r>
+              <a:rPr lang="it-CH" dirty="0"/>
+              <a:t>Campi Hobby e Lavoro di massimo 500 caratteri</a:t>
+            </a:r>
+          </a:p>
+          <a:p>
+            <a:r>
+              <a:rPr lang="it-CH" dirty="0"/>
+              <a:t>Numero di telefono a scopo internazionale</a:t>
+            </a:r>
+          </a:p>
+          <a:p>
+            <a:endParaRPr lang="it-CH" dirty="0"/>
+          </a:p>
+          <a:p>
+            <a:endParaRPr lang="it-CH" dirty="0"/>
+          </a:p>
+        </p:txBody>
+      </p:sp>
+      <p:pic>
+        <p:nvPicPr>
+          <p:cNvPr id="9" name="Picture 8">
+            <a:extLst>
+              <a:ext uri="{FF2B5EF4-FFF2-40B4-BE49-F238E27FC236}">
+                <a16:creationId xmlns:a16="http://schemas.microsoft.com/office/drawing/2014/main" id="{1BA0CA3A-DC8A-4D3E-876C-6002679F7ADC}"/>
+              </a:ext>
+            </a:extLst>
+          </p:cNvPr>
+          <p:cNvPicPr>
+            <a:picLocks noChangeAspect="1"/>
+          </p:cNvPicPr>
+          <p:nvPr/>
+        </p:nvPicPr>
+        <p:blipFill>
+          <a:blip r:embed="rId2" cstate="print">
+            <a:extLst>
+              <a:ext uri="{28A0092B-C50C-407E-A947-70E740481C1C}">
+                <a14:useLocalDpi xmlns:a14="http://schemas.microsoft.com/office/drawing/2010/main" val="0"/>
+              </a:ext>
+            </a:extLst>
+          </a:blip>
+          <a:stretch>
+            <a:fillRect/>
+          </a:stretch>
+        </p:blipFill>
+        <p:spPr>
+          <a:xfrm>
+            <a:off x="1558117" y="4467200"/>
+            <a:ext cx="1628800" cy="1628800"/>
+          </a:xfrm>
+          <a:prstGeom prst="rect">
+            <a:avLst/>
+          </a:prstGeom>
+        </p:spPr>
+      </p:pic>
+      <p:pic>
+        <p:nvPicPr>
+          <p:cNvPr id="11" name="Picture 10" descr="&#10;">
+            <a:extLst>
+              <a:ext uri="{FF2B5EF4-FFF2-40B4-BE49-F238E27FC236}">
+                <a16:creationId xmlns:a16="http://schemas.microsoft.com/office/drawing/2014/main" id="{3C76425A-A712-47C2-9034-D017F41C8DC8}"/>
+              </a:ext>
+            </a:extLst>
+          </p:cNvPr>
+          <p:cNvPicPr>
+            <a:picLocks noChangeAspect="1"/>
+          </p:cNvPicPr>
+          <p:nvPr/>
+        </p:nvPicPr>
+        <p:blipFill>
+          <a:blip r:embed="rId3" cstate="print">
+            <a:extLst>
+              <a:ext uri="{28A0092B-C50C-407E-A947-70E740481C1C}">
+                <a14:useLocalDpi xmlns:a14="http://schemas.microsoft.com/office/drawing/2010/main" val="0"/>
+              </a:ext>
+            </a:extLst>
+          </a:blip>
+          <a:stretch>
+            <a:fillRect/>
+          </a:stretch>
+        </p:blipFill>
+        <p:spPr>
+          <a:xfrm>
+            <a:off x="3719736" y="4238019"/>
+            <a:ext cx="1944216" cy="1856729"/>
+          </a:xfrm>
+          <a:prstGeom prst="rect">
+            <a:avLst/>
+          </a:prstGeom>
+        </p:spPr>
+      </p:pic>
+      <p:pic>
+        <p:nvPicPr>
+          <p:cNvPr id="13" name="Picture 12">
+            <a:extLst>
+              <a:ext uri="{FF2B5EF4-FFF2-40B4-BE49-F238E27FC236}">
+                <a16:creationId xmlns:a16="http://schemas.microsoft.com/office/drawing/2014/main" id="{ED991549-1DD7-4D06-89D2-499CD5FEB5FF}"/>
+              </a:ext>
+            </a:extLst>
+          </p:cNvPr>
+          <p:cNvPicPr>
+            <a:picLocks noChangeAspect="1"/>
+          </p:cNvPicPr>
+          <p:nvPr/>
+        </p:nvPicPr>
+        <p:blipFill>
+          <a:blip r:embed="rId4">
+            <a:extLst>
+              <a:ext uri="{28A0092B-C50C-407E-A947-70E740481C1C}">
+                <a14:useLocalDpi xmlns:a14="http://schemas.microsoft.com/office/drawing/2010/main" val="0"/>
+              </a:ext>
+            </a:extLst>
+          </a:blip>
+          <a:stretch>
+            <a:fillRect/>
+          </a:stretch>
+        </p:blipFill>
+        <p:spPr>
+          <a:xfrm>
+            <a:off x="6096000" y="4466311"/>
+            <a:ext cx="2343216" cy="2343216"/>
+          </a:xfrm>
+          <a:prstGeom prst="rect">
+            <a:avLst/>
+          </a:prstGeom>
+        </p:spPr>
+      </p:pic>
+      <p:pic>
+        <p:nvPicPr>
+          <p:cNvPr id="15" name="Picture 14">
+            <a:extLst>
+              <a:ext uri="{FF2B5EF4-FFF2-40B4-BE49-F238E27FC236}">
+                <a16:creationId xmlns:a16="http://schemas.microsoft.com/office/drawing/2014/main" id="{F67F32DE-725F-4AC6-8880-BC2500BE3B92}"/>
+              </a:ext>
+            </a:extLst>
+          </p:cNvPr>
+          <p:cNvPicPr>
+            <a:picLocks noChangeAspect="1"/>
+          </p:cNvPicPr>
+          <p:nvPr/>
+        </p:nvPicPr>
+        <p:blipFill>
+          <a:blip r:embed="rId5" cstate="print">
+            <a:extLst>
+              <a:ext uri="{28A0092B-C50C-407E-A947-70E740481C1C}">
+                <a14:useLocalDpi xmlns:a14="http://schemas.microsoft.com/office/drawing/2010/main" val="0"/>
+              </a:ext>
+            </a:extLst>
+          </a:blip>
+          <a:stretch>
+            <a:fillRect/>
+          </a:stretch>
+        </p:blipFill>
+        <p:spPr>
+          <a:xfrm>
+            <a:off x="9124110" y="3978046"/>
+            <a:ext cx="1509773" cy="2116702"/>
+          </a:xfrm>
+          <a:prstGeom prst="rect">
+            <a:avLst/>
+          </a:prstGeom>
+        </p:spPr>
+      </p:pic>
+    </p:spTree>
+    <p:extLst>
+      <p:ext uri="{BB962C8B-B14F-4D97-AF65-F5344CB8AC3E}">
+        <p14:creationId xmlns:p14="http://schemas.microsoft.com/office/powerpoint/2010/main" val="1475842300"/>
+      </p:ext>
+    </p:extLst>
+  </p:cSld>
+  <p:clrMapOvr>
+    <a:masterClrMapping/>
+  </p:clrMapOvr>
+</p:sld>
+</file>
+
+<file path=ppt/slides/slide9.xml><?xml version="1.0" encoding="utf-8"?>
+<p:sld xmlns:a="http://schemas.openxmlformats.org/drawingml/2006/main" xmlns:r="http://schemas.openxmlformats.org/officeDocument/2006/relationships" xmlns:p="http://schemas.openxmlformats.org/presentationml/2006/main">
+  <p:cSld>
+    <p:spTree>
+      <p:nvGrpSpPr>
+        <p:cNvPr id="1" name=""/>
+        <p:cNvGrpSpPr/>
+        <p:nvPr/>
+      </p:nvGrpSpPr>
+      <p:grpSpPr>
+        <a:xfrm>
+          <a:off x="0" y="0"/>
+          <a:ext cx="0" cy="0"/>
+          <a:chOff x="0" y="0"/>
+          <a:chExt cx="0" cy="0"/>
+        </a:xfrm>
+      </p:grpSpPr>
+      <p:sp>
+        <p:nvSpPr>
+          <p:cNvPr id="2" name="Title 1"/>
+          <p:cNvSpPr>
+            <a:spLocks noGrp="1"/>
+          </p:cNvSpPr>
+          <p:nvPr>
+            <p:ph type="title"/>
+          </p:nvPr>
+        </p:nvSpPr>
+        <p:spPr/>
+        <p:txBody>
+          <a:bodyPr>
+            <a:normAutofit/>
+          </a:bodyPr>
+          <a:lstStyle/>
+          <a:p>
+            <a:r>
+              <a:rPr lang="en-US" sz="4000" dirty="0"/>
+              <a:t>Le </a:t>
+            </a:r>
+            <a:r>
+              <a:rPr lang="en-US" sz="4000" dirty="0" err="1"/>
+              <a:t>mancanze</a:t>
+            </a:r>
+            <a:r>
+              <a:rPr lang="en-US" sz="4000" dirty="0"/>
+              <a:t> </a:t>
+            </a:r>
+            <a:r>
+              <a:rPr lang="en-US" sz="4000" dirty="0" err="1"/>
+              <a:t>conosciute</a:t>
+            </a:r>
+            <a:endParaRPr sz="4000" dirty="0"/>
           </a:p>
         </p:txBody>
       </p:sp>
@@ -3522,7 +5527,7 @@
           <p:cNvPr id="3" name="Content Placeholder 2">
             <a:extLst>
               <a:ext uri="{FF2B5EF4-FFF2-40B4-BE49-F238E27FC236}">
-                <a16:creationId xmlns:a16="http://schemas.microsoft.com/office/drawing/2014/main" id="{5FBB27A0-6DE5-4E1B-AD93-2A4A3E72A49D}"/>
+                <a16:creationId xmlns:a16="http://schemas.microsoft.com/office/drawing/2014/main" id="{BBEFC856-1BAB-4EFD-94C3-E39BE030D3A5}"/>
               </a:ext>
             </a:extLst>
           </p:cNvPr>
@@ -3538,14 +5543,99 @@
           <a:bodyPr/>
           <a:lstStyle/>
           <a:p>
-            <a:endParaRPr lang="de-DE"/>
-          </a:p>
-        </p:txBody>
-      </p:sp>
+            <a:r>
+              <a:rPr lang="it-CH" sz="2400" dirty="0"/>
+              <a:t>Messaggi d’errore specifici</a:t>
+            </a:r>
+          </a:p>
+          <a:p>
+            <a:r>
+              <a:rPr lang="it-CH" sz="2400" dirty="0"/>
+              <a:t>Il tasto azzera con i menu a tendina</a:t>
+            </a:r>
+          </a:p>
+          <a:p>
+            <a:r>
+              <a:rPr lang="it-CH" sz="2400" dirty="0"/>
+              <a:t>Responsive</a:t>
+            </a:r>
+          </a:p>
+          <a:p>
+            <a:r>
+              <a:rPr lang="it-CH" sz="2400" dirty="0"/>
+              <a:t>Mancanza del </a:t>
+            </a:r>
+            <a:r>
+              <a:rPr lang="it-CH" sz="2400" dirty="0" err="1"/>
+              <a:t>datepicker</a:t>
+            </a:r>
+            <a:r>
+              <a:rPr lang="it-CH" sz="2400" dirty="0"/>
+              <a:t> su IE</a:t>
+            </a:r>
+          </a:p>
+          <a:p>
+            <a:endParaRPr lang="it-CH" dirty="0"/>
+          </a:p>
+        </p:txBody>
+      </p:sp>
+      <p:pic>
+        <p:nvPicPr>
+          <p:cNvPr id="5" name="Picture 4">
+            <a:extLst>
+              <a:ext uri="{FF2B5EF4-FFF2-40B4-BE49-F238E27FC236}">
+                <a16:creationId xmlns:a16="http://schemas.microsoft.com/office/drawing/2014/main" id="{8354DCA6-2CEF-4E67-9E97-8640D8EF9F46}"/>
+              </a:ext>
+            </a:extLst>
+          </p:cNvPr>
+          <p:cNvPicPr>
+            <a:picLocks noChangeAspect="1"/>
+          </p:cNvPicPr>
+          <p:nvPr/>
+        </p:nvPicPr>
+        <p:blipFill>
+          <a:blip r:embed="rId3">
+            <a:extLst>
+              <a:ext uri="{BEBA8EAE-BF5A-486C-A8C5-ECC9F3942E4B}">
+                <a14:imgProps xmlns:a14="http://schemas.microsoft.com/office/drawing/2010/main">
+                  <a14:imgLayer r:embed="rId4">
+                    <a14:imgEffect>
+                      <a14:backgroundRemoval t="10000" b="90000" l="10000" r="90000">
+                        <a14:backgroundMark x1="6042" y1="25556" x2="6042" y2="25556"/>
+                        <a14:backgroundMark x1="4167" y1="19167" x2="4167" y2="19167"/>
+                        <a14:backgroundMark x1="4167" y1="19167" x2="4167" y2="19167"/>
+                        <a14:backgroundMark x1="4167" y1="19167" x2="0" y2="63611"/>
+                        <a14:backgroundMark x1="4167" y1="43889" x2="4167" y2="43889"/>
+                        <a14:backgroundMark x1="3125" y1="38333" x2="3125" y2="38333"/>
+                        <a14:backgroundMark x1="3125" y1="38333" x2="3125" y2="38333"/>
+                      </a14:backgroundRemoval>
+                    </a14:imgEffect>
+                  </a14:imgLayer>
+                </a14:imgProps>
+              </a:ext>
+              <a:ext uri="{28A0092B-C50C-407E-A947-70E740481C1C}">
+                <a14:useLocalDpi xmlns:a14="http://schemas.microsoft.com/office/drawing/2010/main" val="0"/>
+              </a:ext>
+            </a:extLst>
+          </a:blip>
+          <a:stretch>
+            <a:fillRect/>
+          </a:stretch>
+        </p:blipFill>
+        <p:spPr>
+          <a:xfrm>
+            <a:off x="7896200" y="1836204"/>
+            <a:ext cx="2123728" cy="1592796"/>
+          </a:xfrm>
+          <a:prstGeom prst="rect">
+            <a:avLst/>
+          </a:prstGeom>
+        </p:spPr>
+      </p:pic>
     </p:spTree>
     <p:extLst>
       <p:ext uri="{BB962C8B-B14F-4D97-AF65-F5344CB8AC3E}">
-        <p14:creationId xmlns:p14="http://schemas.microsoft.com/office/powerpoint/2010/main" val="3367774235"/>
+        <p14:creationId xmlns:p14="http://schemas.microsoft.com/office/powerpoint/2010/main" val="215988672"/>
       </p:ext>
     </p:extLst>
   </p:cSld>
@@ -3556,110 +5646,58 @@
 </file>
 
 <file path=ppt/theme/theme1.xml><?xml version="1.0" encoding="utf-8"?>
-<a:theme xmlns:a="http://schemas.openxmlformats.org/drawingml/2006/main" name="Office Theme">
+<a:theme xmlns:a="http://schemas.openxmlformats.org/drawingml/2006/main" name="Tech Computer 16x9">
   <a:themeElements>
-    <a:clrScheme name="Office">
+    <a:clrScheme name="TechComputer">
       <a:dk1>
-        <a:sysClr val="windowText" lastClr="000000"/>
+        <a:srgbClr val="000000"/>
       </a:dk1>
       <a:lt1>
         <a:sysClr val="window" lastClr="FFFFFF"/>
       </a:lt1>
       <a:dk2>
-        <a:srgbClr val="44546A"/>
+        <a:srgbClr val="4D4D4D"/>
       </a:dk2>
       <a:lt2>
-        <a:srgbClr val="E7E6E6"/>
+        <a:srgbClr val="DDDDDD"/>
       </a:lt2>
       <a:accent1>
-        <a:srgbClr val="4472C4"/>
+        <a:srgbClr val="92D050"/>
       </a:accent1>
       <a:accent2>
-        <a:srgbClr val="ED7D31"/>
+        <a:srgbClr val="F7C331"/>
       </a:accent2>
       <a:accent3>
-        <a:srgbClr val="A5A5A5"/>
+        <a:srgbClr val="47B8C7"/>
       </a:accent3>
       <a:accent4>
-        <a:srgbClr val="FFC000"/>
+        <a:srgbClr val="B074BA"/>
       </a:accent4>
       <a:accent5>
-        <a:srgbClr val="5B9BD5"/>
+        <a:srgbClr val="F34D47"/>
       </a:accent5>
       <a:accent6>
-        <a:srgbClr val="70AD47"/>
+        <a:srgbClr val="FA8F30"/>
       </a:accent6>
       <a:hlink>
-        <a:srgbClr val="0563C1"/>
+        <a:srgbClr val="47B8C7"/>
       </a:hlink>
       <a:folHlink>
-        <a:srgbClr val="954F72"/>
+        <a:srgbClr val="969696"/>
       </a:folHlink>
     </a:clrScheme>
-    <a:fontScheme name="Office">
+    <a:fontScheme name="Consolas-Candara">
       <a:majorFont>
-        <a:latin typeface="Calibri Light" panose="020F0302020204030204"/>
+        <a:latin typeface="Consolas"/>
         <a:ea typeface=""/>
         <a:cs typeface=""/>
-        <a:font script="Jpan" typeface="游ゴシック Light"/>
-        <a:font script="Hang" typeface="맑은 고딕"/>
-        <a:font script="Hans" typeface="等线 Light"/>
-        <a:font script="Hant" typeface="新細明體"/>
-        <a:font script="Arab" typeface="Times New Roman"/>
-        <a:font script="Hebr" typeface="Times New Roman"/>
-        <a:font script="Thai" typeface="Angsana New"/>
-        <a:font script="Ethi" typeface="Nyala"/>
-        <a:font script="Beng" typeface="Vrinda"/>
-        <a:font script="Gujr" typeface="Shruti"/>
-        <a:font script="Khmr" typeface="MoolBoran"/>
-        <a:font script="Knda" typeface="Tunga"/>
-        <a:font script="Guru" typeface="Raavi"/>
-        <a:font script="Cans" typeface="Euphemia"/>
-        <a:font script="Cher" typeface="Plantagenet Cherokee"/>
-        <a:font script="Yiii" typeface="Microsoft Yi Baiti"/>
-        <a:font script="Tibt" typeface="Microsoft Himalaya"/>
-        <a:font script="Thaa" typeface="MV Boli"/>
-        <a:font script="Deva" typeface="Mangal"/>
-        <a:font script="Telu" typeface="Gautami"/>
-        <a:font script="Taml" typeface="Latha"/>
-        <a:font script="Syrc" typeface="Estrangelo Edessa"/>
-        <a:font script="Orya" typeface="Kalinga"/>
-        <a:font script="Mlym" typeface="Kartika"/>
-        <a:font script="Laoo" typeface="DokChampa"/>
-        <a:font script="Sinh" typeface="Iskoola Pota"/>
-        <a:font script="Mong" typeface="Mongolian Baiti"/>
-        <a:font script="Viet" typeface="Times New Roman"/>
-        <a:font script="Uigh" typeface="Microsoft Uighur"/>
-        <a:font script="Geor" typeface="Sylfaen"/>
-        <a:font script="Armn" typeface="Arial"/>
-        <a:font script="Bugi" typeface="Leelawadee UI"/>
-        <a:font script="Bopo" typeface="Microsoft JhengHei"/>
-        <a:font script="Java" typeface="Javanese Text"/>
-        <a:font script="Lisu" typeface="Segoe UI"/>
-        <a:font script="Mymr" typeface="Myanmar Text"/>
-        <a:font script="Nkoo" typeface="Ebrima"/>
-        <a:font script="Olck" typeface="Nirmala UI"/>
-        <a:font script="Osma" typeface="Ebrima"/>
-        <a:font script="Phag" typeface="Phagspa"/>
-        <a:font script="Syrn" typeface="Estrangelo Edessa"/>
-        <a:font script="Syrj" typeface="Estrangelo Edessa"/>
-        <a:font script="Syre" typeface="Estrangelo Edessa"/>
-        <a:font script="Sora" typeface="Nirmala UI"/>
-        <a:font script="Tale" typeface="Microsoft Tai Le"/>
-        <a:font script="Talu" typeface="Microsoft New Tai Lue"/>
-        <a:font script="Tfng" typeface="Ebrima"/>
-      </a:majorFont>
-      <a:minorFont>
-        <a:latin typeface="Calibri" panose="020F0502020204030204"/>
-        <a:ea typeface=""/>
-        <a:cs typeface=""/>
-        <a:font script="Jpan" typeface="游ゴシック"/>
-        <a:font script="Hang" typeface="맑은 고딕"/>
-        <a:font script="Hans" typeface="等线"/>
-        <a:font script="Hant" typeface="新細明體"/>
-        <a:font script="Arab" typeface="Arial"/>
-        <a:font script="Hebr" typeface="Arial"/>
-        <a:font script="Thai" typeface="Cordia New"/>
+        <a:font script="Jpan" typeface="ＭＳ ゴシック"/>
+        <a:font script="Hang" typeface="HY중고딕"/>
+        <a:font script="Hans" typeface="幼圆"/>
+        <a:font script="Hant" typeface="微軟正黑體"/>
+        <a:font script="Arab" typeface="Tahoma"/>
+        <a:font script="Hebr" typeface="Gisha"/>
+        <a:font script="Thai" typeface="DilleniaUPC"/>
         <a:font script="Ethi" typeface="Nyala"/>
         <a:font script="Beng" typeface="Vrinda"/>
         <a:font script="Gujr" typeface="Shruti"/>
@@ -3680,26 +5718,305 @@
         <a:font script="Laoo" typeface="DokChampa"/>
         <a:font script="Sinh" typeface="Iskoola Pota"/>
         <a:font script="Mong" typeface="Mongolian Baiti"/>
-        <a:font script="Viet" typeface="Arial"/>
+        <a:font script="Viet" typeface="Tahoma"/>
         <a:font script="Uigh" typeface="Microsoft Uighur"/>
         <a:font script="Geor" typeface="Sylfaen"/>
-        <a:font script="Armn" typeface="Arial"/>
-        <a:font script="Bugi" typeface="Leelawadee UI"/>
-        <a:font script="Bopo" typeface="Microsoft JhengHei"/>
-        <a:font script="Java" typeface="Javanese Text"/>
-        <a:font script="Lisu" typeface="Segoe UI"/>
-        <a:font script="Mymr" typeface="Myanmar Text"/>
-        <a:font script="Nkoo" typeface="Ebrima"/>
-        <a:font script="Olck" typeface="Nirmala UI"/>
-        <a:font script="Osma" typeface="Ebrima"/>
-        <a:font script="Phag" typeface="Phagspa"/>
-        <a:font script="Syrn" typeface="Estrangelo Edessa"/>
-        <a:font script="Syrj" typeface="Estrangelo Edessa"/>
-        <a:font script="Syre" typeface="Estrangelo Edessa"/>
-        <a:font script="Sora" typeface="Nirmala UI"/>
-        <a:font script="Tale" typeface="Microsoft Tai Le"/>
-        <a:font script="Talu" typeface="Microsoft New Tai Lue"/>
-        <a:font script="Tfng" typeface="Ebrima"/>
+      </a:majorFont>
+      <a:minorFont>
+        <a:latin typeface="Candara"/>
+        <a:ea typeface=""/>
+        <a:cs typeface=""/>
+        <a:font script="Jpan" typeface="ＭＳ ゴシック"/>
+        <a:font script="Hang" typeface="HY중고딕"/>
+        <a:font script="Hans" typeface="幼圆"/>
+        <a:font script="Hant" typeface="微軟正黑體"/>
+        <a:font script="Arab" typeface="Tahoma"/>
+        <a:font script="Hebr" typeface="Gisha"/>
+        <a:font script="Thai" typeface="DilleniaUPC"/>
+        <a:font script="Ethi" typeface="Nyala"/>
+        <a:font script="Beng" typeface="Vrinda"/>
+        <a:font script="Gujr" typeface="Shruti"/>
+        <a:font script="Khmr" typeface="DaunPenh"/>
+        <a:font script="Knda" typeface="Tunga"/>
+        <a:font script="Guru" typeface="Raavi"/>
+        <a:font script="Cans" typeface="Euphemia"/>
+        <a:font script="Cher" typeface="Plantagenet Cherokee"/>
+        <a:font script="Yiii" typeface="Microsoft Yi Baiti"/>
+        <a:font script="Tibt" typeface="Microsoft Himalaya"/>
+        <a:font script="Thaa" typeface="MV Boli"/>
+        <a:font script="Deva" typeface="Mangal"/>
+        <a:font script="Telu" typeface="Gautami"/>
+        <a:font script="Taml" typeface="Latha"/>
+        <a:font script="Syrc" typeface="Estrangelo Edessa"/>
+        <a:font script="Orya" typeface="Kalinga"/>
+        <a:font script="Mlym" typeface="Kartika"/>
+        <a:font script="Laoo" typeface="DokChampa"/>
+        <a:font script="Sinh" typeface="Iskoola Pota"/>
+        <a:font script="Mong" typeface="Mongolian Baiti"/>
+        <a:font script="Viet" typeface="Verdana"/>
+        <a:font script="Uigh" typeface="Microsoft Uighur"/>
+        <a:font script="Geor" typeface="Sylfaen"/>
+      </a:minorFont>
+    </a:fontScheme>
+    <a:fmtScheme name="Office">
+      <a:fillStyleLst>
+        <a:solidFill>
+          <a:schemeClr val="phClr"/>
+        </a:solidFill>
+        <a:gradFill rotWithShape="1">
+          <a:gsLst>
+            <a:gs pos="0">
+              <a:schemeClr val="phClr">
+                <a:lumMod val="110000"/>
+                <a:satMod val="105000"/>
+                <a:tint val="67000"/>
+              </a:schemeClr>
+            </a:gs>
+            <a:gs pos="50000">
+              <a:schemeClr val="phClr">
+                <a:lumMod val="105000"/>
+                <a:satMod val="103000"/>
+                <a:tint val="73000"/>
+              </a:schemeClr>
+            </a:gs>
+            <a:gs pos="100000">
+              <a:schemeClr val="phClr">
+                <a:lumMod val="105000"/>
+                <a:satMod val="109000"/>
+                <a:tint val="81000"/>
+              </a:schemeClr>
+            </a:gs>
+          </a:gsLst>
+          <a:lin ang="5400000" scaled="0"/>
+        </a:gradFill>
+        <a:gradFill rotWithShape="1">
+          <a:gsLst>
+            <a:gs pos="0">
+              <a:schemeClr val="phClr">
+                <a:satMod val="103000"/>
+                <a:lumMod val="102000"/>
+                <a:tint val="94000"/>
+              </a:schemeClr>
+            </a:gs>
+            <a:gs pos="50000">
+              <a:schemeClr val="phClr">
+                <a:satMod val="110000"/>
+                <a:lumMod val="100000"/>
+                <a:shade val="100000"/>
+              </a:schemeClr>
+            </a:gs>
+            <a:gs pos="100000">
+              <a:schemeClr val="phClr">
+                <a:lumMod val="99000"/>
+                <a:satMod val="120000"/>
+                <a:shade val="78000"/>
+              </a:schemeClr>
+            </a:gs>
+          </a:gsLst>
+          <a:lin ang="5400000" scaled="0"/>
+        </a:gradFill>
+      </a:fillStyleLst>
+      <a:lnStyleLst>
+        <a:ln w="6350" cap="flat" cmpd="sng" algn="ctr">
+          <a:solidFill>
+            <a:schemeClr val="phClr"/>
+          </a:solidFill>
+          <a:prstDash val="solid"/>
+          <a:miter lim="800000"/>
+        </a:ln>
+        <a:ln w="12700" cap="flat" cmpd="sng" algn="ctr">
+          <a:solidFill>
+            <a:schemeClr val="phClr"/>
+          </a:solidFill>
+          <a:prstDash val="solid"/>
+          <a:miter lim="800000"/>
+        </a:ln>
+        <a:ln w="19050" cap="flat" cmpd="sng" algn="ctr">
+          <a:solidFill>
+            <a:schemeClr val="phClr"/>
+          </a:solidFill>
+          <a:prstDash val="solid"/>
+          <a:miter lim="800000"/>
+        </a:ln>
+      </a:lnStyleLst>
+      <a:effectStyleLst>
+        <a:effectStyle>
+          <a:effectLst/>
+        </a:effectStyle>
+        <a:effectStyle>
+          <a:effectLst/>
+        </a:effectStyle>
+        <a:effectStyle>
+          <a:effectLst>
+            <a:outerShdw blurRad="57150" dist="19050" dir="5400000" algn="ctr" rotWithShape="0">
+              <a:srgbClr val="000000">
+                <a:alpha val="63000"/>
+              </a:srgbClr>
+            </a:outerShdw>
+          </a:effectLst>
+        </a:effectStyle>
+      </a:effectStyleLst>
+      <a:bgFillStyleLst>
+        <a:solidFill>
+          <a:schemeClr val="phClr"/>
+        </a:solidFill>
+        <a:solidFill>
+          <a:schemeClr val="phClr">
+            <a:tint val="95000"/>
+            <a:satMod val="170000"/>
+          </a:schemeClr>
+        </a:solidFill>
+        <a:gradFill rotWithShape="1">
+          <a:gsLst>
+            <a:gs pos="0">
+              <a:schemeClr val="phClr">
+                <a:tint val="93000"/>
+                <a:satMod val="150000"/>
+                <a:shade val="98000"/>
+                <a:lumMod val="102000"/>
+              </a:schemeClr>
+            </a:gs>
+            <a:gs pos="50000">
+              <a:schemeClr val="phClr">
+                <a:tint val="98000"/>
+                <a:satMod val="130000"/>
+                <a:shade val="90000"/>
+                <a:lumMod val="103000"/>
+              </a:schemeClr>
+            </a:gs>
+            <a:gs pos="100000">
+              <a:schemeClr val="phClr">
+                <a:shade val="63000"/>
+                <a:satMod val="120000"/>
+              </a:schemeClr>
+            </a:gs>
+          </a:gsLst>
+          <a:lin ang="5400000" scaled="0"/>
+        </a:gradFill>
+      </a:bgFillStyleLst>
+    </a:fmtScheme>
+  </a:themeElements>
+  <a:objectDefaults/>
+  <a:extraClrSchemeLst/>
+  <a:extLst>
+    <a:ext uri="{05A4C25C-085E-4340-85A3-A5531E510DB2}">
+      <thm15:themeFamily xmlns:thm15="http://schemas.microsoft.com/office/thememl/2012/main" name="TF02901026.potx" id="{468775DC-C458-452B-B494-CBFA066AAFA0}" vid="{10EEBE7C-0769-4F35-B6EB-5940E3BEB5F4}"/>
+    </a:ext>
+  </a:extLst>
+</a:theme>
+</file>
+
+<file path=ppt/theme/theme2.xml><?xml version="1.0" encoding="utf-8"?>
+<a:theme xmlns:a="http://schemas.openxmlformats.org/drawingml/2006/main" name="Office Theme">
+  <a:themeElements>
+    <a:clrScheme name="TechComputer">
+      <a:dk1>
+        <a:srgbClr val="000000"/>
+      </a:dk1>
+      <a:lt1>
+        <a:sysClr val="window" lastClr="FFFFFF"/>
+      </a:lt1>
+      <a:dk2>
+        <a:srgbClr val="4D4D4D"/>
+      </a:dk2>
+      <a:lt2>
+        <a:srgbClr val="DDDDDD"/>
+      </a:lt2>
+      <a:accent1>
+        <a:srgbClr val="92D050"/>
+      </a:accent1>
+      <a:accent2>
+        <a:srgbClr val="F7C331"/>
+      </a:accent2>
+      <a:accent3>
+        <a:srgbClr val="47B8C7"/>
+      </a:accent3>
+      <a:accent4>
+        <a:srgbClr val="B074BA"/>
+      </a:accent4>
+      <a:accent5>
+        <a:srgbClr val="F34D47"/>
+      </a:accent5>
+      <a:accent6>
+        <a:srgbClr val="FA8F30"/>
+      </a:accent6>
+      <a:hlink>
+        <a:srgbClr val="47B8C7"/>
+      </a:hlink>
+      <a:folHlink>
+        <a:srgbClr val="969696"/>
+      </a:folHlink>
+    </a:clrScheme>
+    <a:fontScheme name="Consolas-Candara">
+      <a:majorFont>
+        <a:latin typeface="Consolas"/>
+        <a:ea typeface=""/>
+        <a:cs typeface=""/>
+        <a:font script="Jpan" typeface="ＭＳ ゴシック"/>
+        <a:font script="Hang" typeface="HY중고딕"/>
+        <a:font script="Hans" typeface="幼圆"/>
+        <a:font script="Hant" typeface="微軟正黑體"/>
+        <a:font script="Arab" typeface="Tahoma"/>
+        <a:font script="Hebr" typeface="Gisha"/>
+        <a:font script="Thai" typeface="DilleniaUPC"/>
+        <a:font script="Ethi" typeface="Nyala"/>
+        <a:font script="Beng" typeface="Vrinda"/>
+        <a:font script="Gujr" typeface="Shruti"/>
+        <a:font script="Khmr" typeface="DaunPenh"/>
+        <a:font script="Knda" typeface="Tunga"/>
+        <a:font script="Guru" typeface="Raavi"/>
+        <a:font script="Cans" typeface="Euphemia"/>
+        <a:font script="Cher" typeface="Plantagenet Cherokee"/>
+        <a:font script="Yiii" typeface="Microsoft Yi Baiti"/>
+        <a:font script="Tibt" typeface="Microsoft Himalaya"/>
+        <a:font script="Thaa" typeface="MV Boli"/>
+        <a:font script="Deva" typeface="Mangal"/>
+        <a:font script="Telu" typeface="Gautami"/>
+        <a:font script="Taml" typeface="Latha"/>
+        <a:font script="Syrc" typeface="Estrangelo Edessa"/>
+        <a:font script="Orya" typeface="Kalinga"/>
+        <a:font script="Mlym" typeface="Kartika"/>
+        <a:font script="Laoo" typeface="DokChampa"/>
+        <a:font script="Sinh" typeface="Iskoola Pota"/>
+        <a:font script="Mong" typeface="Mongolian Baiti"/>
+        <a:font script="Viet" typeface="Tahoma"/>
+        <a:font script="Uigh" typeface="Microsoft Uighur"/>
+        <a:font script="Geor" typeface="Sylfaen"/>
+      </a:majorFont>
+      <a:minorFont>
+        <a:latin typeface="Candara"/>
+        <a:ea typeface=""/>
+        <a:cs typeface=""/>
+        <a:font script="Jpan" typeface="ＭＳ ゴシック"/>
+        <a:font script="Hang" typeface="HY중고딕"/>
+        <a:font script="Hans" typeface="幼圆"/>
+        <a:font script="Hant" typeface="微軟正黑體"/>
+        <a:font script="Arab" typeface="Tahoma"/>
+        <a:font script="Hebr" typeface="Gisha"/>
+        <a:font script="Thai" typeface="DilleniaUPC"/>
+        <a:font script="Ethi" typeface="Nyala"/>
+        <a:font script="Beng" typeface="Vrinda"/>
+        <a:font script="Gujr" typeface="Shruti"/>
+        <a:font script="Khmr" typeface="DaunPenh"/>
+        <a:font script="Knda" typeface="Tunga"/>
+        <a:font script="Guru" typeface="Raavi"/>
+        <a:font script="Cans" typeface="Euphemia"/>
+        <a:font script="Cher" typeface="Plantagenet Cherokee"/>
+        <a:font script="Yiii" typeface="Microsoft Yi Baiti"/>
+        <a:font script="Tibt" typeface="Microsoft Himalaya"/>
+        <a:font script="Thaa" typeface="MV Boli"/>
+        <a:font script="Deva" typeface="Mangal"/>
+        <a:font script="Telu" typeface="Gautami"/>
+        <a:font script="Taml" typeface="Latha"/>
+        <a:font script="Syrc" typeface="Estrangelo Edessa"/>
+        <a:font script="Orya" typeface="Kalinga"/>
+        <a:font script="Mlym" typeface="Kartika"/>
+        <a:font script="Laoo" typeface="DokChampa"/>
+        <a:font script="Sinh" typeface="Iskoola Pota"/>
+        <a:font script="Mong" typeface="Mongolian Baiti"/>
+        <a:font script="Viet" typeface="Verdana"/>
+        <a:font script="Uigh" typeface="Microsoft Uighur"/>
+        <a:font script="Geor" typeface="Sylfaen"/>
       </a:minorFont>
     </a:fontScheme>
     <a:fmtScheme name="Office">
@@ -3848,4 +6165,1476 @@
     </a:ext>
   </a:extLst>
 </a:theme>
+</file>
+
+<file path=ppt/theme/theme3.xml><?xml version="1.0" encoding="utf-8"?>
+<a:theme xmlns:a="http://schemas.openxmlformats.org/drawingml/2006/main" name="Office Theme">
+  <a:themeElements>
+    <a:clrScheme name="TechComputer">
+      <a:dk1>
+        <a:srgbClr val="000000"/>
+      </a:dk1>
+      <a:lt1>
+        <a:sysClr val="window" lastClr="FFFFFF"/>
+      </a:lt1>
+      <a:dk2>
+        <a:srgbClr val="4D4D4D"/>
+      </a:dk2>
+      <a:lt2>
+        <a:srgbClr val="DDDDDD"/>
+      </a:lt2>
+      <a:accent1>
+        <a:srgbClr val="92D050"/>
+      </a:accent1>
+      <a:accent2>
+        <a:srgbClr val="F7C331"/>
+      </a:accent2>
+      <a:accent3>
+        <a:srgbClr val="47B8C7"/>
+      </a:accent3>
+      <a:accent4>
+        <a:srgbClr val="B074BA"/>
+      </a:accent4>
+      <a:accent5>
+        <a:srgbClr val="F34D47"/>
+      </a:accent5>
+      <a:accent6>
+        <a:srgbClr val="FA8F30"/>
+      </a:accent6>
+      <a:hlink>
+        <a:srgbClr val="47B8C7"/>
+      </a:hlink>
+      <a:folHlink>
+        <a:srgbClr val="969696"/>
+      </a:folHlink>
+    </a:clrScheme>
+    <a:fontScheme name="Consolas-Candara">
+      <a:majorFont>
+        <a:latin typeface="Consolas"/>
+        <a:ea typeface=""/>
+        <a:cs typeface=""/>
+        <a:font script="Jpan" typeface="ＭＳ ゴシック"/>
+        <a:font script="Hang" typeface="HY중고딕"/>
+        <a:font script="Hans" typeface="幼圆"/>
+        <a:font script="Hant" typeface="微軟正黑體"/>
+        <a:font script="Arab" typeface="Tahoma"/>
+        <a:font script="Hebr" typeface="Gisha"/>
+        <a:font script="Thai" typeface="DilleniaUPC"/>
+        <a:font script="Ethi" typeface="Nyala"/>
+        <a:font script="Beng" typeface="Vrinda"/>
+        <a:font script="Gujr" typeface="Shruti"/>
+        <a:font script="Khmr" typeface="DaunPenh"/>
+        <a:font script="Knda" typeface="Tunga"/>
+        <a:font script="Guru" typeface="Raavi"/>
+        <a:font script="Cans" typeface="Euphemia"/>
+        <a:font script="Cher" typeface="Plantagenet Cherokee"/>
+        <a:font script="Yiii" typeface="Microsoft Yi Baiti"/>
+        <a:font script="Tibt" typeface="Microsoft Himalaya"/>
+        <a:font script="Thaa" typeface="MV Boli"/>
+        <a:font script="Deva" typeface="Mangal"/>
+        <a:font script="Telu" typeface="Gautami"/>
+        <a:font script="Taml" typeface="Latha"/>
+        <a:font script="Syrc" typeface="Estrangelo Edessa"/>
+        <a:font script="Orya" typeface="Kalinga"/>
+        <a:font script="Mlym" typeface="Kartika"/>
+        <a:font script="Laoo" typeface="DokChampa"/>
+        <a:font script="Sinh" typeface="Iskoola Pota"/>
+        <a:font script="Mong" typeface="Mongolian Baiti"/>
+        <a:font script="Viet" typeface="Tahoma"/>
+        <a:font script="Uigh" typeface="Microsoft Uighur"/>
+        <a:font script="Geor" typeface="Sylfaen"/>
+      </a:majorFont>
+      <a:minorFont>
+        <a:latin typeface="Candara"/>
+        <a:ea typeface=""/>
+        <a:cs typeface=""/>
+        <a:font script="Jpan" typeface="ＭＳ ゴシック"/>
+        <a:font script="Hang" typeface="HY중고딕"/>
+        <a:font script="Hans" typeface="幼圆"/>
+        <a:font script="Hant" typeface="微軟正黑體"/>
+        <a:font script="Arab" typeface="Tahoma"/>
+        <a:font script="Hebr" typeface="Gisha"/>
+        <a:font script="Thai" typeface="DilleniaUPC"/>
+        <a:font script="Ethi" typeface="Nyala"/>
+        <a:font script="Beng" typeface="Vrinda"/>
+        <a:font script="Gujr" typeface="Shruti"/>
+        <a:font script="Khmr" typeface="DaunPenh"/>
+        <a:font script="Knda" typeface="Tunga"/>
+        <a:font script="Guru" typeface="Raavi"/>
+        <a:font script="Cans" typeface="Euphemia"/>
+        <a:font script="Cher" typeface="Plantagenet Cherokee"/>
+        <a:font script="Yiii" typeface="Microsoft Yi Baiti"/>
+        <a:font script="Tibt" typeface="Microsoft Himalaya"/>
+        <a:font script="Thaa" typeface="MV Boli"/>
+        <a:font script="Deva" typeface="Mangal"/>
+        <a:font script="Telu" typeface="Gautami"/>
+        <a:font script="Taml" typeface="Latha"/>
+        <a:font script="Syrc" typeface="Estrangelo Edessa"/>
+        <a:font script="Orya" typeface="Kalinga"/>
+        <a:font script="Mlym" typeface="Kartika"/>
+        <a:font script="Laoo" typeface="DokChampa"/>
+        <a:font script="Sinh" typeface="Iskoola Pota"/>
+        <a:font script="Mong" typeface="Mongolian Baiti"/>
+        <a:font script="Viet" typeface="Verdana"/>
+        <a:font script="Uigh" typeface="Microsoft Uighur"/>
+        <a:font script="Geor" typeface="Sylfaen"/>
+      </a:minorFont>
+    </a:fontScheme>
+    <a:fmtScheme name="Office">
+      <a:fillStyleLst>
+        <a:solidFill>
+          <a:schemeClr val="phClr"/>
+        </a:solidFill>
+        <a:gradFill rotWithShape="1">
+          <a:gsLst>
+            <a:gs pos="0">
+              <a:schemeClr val="phClr">
+                <a:lumMod val="110000"/>
+                <a:satMod val="105000"/>
+                <a:tint val="67000"/>
+              </a:schemeClr>
+            </a:gs>
+            <a:gs pos="50000">
+              <a:schemeClr val="phClr">
+                <a:lumMod val="105000"/>
+                <a:satMod val="103000"/>
+                <a:tint val="73000"/>
+              </a:schemeClr>
+            </a:gs>
+            <a:gs pos="100000">
+              <a:schemeClr val="phClr">
+                <a:lumMod val="105000"/>
+                <a:satMod val="109000"/>
+                <a:tint val="81000"/>
+              </a:schemeClr>
+            </a:gs>
+          </a:gsLst>
+          <a:lin ang="5400000" scaled="0"/>
+        </a:gradFill>
+        <a:gradFill rotWithShape="1">
+          <a:gsLst>
+            <a:gs pos="0">
+              <a:schemeClr val="phClr">
+                <a:satMod val="103000"/>
+                <a:lumMod val="102000"/>
+                <a:tint val="94000"/>
+              </a:schemeClr>
+            </a:gs>
+            <a:gs pos="50000">
+              <a:schemeClr val="phClr">
+                <a:satMod val="110000"/>
+                <a:lumMod val="100000"/>
+                <a:shade val="100000"/>
+              </a:schemeClr>
+            </a:gs>
+            <a:gs pos="100000">
+              <a:schemeClr val="phClr">
+                <a:lumMod val="99000"/>
+                <a:satMod val="120000"/>
+                <a:shade val="78000"/>
+              </a:schemeClr>
+            </a:gs>
+          </a:gsLst>
+          <a:lin ang="5400000" scaled="0"/>
+        </a:gradFill>
+      </a:fillStyleLst>
+      <a:lnStyleLst>
+        <a:ln w="6350" cap="flat" cmpd="sng" algn="ctr">
+          <a:solidFill>
+            <a:schemeClr val="phClr"/>
+          </a:solidFill>
+          <a:prstDash val="solid"/>
+          <a:miter lim="800000"/>
+        </a:ln>
+        <a:ln w="12700" cap="flat" cmpd="sng" algn="ctr">
+          <a:solidFill>
+            <a:schemeClr val="phClr"/>
+          </a:solidFill>
+          <a:prstDash val="solid"/>
+          <a:miter lim="800000"/>
+        </a:ln>
+        <a:ln w="19050" cap="flat" cmpd="sng" algn="ctr">
+          <a:solidFill>
+            <a:schemeClr val="phClr"/>
+          </a:solidFill>
+          <a:prstDash val="solid"/>
+          <a:miter lim="800000"/>
+        </a:ln>
+      </a:lnStyleLst>
+      <a:effectStyleLst>
+        <a:effectStyle>
+          <a:effectLst/>
+        </a:effectStyle>
+        <a:effectStyle>
+          <a:effectLst/>
+        </a:effectStyle>
+        <a:effectStyle>
+          <a:effectLst>
+            <a:outerShdw blurRad="57150" dist="19050" dir="5400000" algn="ctr" rotWithShape="0">
+              <a:srgbClr val="000000">
+                <a:alpha val="63000"/>
+              </a:srgbClr>
+            </a:outerShdw>
+          </a:effectLst>
+        </a:effectStyle>
+      </a:effectStyleLst>
+      <a:bgFillStyleLst>
+        <a:solidFill>
+          <a:schemeClr val="phClr"/>
+        </a:solidFill>
+        <a:solidFill>
+          <a:schemeClr val="phClr">
+            <a:tint val="95000"/>
+            <a:satMod val="170000"/>
+          </a:schemeClr>
+        </a:solidFill>
+        <a:gradFill rotWithShape="1">
+          <a:gsLst>
+            <a:gs pos="0">
+              <a:schemeClr val="phClr">
+                <a:tint val="93000"/>
+                <a:satMod val="150000"/>
+                <a:shade val="98000"/>
+                <a:lumMod val="102000"/>
+              </a:schemeClr>
+            </a:gs>
+            <a:gs pos="50000">
+              <a:schemeClr val="phClr">
+                <a:tint val="98000"/>
+                <a:satMod val="130000"/>
+                <a:shade val="90000"/>
+                <a:lumMod val="103000"/>
+              </a:schemeClr>
+            </a:gs>
+            <a:gs pos="100000">
+              <a:schemeClr val="phClr">
+                <a:shade val="63000"/>
+                <a:satMod val="120000"/>
+              </a:schemeClr>
+            </a:gs>
+          </a:gsLst>
+          <a:lin ang="5400000" scaled="0"/>
+        </a:gradFill>
+      </a:bgFillStyleLst>
+    </a:fmtScheme>
+  </a:themeElements>
+  <a:objectDefaults/>
+  <a:extraClrSchemeLst/>
+  <a:extLst>
+    <a:ext uri="{05A4C25C-085E-4340-85A3-A5531E510DB2}">
+      <thm15:themeFamily xmlns:thm15="http://schemas.microsoft.com/office/thememl/2012/main" name="Office Theme" id="{62F939B6-93AF-4DB8-9C6B-D6C7DFDC589F}" vid="{4A3C46E8-61CC-4603-A589-7422A47A8E4A}"/>
+    </a:ext>
+  </a:extLst>
+</a:theme>
+</file>
+
+<file path=customXml/item1.xml><?xml version="1.0" encoding="utf-8"?>
+<p:properties xmlns:p="http://schemas.microsoft.com/office/2006/metadata/properties" xmlns:xsi="http://www.w3.org/2001/XMLSchema-instance" xmlns:pc="http://schemas.microsoft.com/office/infopath/2007/PartnerControls">
+  <documentManagement>
+    <DirectSourceMarket xmlns="4873beb7-5857-4685-be1f-d57550cc96cc" xsi:nil="true"/>
+    <ApprovalStatus xmlns="4873beb7-5857-4685-be1f-d57550cc96cc">InProgress</ApprovalStatus>
+    <MarketSpecific xmlns="4873beb7-5857-4685-be1f-d57550cc96cc">false</MarketSpecific>
+    <LocComments xmlns="4873beb7-5857-4685-be1f-d57550cc96cc" xsi:nil="true"/>
+    <ThumbnailAssetId xmlns="4873beb7-5857-4685-be1f-d57550cc96cc" xsi:nil="true"/>
+    <PrimaryImageGen xmlns="4873beb7-5857-4685-be1f-d57550cc96cc">true</PrimaryImageGen>
+    <LegacyData xmlns="4873beb7-5857-4685-be1f-d57550cc96cc" xsi:nil="true"/>
+    <LocRecommendedHandoff xmlns="4873beb7-5857-4685-be1f-d57550cc96cc" xsi:nil="true"/>
+    <BusinessGroup xmlns="4873beb7-5857-4685-be1f-d57550cc96cc" xsi:nil="true"/>
+    <BlockPublish xmlns="4873beb7-5857-4685-be1f-d57550cc96cc">false</BlockPublish>
+    <TPFriendlyName xmlns="4873beb7-5857-4685-be1f-d57550cc96cc" xsi:nil="true"/>
+    <NumericId xmlns="4873beb7-5857-4685-be1f-d57550cc96cc" xsi:nil="true"/>
+    <APEditor xmlns="4873beb7-5857-4685-be1f-d57550cc96cc">
+      <UserInfo>
+        <DisplayName/>
+        <AccountId xsi:nil="true"/>
+        <AccountType/>
+      </UserInfo>
+    </APEditor>
+    <SourceTitle xmlns="4873beb7-5857-4685-be1f-d57550cc96cc" xsi:nil="true"/>
+    <OpenTemplate xmlns="4873beb7-5857-4685-be1f-d57550cc96cc">true</OpenTemplate>
+    <UALocComments xmlns="4873beb7-5857-4685-be1f-d57550cc96cc" xsi:nil="true"/>
+    <ParentAssetId xmlns="4873beb7-5857-4685-be1f-d57550cc96cc" xsi:nil="true"/>
+    <IntlLangReviewDate xmlns="4873beb7-5857-4685-be1f-d57550cc96cc" xsi:nil="true"/>
+    <FeatureTagsTaxHTField0 xmlns="4873beb7-5857-4685-be1f-d57550cc96cc">
+      <Terms xmlns="http://schemas.microsoft.com/office/infopath/2007/PartnerControls"/>
+    </FeatureTagsTaxHTField0>
+    <PublishStatusLookup xmlns="4873beb7-5857-4685-be1f-d57550cc96cc">
+      <Value>1566889</Value>
+    </PublishStatusLookup>
+    <Providers xmlns="4873beb7-5857-4685-be1f-d57550cc96cc" xsi:nil="true"/>
+    <MachineTranslated xmlns="4873beb7-5857-4685-be1f-d57550cc96cc">false</MachineTranslated>
+    <OriginalSourceMarket xmlns="4873beb7-5857-4685-be1f-d57550cc96cc" xsi:nil="true"/>
+    <APDescription xmlns="4873beb7-5857-4685-be1f-d57550cc96cc" xsi:nil="true"/>
+    <ClipArtFilename xmlns="4873beb7-5857-4685-be1f-d57550cc96cc" xsi:nil="true"/>
+    <ContentItem xmlns="4873beb7-5857-4685-be1f-d57550cc96cc" xsi:nil="true"/>
+    <TPInstallLocation xmlns="4873beb7-5857-4685-be1f-d57550cc96cc" xsi:nil="true"/>
+    <PublishTargets xmlns="4873beb7-5857-4685-be1f-d57550cc96cc">OfficeOnlineVNext</PublishTargets>
+    <TimesCloned xmlns="4873beb7-5857-4685-be1f-d57550cc96cc" xsi:nil="true"/>
+    <AssetStart xmlns="4873beb7-5857-4685-be1f-d57550cc96cc">2012-05-23T08:44:00+00:00</AssetStart>
+    <Provider xmlns="4873beb7-5857-4685-be1f-d57550cc96cc" xsi:nil="true"/>
+    <AcquiredFrom xmlns="4873beb7-5857-4685-be1f-d57550cc96cc">Internal MS</AcquiredFrom>
+    <FriendlyTitle xmlns="4873beb7-5857-4685-be1f-d57550cc96cc" xsi:nil="true"/>
+    <LastHandOff xmlns="4873beb7-5857-4685-be1f-d57550cc96cc" xsi:nil="true"/>
+    <TPClientViewer xmlns="4873beb7-5857-4685-be1f-d57550cc96cc" xsi:nil="true"/>
+    <UACurrentWords xmlns="4873beb7-5857-4685-be1f-d57550cc96cc" xsi:nil="true"/>
+    <ArtSampleDocs xmlns="4873beb7-5857-4685-be1f-d57550cc96cc" xsi:nil="true"/>
+    <UALocRecommendation xmlns="4873beb7-5857-4685-be1f-d57550cc96cc">Localize</UALocRecommendation>
+    <Manager xmlns="4873beb7-5857-4685-be1f-d57550cc96cc" xsi:nil="true"/>
+    <ShowIn xmlns="4873beb7-5857-4685-be1f-d57550cc96cc">Show everywhere</ShowIn>
+    <UANotes xmlns="4873beb7-5857-4685-be1f-d57550cc96cc" xsi:nil="true"/>
+    <TemplateStatus xmlns="4873beb7-5857-4685-be1f-d57550cc96cc">Complete</TemplateStatus>
+    <InternalTagsTaxHTField0 xmlns="4873beb7-5857-4685-be1f-d57550cc96cc">
+      <Terms xmlns="http://schemas.microsoft.com/office/infopath/2007/PartnerControls"/>
+    </InternalTagsTaxHTField0>
+    <CSXHash xmlns="4873beb7-5857-4685-be1f-d57550cc96cc" xsi:nil="true"/>
+    <Downloads xmlns="4873beb7-5857-4685-be1f-d57550cc96cc">0</Downloads>
+    <VoteCount xmlns="4873beb7-5857-4685-be1f-d57550cc96cc" xsi:nil="true"/>
+    <OOCacheId xmlns="4873beb7-5857-4685-be1f-d57550cc96cc" xsi:nil="true"/>
+    <IsDeleted xmlns="4873beb7-5857-4685-be1f-d57550cc96cc">false</IsDeleted>
+    <AssetExpire xmlns="4873beb7-5857-4685-be1f-d57550cc96cc">2029-01-01T08:00:00+00:00</AssetExpire>
+    <DSATActionTaken xmlns="4873beb7-5857-4685-be1f-d57550cc96cc" xsi:nil="true"/>
+    <CSXSubmissionMarket xmlns="4873beb7-5857-4685-be1f-d57550cc96cc" xsi:nil="true"/>
+    <TPExecutable xmlns="4873beb7-5857-4685-be1f-d57550cc96cc" xsi:nil="true"/>
+    <SubmitterId xmlns="4873beb7-5857-4685-be1f-d57550cc96cc" xsi:nil="true"/>
+    <EditorialTags xmlns="4873beb7-5857-4685-be1f-d57550cc96cc" xsi:nil="true"/>
+    <ApprovalLog xmlns="4873beb7-5857-4685-be1f-d57550cc96cc" xsi:nil="true"/>
+    <AssetType xmlns="4873beb7-5857-4685-be1f-d57550cc96cc">TP</AssetType>
+    <BugNumber xmlns="4873beb7-5857-4685-be1f-d57550cc96cc" xsi:nil="true"/>
+    <CSXSubmissionDate xmlns="4873beb7-5857-4685-be1f-d57550cc96cc" xsi:nil="true"/>
+    <CSXUpdate xmlns="4873beb7-5857-4685-be1f-d57550cc96cc">false</CSXUpdate>
+    <Milestone xmlns="4873beb7-5857-4685-be1f-d57550cc96cc" xsi:nil="true"/>
+    <RecommendationsModifier xmlns="4873beb7-5857-4685-be1f-d57550cc96cc" xsi:nil="true"/>
+    <OriginAsset xmlns="4873beb7-5857-4685-be1f-d57550cc96cc" xsi:nil="true"/>
+    <TPComponent xmlns="4873beb7-5857-4685-be1f-d57550cc96cc" xsi:nil="true"/>
+    <AssetId xmlns="4873beb7-5857-4685-be1f-d57550cc96cc">TP102901017</AssetId>
+    <IntlLocPriority xmlns="4873beb7-5857-4685-be1f-d57550cc96cc" xsi:nil="true"/>
+    <PolicheckWords xmlns="4873beb7-5857-4685-be1f-d57550cc96cc" xsi:nil="true"/>
+    <TPLaunchHelpLink xmlns="4873beb7-5857-4685-be1f-d57550cc96cc" xsi:nil="true"/>
+    <TPApplication xmlns="4873beb7-5857-4685-be1f-d57550cc96cc" xsi:nil="true"/>
+    <CrawlForDependencies xmlns="4873beb7-5857-4685-be1f-d57550cc96cc">false</CrawlForDependencies>
+    <HandoffToMSDN xmlns="4873beb7-5857-4685-be1f-d57550cc96cc" xsi:nil="true"/>
+    <PlannedPubDate xmlns="4873beb7-5857-4685-be1f-d57550cc96cc" xsi:nil="true"/>
+    <IntlLangReviewer xmlns="4873beb7-5857-4685-be1f-d57550cc96cc" xsi:nil="true"/>
+    <TrustLevel xmlns="4873beb7-5857-4685-be1f-d57550cc96cc">1 Microsoft Managed Content</TrustLevel>
+    <LocLastLocAttemptVersionLookup xmlns="4873beb7-5857-4685-be1f-d57550cc96cc">836753</LocLastLocAttemptVersionLookup>
+    <IsSearchable xmlns="4873beb7-5857-4685-be1f-d57550cc96cc">true</IsSearchable>
+    <TemplateTemplateType xmlns="4873beb7-5857-4685-be1f-d57550cc96cc">PowerPoint Design Template</TemplateTemplateType>
+    <CampaignTagsTaxHTField0 xmlns="4873beb7-5857-4685-be1f-d57550cc96cc">
+      <Terms xmlns="http://schemas.microsoft.com/office/infopath/2007/PartnerControls"/>
+    </CampaignTagsTaxHTField0>
+    <TPNamespace xmlns="4873beb7-5857-4685-be1f-d57550cc96cc" xsi:nil="true"/>
+    <TaxCatchAll xmlns="4873beb7-5857-4685-be1f-d57550cc96cc"/>
+    <Markets xmlns="4873beb7-5857-4685-be1f-d57550cc96cc"/>
+    <UAProjectedTotalWords xmlns="4873beb7-5857-4685-be1f-d57550cc96cc" xsi:nil="true"/>
+    <IntlLangReview xmlns="4873beb7-5857-4685-be1f-d57550cc96cc">false</IntlLangReview>
+    <OutputCachingOn xmlns="4873beb7-5857-4685-be1f-d57550cc96cc">false</OutputCachingOn>
+    <AverageRating xmlns="4873beb7-5857-4685-be1f-d57550cc96cc" xsi:nil="true"/>
+    <APAuthor xmlns="4873beb7-5857-4685-be1f-d57550cc96cc">
+      <UserInfo>
+        <DisplayName>REDMOND\v-anij</DisplayName>
+        <AccountId>2469</AccountId>
+        <AccountType/>
+      </UserInfo>
+    </APAuthor>
+    <LocManualTestRequired xmlns="4873beb7-5857-4685-be1f-d57550cc96cc">false</LocManualTestRequired>
+    <TPCommandLine xmlns="4873beb7-5857-4685-be1f-d57550cc96cc" xsi:nil="true"/>
+    <TPAppVersion xmlns="4873beb7-5857-4685-be1f-d57550cc96cc" xsi:nil="true"/>
+    <EditorialStatus xmlns="4873beb7-5857-4685-be1f-d57550cc96cc">Complete</EditorialStatus>
+    <LastModifiedDateTime xmlns="4873beb7-5857-4685-be1f-d57550cc96cc" xsi:nil="true"/>
+    <ScenarioTagsTaxHTField0 xmlns="4873beb7-5857-4685-be1f-d57550cc96cc">
+      <Terms xmlns="http://schemas.microsoft.com/office/infopath/2007/PartnerControls"/>
+    </ScenarioTagsTaxHTField0>
+    <OriginalRelease xmlns="4873beb7-5857-4685-be1f-d57550cc96cc">15</OriginalRelease>
+    <TPLaunchHelpLinkType xmlns="4873beb7-5857-4685-be1f-d57550cc96cc">Template</TPLaunchHelpLinkType>
+    <LocalizationTagsTaxHTField0 xmlns="4873beb7-5857-4685-be1f-d57550cc96cc">
+      <Terms xmlns="http://schemas.microsoft.com/office/infopath/2007/PartnerControls"/>
+    </LocalizationTagsTaxHTField0>
+    <LocMarketGroupTiers2 xmlns="4873beb7-5857-4685-be1f-d57550cc96cc" xsi:nil="true"/>
+  </documentManagement>
+</p:properties>
+</file>
+
+<file path=customXml/item2.xml><?xml version="1.0" encoding="utf-8"?>
+<?mso-contentType ?>
+<FormTemplates xmlns="http://schemas.microsoft.com/sharepoint/v3/contenttype/forms">
+  <Display>DocumentLibraryForm</Display>
+  <Edit>AssetEditForm</Edit>
+  <New>DocumentLibraryForm</New>
+</FormTemplates>
+</file>
+
+<file path=customXml/item3.xml><?xml version="1.0" encoding="utf-8"?>
+<ct:contentTypeSchema xmlns:ct="http://schemas.microsoft.com/office/2006/metadata/contentType" xmlns:ma="http://schemas.microsoft.com/office/2006/metadata/properties/metaAttributes" ct:_="" ma:_="" ma:contentTypeName="TemplateFile" ma:contentTypeID="0x0101006EDDDB5EE6D98C44930B742096920B300400F5B6D36B3EF94B4E9A635CDF2A18F5B8" ma:contentTypeVersion="72" ma:contentTypeDescription="Create a new document." ma:contentTypeScope="" ma:versionID="a23e56308344d904b51738559c3d67c9">
+  <xsd:schema xmlns:xsd="http://www.w3.org/2001/XMLSchema" xmlns:xs="http://www.w3.org/2001/XMLSchema" xmlns:p="http://schemas.microsoft.com/office/2006/metadata/properties" xmlns:ns2="4873beb7-5857-4685-be1f-d57550cc96cc" targetNamespace="http://schemas.microsoft.com/office/2006/metadata/properties" ma:root="true" ma:fieldsID="cd0908cc4600e77bf5da051303e00c8d" ns2:_="">
+    <xsd:import namespace="4873beb7-5857-4685-be1f-d57550cc96cc"/>
+    <xsd:element name="properties">
+      <xsd:complexType>
+        <xsd:sequence>
+          <xsd:element name="documentManagement">
+            <xsd:complexType>
+              <xsd:all>
+                <xsd:element ref="ns2:AcquiredFrom" minOccurs="0"/>
+                <xsd:element ref="ns2:UACurrentWords" minOccurs="0"/>
+                <xsd:element ref="ns2:TPApplication" minOccurs="0"/>
+                <xsd:element ref="ns2:ApprovalLog" minOccurs="0"/>
+                <xsd:element ref="ns2:ApprovalStatus" minOccurs="0"/>
+                <xsd:element ref="ns2:AssetStart" minOccurs="0"/>
+                <xsd:element ref="ns2:AssetExpire" minOccurs="0"/>
+                <xsd:element ref="ns2:AssetId" minOccurs="0"/>
+                <xsd:element ref="ns2:IsSearchable" minOccurs="0"/>
+                <xsd:element ref="ns2:AssetType" minOccurs="0"/>
+                <xsd:element ref="ns2:APAuthor" minOccurs="0"/>
+                <xsd:element ref="ns2:AverageRating" minOccurs="0"/>
+                <xsd:element ref="ns2:BlockPublish" minOccurs="0"/>
+                <xsd:element ref="ns2:BugNumber" minOccurs="0"/>
+                <xsd:element ref="ns2:CampaignTagsTaxHTField0" minOccurs="0"/>
+                <xsd:element ref="ns2:TPClientViewer" minOccurs="0"/>
+                <xsd:element ref="ns2:ClipArtFilename" minOccurs="0"/>
+                <xsd:element ref="ns2:TPCommandLine" minOccurs="0"/>
+                <xsd:element ref="ns2:TPComponent" minOccurs="0"/>
+                <xsd:element ref="ns2:ContentItem" minOccurs="0"/>
+                <xsd:element ref="ns2:CrawlForDependencies" minOccurs="0"/>
+                <xsd:element ref="ns2:CSXHash" minOccurs="0"/>
+                <xsd:element ref="ns2:CSXSubmissionMarket" minOccurs="0"/>
+                <xsd:element ref="ns2:CSXUpdate" minOccurs="0"/>
+                <xsd:element ref="ns2:IntlLangReviewDate" minOccurs="0"/>
+                <xsd:element ref="ns2:IsDeleted" minOccurs="0"/>
+                <xsd:element ref="ns2:APDescription" minOccurs="0"/>
+                <xsd:element ref="ns2:DirectSourceMarket" minOccurs="0"/>
+                <xsd:element ref="ns2:Downloads" minOccurs="0"/>
+                <xsd:element ref="ns2:DSATActionTaken" minOccurs="0"/>
+                <xsd:element ref="ns2:APEditor" minOccurs="0"/>
+                <xsd:element ref="ns2:EditorialStatus" minOccurs="0"/>
+                <xsd:element ref="ns2:EditorialTags" minOccurs="0"/>
+                <xsd:element ref="ns2:TPExecutable" minOccurs="0"/>
+                <xsd:element ref="ns2:FeatureTagsTaxHTField0" minOccurs="0"/>
+                <xsd:element ref="ns2:TPFriendlyName" minOccurs="0"/>
+                <xsd:element ref="ns2:FriendlyTitle" minOccurs="0"/>
+                <xsd:element ref="ns2:PrimaryImageGen" minOccurs="0"/>
+                <xsd:element ref="ns2:HandoffToMSDN" minOccurs="0"/>
+                <xsd:element ref="ns2:InProjectListLookup" minOccurs="0"/>
+                <xsd:element ref="ns2:TPInstallLocation" minOccurs="0"/>
+                <xsd:element ref="ns2:InternalTagsTaxHTField0" minOccurs="0"/>
+                <xsd:element ref="ns2:IntlLangReview" minOccurs="0"/>
+                <xsd:element ref="ns2:IntlLangReviewer" minOccurs="0"/>
+                <xsd:element ref="ns2:MarketSpecific" minOccurs="0"/>
+                <xsd:element ref="ns2:LastCompleteVersionLookup" minOccurs="0"/>
+                <xsd:element ref="ns2:LastHandOff" minOccurs="0"/>
+                <xsd:element ref="ns2:LastModifiedDateTime" minOccurs="0"/>
+                <xsd:element ref="ns2:LastPreviewErrorLookup" minOccurs="0"/>
+                <xsd:element ref="ns2:LastPreviewResultLookup" minOccurs="0"/>
+                <xsd:element ref="ns2:LastPreviewAttemptDateLookup" minOccurs="0"/>
+                <xsd:element ref="ns2:LastPreviewedByLookup" minOccurs="0"/>
+                <xsd:element ref="ns2:LastPreviewTimeLookup" minOccurs="0"/>
+                <xsd:element ref="ns2:LastPreviewVersionLookup" minOccurs="0"/>
+                <xsd:element ref="ns2:LastPublishErrorLookup" minOccurs="0"/>
+                <xsd:element ref="ns2:LastPublishResultLookup" minOccurs="0"/>
+                <xsd:element ref="ns2:LastPublishAttemptDateLookup" minOccurs="0"/>
+                <xsd:element ref="ns2:LastPublishedByLookup" minOccurs="0"/>
+                <xsd:element ref="ns2:LastPublishTimeLookup" minOccurs="0"/>
+                <xsd:element ref="ns2:LastPublishVersionLookup" minOccurs="0"/>
+                <xsd:element ref="ns2:TPLaunchHelpLinkType" minOccurs="0"/>
+                <xsd:element ref="ns2:LegacyData" minOccurs="0"/>
+                <xsd:element ref="ns2:TPLaunchHelpLink" minOccurs="0"/>
+                <xsd:element ref="ns2:LocComments" minOccurs="0"/>
+                <xsd:element ref="ns2:LocLastLocAttemptVersionLookup" minOccurs="0"/>
+                <xsd:element ref="ns2:LocLastLocAttemptVersionTypeLookup" minOccurs="0"/>
+                <xsd:element ref="ns2:LocManualTestRequired" minOccurs="0"/>
+                <xsd:element ref="ns2:LocMarketGroupTiers2" minOccurs="0"/>
+                <xsd:element ref="ns2:LocNewPublishedVersionLookup" minOccurs="0"/>
+                <xsd:element ref="ns2:LocOverallHandbackStatusLookup" minOccurs="0"/>
+                <xsd:element ref="ns2:LocOverallLocStatusLookup" minOccurs="0"/>
+                <xsd:element ref="ns2:LocOverallPreviewStatusLookup" minOccurs="0"/>
+                <xsd:element ref="ns2:LocOverallPublishStatusLookup" minOccurs="0"/>
+                <xsd:element ref="ns2:IntlLocPriority" minOccurs="0"/>
+                <xsd:element ref="ns2:LocProcessedForHandoffsLookup" minOccurs="0"/>
+                <xsd:element ref="ns2:LocProcessedForMarketsLookup" minOccurs="0"/>
+                <xsd:element ref="ns2:LocPublishedDependentAssetsLookup" minOccurs="0"/>
+                <xsd:element ref="ns2:LocPublishedLinkedAssetsLookup" minOccurs="0"/>
+                <xsd:element ref="ns2:LocRecommendedHandoff" minOccurs="0"/>
+                <xsd:element ref="ns2:LocalizationTagsTaxHTField0" minOccurs="0"/>
+                <xsd:element ref="ns2:MachineTranslated" minOccurs="0"/>
+                <xsd:element ref="ns2:Manager" minOccurs="0"/>
+                <xsd:element ref="ns2:Markets" minOccurs="0"/>
+                <xsd:element ref="ns2:Milestone" minOccurs="0"/>
+                <xsd:element ref="ns2:TPNamespace" minOccurs="0"/>
+                <xsd:element ref="ns2:NumericId" minOccurs="0"/>
+                <xsd:element ref="ns2:NumOfRatingsLookup" minOccurs="0"/>
+                <xsd:element ref="ns2:OOCacheId" minOccurs="0"/>
+                <xsd:element ref="ns2:OpenTemplate" minOccurs="0"/>
+                <xsd:element ref="ns2:OriginAsset" minOccurs="0"/>
+                <xsd:element ref="ns2:OriginalRelease" minOccurs="0"/>
+                <xsd:element ref="ns2:OriginalSourceMarket" minOccurs="0"/>
+                <xsd:element ref="ns2:OutputCachingOn" minOccurs="0"/>
+                <xsd:element ref="ns2:ParentAssetId" minOccurs="0"/>
+                <xsd:element ref="ns2:PlannedPubDate" minOccurs="0"/>
+                <xsd:element ref="ns2:PolicheckWords" minOccurs="0"/>
+                <xsd:element ref="ns2:BusinessGroup" minOccurs="0"/>
+                <xsd:element ref="ns2:UAProjectedTotalWords" minOccurs="0"/>
+                <xsd:element ref="ns2:Provider" minOccurs="0"/>
+                <xsd:element ref="ns2:Providers" minOccurs="0"/>
+                <xsd:element ref="ns2:PublishStatusLookup" minOccurs="0"/>
+                <xsd:element ref="ns2:PublishTargets" minOccurs="0"/>
+                <xsd:element ref="ns2:RecommendationsModifier" minOccurs="0"/>
+                <xsd:element ref="ns2:ArtSampleDocs" minOccurs="0"/>
+                <xsd:element ref="ns2:ScenarioTagsTaxHTField0" minOccurs="0"/>
+                <xsd:element ref="ns2:ShowIn" minOccurs="0"/>
+                <xsd:element ref="ns2:SourceTitle" minOccurs="0"/>
+                <xsd:element ref="ns2:CSXSubmissionDate" minOccurs="0"/>
+                <xsd:element ref="ns2:SubmitterId" minOccurs="0"/>
+                <xsd:element ref="ns2:TaxCatchAll" minOccurs="0"/>
+                <xsd:element ref="ns2:TaxCatchAllLabel" minOccurs="0"/>
+                <xsd:element ref="ns2:TemplateStatus" minOccurs="0"/>
+                <xsd:element ref="ns2:TemplateTemplateType" minOccurs="0"/>
+                <xsd:element ref="ns2:ThumbnailAssetId" minOccurs="0"/>
+                <xsd:element ref="ns2:TimesCloned" minOccurs="0"/>
+                <xsd:element ref="ns2:TrustLevel" minOccurs="0"/>
+                <xsd:element ref="ns2:UALocComments" minOccurs="0"/>
+                <xsd:element ref="ns2:UALocRecommendation" minOccurs="0"/>
+                <xsd:element ref="ns2:UANotes" minOccurs="0"/>
+                <xsd:element ref="ns2:TPAppVersion" minOccurs="0"/>
+                <xsd:element ref="ns2:VoteCount" minOccurs="0"/>
+              </xsd:all>
+            </xsd:complexType>
+          </xsd:element>
+        </xsd:sequence>
+      </xsd:complexType>
+    </xsd:element>
+  </xsd:schema>
+  <xsd:schema xmlns:xsd="http://www.w3.org/2001/XMLSchema" xmlns:xs="http://www.w3.org/2001/XMLSchema" xmlns:dms="http://schemas.microsoft.com/office/2006/documentManagement/types" xmlns:pc="http://schemas.microsoft.com/office/infopath/2007/PartnerControls" targetNamespace="4873beb7-5857-4685-be1f-d57550cc96cc" elementFormDefault="qualified">
+    <xsd:import namespace="http://schemas.microsoft.com/office/2006/documentManagement/types"/>
+    <xsd:import namespace="http://schemas.microsoft.com/office/infopath/2007/PartnerControls"/>
+    <xsd:element name="AcquiredFrom" ma:index="1" nillable="true" ma:displayName="Acquired From" ma:default="Internal MS" ma:internalName="AcquiredFrom" ma:readOnly="false">
+      <xsd:simpleType>
+        <xsd:restriction base="dms:Choice">
+          <xsd:enumeration value="Internal MS"/>
+          <xsd:enumeration value="Community"/>
+          <xsd:enumeration value="MVP"/>
+          <xsd:enumeration value="Publisher"/>
+          <xsd:enumeration value="Partner"/>
+          <xsd:enumeration value="None"/>
+        </xsd:restriction>
+      </xsd:simpleType>
+    </xsd:element>
+    <xsd:element name="UACurrentWords" ma:index="2" nillable="true" ma:displayName="Actual Word Count" ma:default="" ma:internalName="UACurrentWords" ma:readOnly="false">
+      <xsd:simpleType>
+        <xsd:restriction base="dms:Unknown"/>
+      </xsd:simpleType>
+    </xsd:element>
+    <xsd:element name="TPApplication" ma:index="3" nillable="true" ma:displayName="Application to Open Template With" ma:default="" ma:internalName="TPApplication">
+      <xsd:simpleType>
+        <xsd:restriction base="dms:Text"/>
+      </xsd:simpleType>
+    </xsd:element>
+    <xsd:element name="ApprovalLog" ma:index="4" nillable="true" ma:displayName="Approval Log" ma:default="" ma:hidden="true" ma:internalName="ApprovalLog" ma:readOnly="false">
+      <xsd:simpleType>
+        <xsd:restriction base="dms:Note"/>
+      </xsd:simpleType>
+    </xsd:element>
+    <xsd:element name="ApprovalStatus" ma:index="5" nillable="true" ma:displayName="Approval Status" ma:default="InProgress" ma:internalName="ApprovalStatus" ma:readOnly="false">
+      <xsd:simpleType>
+        <xsd:restriction base="dms:Choice">
+          <xsd:enumeration value="InProgress"/>
+          <xsd:enumeration value="Rejected"/>
+          <xsd:enumeration value="Questionable"/>
+          <xsd:enumeration value="ApprovedAutomatic"/>
+          <xsd:enumeration value="ApprovedManual"/>
+          <xsd:enumeration value="On Hold"/>
+          <xsd:enumeration value="Needs Review"/>
+          <xsd:enumeration value="A Violation"/>
+          <xsd:enumeration value="Unpublished Violation"/>
+        </xsd:restriction>
+      </xsd:simpleType>
+    </xsd:element>
+    <xsd:element name="AssetStart" ma:index="6" nillable="true" ma:displayName="Asset Begin Date" ma:default="[Today]" ma:internalName="AssetStart" ma:readOnly="false">
+      <xsd:simpleType>
+        <xsd:restriction base="dms:DateTime"/>
+      </xsd:simpleType>
+    </xsd:element>
+    <xsd:element name="AssetExpire" ma:index="7" nillable="true" ma:displayName="Asset End Date" ma:default="2029-01-01T08:00:00Z" ma:format="DateTime" ma:internalName="AssetExpire" ma:readOnly="false">
+      <xsd:simpleType>
+        <xsd:restriction base="dms:DateTime"/>
+      </xsd:simpleType>
+    </xsd:element>
+    <xsd:element name="AssetId" ma:index="8" nillable="true" ma:displayName="Asset ID" ma:default="" ma:indexed="true" ma:internalName="AssetId" ma:readOnly="false">
+      <xsd:simpleType>
+        <xsd:restriction base="dms:Text">
+          <xsd:maxLength value="255"/>
+        </xsd:restriction>
+      </xsd:simpleType>
+    </xsd:element>
+    <xsd:element name="IsSearchable" ma:index="9" nillable="true" ma:displayName="Asset Searchable?" ma:default="true" ma:internalName="IsSearchable" ma:readOnly="false">
+      <xsd:simpleType>
+        <xsd:restriction base="dms:Boolean"/>
+      </xsd:simpleType>
+    </xsd:element>
+    <xsd:element name="AssetType" ma:index="10" nillable="true" ma:displayName="Asset Type" ma:default="" ma:internalName="AssetType" ma:readOnly="false">
+      <xsd:simpleType>
+        <xsd:restriction base="dms:Unknown"/>
+      </xsd:simpleType>
+    </xsd:element>
+    <xsd:element name="APAuthor" ma:index="11" nillable="true" ma:displayName="Author" ma:default="" ma:list="UserInfo" ma:internalName="APAuthor" ma:readOnly="false">
+      <xsd:complexType>
+        <xsd:complexContent>
+          <xsd:extension base="dms:User">
+            <xsd:sequence>
+              <xsd:element name="UserInfo" minOccurs="0" maxOccurs="unbounded">
+                <xsd:complexType>
+                  <xsd:sequence>
+                    <xsd:element name="DisplayName" type="xsd:string" minOccurs="0"/>
+                    <xsd:element name="AccountId" type="dms:UserId" minOccurs="0" nillable="true"/>
+                    <xsd:element name="AccountType" type="xsd:string" minOccurs="0"/>
+                  </xsd:sequence>
+                </xsd:complexType>
+              </xsd:element>
+            </xsd:sequence>
+          </xsd:extension>
+        </xsd:complexContent>
+      </xsd:complexType>
+    </xsd:element>
+    <xsd:element name="AverageRating" ma:index="12" nillable="true" ma:displayName="Average Rating" ma:internalName="AverageRating" ma:readOnly="false">
+      <xsd:simpleType>
+        <xsd:restriction base="dms:Text"/>
+      </xsd:simpleType>
+    </xsd:element>
+    <xsd:element name="BlockPublish" ma:index="13" nillable="true" ma:displayName="Block from Publishing?" ma:default="" ma:internalName="BlockPublish" ma:readOnly="false">
+      <xsd:simpleType>
+        <xsd:restriction base="dms:Boolean"/>
+      </xsd:simpleType>
+    </xsd:element>
+    <xsd:element name="BugNumber" ma:index="14" nillable="true" ma:displayName="Bug Number" ma:default="" ma:internalName="BugNumber" ma:readOnly="false">
+      <xsd:simpleType>
+        <xsd:restriction base="dms:Text"/>
+      </xsd:simpleType>
+    </xsd:element>
+    <xsd:element name="CampaignTagsTaxHTField0" ma:index="16" nillable="true" ma:taxonomy="true" ma:internalName="CampaignTagsTaxHTField0" ma:taxonomyFieldName="CampaignTags" ma:displayName="Campaigns" ma:readOnly="false" ma:default="" ma:fieldId="{1df42cc3-2301-4f11-a52a-6ead923c29ed}" ma:taxonomyMulti="true" ma:sspId="8f79753a-75d3-41f5-8ca3-40b843941b4f" ma:termSetId="ca0e50d4-faa1-44ce-961e-bb1441c60e66" ma:anchorId="00000000-0000-0000-0000-000000000000" ma:open="false" ma:isKeyword="false">
+      <xsd:complexType>
+        <xsd:sequence>
+          <xsd:element ref="pc:Terms" minOccurs="0" maxOccurs="1"/>
+        </xsd:sequence>
+      </xsd:complexType>
+    </xsd:element>
+    <xsd:element name="TPClientViewer" ma:index="17" nillable="true" ma:displayName="Client Viewer" ma:default="" ma:internalName="TPClientViewer">
+      <xsd:simpleType>
+        <xsd:restriction base="dms:Text"/>
+      </xsd:simpleType>
+    </xsd:element>
+    <xsd:element name="ClipArtFilename" ma:index="18" nillable="true" ma:displayName="Clip Art Name" ma:default="" ma:internalName="ClipArtFilename" ma:readOnly="false">
+      <xsd:simpleType>
+        <xsd:restriction base="dms:Text"/>
+      </xsd:simpleType>
+    </xsd:element>
+    <xsd:element name="TPCommandLine" ma:index="19" nillable="true" ma:displayName="Command Line" ma:default="" ma:internalName="TPCommandLine">
+      <xsd:simpleType>
+        <xsd:restriction base="dms:Text"/>
+      </xsd:simpleType>
+    </xsd:element>
+    <xsd:element name="TPComponent" ma:index="20" nillable="true" ma:displayName="Component" ma:default="" ma:internalName="TPComponent">
+      <xsd:simpleType>
+        <xsd:restriction base="dms:Text"/>
+      </xsd:simpleType>
+    </xsd:element>
+    <xsd:element name="ContentItem" ma:index="21" nillable="true" ma:displayName="Content Item" ma:default="" ma:hidden="true" ma:internalName="ContentItem" ma:readOnly="false">
+      <xsd:simpleType>
+        <xsd:restriction base="dms:Unknown"/>
+      </xsd:simpleType>
+    </xsd:element>
+    <xsd:element name="CrawlForDependencies" ma:index="23" nillable="true" ma:displayName="Crawl for Dependencies?" ma:default="true" ma:internalName="CrawlForDependencies" ma:readOnly="false">
+      <xsd:simpleType>
+        <xsd:restriction base="dms:Boolean"/>
+      </xsd:simpleType>
+    </xsd:element>
+    <xsd:element name="CSXHash" ma:index="26" nillable="true" ma:displayName="CSX Hash" ma:default="" ma:indexed="true" ma:internalName="CSXHash" ma:readOnly="false">
+      <xsd:simpleType>
+        <xsd:restriction base="dms:Text"/>
+      </xsd:simpleType>
+    </xsd:element>
+    <xsd:element name="CSXSubmissionMarket" ma:index="27" nillable="true" ma:displayName="CSX Submission Market" ma:default="" ma:list="{2FBD1B11-2ACE-4FDC-B5A3-635D4ADF6F1B}" ma:internalName="CSXSubmissionMarket" ma:readOnly="false" ma:showField="MarketName" ma:web="4873beb7-5857-4685-be1f-d57550cc96cc">
+      <xsd:simpleType>
+        <xsd:restriction base="dms:Lookup"/>
+      </xsd:simpleType>
+    </xsd:element>
+    <xsd:element name="CSXUpdate" ma:index="28" nillable="true" ma:displayName="CSX Updated?" ma:default="false" ma:internalName="CSXUpdate" ma:readOnly="false">
+      <xsd:simpleType>
+        <xsd:restriction base="dms:Boolean"/>
+      </xsd:simpleType>
+    </xsd:element>
+    <xsd:element name="IntlLangReviewDate" ma:index="29" nillable="true" ma:displayName="Date to Complete Intl QA" ma:default="" ma:internalName="IntlLangReviewDate" ma:readOnly="false">
+      <xsd:simpleType>
+        <xsd:restriction base="dms:DateTime"/>
+      </xsd:simpleType>
+    </xsd:element>
+    <xsd:element name="IsDeleted" ma:index="30" nillable="true" ma:displayName="Deleted?" ma:default="" ma:internalName="IsDeleted" ma:readOnly="false">
+      <xsd:simpleType>
+        <xsd:restriction base="dms:Boolean"/>
+      </xsd:simpleType>
+    </xsd:element>
+    <xsd:element name="APDescription" ma:index="31" nillable="true" ma:displayName="Description" ma:default="" ma:internalName="APDescription" ma:readOnly="false">
+      <xsd:simpleType>
+        <xsd:restriction base="dms:Note"/>
+      </xsd:simpleType>
+    </xsd:element>
+    <xsd:element name="DirectSourceMarket" ma:index="32" nillable="true" ma:displayName="Direct Source Market Group" ma:default="" ma:internalName="DirectSourceMarket" ma:readOnly="false">
+      <xsd:simpleType>
+        <xsd:restriction base="dms:Text"/>
+      </xsd:simpleType>
+    </xsd:element>
+    <xsd:element name="Downloads" ma:index="33" nillable="true" ma:displayName="Downloads" ma:default="0" ma:hidden="true" ma:internalName="Downloads" ma:readOnly="false">
+      <xsd:simpleType>
+        <xsd:restriction base="dms:Unknown"/>
+      </xsd:simpleType>
+    </xsd:element>
+    <xsd:element name="DSATActionTaken" ma:index="34" nillable="true" ma:displayName="DSAT Action Taken" ma:default="" ma:internalName="DSATActionTaken" ma:readOnly="false">
+      <xsd:simpleType>
+        <xsd:restriction base="dms:Choice">
+          <xsd:enumeration value="Best Bets"/>
+          <xsd:enumeration value="Expire"/>
+          <xsd:enumeration value="Hide"/>
+          <xsd:enumeration value="None"/>
+        </xsd:restriction>
+      </xsd:simpleType>
+    </xsd:element>
+    <xsd:element name="APEditor" ma:index="35" nillable="true" ma:displayName="Editor" ma:default="" ma:list="UserInfo" ma:internalName="APEditor" ma:readOnly="false">
+      <xsd:complexType>
+        <xsd:complexContent>
+          <xsd:extension base="dms:User">
+            <xsd:sequence>
+              <xsd:element name="UserInfo" minOccurs="0" maxOccurs="unbounded">
+                <xsd:complexType>
+                  <xsd:sequence>
+                    <xsd:element name="DisplayName" type="xsd:string" minOccurs="0"/>
+                    <xsd:element name="AccountId" type="dms:UserId" minOccurs="0" nillable="true"/>
+                    <xsd:element name="AccountType" type="xsd:string" minOccurs="0"/>
+                  </xsd:sequence>
+                </xsd:complexType>
+              </xsd:element>
+            </xsd:sequence>
+          </xsd:extension>
+        </xsd:complexContent>
+      </xsd:complexType>
+    </xsd:element>
+    <xsd:element name="EditorialStatus" ma:index="36" nillable="true" ma:displayName="Editorial Status" ma:default="" ma:internalName="EditorialStatus" ma:readOnly="false">
+      <xsd:simpleType>
+        <xsd:restriction base="dms:Unknown"/>
+      </xsd:simpleType>
+    </xsd:element>
+    <xsd:element name="EditorialTags" ma:index="37" nillable="true" ma:displayName="Editorial Tags" ma:default="" ma:internalName="EditorialTags">
+      <xsd:simpleType>
+        <xsd:restriction base="dms:Unknown"/>
+      </xsd:simpleType>
+    </xsd:element>
+    <xsd:element name="TPExecutable" ma:index="38" nillable="true" ma:displayName="Executable" ma:default="" ma:internalName="TPExecutable">
+      <xsd:simpleType>
+        <xsd:restriction base="dms:Text"/>
+      </xsd:simpleType>
+    </xsd:element>
+    <xsd:element name="FeatureTagsTaxHTField0" ma:index="40" nillable="true" ma:taxonomy="true" ma:internalName="FeatureTagsTaxHTField0" ma:taxonomyFieldName="FeatureTags" ma:displayName="Features" ma:readOnly="false" ma:default="" ma:fieldId="{7fc0d542-15c6-4882-a8e3-13bca44403fb}" ma:taxonomyMulti="true" ma:sspId="8f79753a-75d3-41f5-8ca3-40b843941b4f" ma:termSetId="f1ab6845-967d-4854-a0ba-4ec07f0f8113" ma:anchorId="00000000-0000-0000-0000-000000000000" ma:open="false" ma:isKeyword="false">
+      <xsd:complexType>
+        <xsd:sequence>
+          <xsd:element ref="pc:Terms" minOccurs="0" maxOccurs="1"/>
+        </xsd:sequence>
+      </xsd:complexType>
+    </xsd:element>
+    <xsd:element name="TPFriendlyName" ma:index="41" nillable="true" ma:displayName="Friendly Name" ma:default="" ma:internalName="TPFriendlyName">
+      <xsd:simpleType>
+        <xsd:restriction base="dms:Text"/>
+      </xsd:simpleType>
+    </xsd:element>
+    <xsd:element name="FriendlyTitle" ma:index="42" nillable="true" ma:displayName="Friendly Title" ma:default="" ma:description="Shorter title to be used when displaying search results" ma:internalName="FriendlyTitle" ma:readOnly="false">
+      <xsd:simpleType>
+        <xsd:restriction base="dms:Text"/>
+      </xsd:simpleType>
+    </xsd:element>
+    <xsd:element name="PrimaryImageGen" ma:index="43" nillable="true" ma:displayName="Generate Images?" ma:default="true" ma:internalName="PrimaryImageGen">
+      <xsd:simpleType>
+        <xsd:restriction base="dms:Boolean"/>
+      </xsd:simpleType>
+    </xsd:element>
+    <xsd:element name="HandoffToMSDN" ma:index="44" nillable="true" ma:displayName="Handoff To MSDN Date" ma:default="" ma:internalName="HandoffToMSDN" ma:readOnly="false">
+      <xsd:simpleType>
+        <xsd:restriction base="dms:DateTime"/>
+      </xsd:simpleType>
+    </xsd:element>
+    <xsd:element name="InProjectListLookup" ma:index="45" nillable="true" ma:displayName="InProjectListLookup" ma:list="{9E343742-310B-4684-A24C-1D137CB4B230}" ma:internalName="InProjectListLookup" ma:readOnly="true" ma:showField="InProjectList" ma:web="4873beb7-5857-4685-be1f-d57550cc96cc">
+      <xsd:complexType>
+        <xsd:complexContent>
+          <xsd:extension base="dms:MultiChoiceLookup">
+            <xsd:sequence>
+              <xsd:element name="Value" type="dms:Lookup" maxOccurs="unbounded" minOccurs="0" nillable="true"/>
+            </xsd:sequence>
+          </xsd:extension>
+        </xsd:complexContent>
+      </xsd:complexType>
+    </xsd:element>
+    <xsd:element name="TPInstallLocation" ma:index="46" nillable="true" ma:displayName="Install Location" ma:default="" ma:internalName="TPInstallLocation">
+      <xsd:simpleType>
+        <xsd:restriction base="dms:Text"/>
+      </xsd:simpleType>
+    </xsd:element>
+    <xsd:element name="InternalTagsTaxHTField0" ma:index="48" nillable="true" ma:taxonomy="true" ma:internalName="InternalTagsTaxHTField0" ma:taxonomyFieldName="InternalTags" ma:displayName="Internal Tags" ma:readOnly="false" ma:default="" ma:fieldId="{1490b8a4-2706-41ec-b5e3-73176dccf34e}" ma:taxonomyMulti="true" ma:sspId="8f79753a-75d3-41f5-8ca3-40b843941b4f" ma:termSetId="82b6639e-f7fc-4c18-ad2d-003a6e707765" ma:anchorId="00000000-0000-0000-0000-000000000000" ma:open="false" ma:isKeyword="false">
+      <xsd:complexType>
+        <xsd:sequence>
+          <xsd:element ref="pc:Terms" minOccurs="0" maxOccurs="1"/>
+        </xsd:sequence>
+      </xsd:complexType>
+    </xsd:element>
+    <xsd:element name="IntlLangReview" ma:index="49" nillable="true" ma:displayName="Intl Lang QA Review Required?" ma:default="" ma:internalName="IntlLangReview" ma:readOnly="false">
+      <xsd:simpleType>
+        <xsd:restriction base="dms:Boolean"/>
+      </xsd:simpleType>
+    </xsd:element>
+    <xsd:element name="IntlLangReviewer" ma:index="50" nillable="true" ma:displayName="Intl Lang QA Reviewer" ma:default="" ma:internalName="IntlLangReviewer" ma:readOnly="false">
+      <xsd:simpleType>
+        <xsd:restriction base="dms:Text"/>
+      </xsd:simpleType>
+    </xsd:element>
+    <xsd:element name="MarketSpecific" ma:index="51" nillable="true" ma:displayName="Is Market Specific?" ma:default="" ma:internalName="MarketSpecific" ma:readOnly="false">
+      <xsd:simpleType>
+        <xsd:restriction base="dms:Boolean"/>
+      </xsd:simpleType>
+    </xsd:element>
+    <xsd:element name="LastCompleteVersionLookup" ma:index="52" nillable="true" ma:displayName="Last Complete Version Lookup" ma:default="" ma:list="{9E343742-310B-4684-A24C-1D137CB4B230}" ma:internalName="LastCompleteVersionLookup" ma:readOnly="true" ma:showField="LastCompleteVersion" ma:web="4873beb7-5857-4685-be1f-d57550cc96cc">
+      <xsd:complexType>
+        <xsd:complexContent>
+          <xsd:extension base="dms:MultiChoiceLookup">
+            <xsd:sequence>
+              <xsd:element name="Value" type="dms:Lookup" maxOccurs="unbounded" minOccurs="0" nillable="true"/>
+            </xsd:sequence>
+          </xsd:extension>
+        </xsd:complexContent>
+      </xsd:complexType>
+    </xsd:element>
+    <xsd:element name="LastHandOff" ma:index="53" nillable="true" ma:displayName="Last Hand-off" ma:default="" ma:internalName="LastHandOff" ma:readOnly="false">
+      <xsd:simpleType>
+        <xsd:restriction base="dms:DateTime"/>
+      </xsd:simpleType>
+    </xsd:element>
+    <xsd:element name="LastModifiedDateTime" ma:index="54" nillable="true" ma:displayName="Last Modified Date" ma:default="" ma:internalName="LastModifiedDateTime" ma:readOnly="false">
+      <xsd:simpleType>
+        <xsd:restriction base="dms:DateTime"/>
+      </xsd:simpleType>
+    </xsd:element>
+    <xsd:element name="LastPreviewErrorLookup" ma:index="55" nillable="true" ma:displayName="Last Preview Attempt Error" ma:default="" ma:list="{9E343742-310B-4684-A24C-1D137CB4B230}" ma:internalName="LastPreviewErrorLookup" ma:readOnly="true" ma:showField="LastPreviewError" ma:web="4873beb7-5857-4685-be1f-d57550cc96cc">
+      <xsd:complexType>
+        <xsd:complexContent>
+          <xsd:extension base="dms:MultiChoiceLookup">
+            <xsd:sequence>
+              <xsd:element name="Value" type="dms:Lookup" maxOccurs="unbounded" minOccurs="0" nillable="true"/>
+            </xsd:sequence>
+          </xsd:extension>
+        </xsd:complexContent>
+      </xsd:complexType>
+    </xsd:element>
+    <xsd:element name="LastPreviewResultLookup" ma:index="56" nillable="true" ma:displayName="Last Preview Attempt Result" ma:default="" ma:list="{9E343742-310B-4684-A24C-1D137CB4B230}" ma:internalName="LastPreviewResultLookup" ma:readOnly="true" ma:showField="LastPreviewResult" ma:web="4873beb7-5857-4685-be1f-d57550cc96cc">
+      <xsd:complexType>
+        <xsd:complexContent>
+          <xsd:extension base="dms:MultiChoiceLookup">
+            <xsd:sequence>
+              <xsd:element name="Value" type="dms:Lookup" maxOccurs="unbounded" minOccurs="0" nillable="true"/>
+            </xsd:sequence>
+          </xsd:extension>
+        </xsd:complexContent>
+      </xsd:complexType>
+    </xsd:element>
+    <xsd:element name="LastPreviewAttemptDateLookup" ma:index="57" nillable="true" ma:displayName="Last Preview Attempted On" ma:default="" ma:list="{9E343742-310B-4684-A24C-1D137CB4B230}" ma:internalName="LastPreviewAttemptDateLookup" ma:readOnly="true" ma:showField="LastPreviewAttemptDate" ma:web="4873beb7-5857-4685-be1f-d57550cc96cc">
+      <xsd:complexType>
+        <xsd:complexContent>
+          <xsd:extension base="dms:MultiChoiceLookup">
+            <xsd:sequence>
+              <xsd:element name="Value" type="dms:Lookup" maxOccurs="unbounded" minOccurs="0" nillable="true"/>
+            </xsd:sequence>
+          </xsd:extension>
+        </xsd:complexContent>
+      </xsd:complexType>
+    </xsd:element>
+    <xsd:element name="LastPreviewedByLookup" ma:index="58" nillable="true" ma:displayName="Last Previewed By" ma:default="" ma:list="{9E343742-310B-4684-A24C-1D137CB4B230}" ma:internalName="LastPreviewedByLookup" ma:readOnly="true" ma:showField="LastPreviewedBy" ma:web="4873beb7-5857-4685-be1f-d57550cc96cc">
+      <xsd:complexType>
+        <xsd:complexContent>
+          <xsd:extension base="dms:MultiChoiceLookup">
+            <xsd:sequence>
+              <xsd:element name="Value" type="dms:Lookup" maxOccurs="unbounded" minOccurs="0" nillable="true"/>
+            </xsd:sequence>
+          </xsd:extension>
+        </xsd:complexContent>
+      </xsd:complexType>
+    </xsd:element>
+    <xsd:element name="LastPreviewTimeLookup" ma:index="59" nillable="true" ma:displayName="Last Previewed Date" ma:default="" ma:list="{9E343742-310B-4684-A24C-1D137CB4B230}" ma:internalName="LastPreviewTimeLookup" ma:readOnly="true" ma:showField="LastPreviewTime" ma:web="4873beb7-5857-4685-be1f-d57550cc96cc">
+      <xsd:complexType>
+        <xsd:complexContent>
+          <xsd:extension base="dms:MultiChoiceLookup">
+            <xsd:sequence>
+              <xsd:element name="Value" type="dms:Lookup" maxOccurs="unbounded" minOccurs="0" nillable="true"/>
+            </xsd:sequence>
+          </xsd:extension>
+        </xsd:complexContent>
+      </xsd:complexType>
+    </xsd:element>
+    <xsd:element name="LastPreviewVersionLookup" ma:index="60" nillable="true" ma:displayName="Last Previewed Version" ma:default="" ma:list="{9E343742-310B-4684-A24C-1D137CB4B230}" ma:internalName="LastPreviewVersionLookup" ma:readOnly="true" ma:showField="LastPreviewVersion" ma:web="4873beb7-5857-4685-be1f-d57550cc96cc">
+      <xsd:complexType>
+        <xsd:complexContent>
+          <xsd:extension base="dms:MultiChoiceLookup">
+            <xsd:sequence>
+              <xsd:element name="Value" type="dms:Lookup" maxOccurs="unbounded" minOccurs="0" nillable="true"/>
+            </xsd:sequence>
+          </xsd:extension>
+        </xsd:complexContent>
+      </xsd:complexType>
+    </xsd:element>
+    <xsd:element name="LastPublishErrorLookup" ma:index="61" nillable="true" ma:displayName="Last Publish Attempt Error" ma:default="" ma:list="{9E343742-310B-4684-A24C-1D137CB4B230}" ma:internalName="LastPublishErrorLookup" ma:readOnly="true" ma:showField="LastPublishError" ma:web="4873beb7-5857-4685-be1f-d57550cc96cc">
+      <xsd:complexType>
+        <xsd:complexContent>
+          <xsd:extension base="dms:MultiChoiceLookup">
+            <xsd:sequence>
+              <xsd:element name="Value" type="dms:Lookup" maxOccurs="unbounded" minOccurs="0" nillable="true"/>
+            </xsd:sequence>
+          </xsd:extension>
+        </xsd:complexContent>
+      </xsd:complexType>
+    </xsd:element>
+    <xsd:element name="LastPublishResultLookup" ma:index="62" nillable="true" ma:displayName="Last Publish Attempt Result" ma:default="" ma:list="{9E343742-310B-4684-A24C-1D137CB4B230}" ma:internalName="LastPublishResultLookup" ma:readOnly="true" ma:showField="LastPublishResult" ma:web="4873beb7-5857-4685-be1f-d57550cc96cc">
+      <xsd:complexType>
+        <xsd:complexContent>
+          <xsd:extension base="dms:MultiChoiceLookup">
+            <xsd:sequence>
+              <xsd:element name="Value" type="dms:Lookup" maxOccurs="unbounded" minOccurs="0" nillable="true"/>
+            </xsd:sequence>
+          </xsd:extension>
+        </xsd:complexContent>
+      </xsd:complexType>
+    </xsd:element>
+    <xsd:element name="LastPublishAttemptDateLookup" ma:index="63" nillable="true" ma:displayName="Last Publish Attempted On" ma:default="" ma:list="{9E343742-310B-4684-A24C-1D137CB4B230}" ma:internalName="LastPublishAttemptDateLookup" ma:readOnly="true" ma:showField="LastPublishAttemptDate" ma:web="4873beb7-5857-4685-be1f-d57550cc96cc">
+      <xsd:complexType>
+        <xsd:complexContent>
+          <xsd:extension base="dms:MultiChoiceLookup">
+            <xsd:sequence>
+              <xsd:element name="Value" type="dms:Lookup" maxOccurs="unbounded" minOccurs="0" nillable="true"/>
+            </xsd:sequence>
+          </xsd:extension>
+        </xsd:complexContent>
+      </xsd:complexType>
+    </xsd:element>
+    <xsd:element name="LastPublishedByLookup" ma:index="64" nillable="true" ma:displayName="Last Published By" ma:default="" ma:list="{9E343742-310B-4684-A24C-1D137CB4B230}" ma:internalName="LastPublishedByLookup" ma:readOnly="true" ma:showField="LastPublishedBy" ma:web="4873beb7-5857-4685-be1f-d57550cc96cc">
+      <xsd:complexType>
+        <xsd:complexContent>
+          <xsd:extension base="dms:MultiChoiceLookup">
+            <xsd:sequence>
+              <xsd:element name="Value" type="dms:Lookup" maxOccurs="unbounded" minOccurs="0" nillable="true"/>
+            </xsd:sequence>
+          </xsd:extension>
+        </xsd:complexContent>
+      </xsd:complexType>
+    </xsd:element>
+    <xsd:element name="LastPublishTimeLookup" ma:index="65" nillable="true" ma:displayName="Last Published Date" ma:default="" ma:list="{9E343742-310B-4684-A24C-1D137CB4B230}" ma:internalName="LastPublishTimeLookup" ma:readOnly="true" ma:showField="LastPublishTime" ma:web="4873beb7-5857-4685-be1f-d57550cc96cc">
+      <xsd:complexType>
+        <xsd:complexContent>
+          <xsd:extension base="dms:MultiChoiceLookup">
+            <xsd:sequence>
+              <xsd:element name="Value" type="dms:Lookup" maxOccurs="unbounded" minOccurs="0" nillable="true"/>
+            </xsd:sequence>
+          </xsd:extension>
+        </xsd:complexContent>
+      </xsd:complexType>
+    </xsd:element>
+    <xsd:element name="LastPublishVersionLookup" ma:index="66" nillable="true" ma:displayName="Last Published Version" ma:default="" ma:list="{9E343742-310B-4684-A24C-1D137CB4B230}" ma:internalName="LastPublishVersionLookup" ma:readOnly="true" ma:showField="LastPublishVersion" ma:web="4873beb7-5857-4685-be1f-d57550cc96cc">
+      <xsd:complexType>
+        <xsd:complexContent>
+          <xsd:extension base="dms:MultiChoiceLookup">
+            <xsd:sequence>
+              <xsd:element name="Value" type="dms:Lookup" maxOccurs="unbounded" minOccurs="0" nillable="true"/>
+            </xsd:sequence>
+          </xsd:extension>
+        </xsd:complexContent>
+      </xsd:complexType>
+    </xsd:element>
+    <xsd:element name="TPLaunchHelpLinkType" ma:index="67" nillable="true" ma:displayName="Launch Help Link Type" ma:default="Template" ma:internalName="TPLaunchHelpLinkType">
+      <xsd:simpleType>
+        <xsd:restriction base="dms:Choice">
+          <xsd:enumeration value="Template"/>
+          <xsd:enumeration value="Training"/>
+          <xsd:enumeration value="URL"/>
+          <xsd:enumeration value="None"/>
+        </xsd:restriction>
+      </xsd:simpleType>
+    </xsd:element>
+    <xsd:element name="LegacyData" ma:index="68" nillable="true" ma:displayName="Legacy Data" ma:default="" ma:internalName="LegacyData" ma:readOnly="false">
+      <xsd:simpleType>
+        <xsd:restriction base="dms:Note"/>
+      </xsd:simpleType>
+    </xsd:element>
+    <xsd:element name="TPLaunchHelpLink" ma:index="69" nillable="true" ma:displayName="Link to Launch Help Topic" ma:default="" ma:internalName="TPLaunchHelpLink">
+      <xsd:simpleType>
+        <xsd:restriction base="dms:Text"/>
+      </xsd:simpleType>
+    </xsd:element>
+    <xsd:element name="LocComments" ma:index="70" nillable="true" ma:displayName="Loc Approval Comments" ma:default="" ma:internalName="LocComments" ma:readOnly="false">
+      <xsd:simpleType>
+        <xsd:restriction base="dms:Note"/>
+      </xsd:simpleType>
+    </xsd:element>
+    <xsd:element name="LocLastLocAttemptVersionLookup" ma:index="71" nillable="true" ma:displayName="Loc Last Loc Attempt Version" ma:default="" ma:list="{7DD1DCEC-E449-43D3-891F-7DC62F62AD21}" ma:internalName="LocLastLocAttemptVersionLookup" ma:readOnly="false" ma:showField="LastLocAttemptVersion" ma:web="4873beb7-5857-4685-be1f-d57550cc96cc">
+      <xsd:simpleType>
+        <xsd:restriction base="dms:Lookup"/>
+      </xsd:simpleType>
+    </xsd:element>
+    <xsd:element name="LocLastLocAttemptVersionTypeLookup" ma:index="72" nillable="true" ma:displayName="Loc Last Loc Attempt Version Type" ma:default="" ma:list="{7DD1DCEC-E449-43D3-891F-7DC62F62AD21}" ma:internalName="LocLastLocAttemptVersionTypeLookup" ma:readOnly="true" ma:showField="LastLocAttemptVersionType" ma:web="4873beb7-5857-4685-be1f-d57550cc96cc">
+      <xsd:simpleType>
+        <xsd:restriction base="dms:Lookup"/>
+      </xsd:simpleType>
+    </xsd:element>
+    <xsd:element name="LocManualTestRequired" ma:index="73" nillable="true" ma:displayName="Loc Manual Test Required" ma:default="" ma:internalName="LocManualTestRequired" ma:readOnly="false">
+      <xsd:simpleType>
+        <xsd:restriction base="dms:Boolean"/>
+      </xsd:simpleType>
+    </xsd:element>
+    <xsd:element name="LocMarketGroupTiers2" ma:index="74" nillable="true" ma:displayName="Loc Market Group Tiers" ma:internalName="LocMarketGroupTiers2" ma:readOnly="false">
+      <xsd:simpleType>
+        <xsd:restriction base="dms:Unknown"/>
+      </xsd:simpleType>
+    </xsd:element>
+    <xsd:element name="LocNewPublishedVersionLookup" ma:index="75" nillable="true" ma:displayName="Loc New Published Version Lookup" ma:default="" ma:list="{7DD1DCEC-E449-43D3-891F-7DC62F62AD21}" ma:internalName="LocNewPublishedVersionLookup" ma:readOnly="true" ma:showField="NewPublishedVersion" ma:web="4873beb7-5857-4685-be1f-d57550cc96cc">
+      <xsd:simpleType>
+        <xsd:restriction base="dms:Lookup"/>
+      </xsd:simpleType>
+    </xsd:element>
+    <xsd:element name="LocOverallHandbackStatusLookup" ma:index="76" nillable="true" ma:displayName="Loc Overall Handback Status" ma:default="" ma:list="{7DD1DCEC-E449-43D3-891F-7DC62F62AD21}" ma:internalName="LocOverallHandbackStatusLookup" ma:readOnly="true" ma:showField="OverallHandbackStatus" ma:web="4873beb7-5857-4685-be1f-d57550cc96cc">
+      <xsd:simpleType>
+        <xsd:restriction base="dms:Lookup"/>
+      </xsd:simpleType>
+    </xsd:element>
+    <xsd:element name="LocOverallLocStatusLookup" ma:index="77" nillable="true" ma:displayName="Loc Overall Localize Status" ma:default="" ma:list="{7DD1DCEC-E449-43D3-891F-7DC62F62AD21}" ma:internalName="LocOverallLocStatusLookup" ma:readOnly="true" ma:showField="OverallLocStatus" ma:web="4873beb7-5857-4685-be1f-d57550cc96cc">
+      <xsd:simpleType>
+        <xsd:restriction base="dms:Lookup"/>
+      </xsd:simpleType>
+    </xsd:element>
+    <xsd:element name="LocOverallPreviewStatusLookup" ma:index="78" nillable="true" ma:displayName="Loc Overall Preview Status" ma:default="" ma:list="{7DD1DCEC-E449-43D3-891F-7DC62F62AD21}" ma:internalName="LocOverallPreviewStatusLookup" ma:readOnly="true" ma:showField="OverallPreviewStatus" ma:web="4873beb7-5857-4685-be1f-d57550cc96cc">
+      <xsd:simpleType>
+        <xsd:restriction base="dms:Lookup"/>
+      </xsd:simpleType>
+    </xsd:element>
+    <xsd:element name="LocOverallPublishStatusLookup" ma:index="79" nillable="true" ma:displayName="Loc Overall Publish Status" ma:default="" ma:list="{7DD1DCEC-E449-43D3-891F-7DC62F62AD21}" ma:internalName="LocOverallPublishStatusLookup" ma:readOnly="true" ma:showField="OverallPublishStatus" ma:web="4873beb7-5857-4685-be1f-d57550cc96cc">
+      <xsd:simpleType>
+        <xsd:restriction base="dms:Lookup"/>
+      </xsd:simpleType>
+    </xsd:element>
+    <xsd:element name="IntlLocPriority" ma:index="80" nillable="true" ma:displayName="Loc Priority" ma:default="" ma:internalName="IntlLocPriority" ma:readOnly="false">
+      <xsd:simpleType>
+        <xsd:restriction base="dms:Unknown"/>
+      </xsd:simpleType>
+    </xsd:element>
+    <xsd:element name="LocProcessedForHandoffsLookup" ma:index="81" nillable="true" ma:displayName="Loc Processed For Handoffs" ma:default="" ma:list="{7DD1DCEC-E449-43D3-891F-7DC62F62AD21}" ma:internalName="LocProcessedForHandoffsLookup" ma:readOnly="true" ma:showField="ProcessedForHandoffs" ma:web="4873beb7-5857-4685-be1f-d57550cc96cc">
+      <xsd:simpleType>
+        <xsd:restriction base="dms:Lookup"/>
+      </xsd:simpleType>
+    </xsd:element>
+    <xsd:element name="LocProcessedForMarketsLookup" ma:index="82" nillable="true" ma:displayName="Loc Processed For Markets" ma:default="" ma:list="{7DD1DCEC-E449-43D3-891F-7DC62F62AD21}" ma:internalName="LocProcessedForMarketsLookup" ma:readOnly="true" ma:showField="ProcessedForMarkets" ma:web="4873beb7-5857-4685-be1f-d57550cc96cc">
+      <xsd:simpleType>
+        <xsd:restriction base="dms:Lookup"/>
+      </xsd:simpleType>
+    </xsd:element>
+    <xsd:element name="LocPublishedDependentAssetsLookup" ma:index="83" nillable="true" ma:displayName="Loc Published Dependent Assets" ma:default="" ma:list="{7DD1DCEC-E449-43D3-891F-7DC62F62AD21}" ma:internalName="LocPublishedDependentAssetsLookup" ma:readOnly="true" ma:showField="PublishedDependentAssets" ma:web="4873beb7-5857-4685-be1f-d57550cc96cc">
+      <xsd:simpleType>
+        <xsd:restriction base="dms:Lookup"/>
+      </xsd:simpleType>
+    </xsd:element>
+    <xsd:element name="LocPublishedLinkedAssetsLookup" ma:index="84" nillable="true" ma:displayName="Loc Published Linked Assets" ma:default="" ma:list="{7DD1DCEC-E449-43D3-891F-7DC62F62AD21}" ma:internalName="LocPublishedLinkedAssetsLookup" ma:readOnly="true" ma:showField="PublishedLinkedAssets" ma:web="4873beb7-5857-4685-be1f-d57550cc96cc">
+      <xsd:simpleType>
+        <xsd:restriction base="dms:Lookup"/>
+      </xsd:simpleType>
+    </xsd:element>
+    <xsd:element name="LocRecommendedHandoff" ma:index="85" nillable="true" ma:displayName="Loc Recommended Handoff" ma:default="" ma:indexed="true" ma:internalName="LocRecommendedHandoff" ma:readOnly="false">
+      <xsd:simpleType>
+        <xsd:restriction base="dms:Text"/>
+      </xsd:simpleType>
+    </xsd:element>
+    <xsd:element name="LocalizationTagsTaxHTField0" ma:index="87" nillable="true" ma:taxonomy="true" ma:internalName="LocalizationTagsTaxHTField0" ma:taxonomyFieldName="LocalizationTags" ma:displayName="Localization Tags" ma:readOnly="false" ma:default="" ma:fieldId="{00f02cb3-2c7c-424a-9c61-10e9b6878429}" ma:taxonomyMulti="true" ma:sspId="8f79753a-75d3-41f5-8ca3-40b843941b4f" ma:termSetId="5b7703a5-8e8b-4b58-8b31-1cea35331da3" ma:anchorId="00000000-0000-0000-0000-000000000000" ma:open="false" ma:isKeyword="false">
+      <xsd:complexType>
+        <xsd:sequence>
+          <xsd:element ref="pc:Terms" minOccurs="0" maxOccurs="1"/>
+        </xsd:sequence>
+      </xsd:complexType>
+    </xsd:element>
+    <xsd:element name="MachineTranslated" ma:index="88" nillable="true" ma:displayName="Machine Translated" ma:default="" ma:internalName="MachineTranslated" ma:readOnly="false">
+      <xsd:simpleType>
+        <xsd:restriction base="dms:Boolean"/>
+      </xsd:simpleType>
+    </xsd:element>
+    <xsd:element name="Manager" ma:index="89" nillable="true" ma:displayName="Manager" ma:hidden="true" ma:internalName="Manager" ma:readOnly="false">
+      <xsd:simpleType>
+        <xsd:restriction base="dms:Text"/>
+      </xsd:simpleType>
+    </xsd:element>
+    <xsd:element name="Markets" ma:index="90" nillable="true" ma:displayName="Markets" ma:default="" ma:description="Leave blank to show in all markets" ma:list="{2FBD1B11-2ACE-4FDC-B5A3-635D4ADF6F1B}" ma:internalName="Markets" ma:readOnly="false" ma:showField="MarketName" ma:web="4873beb7-5857-4685-be1f-d57550cc96cc">
+      <xsd:complexType>
+        <xsd:complexContent>
+          <xsd:extension base="dms:MultiChoiceLookup">
+            <xsd:sequence>
+              <xsd:element name="Value" type="dms:Lookup" maxOccurs="unbounded" minOccurs="0" nillable="true"/>
+            </xsd:sequence>
+          </xsd:extension>
+        </xsd:complexContent>
+      </xsd:complexType>
+    </xsd:element>
+    <xsd:element name="Milestone" ma:index="91" nillable="true" ma:displayName="Milestone" ma:default="" ma:internalName="Milestone" ma:readOnly="false">
+      <xsd:simpleType>
+        <xsd:restriction base="dms:Unknown"/>
+      </xsd:simpleType>
+    </xsd:element>
+    <xsd:element name="TPNamespace" ma:index="94" nillable="true" ma:displayName="Namespace" ma:default="" ma:internalName="TPNamespace">
+      <xsd:simpleType>
+        <xsd:restriction base="dms:Text"/>
+      </xsd:simpleType>
+    </xsd:element>
+    <xsd:element name="NumericId" ma:index="95" nillable="true" ma:displayName="Numeric ID" ma:default="" ma:indexed="true" ma:internalName="NumericId" ma:readOnly="false">
+      <xsd:simpleType>
+        <xsd:restriction base="dms:Number"/>
+      </xsd:simpleType>
+    </xsd:element>
+    <xsd:element name="NumOfRatingsLookup" ma:index="96" nillable="true" ma:displayName="NumOfRatings" ma:default="" ma:list="{9E343742-310B-4684-A24C-1D137CB4B230}" ma:internalName="NumOfRatingsLookup" ma:readOnly="true" ma:showField="NumOfRatings" ma:web="4873beb7-5857-4685-be1f-d57550cc96cc">
+      <xsd:complexType>
+        <xsd:complexContent>
+          <xsd:extension base="dms:MultiChoiceLookup">
+            <xsd:sequence>
+              <xsd:element name="Value" type="dms:Lookup" maxOccurs="unbounded" minOccurs="0" nillable="true"/>
+            </xsd:sequence>
+          </xsd:extension>
+        </xsd:complexContent>
+      </xsd:complexType>
+    </xsd:element>
+    <xsd:element name="OOCacheId" ma:index="97" nillable="true" ma:displayName="OOCacheId" ma:internalName="OOCacheId" ma:readOnly="false">
+      <xsd:simpleType>
+        <xsd:restriction base="dms:Text"/>
+      </xsd:simpleType>
+    </xsd:element>
+    <xsd:element name="OpenTemplate" ma:index="98" nillable="true" ma:displayName="Open Template" ma:default="true" ma:internalName="OpenTemplate">
+      <xsd:simpleType>
+        <xsd:restriction base="dms:Boolean"/>
+      </xsd:simpleType>
+    </xsd:element>
+    <xsd:element name="OriginAsset" ma:index="99" nillable="true" ma:displayName="Origin Asset" ma:default="" ma:internalName="OriginAsset" ma:readOnly="false">
+      <xsd:simpleType>
+        <xsd:restriction base="dms:Text"/>
+      </xsd:simpleType>
+    </xsd:element>
+    <xsd:element name="OriginalRelease" ma:index="100" nillable="true" ma:displayName="Original Release" ma:default="15" ma:internalName="OriginalRelease" ma:readOnly="false">
+      <xsd:simpleType>
+        <xsd:restriction base="dms:Choice">
+          <xsd:enumeration value="14"/>
+          <xsd:enumeration value="15"/>
+          <xsd:enumeration value="16"/>
+        </xsd:restriction>
+      </xsd:simpleType>
+    </xsd:element>
+    <xsd:element name="OriginalSourceMarket" ma:index="101" nillable="true" ma:displayName="Original Source Market Group" ma:default="" ma:internalName="OriginalSourceMarket" ma:readOnly="false">
+      <xsd:simpleType>
+        <xsd:restriction base="dms:Text"/>
+      </xsd:simpleType>
+    </xsd:element>
+    <xsd:element name="OutputCachingOn" ma:index="102" nillable="true" ma:displayName="Output Caching" ma:default="true" ma:hidden="true" ma:internalName="OutputCachingOn" ma:readOnly="false">
+      <xsd:simpleType>
+        <xsd:restriction base="dms:Boolean"/>
+      </xsd:simpleType>
+    </xsd:element>
+    <xsd:element name="ParentAssetId" ma:index="103" nillable="true" ma:displayName="Parent Asset Id" ma:default="" ma:internalName="ParentAssetId" ma:readOnly="false">
+      <xsd:simpleType>
+        <xsd:restriction base="dms:Text"/>
+      </xsd:simpleType>
+    </xsd:element>
+    <xsd:element name="PlannedPubDate" ma:index="104" nillable="true" ma:displayName="Planned Publish Date" ma:default="" ma:indexed="true" ma:internalName="PlannedPubDate" ma:readOnly="false">
+      <xsd:simpleType>
+        <xsd:restriction base="dms:DateTime"/>
+      </xsd:simpleType>
+    </xsd:element>
+    <xsd:element name="PolicheckWords" ma:index="105" nillable="true" ma:displayName="Policheck Words" ma:default="" ma:internalName="PolicheckWords" ma:readOnly="false">
+      <xsd:simpleType>
+        <xsd:restriction base="dms:Text"/>
+      </xsd:simpleType>
+    </xsd:element>
+    <xsd:element name="BusinessGroup" ma:index="106" nillable="true" ma:displayName="Product Division Owner" ma:default="" ma:internalName="BusinessGroup" ma:readOnly="false">
+      <xsd:simpleType>
+        <xsd:restriction base="dms:Unknown"/>
+      </xsd:simpleType>
+    </xsd:element>
+    <xsd:element name="UAProjectedTotalWords" ma:index="107" nillable="true" ma:displayName="Projected Word Count" ma:default="" ma:internalName="UAProjectedTotalWords" ma:readOnly="false">
+      <xsd:simpleType>
+        <xsd:restriction base="dms:Unknown"/>
+      </xsd:simpleType>
+    </xsd:element>
+    <xsd:element name="Provider" ma:index="108" nillable="true" ma:displayName="Provider" ma:default="" ma:internalName="Provider" ma:readOnly="false">
+      <xsd:simpleType>
+        <xsd:restriction base="dms:Unknown"/>
+      </xsd:simpleType>
+    </xsd:element>
+    <xsd:element name="Providers" ma:index="109" nillable="true" ma:displayName="Providers" ma:default="" ma:internalName="Providers">
+      <xsd:simpleType>
+        <xsd:restriction base="dms:Unknown"/>
+      </xsd:simpleType>
+    </xsd:element>
+    <xsd:element name="PublishStatusLookup" ma:index="110" nillable="true" ma:displayName="Publish Status" ma:default="" ma:list="{9E343742-310B-4684-A24C-1D137CB4B230}" ma:internalName="PublishStatusLookup" ma:readOnly="false" ma:showField="PublishStatus" ma:web="4873beb7-5857-4685-be1f-d57550cc96cc">
+      <xsd:complexType>
+        <xsd:complexContent>
+          <xsd:extension base="dms:MultiChoiceLookup">
+            <xsd:sequence>
+              <xsd:element name="Value" type="dms:Lookup" maxOccurs="unbounded" minOccurs="0" nillable="true"/>
+            </xsd:sequence>
+          </xsd:extension>
+        </xsd:complexContent>
+      </xsd:complexType>
+    </xsd:element>
+    <xsd:element name="PublishTargets" ma:index="111" nillable="true" ma:displayName="Publish Target" ma:default="OfficeOnlineVNext" ma:internalName="PublishTargets" ma:readOnly="false">
+      <xsd:simpleType>
+        <xsd:restriction base="dms:Unknown"/>
+      </xsd:simpleType>
+    </xsd:element>
+    <xsd:element name="RecommendationsModifier" ma:index="112" nillable="true" ma:displayName="Recommendations Modifier" ma:default="" ma:internalName="RecommendationsModifier" ma:readOnly="false">
+      <xsd:simpleType>
+        <xsd:restriction base="dms:Number"/>
+      </xsd:simpleType>
+    </xsd:element>
+    <xsd:element name="ArtSampleDocs" ma:index="113" nillable="true" ma:displayName="Sample Docs" ma:default="" ma:hidden="true" ma:internalName="ArtSampleDocs" ma:readOnly="false">
+      <xsd:simpleType>
+        <xsd:restriction base="dms:Text"/>
+      </xsd:simpleType>
+    </xsd:element>
+    <xsd:element name="ScenarioTagsTaxHTField0" ma:index="115" nillable="true" ma:taxonomy="true" ma:internalName="ScenarioTagsTaxHTField0" ma:taxonomyFieldName="ScenarioTags" ma:displayName="Scenarios" ma:readOnly="false" ma:default="" ma:fieldId="{93aef74d-6c78-4815-8310-51477dceeccc}" ma:taxonomyMulti="true" ma:sspId="8f79753a-75d3-41f5-8ca3-40b843941b4f" ma:termSetId="4b7d5f16-e2f2-4fc0-bab3-6e8b931e57d6" ma:anchorId="00000000-0000-0000-0000-000000000000" ma:open="false" ma:isKeyword="false">
+      <xsd:complexType>
+        <xsd:sequence>
+          <xsd:element ref="pc:Terms" minOccurs="0" maxOccurs="1"/>
+        </xsd:sequence>
+      </xsd:complexType>
+    </xsd:element>
+    <xsd:element name="ShowIn" ma:index="117" nillable="true" ma:displayName="Show In" ma:default="Show everywhere" ma:internalName="ShowIn" ma:readOnly="false">
+      <xsd:simpleType>
+        <xsd:restriction base="dms:Choice">
+          <xsd:enumeration value="Hide on web"/>
+          <xsd:enumeration value="On Web no search"/>
+          <xsd:enumeration value="Show everywhere"/>
+          <xsd:enumeration value="Special use only"/>
+        </xsd:restriction>
+      </xsd:simpleType>
+    </xsd:element>
+    <xsd:element name="SourceTitle" ma:index="118" nillable="true" ma:displayName="Source Title" ma:default="" ma:indexed="true" ma:internalName="SourceTitle" ma:readOnly="false">
+      <xsd:simpleType>
+        <xsd:restriction base="dms:Text"/>
+      </xsd:simpleType>
+    </xsd:element>
+    <xsd:element name="CSXSubmissionDate" ma:index="119" nillable="true" ma:displayName="Submission Date" ma:default="" ma:internalName="CSXSubmissionDate" ma:readOnly="false">
+      <xsd:simpleType>
+        <xsd:restriction base="dms:DateTime"/>
+      </xsd:simpleType>
+    </xsd:element>
+    <xsd:element name="SubmitterId" ma:index="120" nillable="true" ma:displayName="Submitter ID" ma:default="" ma:internalName="SubmitterId" ma:readOnly="false">
+      <xsd:simpleType>
+        <xsd:restriction base="dms:Text"/>
+      </xsd:simpleType>
+    </xsd:element>
+    <xsd:element name="TaxCatchAll" ma:index="121" nillable="true" ma:displayName="Taxonomy Catch All Column" ma:hidden="true" ma:list="{530f955b-6704-4601-bd83-f81d87f1e440}" ma:internalName="TaxCatchAll" ma:showField="CatchAllData" ma:web="4873beb7-5857-4685-be1f-d57550cc96cc">
+      <xsd:complexType>
+        <xsd:complexContent>
+          <xsd:extension base="dms:MultiChoiceLookup">
+            <xsd:sequence>
+              <xsd:element name="Value" type="dms:Lookup" maxOccurs="unbounded" minOccurs="0" nillable="true"/>
+            </xsd:sequence>
+          </xsd:extension>
+        </xsd:complexContent>
+      </xsd:complexType>
+    </xsd:element>
+    <xsd:element name="TaxCatchAllLabel" ma:index="122" nillable="true" ma:displayName="Taxonomy Catch All Column1" ma:hidden="true" ma:list="{530f955b-6704-4601-bd83-f81d87f1e440}" ma:internalName="TaxCatchAllLabel" ma:readOnly="true" ma:showField="CatchAllDataLabel" ma:web="4873beb7-5857-4685-be1f-d57550cc96cc">
+      <xsd:complexType>
+        <xsd:complexContent>
+          <xsd:extension base="dms:MultiChoiceLookup">
+            <xsd:sequence>
+              <xsd:element name="Value" type="dms:Lookup" maxOccurs="unbounded" minOccurs="0" nillable="true"/>
+            </xsd:sequence>
+          </xsd:extension>
+        </xsd:complexContent>
+      </xsd:complexType>
+    </xsd:element>
+    <xsd:element name="TemplateStatus" ma:index="123" nillable="true" ma:displayName="Template Status" ma:default="" ma:internalName="TemplateStatus">
+      <xsd:simpleType>
+        <xsd:restriction base="dms:Unknown"/>
+      </xsd:simpleType>
+    </xsd:element>
+    <xsd:element name="TemplateTemplateType" ma:index="124" nillable="true" ma:displayName="Template Type" ma:default="" ma:internalName="TemplateTemplateType">
+      <xsd:simpleType>
+        <xsd:restriction base="dms:Unknown"/>
+      </xsd:simpleType>
+    </xsd:element>
+    <xsd:element name="ThumbnailAssetId" ma:index="125" nillable="true" ma:displayName="Thumbnail Image Asset" ma:default="" ma:internalName="ThumbnailAssetId" ma:readOnly="false">
+      <xsd:simpleType>
+        <xsd:restriction base="dms:Text"/>
+      </xsd:simpleType>
+    </xsd:element>
+    <xsd:element name="TimesCloned" ma:index="126" nillable="true" ma:displayName="Times Cloned" ma:default="" ma:internalName="TimesCloned" ma:readOnly="false">
+      <xsd:simpleType>
+        <xsd:restriction base="dms:Number"/>
+      </xsd:simpleType>
+    </xsd:element>
+    <xsd:element name="TrustLevel" ma:index="128" nillable="true" ma:displayName="Trust Level" ma:default="1 Microsoft Managed Content" ma:internalName="TrustLevel" ma:readOnly="false">
+      <xsd:simpleType>
+        <xsd:restriction base="dms:Unknown"/>
+      </xsd:simpleType>
+    </xsd:element>
+    <xsd:element name="UALocComments" ma:index="129" nillable="true" ma:displayName="UA Loc Comments" ma:default="" ma:internalName="UALocComments" ma:readOnly="false">
+      <xsd:simpleType>
+        <xsd:restriction base="dms:Note"/>
+      </xsd:simpleType>
+    </xsd:element>
+    <xsd:element name="UALocRecommendation" ma:index="130" nillable="true" ma:displayName="UA Loc Recommendation" ma:default="Localize" ma:internalName="UALocRecommendation" ma:readOnly="false">
+      <xsd:simpleType>
+        <xsd:restriction base="dms:Choice">
+          <xsd:enumeration value="Localize"/>
+          <xsd:enumeration value="Never Localize"/>
+          <xsd:enumeration value="Priority Localize"/>
+        </xsd:restriction>
+      </xsd:simpleType>
+    </xsd:element>
+    <xsd:element name="UANotes" ma:index="131" nillable="true" ma:displayName="UA Notes" ma:default="" ma:internalName="UANotes" ma:readOnly="false">
+      <xsd:simpleType>
+        <xsd:restriction base="dms:Note"/>
+      </xsd:simpleType>
+    </xsd:element>
+    <xsd:element name="TPAppVersion" ma:index="132" nillable="true" ma:displayName="Version" ma:default="" ma:internalName="TPAppVersion">
+      <xsd:simpleType>
+        <xsd:restriction base="dms:Text"/>
+      </xsd:simpleType>
+    </xsd:element>
+    <xsd:element name="VoteCount" ma:index="133" nillable="true" ma:displayName="Vote Count" ma:default="" ma:internalName="VoteCount" ma:readOnly="false">
+      <xsd:simpleType>
+        <xsd:restriction base="dms:Unknown"/>
+      </xsd:simpleType>
+    </xsd:element>
+  </xsd:schema>
+  <xsd:schema xmlns="http://schemas.openxmlformats.org/package/2006/metadata/core-properties" xmlns:xsd="http://www.w3.org/2001/XMLSchema" xmlns:xsi="http://www.w3.org/2001/XMLSchema-instance" xmlns:dc="http://purl.org/dc/elements/1.1/" xmlns:dcterms="http://purl.org/dc/terms/" xmlns:odoc="http://schemas.microsoft.com/internal/obd" targetNamespace="http://schemas.openxmlformats.org/package/2006/metadata/core-properties" elementFormDefault="qualified" attributeFormDefault="unqualified" blockDefault="#all">
+    <xsd:import namespace="http://purl.org/dc/elements/1.1/" schemaLocation="http://dublincore.org/schemas/xmls/qdc/2003/04/02/dc.xsd"/>
+    <xsd:import namespace="http://purl.org/dc/terms/" schemaLocation="http://dublincore.org/schemas/xmls/qdc/2003/04/02/dcterms.xsd"/>
+    <xsd:element name="coreProperties" type="CT_coreProperties"/>
+    <xsd:complexType name="CT_coreProperties">
+      <xsd:all>
+        <xsd:element ref="dc:creator" minOccurs="0" maxOccurs="1"/>
+        <xsd:element ref="dcterms:created" minOccurs="0" maxOccurs="1"/>
+        <xsd:element ref="dc:identifier" minOccurs="0" maxOccurs="1"/>
+        <xsd:element name="contentType" minOccurs="0" maxOccurs="1" type="xsd:string" ma:index="22" ma:displayName="Content Type"/>
+        <xsd:element ref="dc:title" minOccurs="0" maxOccurs="1" ma:index="127" ma:displayName="Title"/>
+        <xsd:element ref="dc:subject" minOccurs="0" maxOccurs="1"/>
+        <xsd:element ref="dc:description" minOccurs="0" maxOccurs="1"/>
+        <xsd:element name="keywords" minOccurs="0" maxOccurs="1" type="xsd:string"/>
+        <xsd:element ref="dc:language" minOccurs="0" maxOccurs="1"/>
+        <xsd:element name="category" minOccurs="0" maxOccurs="1" type="xsd:string"/>
+        <xsd:element name="version" minOccurs="0" maxOccurs="1" type="xsd:string"/>
+        <xsd:element name="revision" minOccurs="0" maxOccurs="1" type="xsd:string">
+          <xsd:annotation>
+            <xsd:documentation>
+                        This value indicates the number of saves or revisions. The application is responsible for updating this value after each revision.
+                    </xsd:documentation>
+          </xsd:annotation>
+        </xsd:element>
+        <xsd:element name="lastModifiedBy" minOccurs="0" maxOccurs="1" type="xsd:string"/>
+        <xsd:element ref="dcterms:modified" minOccurs="0" maxOccurs="1"/>
+        <xsd:element name="contentStatus" minOccurs="0" maxOccurs="1" type="xsd:string"/>
+      </xsd:all>
+    </xsd:complexType>
+  </xsd:schema>
+  <xs:schema xmlns:pc="http://schemas.microsoft.com/office/infopath/2007/PartnerControls" xmlns:xs="http://www.w3.org/2001/XMLSchema" targetNamespace="http://schemas.microsoft.com/office/infopath/2007/PartnerControls" elementFormDefault="qualified" attributeFormDefault="unqualified">
+    <xs:element name="Person">
+      <xs:complexType>
+        <xs:sequence>
+          <xs:element ref="pc:DisplayName" minOccurs="0"/>
+          <xs:element ref="pc:AccountId" minOccurs="0"/>
+          <xs:element ref="pc:AccountType" minOccurs="0"/>
+        </xs:sequence>
+      </xs:complexType>
+    </xs:element>
+    <xs:element name="DisplayName" type="xs:string"/>
+    <xs:element name="AccountId" type="xs:string"/>
+    <xs:element name="AccountType" type="xs:string"/>
+    <xs:element name="BDCAssociatedEntity">
+      <xs:complexType>
+        <xs:sequence>
+          <xs:element ref="pc:BDCEntity" minOccurs="0" maxOccurs="unbounded"/>
+        </xs:sequence>
+        <xs:attribute ref="pc:EntityNamespace"/>
+        <xs:attribute ref="pc:EntityName"/>
+        <xs:attribute ref="pc:SystemInstanceName"/>
+        <xs:attribute ref="pc:AssociationName"/>
+      </xs:complexType>
+    </xs:element>
+    <xs:attribute name="EntityNamespace" type="xs:string"/>
+    <xs:attribute name="EntityName" type="xs:string"/>
+    <xs:attribute name="SystemInstanceName" type="xs:string"/>
+    <xs:attribute name="AssociationName" type="xs:string"/>
+    <xs:element name="BDCEntity">
+      <xs:complexType>
+        <xs:sequence>
+          <xs:element ref="pc:EntityDisplayName" minOccurs="0"/>
+          <xs:element ref="pc:EntityInstanceReference" minOccurs="0"/>
+          <xs:element ref="pc:EntityId1" minOccurs="0"/>
+          <xs:element ref="pc:EntityId2" minOccurs="0"/>
+          <xs:element ref="pc:EntityId3" minOccurs="0"/>
+          <xs:element ref="pc:EntityId4" minOccurs="0"/>
+          <xs:element ref="pc:EntityId5" minOccurs="0"/>
+        </xs:sequence>
+      </xs:complexType>
+    </xs:element>
+    <xs:element name="EntityDisplayName" type="xs:string"/>
+    <xs:element name="EntityInstanceReference" type="xs:string"/>
+    <xs:element name="EntityId1" type="xs:string"/>
+    <xs:element name="EntityId2" type="xs:string"/>
+    <xs:element name="EntityId3" type="xs:string"/>
+    <xs:element name="EntityId4" type="xs:string"/>
+    <xs:element name="EntityId5" type="xs:string"/>
+    <xs:element name="Terms">
+      <xs:complexType>
+        <xs:sequence>
+          <xs:element ref="pc:TermInfo" minOccurs="0" maxOccurs="unbounded"/>
+        </xs:sequence>
+      </xs:complexType>
+    </xs:element>
+    <xs:element name="TermInfo">
+      <xs:complexType>
+        <xs:sequence>
+          <xs:element ref="pc:TermName" minOccurs="0"/>
+          <xs:element ref="pc:TermId" minOccurs="0"/>
+        </xs:sequence>
+      </xs:complexType>
+    </xs:element>
+    <xs:element name="TermName" type="xs:string"/>
+    <xs:element name="TermId" type="xs:string"/>
+  </xs:schema>
+</ct:contentTypeSchema>
+</file>
+
+<file path=customXml/itemProps1.xml><?xml version="1.0" encoding="utf-8"?>
+<ds:datastoreItem xmlns:ds="http://schemas.openxmlformats.org/officeDocument/2006/customXml" ds:itemID="{04098515-0C12-46CF-BC7C-69B4A13CD5FA}">
+  <ds:schemaRefs>
+    <ds:schemaRef ds:uri="http://schemas.microsoft.com/office/2006/metadata/properties"/>
+    <ds:schemaRef ds:uri="http://schemas.microsoft.com/office/infopath/2007/PartnerControls"/>
+    <ds:schemaRef ds:uri="4873beb7-5857-4685-be1f-d57550cc96cc"/>
+  </ds:schemaRefs>
+</ds:datastoreItem>
+</file>
+
+<file path=customXml/itemProps2.xml><?xml version="1.0" encoding="utf-8"?>
+<ds:datastoreItem xmlns:ds="http://schemas.openxmlformats.org/officeDocument/2006/customXml" ds:itemID="{746CFF6F-D9AA-4BC0-911A-0A1356771912}">
+  <ds:schemaRefs>
+    <ds:schemaRef ds:uri="http://schemas.microsoft.com/sharepoint/v3/contenttype/forms"/>
+  </ds:schemaRefs>
+</ds:datastoreItem>
+</file>
+
+<file path=customXml/itemProps3.xml><?xml version="1.0" encoding="utf-8"?>
+<ds:datastoreItem xmlns:ds="http://schemas.openxmlformats.org/officeDocument/2006/customXml" ds:itemID="{0B5C6E15-39DC-470B-9445-F754B9458020}">
+  <ds:schemaRefs>
+    <ds:schemaRef ds:uri="http://schemas.microsoft.com/office/2006/metadata/contentType"/>
+    <ds:schemaRef ds:uri="http://schemas.microsoft.com/office/2006/metadata/properties/metaAttributes"/>
+    <ds:schemaRef ds:uri="http://www.w3.org/2001/XMLSchema"/>
+    <ds:schemaRef ds:uri="http://schemas.microsoft.com/office/2006/metadata/properties"/>
+    <ds:schemaRef ds:uri="4873beb7-5857-4685-be1f-d57550cc96cc"/>
+    <ds:schemaRef ds:uri="http://schemas.microsoft.com/office/2006/documentManagement/types"/>
+    <ds:schemaRef ds:uri="http://schemas.microsoft.com/office/infopath/2007/PartnerControls"/>
+    <ds:schemaRef ds:uri="http://schemas.openxmlformats.org/package/2006/metadata/core-properties"/>
+    <ds:schemaRef ds:uri="http://purl.org/dc/elements/1.1/"/>
+    <ds:schemaRef ds:uri="http://purl.org/dc/terms/"/>
+    <ds:schemaRef ds:uri="http://schemas.microsoft.com/internal/obd"/>
+  </ds:schemaRefs>
+</ds:datastoreItem>
 </file>
--- a/Documentazione/Presentazione.pptx
+++ b/Documentazione/Presentazione.pptx
@@ -144,7 +144,7 @@
 <file path=ppt/revisionInfo.xml><?xml version="1.0" encoding="utf-8"?>
 <p1510:revInfo xmlns:a="http://schemas.openxmlformats.org/drawingml/2006/main" xmlns:r="http://schemas.openxmlformats.org/officeDocument/2006/relationships" xmlns:p1510="http://schemas.microsoft.com/office/powerpoint/2015/10/main">
   <p1510:revLst>
-    <p1510:client id="{B865AAF9-979A-4715-B780-C09D3CC9F3FA}" v="23" dt="2018-11-08T21:49:36.576"/>
+    <p1510:client id="{B865AAF9-979A-4715-B780-C09D3CC9F3FA}" v="24" dt="2018-11-09T15:06:34.860"/>
   </p1510:revLst>
 </p1510:revInfo>
 </file>
@@ -154,7 +154,7 @@
   <pc:docChgLst>
     <pc:chgData name="Fadil Smajilbasic" userId="db79339bd8362c1d" providerId="LiveId" clId="{B865AAF9-979A-4715-B780-C09D3CC9F3FA}"/>
     <pc:docChg chg="undo custSel addSld delSld modSld">
-      <pc:chgData name="Fadil Smajilbasic" userId="db79339bd8362c1d" providerId="LiveId" clId="{B865AAF9-979A-4715-B780-C09D3CC9F3FA}" dt="2018-11-09T14:04:01.267" v="1239" actId="20577"/>
+      <pc:chgData name="Fadil Smajilbasic" userId="db79339bd8362c1d" providerId="LiveId" clId="{B865AAF9-979A-4715-B780-C09D3CC9F3FA}" dt="2018-11-09T15:11:23.282" v="1558" actId="20577"/>
       <pc:docMkLst>
         <pc:docMk/>
       </pc:docMkLst>
@@ -344,6 +344,13 @@
           <pc:sldMk cId="3444435236" sldId="270"/>
         </pc:sldMkLst>
       </pc:sldChg>
+      <pc:sldChg chg="modNotesTx">
+        <pc:chgData name="Fadil Smajilbasic" userId="db79339bd8362c1d" providerId="LiveId" clId="{B865AAF9-979A-4715-B780-C09D3CC9F3FA}" dt="2018-11-09T15:11:23.282" v="1558" actId="20577"/>
+        <pc:sldMkLst>
+          <pc:docMk/>
+          <pc:sldMk cId="1475842300" sldId="271"/>
+        </pc:sldMkLst>
+      </pc:sldChg>
       <pc:sldChg chg="addSp delSp modSp add">
         <pc:chgData name="Fadil Smajilbasic" userId="db79339bd8362c1d" providerId="LiveId" clId="{B865AAF9-979A-4715-B780-C09D3CC9F3FA}" dt="2018-11-09T14:04:01.267" v="1239" actId="20577"/>
         <pc:sldMkLst>
@@ -1045,6 +1052,111 @@
 </file>
 
 <file path=ppt/notesSlides/notesSlide2.xml><?xml version="1.0" encoding="utf-8"?>
+<p:notes xmlns:a="http://schemas.openxmlformats.org/drawingml/2006/main" xmlns:r="http://schemas.openxmlformats.org/officeDocument/2006/relationships" xmlns:p="http://schemas.openxmlformats.org/presentationml/2006/main">
+  <p:cSld>
+    <p:spTree>
+      <p:nvGrpSpPr>
+        <p:cNvPr id="1" name=""/>
+        <p:cNvGrpSpPr/>
+        <p:nvPr/>
+      </p:nvGrpSpPr>
+      <p:grpSpPr>
+        <a:xfrm>
+          <a:off x="0" y="0"/>
+          <a:ext cx="0" cy="0"/>
+          <a:chOff x="0" y="0"/>
+          <a:chExt cx="0" cy="0"/>
+        </a:xfrm>
+      </p:grpSpPr>
+      <p:sp>
+        <p:nvSpPr>
+          <p:cNvPr id="2" name="Slide Image Placeholder 1"/>
+          <p:cNvSpPr>
+            <a:spLocks noGrp="1" noRot="1" noChangeAspect="1"/>
+          </p:cNvSpPr>
+          <p:nvPr>
+            <p:ph type="sldImg"/>
+          </p:nvPr>
+        </p:nvSpPr>
+        <p:spPr/>
+      </p:sp>
+      <p:sp>
+        <p:nvSpPr>
+          <p:cNvPr id="3" name="Notes Placeholder 2"/>
+          <p:cNvSpPr>
+            <a:spLocks noGrp="1"/>
+          </p:cNvSpPr>
+          <p:nvPr>
+            <p:ph type="body" idx="1"/>
+          </p:nvPr>
+        </p:nvSpPr>
+        <p:spPr/>
+        <p:txBody>
+          <a:bodyPr/>
+          <a:lstStyle/>
+          <a:p>
+            <a:r>
+              <a:rPr lang="it-CH" dirty="0"/>
+              <a:t>Per l’implementazione ho usato i seguenti linguaggi di programmazione: HTML, JS,CSS e PHP. </a:t>
+            </a:r>
+          </a:p>
+          <a:p>
+            <a:r>
+              <a:rPr lang="it-CH" dirty="0"/>
+              <a:t>Faccio i controlli lato server e lato client con php con javascript.</a:t>
+            </a:r>
+          </a:p>
+          <a:p>
+            <a:r>
+              <a:rPr lang="it-CH" dirty="0"/>
+              <a:t> uso php solo nell’ultima pagina poiché è superfluo nelle altre</a:t>
+            </a:r>
+          </a:p>
+          <a:p>
+            <a:r>
+              <a:rPr lang="it-CH" dirty="0"/>
+              <a:t>Alcuni campi</a:t>
+            </a:r>
+          </a:p>
+        </p:txBody>
+      </p:sp>
+      <p:sp>
+        <p:nvSpPr>
+          <p:cNvPr id="4" name="Slide Number Placeholder 3"/>
+          <p:cNvSpPr>
+            <a:spLocks noGrp="1"/>
+          </p:cNvSpPr>
+          <p:nvPr>
+            <p:ph type="sldNum" sz="quarter" idx="5"/>
+          </p:nvPr>
+        </p:nvSpPr>
+        <p:spPr/>
+        <p:txBody>
+          <a:bodyPr/>
+          <a:lstStyle/>
+          <a:p>
+            <a:fld id="{5EE2CF44-2B13-41B4-A334-1CDF534EEBBF}" type="slidenum">
+              <a:rPr lang="de-DE" smtClean="0"/>
+              <a:t>8</a:t>
+            </a:fld>
+            <a:endParaRPr lang="de-DE"/>
+          </a:p>
+        </p:txBody>
+      </p:sp>
+    </p:spTree>
+    <p:extLst>
+      <p:ext uri="{BB962C8B-B14F-4D97-AF65-F5344CB8AC3E}">
+        <p14:creationId xmlns:p14="http://schemas.microsoft.com/office/powerpoint/2010/main" val="208936093"/>
+      </p:ext>
+    </p:extLst>
+  </p:cSld>
+  <p:clrMapOvr>
+    <a:masterClrMapping/>
+  </p:clrMapOvr>
+</p:notes>
+</file>
+
+<file path=ppt/notesSlides/notesSlide3.xml><?xml version="1.0" encoding="utf-8"?>
 <p:notes xmlns:a="http://schemas.openxmlformats.org/drawingml/2006/main" xmlns:r="http://schemas.openxmlformats.org/officeDocument/2006/relationships" xmlns:p="http://schemas.openxmlformats.org/presentationml/2006/main">
   <p:cSld>
     <p:spTree>
@@ -5326,7 +5438,7 @@
           <p:nvPr/>
         </p:nvPicPr>
         <p:blipFill>
-          <a:blip r:embed="rId2" cstate="print">
+          <a:blip r:embed="rId3" cstate="print">
             <a:extLst>
               <a:ext uri="{28A0092B-C50C-407E-A947-70E740481C1C}">
                 <a14:useLocalDpi xmlns:a14="http://schemas.microsoft.com/office/drawing/2010/main" val="0"/>
@@ -5362,7 +5474,7 @@
           <p:nvPr/>
         </p:nvPicPr>
         <p:blipFill>
-          <a:blip r:embed="rId3" cstate="print">
+          <a:blip r:embed="rId4" cstate="print">
             <a:extLst>
               <a:ext uri="{28A0092B-C50C-407E-A947-70E740481C1C}">
                 <a14:useLocalDpi xmlns:a14="http://schemas.microsoft.com/office/drawing/2010/main" val="0"/>
@@ -5398,7 +5510,7 @@
           <p:nvPr/>
         </p:nvPicPr>
         <p:blipFill>
-          <a:blip r:embed="rId4">
+          <a:blip r:embed="rId5">
             <a:extLst>
               <a:ext uri="{28A0092B-C50C-407E-A947-70E740481C1C}">
                 <a14:useLocalDpi xmlns:a14="http://schemas.microsoft.com/office/drawing/2010/main" val="0"/>
@@ -5434,7 +5546,7 @@
           <p:nvPr/>
         </p:nvPicPr>
         <p:blipFill>
-          <a:blip r:embed="rId5" cstate="print">
+          <a:blip r:embed="rId6" cstate="print">
             <a:extLst>
               <a:ext uri="{28A0092B-C50C-407E-A947-70E740481C1C}">
                 <a14:useLocalDpi xmlns:a14="http://schemas.microsoft.com/office/drawing/2010/main" val="0"/>
@@ -6429,141 +6541,6 @@
 </file>
 
 <file path=customXml/item1.xml><?xml version="1.0" encoding="utf-8"?>
-<p:properties xmlns:p="http://schemas.microsoft.com/office/2006/metadata/properties" xmlns:xsi="http://www.w3.org/2001/XMLSchema-instance" xmlns:pc="http://schemas.microsoft.com/office/infopath/2007/PartnerControls">
-  <documentManagement>
-    <DirectSourceMarket xmlns="4873beb7-5857-4685-be1f-d57550cc96cc" xsi:nil="true"/>
-    <ApprovalStatus xmlns="4873beb7-5857-4685-be1f-d57550cc96cc">InProgress</ApprovalStatus>
-    <MarketSpecific xmlns="4873beb7-5857-4685-be1f-d57550cc96cc">false</MarketSpecific>
-    <LocComments xmlns="4873beb7-5857-4685-be1f-d57550cc96cc" xsi:nil="true"/>
-    <ThumbnailAssetId xmlns="4873beb7-5857-4685-be1f-d57550cc96cc" xsi:nil="true"/>
-    <PrimaryImageGen xmlns="4873beb7-5857-4685-be1f-d57550cc96cc">true</PrimaryImageGen>
-    <LegacyData xmlns="4873beb7-5857-4685-be1f-d57550cc96cc" xsi:nil="true"/>
-    <LocRecommendedHandoff xmlns="4873beb7-5857-4685-be1f-d57550cc96cc" xsi:nil="true"/>
-    <BusinessGroup xmlns="4873beb7-5857-4685-be1f-d57550cc96cc" xsi:nil="true"/>
-    <BlockPublish xmlns="4873beb7-5857-4685-be1f-d57550cc96cc">false</BlockPublish>
-    <TPFriendlyName xmlns="4873beb7-5857-4685-be1f-d57550cc96cc" xsi:nil="true"/>
-    <NumericId xmlns="4873beb7-5857-4685-be1f-d57550cc96cc" xsi:nil="true"/>
-    <APEditor xmlns="4873beb7-5857-4685-be1f-d57550cc96cc">
-      <UserInfo>
-        <DisplayName/>
-        <AccountId xsi:nil="true"/>
-        <AccountType/>
-      </UserInfo>
-    </APEditor>
-    <SourceTitle xmlns="4873beb7-5857-4685-be1f-d57550cc96cc" xsi:nil="true"/>
-    <OpenTemplate xmlns="4873beb7-5857-4685-be1f-d57550cc96cc">true</OpenTemplate>
-    <UALocComments xmlns="4873beb7-5857-4685-be1f-d57550cc96cc" xsi:nil="true"/>
-    <ParentAssetId xmlns="4873beb7-5857-4685-be1f-d57550cc96cc" xsi:nil="true"/>
-    <IntlLangReviewDate xmlns="4873beb7-5857-4685-be1f-d57550cc96cc" xsi:nil="true"/>
-    <FeatureTagsTaxHTField0 xmlns="4873beb7-5857-4685-be1f-d57550cc96cc">
-      <Terms xmlns="http://schemas.microsoft.com/office/infopath/2007/PartnerControls"/>
-    </FeatureTagsTaxHTField0>
-    <PublishStatusLookup xmlns="4873beb7-5857-4685-be1f-d57550cc96cc">
-      <Value>1566889</Value>
-    </PublishStatusLookup>
-    <Providers xmlns="4873beb7-5857-4685-be1f-d57550cc96cc" xsi:nil="true"/>
-    <MachineTranslated xmlns="4873beb7-5857-4685-be1f-d57550cc96cc">false</MachineTranslated>
-    <OriginalSourceMarket xmlns="4873beb7-5857-4685-be1f-d57550cc96cc" xsi:nil="true"/>
-    <APDescription xmlns="4873beb7-5857-4685-be1f-d57550cc96cc" xsi:nil="true"/>
-    <ClipArtFilename xmlns="4873beb7-5857-4685-be1f-d57550cc96cc" xsi:nil="true"/>
-    <ContentItem xmlns="4873beb7-5857-4685-be1f-d57550cc96cc" xsi:nil="true"/>
-    <TPInstallLocation xmlns="4873beb7-5857-4685-be1f-d57550cc96cc" xsi:nil="true"/>
-    <PublishTargets xmlns="4873beb7-5857-4685-be1f-d57550cc96cc">OfficeOnlineVNext</PublishTargets>
-    <TimesCloned xmlns="4873beb7-5857-4685-be1f-d57550cc96cc" xsi:nil="true"/>
-    <AssetStart xmlns="4873beb7-5857-4685-be1f-d57550cc96cc">2012-05-23T08:44:00+00:00</AssetStart>
-    <Provider xmlns="4873beb7-5857-4685-be1f-d57550cc96cc" xsi:nil="true"/>
-    <AcquiredFrom xmlns="4873beb7-5857-4685-be1f-d57550cc96cc">Internal MS</AcquiredFrom>
-    <FriendlyTitle xmlns="4873beb7-5857-4685-be1f-d57550cc96cc" xsi:nil="true"/>
-    <LastHandOff xmlns="4873beb7-5857-4685-be1f-d57550cc96cc" xsi:nil="true"/>
-    <TPClientViewer xmlns="4873beb7-5857-4685-be1f-d57550cc96cc" xsi:nil="true"/>
-    <UACurrentWords xmlns="4873beb7-5857-4685-be1f-d57550cc96cc" xsi:nil="true"/>
-    <ArtSampleDocs xmlns="4873beb7-5857-4685-be1f-d57550cc96cc" xsi:nil="true"/>
-    <UALocRecommendation xmlns="4873beb7-5857-4685-be1f-d57550cc96cc">Localize</UALocRecommendation>
-    <Manager xmlns="4873beb7-5857-4685-be1f-d57550cc96cc" xsi:nil="true"/>
-    <ShowIn xmlns="4873beb7-5857-4685-be1f-d57550cc96cc">Show everywhere</ShowIn>
-    <UANotes xmlns="4873beb7-5857-4685-be1f-d57550cc96cc" xsi:nil="true"/>
-    <TemplateStatus xmlns="4873beb7-5857-4685-be1f-d57550cc96cc">Complete</TemplateStatus>
-    <InternalTagsTaxHTField0 xmlns="4873beb7-5857-4685-be1f-d57550cc96cc">
-      <Terms xmlns="http://schemas.microsoft.com/office/infopath/2007/PartnerControls"/>
-    </InternalTagsTaxHTField0>
-    <CSXHash xmlns="4873beb7-5857-4685-be1f-d57550cc96cc" xsi:nil="true"/>
-    <Downloads xmlns="4873beb7-5857-4685-be1f-d57550cc96cc">0</Downloads>
-    <VoteCount xmlns="4873beb7-5857-4685-be1f-d57550cc96cc" xsi:nil="true"/>
-    <OOCacheId xmlns="4873beb7-5857-4685-be1f-d57550cc96cc" xsi:nil="true"/>
-    <IsDeleted xmlns="4873beb7-5857-4685-be1f-d57550cc96cc">false</IsDeleted>
-    <AssetExpire xmlns="4873beb7-5857-4685-be1f-d57550cc96cc">2029-01-01T08:00:00+00:00</AssetExpire>
-    <DSATActionTaken xmlns="4873beb7-5857-4685-be1f-d57550cc96cc" xsi:nil="true"/>
-    <CSXSubmissionMarket xmlns="4873beb7-5857-4685-be1f-d57550cc96cc" xsi:nil="true"/>
-    <TPExecutable xmlns="4873beb7-5857-4685-be1f-d57550cc96cc" xsi:nil="true"/>
-    <SubmitterId xmlns="4873beb7-5857-4685-be1f-d57550cc96cc" xsi:nil="true"/>
-    <EditorialTags xmlns="4873beb7-5857-4685-be1f-d57550cc96cc" xsi:nil="true"/>
-    <ApprovalLog xmlns="4873beb7-5857-4685-be1f-d57550cc96cc" xsi:nil="true"/>
-    <AssetType xmlns="4873beb7-5857-4685-be1f-d57550cc96cc">TP</AssetType>
-    <BugNumber xmlns="4873beb7-5857-4685-be1f-d57550cc96cc" xsi:nil="true"/>
-    <CSXSubmissionDate xmlns="4873beb7-5857-4685-be1f-d57550cc96cc" xsi:nil="true"/>
-    <CSXUpdate xmlns="4873beb7-5857-4685-be1f-d57550cc96cc">false</CSXUpdate>
-    <Milestone xmlns="4873beb7-5857-4685-be1f-d57550cc96cc" xsi:nil="true"/>
-    <RecommendationsModifier xmlns="4873beb7-5857-4685-be1f-d57550cc96cc" xsi:nil="true"/>
-    <OriginAsset xmlns="4873beb7-5857-4685-be1f-d57550cc96cc" xsi:nil="true"/>
-    <TPComponent xmlns="4873beb7-5857-4685-be1f-d57550cc96cc" xsi:nil="true"/>
-    <AssetId xmlns="4873beb7-5857-4685-be1f-d57550cc96cc">TP102901017</AssetId>
-    <IntlLocPriority xmlns="4873beb7-5857-4685-be1f-d57550cc96cc" xsi:nil="true"/>
-    <PolicheckWords xmlns="4873beb7-5857-4685-be1f-d57550cc96cc" xsi:nil="true"/>
-    <TPLaunchHelpLink xmlns="4873beb7-5857-4685-be1f-d57550cc96cc" xsi:nil="true"/>
-    <TPApplication xmlns="4873beb7-5857-4685-be1f-d57550cc96cc" xsi:nil="true"/>
-    <CrawlForDependencies xmlns="4873beb7-5857-4685-be1f-d57550cc96cc">false</CrawlForDependencies>
-    <HandoffToMSDN xmlns="4873beb7-5857-4685-be1f-d57550cc96cc" xsi:nil="true"/>
-    <PlannedPubDate xmlns="4873beb7-5857-4685-be1f-d57550cc96cc" xsi:nil="true"/>
-    <IntlLangReviewer xmlns="4873beb7-5857-4685-be1f-d57550cc96cc" xsi:nil="true"/>
-    <TrustLevel xmlns="4873beb7-5857-4685-be1f-d57550cc96cc">1 Microsoft Managed Content</TrustLevel>
-    <LocLastLocAttemptVersionLookup xmlns="4873beb7-5857-4685-be1f-d57550cc96cc">836753</LocLastLocAttemptVersionLookup>
-    <IsSearchable xmlns="4873beb7-5857-4685-be1f-d57550cc96cc">true</IsSearchable>
-    <TemplateTemplateType xmlns="4873beb7-5857-4685-be1f-d57550cc96cc">PowerPoint Design Template</TemplateTemplateType>
-    <CampaignTagsTaxHTField0 xmlns="4873beb7-5857-4685-be1f-d57550cc96cc">
-      <Terms xmlns="http://schemas.microsoft.com/office/infopath/2007/PartnerControls"/>
-    </CampaignTagsTaxHTField0>
-    <TPNamespace xmlns="4873beb7-5857-4685-be1f-d57550cc96cc" xsi:nil="true"/>
-    <TaxCatchAll xmlns="4873beb7-5857-4685-be1f-d57550cc96cc"/>
-    <Markets xmlns="4873beb7-5857-4685-be1f-d57550cc96cc"/>
-    <UAProjectedTotalWords xmlns="4873beb7-5857-4685-be1f-d57550cc96cc" xsi:nil="true"/>
-    <IntlLangReview xmlns="4873beb7-5857-4685-be1f-d57550cc96cc">false</IntlLangReview>
-    <OutputCachingOn xmlns="4873beb7-5857-4685-be1f-d57550cc96cc">false</OutputCachingOn>
-    <AverageRating xmlns="4873beb7-5857-4685-be1f-d57550cc96cc" xsi:nil="true"/>
-    <APAuthor xmlns="4873beb7-5857-4685-be1f-d57550cc96cc">
-      <UserInfo>
-        <DisplayName>REDMOND\v-anij</DisplayName>
-        <AccountId>2469</AccountId>
-        <AccountType/>
-      </UserInfo>
-    </APAuthor>
-    <LocManualTestRequired xmlns="4873beb7-5857-4685-be1f-d57550cc96cc">false</LocManualTestRequired>
-    <TPCommandLine xmlns="4873beb7-5857-4685-be1f-d57550cc96cc" xsi:nil="true"/>
-    <TPAppVersion xmlns="4873beb7-5857-4685-be1f-d57550cc96cc" xsi:nil="true"/>
-    <EditorialStatus xmlns="4873beb7-5857-4685-be1f-d57550cc96cc">Complete</EditorialStatus>
-    <LastModifiedDateTime xmlns="4873beb7-5857-4685-be1f-d57550cc96cc" xsi:nil="true"/>
-    <ScenarioTagsTaxHTField0 xmlns="4873beb7-5857-4685-be1f-d57550cc96cc">
-      <Terms xmlns="http://schemas.microsoft.com/office/infopath/2007/PartnerControls"/>
-    </ScenarioTagsTaxHTField0>
-    <OriginalRelease xmlns="4873beb7-5857-4685-be1f-d57550cc96cc">15</OriginalRelease>
-    <TPLaunchHelpLinkType xmlns="4873beb7-5857-4685-be1f-d57550cc96cc">Template</TPLaunchHelpLinkType>
-    <LocalizationTagsTaxHTField0 xmlns="4873beb7-5857-4685-be1f-d57550cc96cc">
-      <Terms xmlns="http://schemas.microsoft.com/office/infopath/2007/PartnerControls"/>
-    </LocalizationTagsTaxHTField0>
-    <LocMarketGroupTiers2 xmlns="4873beb7-5857-4685-be1f-d57550cc96cc" xsi:nil="true"/>
-  </documentManagement>
-</p:properties>
-</file>
-
-<file path=customXml/item2.xml><?xml version="1.0" encoding="utf-8"?>
-<?mso-contentType ?>
-<FormTemplates xmlns="http://schemas.microsoft.com/sharepoint/v3/contenttype/forms">
-  <Display>DocumentLibraryForm</Display>
-  <Edit>AssetEditForm</Edit>
-  <New>DocumentLibraryForm</New>
-</FormTemplates>
-</file>
-
-<file path=customXml/item3.xml><?xml version="1.0" encoding="utf-8"?>
 <ct:contentTypeSchema xmlns:ct="http://schemas.microsoft.com/office/2006/metadata/contentType" xmlns:ma="http://schemas.microsoft.com/office/2006/metadata/properties/metaAttributes" ct:_="" ma:_="" ma:contentTypeName="TemplateFile" ma:contentTypeID="0x0101006EDDDB5EE6D98C44930B742096920B300400F5B6D36B3EF94B4E9A635CDF2A18F5B8" ma:contentTypeVersion="72" ma:contentTypeDescription="Create a new document." ma:contentTypeScope="" ma:versionID="a23e56308344d904b51738559c3d67c9">
   <xsd:schema xmlns:xsd="http://www.w3.org/2001/XMLSchema" xmlns:xs="http://www.w3.org/2001/XMLSchema" xmlns:p="http://schemas.microsoft.com/office/2006/metadata/properties" xmlns:ns2="4873beb7-5857-4685-be1f-d57550cc96cc" targetNamespace="http://schemas.microsoft.com/office/2006/metadata/properties" ma:root="true" ma:fieldsID="cd0908cc4600e77bf5da051303e00c8d" ns2:_="">
     <xsd:import namespace="4873beb7-5857-4685-be1f-d57550cc96cc"/>
@@ -7603,25 +7580,142 @@
 </ct:contentTypeSchema>
 </file>
 
-<file path=customXml/itemProps1.xml><?xml version="1.0" encoding="utf-8"?>
-<ds:datastoreItem xmlns:ds="http://schemas.openxmlformats.org/officeDocument/2006/customXml" ds:itemID="{04098515-0C12-46CF-BC7C-69B4A13CD5FA}">
-  <ds:schemaRefs>
-    <ds:schemaRef ds:uri="http://schemas.microsoft.com/office/2006/metadata/properties"/>
-    <ds:schemaRef ds:uri="http://schemas.microsoft.com/office/infopath/2007/PartnerControls"/>
-    <ds:schemaRef ds:uri="4873beb7-5857-4685-be1f-d57550cc96cc"/>
-  </ds:schemaRefs>
-</ds:datastoreItem>
+<file path=customXml/item2.xml><?xml version="1.0" encoding="utf-8"?>
+<?mso-contentType ?>
+<FormTemplates xmlns="http://schemas.microsoft.com/sharepoint/v3/contenttype/forms">
+  <Display>DocumentLibraryForm</Display>
+  <Edit>AssetEditForm</Edit>
+  <New>DocumentLibraryForm</New>
+</FormTemplates>
 </file>
 
-<file path=customXml/itemProps2.xml><?xml version="1.0" encoding="utf-8"?>
-<ds:datastoreItem xmlns:ds="http://schemas.openxmlformats.org/officeDocument/2006/customXml" ds:itemID="{746CFF6F-D9AA-4BC0-911A-0A1356771912}">
-  <ds:schemaRefs>
-    <ds:schemaRef ds:uri="http://schemas.microsoft.com/sharepoint/v3/contenttype/forms"/>
-  </ds:schemaRefs>
-</ds:datastoreItem>
+<file path=customXml/item3.xml><?xml version="1.0" encoding="utf-8"?>
+<p:properties xmlns:p="http://schemas.microsoft.com/office/2006/metadata/properties" xmlns:xsi="http://www.w3.org/2001/XMLSchema-instance" xmlns:pc="http://schemas.microsoft.com/office/infopath/2007/PartnerControls">
+  <documentManagement>
+    <DirectSourceMarket xmlns="4873beb7-5857-4685-be1f-d57550cc96cc" xsi:nil="true"/>
+    <ApprovalStatus xmlns="4873beb7-5857-4685-be1f-d57550cc96cc">InProgress</ApprovalStatus>
+    <MarketSpecific xmlns="4873beb7-5857-4685-be1f-d57550cc96cc">false</MarketSpecific>
+    <LocComments xmlns="4873beb7-5857-4685-be1f-d57550cc96cc" xsi:nil="true"/>
+    <ThumbnailAssetId xmlns="4873beb7-5857-4685-be1f-d57550cc96cc" xsi:nil="true"/>
+    <PrimaryImageGen xmlns="4873beb7-5857-4685-be1f-d57550cc96cc">true</PrimaryImageGen>
+    <LegacyData xmlns="4873beb7-5857-4685-be1f-d57550cc96cc" xsi:nil="true"/>
+    <LocRecommendedHandoff xmlns="4873beb7-5857-4685-be1f-d57550cc96cc" xsi:nil="true"/>
+    <BusinessGroup xmlns="4873beb7-5857-4685-be1f-d57550cc96cc" xsi:nil="true"/>
+    <BlockPublish xmlns="4873beb7-5857-4685-be1f-d57550cc96cc">false</BlockPublish>
+    <TPFriendlyName xmlns="4873beb7-5857-4685-be1f-d57550cc96cc" xsi:nil="true"/>
+    <NumericId xmlns="4873beb7-5857-4685-be1f-d57550cc96cc" xsi:nil="true"/>
+    <APEditor xmlns="4873beb7-5857-4685-be1f-d57550cc96cc">
+      <UserInfo>
+        <DisplayName/>
+        <AccountId xsi:nil="true"/>
+        <AccountType/>
+      </UserInfo>
+    </APEditor>
+    <SourceTitle xmlns="4873beb7-5857-4685-be1f-d57550cc96cc" xsi:nil="true"/>
+    <OpenTemplate xmlns="4873beb7-5857-4685-be1f-d57550cc96cc">true</OpenTemplate>
+    <UALocComments xmlns="4873beb7-5857-4685-be1f-d57550cc96cc" xsi:nil="true"/>
+    <ParentAssetId xmlns="4873beb7-5857-4685-be1f-d57550cc96cc" xsi:nil="true"/>
+    <IntlLangReviewDate xmlns="4873beb7-5857-4685-be1f-d57550cc96cc" xsi:nil="true"/>
+    <FeatureTagsTaxHTField0 xmlns="4873beb7-5857-4685-be1f-d57550cc96cc">
+      <Terms xmlns="http://schemas.microsoft.com/office/infopath/2007/PartnerControls"/>
+    </FeatureTagsTaxHTField0>
+    <PublishStatusLookup xmlns="4873beb7-5857-4685-be1f-d57550cc96cc">
+      <Value>1566889</Value>
+    </PublishStatusLookup>
+    <Providers xmlns="4873beb7-5857-4685-be1f-d57550cc96cc" xsi:nil="true"/>
+    <MachineTranslated xmlns="4873beb7-5857-4685-be1f-d57550cc96cc">false</MachineTranslated>
+    <OriginalSourceMarket xmlns="4873beb7-5857-4685-be1f-d57550cc96cc" xsi:nil="true"/>
+    <APDescription xmlns="4873beb7-5857-4685-be1f-d57550cc96cc" xsi:nil="true"/>
+    <ClipArtFilename xmlns="4873beb7-5857-4685-be1f-d57550cc96cc" xsi:nil="true"/>
+    <ContentItem xmlns="4873beb7-5857-4685-be1f-d57550cc96cc" xsi:nil="true"/>
+    <TPInstallLocation xmlns="4873beb7-5857-4685-be1f-d57550cc96cc" xsi:nil="true"/>
+    <PublishTargets xmlns="4873beb7-5857-4685-be1f-d57550cc96cc">OfficeOnlineVNext</PublishTargets>
+    <TimesCloned xmlns="4873beb7-5857-4685-be1f-d57550cc96cc" xsi:nil="true"/>
+    <AssetStart xmlns="4873beb7-5857-4685-be1f-d57550cc96cc">2012-05-23T08:44:00+00:00</AssetStart>
+    <Provider xmlns="4873beb7-5857-4685-be1f-d57550cc96cc" xsi:nil="true"/>
+    <AcquiredFrom xmlns="4873beb7-5857-4685-be1f-d57550cc96cc">Internal MS</AcquiredFrom>
+    <FriendlyTitle xmlns="4873beb7-5857-4685-be1f-d57550cc96cc" xsi:nil="true"/>
+    <LastHandOff xmlns="4873beb7-5857-4685-be1f-d57550cc96cc" xsi:nil="true"/>
+    <TPClientViewer xmlns="4873beb7-5857-4685-be1f-d57550cc96cc" xsi:nil="true"/>
+    <UACurrentWords xmlns="4873beb7-5857-4685-be1f-d57550cc96cc" xsi:nil="true"/>
+    <ArtSampleDocs xmlns="4873beb7-5857-4685-be1f-d57550cc96cc" xsi:nil="true"/>
+    <UALocRecommendation xmlns="4873beb7-5857-4685-be1f-d57550cc96cc">Localize</UALocRecommendation>
+    <Manager xmlns="4873beb7-5857-4685-be1f-d57550cc96cc" xsi:nil="true"/>
+    <ShowIn xmlns="4873beb7-5857-4685-be1f-d57550cc96cc">Show everywhere</ShowIn>
+    <UANotes xmlns="4873beb7-5857-4685-be1f-d57550cc96cc" xsi:nil="true"/>
+    <TemplateStatus xmlns="4873beb7-5857-4685-be1f-d57550cc96cc">Complete</TemplateStatus>
+    <InternalTagsTaxHTField0 xmlns="4873beb7-5857-4685-be1f-d57550cc96cc">
+      <Terms xmlns="http://schemas.microsoft.com/office/infopath/2007/PartnerControls"/>
+    </InternalTagsTaxHTField0>
+    <CSXHash xmlns="4873beb7-5857-4685-be1f-d57550cc96cc" xsi:nil="true"/>
+    <Downloads xmlns="4873beb7-5857-4685-be1f-d57550cc96cc">0</Downloads>
+    <VoteCount xmlns="4873beb7-5857-4685-be1f-d57550cc96cc" xsi:nil="true"/>
+    <OOCacheId xmlns="4873beb7-5857-4685-be1f-d57550cc96cc" xsi:nil="true"/>
+    <IsDeleted xmlns="4873beb7-5857-4685-be1f-d57550cc96cc">false</IsDeleted>
+    <AssetExpire xmlns="4873beb7-5857-4685-be1f-d57550cc96cc">2029-01-01T08:00:00+00:00</AssetExpire>
+    <DSATActionTaken xmlns="4873beb7-5857-4685-be1f-d57550cc96cc" xsi:nil="true"/>
+    <CSXSubmissionMarket xmlns="4873beb7-5857-4685-be1f-d57550cc96cc" xsi:nil="true"/>
+    <TPExecutable xmlns="4873beb7-5857-4685-be1f-d57550cc96cc" xsi:nil="true"/>
+    <SubmitterId xmlns="4873beb7-5857-4685-be1f-d57550cc96cc" xsi:nil="true"/>
+    <EditorialTags xmlns="4873beb7-5857-4685-be1f-d57550cc96cc" xsi:nil="true"/>
+    <ApprovalLog xmlns="4873beb7-5857-4685-be1f-d57550cc96cc" xsi:nil="true"/>
+    <AssetType xmlns="4873beb7-5857-4685-be1f-d57550cc96cc">TP</AssetType>
+    <BugNumber xmlns="4873beb7-5857-4685-be1f-d57550cc96cc" xsi:nil="true"/>
+    <CSXSubmissionDate xmlns="4873beb7-5857-4685-be1f-d57550cc96cc" xsi:nil="true"/>
+    <CSXUpdate xmlns="4873beb7-5857-4685-be1f-d57550cc96cc">false</CSXUpdate>
+    <Milestone xmlns="4873beb7-5857-4685-be1f-d57550cc96cc" xsi:nil="true"/>
+    <RecommendationsModifier xmlns="4873beb7-5857-4685-be1f-d57550cc96cc" xsi:nil="true"/>
+    <OriginAsset xmlns="4873beb7-5857-4685-be1f-d57550cc96cc" xsi:nil="true"/>
+    <TPComponent xmlns="4873beb7-5857-4685-be1f-d57550cc96cc" xsi:nil="true"/>
+    <AssetId xmlns="4873beb7-5857-4685-be1f-d57550cc96cc">TP102901017</AssetId>
+    <IntlLocPriority xmlns="4873beb7-5857-4685-be1f-d57550cc96cc" xsi:nil="true"/>
+    <PolicheckWords xmlns="4873beb7-5857-4685-be1f-d57550cc96cc" xsi:nil="true"/>
+    <TPLaunchHelpLink xmlns="4873beb7-5857-4685-be1f-d57550cc96cc" xsi:nil="true"/>
+    <TPApplication xmlns="4873beb7-5857-4685-be1f-d57550cc96cc" xsi:nil="true"/>
+    <CrawlForDependencies xmlns="4873beb7-5857-4685-be1f-d57550cc96cc">false</CrawlForDependencies>
+    <HandoffToMSDN xmlns="4873beb7-5857-4685-be1f-d57550cc96cc" xsi:nil="true"/>
+    <PlannedPubDate xmlns="4873beb7-5857-4685-be1f-d57550cc96cc" xsi:nil="true"/>
+    <IntlLangReviewer xmlns="4873beb7-5857-4685-be1f-d57550cc96cc" xsi:nil="true"/>
+    <TrustLevel xmlns="4873beb7-5857-4685-be1f-d57550cc96cc">1 Microsoft Managed Content</TrustLevel>
+    <LocLastLocAttemptVersionLookup xmlns="4873beb7-5857-4685-be1f-d57550cc96cc">836753</LocLastLocAttemptVersionLookup>
+    <IsSearchable xmlns="4873beb7-5857-4685-be1f-d57550cc96cc">true</IsSearchable>
+    <TemplateTemplateType xmlns="4873beb7-5857-4685-be1f-d57550cc96cc">PowerPoint Design Template</TemplateTemplateType>
+    <CampaignTagsTaxHTField0 xmlns="4873beb7-5857-4685-be1f-d57550cc96cc">
+      <Terms xmlns="http://schemas.microsoft.com/office/infopath/2007/PartnerControls"/>
+    </CampaignTagsTaxHTField0>
+    <TPNamespace xmlns="4873beb7-5857-4685-be1f-d57550cc96cc" xsi:nil="true"/>
+    <TaxCatchAll xmlns="4873beb7-5857-4685-be1f-d57550cc96cc"/>
+    <Markets xmlns="4873beb7-5857-4685-be1f-d57550cc96cc"/>
+    <UAProjectedTotalWords xmlns="4873beb7-5857-4685-be1f-d57550cc96cc" xsi:nil="true"/>
+    <IntlLangReview xmlns="4873beb7-5857-4685-be1f-d57550cc96cc">false</IntlLangReview>
+    <OutputCachingOn xmlns="4873beb7-5857-4685-be1f-d57550cc96cc">false</OutputCachingOn>
+    <AverageRating xmlns="4873beb7-5857-4685-be1f-d57550cc96cc" xsi:nil="true"/>
+    <APAuthor xmlns="4873beb7-5857-4685-be1f-d57550cc96cc">
+      <UserInfo>
+        <DisplayName>REDMOND\v-anij</DisplayName>
+        <AccountId>2469</AccountId>
+        <AccountType/>
+      </UserInfo>
+    </APAuthor>
+    <LocManualTestRequired xmlns="4873beb7-5857-4685-be1f-d57550cc96cc">false</LocManualTestRequired>
+    <TPCommandLine xmlns="4873beb7-5857-4685-be1f-d57550cc96cc" xsi:nil="true"/>
+    <TPAppVersion xmlns="4873beb7-5857-4685-be1f-d57550cc96cc" xsi:nil="true"/>
+    <EditorialStatus xmlns="4873beb7-5857-4685-be1f-d57550cc96cc">Complete</EditorialStatus>
+    <LastModifiedDateTime xmlns="4873beb7-5857-4685-be1f-d57550cc96cc" xsi:nil="true"/>
+    <ScenarioTagsTaxHTField0 xmlns="4873beb7-5857-4685-be1f-d57550cc96cc">
+      <Terms xmlns="http://schemas.microsoft.com/office/infopath/2007/PartnerControls"/>
+    </ScenarioTagsTaxHTField0>
+    <OriginalRelease xmlns="4873beb7-5857-4685-be1f-d57550cc96cc">15</OriginalRelease>
+    <TPLaunchHelpLinkType xmlns="4873beb7-5857-4685-be1f-d57550cc96cc">Template</TPLaunchHelpLinkType>
+    <LocalizationTagsTaxHTField0 xmlns="4873beb7-5857-4685-be1f-d57550cc96cc">
+      <Terms xmlns="http://schemas.microsoft.com/office/infopath/2007/PartnerControls"/>
+    </LocalizationTagsTaxHTField0>
+    <LocMarketGroupTiers2 xmlns="4873beb7-5857-4685-be1f-d57550cc96cc" xsi:nil="true"/>
+  </documentManagement>
+</p:properties>
 </file>
 
-<file path=customXml/itemProps3.xml><?xml version="1.0" encoding="utf-8"?>
+<file path=customXml/itemProps1.xml><?xml version="1.0" encoding="utf-8"?>
 <ds:datastoreItem xmlns:ds="http://schemas.openxmlformats.org/officeDocument/2006/customXml" ds:itemID="{0B5C6E15-39DC-470B-9445-F754B9458020}">
   <ds:schemaRefs>
     <ds:schemaRef ds:uri="http://schemas.microsoft.com/office/2006/metadata/contentType"/>
@@ -7637,4 +7731,22 @@
     <ds:schemaRef ds:uri="http://schemas.microsoft.com/internal/obd"/>
   </ds:schemaRefs>
 </ds:datastoreItem>
+</file>
+
+<file path=customXml/itemProps2.xml><?xml version="1.0" encoding="utf-8"?>
+<ds:datastoreItem xmlns:ds="http://schemas.openxmlformats.org/officeDocument/2006/customXml" ds:itemID="{746CFF6F-D9AA-4BC0-911A-0A1356771912}">
+  <ds:schemaRefs>
+    <ds:schemaRef ds:uri="http://schemas.microsoft.com/sharepoint/v3/contenttype/forms"/>
+  </ds:schemaRefs>
+</ds:datastoreItem>
+</file>
+
+<file path=customXml/itemProps3.xml><?xml version="1.0" encoding="utf-8"?>
+<ds:datastoreItem xmlns:ds="http://schemas.openxmlformats.org/officeDocument/2006/customXml" ds:itemID="{04098515-0C12-46CF-BC7C-69B4A13CD5FA}">
+  <ds:schemaRefs>
+    <ds:schemaRef ds:uri="http://schemas.microsoft.com/office/2006/metadata/properties"/>
+    <ds:schemaRef ds:uri="http://schemas.microsoft.com/office/infopath/2007/PartnerControls"/>
+    <ds:schemaRef ds:uri="4873beb7-5857-4685-be1f-d57550cc96cc"/>
+  </ds:schemaRefs>
+</ds:datastoreItem>
 </file>